--- a/结题.pptx
+++ b/结题.pptx
@@ -7,7 +7,7 @@
     <p:sldMasterId id="2147483679" r:id="rId3"/>
   </p:sldMasterIdLst>
   <p:notesMasterIdLst>
-    <p:notesMasterId r:id="rId23"/>
+    <p:notesMasterId r:id="rId22"/>
   </p:notesMasterIdLst>
   <p:sldIdLst>
     <p:sldId id="257" r:id="rId4"/>
@@ -19,21 +19,20 @@
     <p:sldId id="304" r:id="rId10"/>
     <p:sldId id="289" r:id="rId11"/>
     <p:sldId id="315" r:id="rId12"/>
-    <p:sldId id="319" r:id="rId13"/>
-    <p:sldId id="320" r:id="rId14"/>
-    <p:sldId id="321" r:id="rId15"/>
-    <p:sldId id="322" r:id="rId16"/>
-    <p:sldId id="323" r:id="rId17"/>
-    <p:sldId id="324" r:id="rId18"/>
-    <p:sldId id="318" r:id="rId19"/>
-    <p:sldId id="307" r:id="rId20"/>
-    <p:sldId id="325" r:id="rId21"/>
-    <p:sldId id="266" r:id="rId22"/>
+    <p:sldId id="326" r:id="rId13"/>
+    <p:sldId id="327" r:id="rId14"/>
+    <p:sldId id="328" r:id="rId15"/>
+    <p:sldId id="319" r:id="rId16"/>
+    <p:sldId id="324" r:id="rId17"/>
+    <p:sldId id="318" r:id="rId18"/>
+    <p:sldId id="307" r:id="rId19"/>
+    <p:sldId id="325" r:id="rId20"/>
+    <p:sldId id="266" r:id="rId21"/>
   </p:sldIdLst>
   <p:sldSz cx="9144000" cy="6858000" type="screen4x3"/>
   <p:notesSz cx="6858000" cy="9144000"/>
   <p:custDataLst>
-    <p:tags r:id="rId24"/>
+    <p:tags r:id="rId23"/>
   </p:custDataLst>
   <p:defaultTextStyle>
     <a:defPPr>
@@ -321,7 +320,7 @@
           <a:p>
             <a:fld id="{D2A48B96-639E-45A3-A0BA-2464DFDB1FAA}" type="datetimeFigureOut">
               <a:rPr lang="zh-CN" altLang="en-US" smtClean="0"/>
-              <a:t>2023/8/26</a:t>
+              <a:t>2023/8/27</a:t>
             </a:fld>
             <a:endParaRPr lang="zh-CN" altLang="en-US"/>
           </a:p>
@@ -711,7 +710,23 @@
           <a:p>
             <a:r>
               <a:rPr lang="zh-CN" altLang="en-US" dirty="0"/>
-              <a:t>之后，我们对收集到的数据进行筛选和处理，基于风电功率曲线的规则和密度聚类算法进行清洗，从</a:t>
+              <a:t>在数据收集部分，我们找到了某风电场</a:t>
+            </a:r>
+            <a:r>
+              <a:rPr lang="en-US" altLang="zh-CN" dirty="0"/>
+              <a:t>SCADA</a:t>
+            </a:r>
+            <a:r>
+              <a:rPr lang="zh-CN" altLang="en-US" dirty="0"/>
+              <a:t>系统的实时监测数据，以</a:t>
+            </a:r>
+            <a:r>
+              <a:rPr lang="en-US" altLang="zh-CN" dirty="0"/>
+              <a:t>30</a:t>
+            </a:r>
+            <a:r>
+              <a:rPr lang="zh-CN" altLang="en-US" dirty="0"/>
+              <a:t>秒为颗粒度得到了时间跨度为一周共计</a:t>
             </a:r>
             <a:r>
               <a:rPr lang="en-US" altLang="zh-CN" dirty="0"/>
@@ -719,15 +734,7 @@
             </a:r>
             <a:r>
               <a:rPr lang="zh-CN" altLang="en-US" dirty="0"/>
-              <a:t>万个数据点中提取得到约</a:t>
-            </a:r>
-            <a:r>
-              <a:rPr lang="en-US" altLang="zh-CN" dirty="0"/>
-              <a:t>60</a:t>
-            </a:r>
-            <a:r>
-              <a:rPr lang="zh-CN" altLang="en-US" dirty="0"/>
-              <a:t>万个有效数据点，作为之后训练模型的输入。</a:t>
+              <a:t>万个数据点，其中包含风速，风向角，气温，桨距角等多个影响风电功率的因素。</a:t>
             </a:r>
           </a:p>
         </p:txBody>
@@ -756,6 +763,11 @@
         </p:txBody>
       </p:sp>
     </p:spTree>
+    <p:extLst>
+      <p:ext uri="{BB962C8B-B14F-4D97-AF65-F5344CB8AC3E}">
+        <p14:creationId xmlns:p14="http://schemas.microsoft.com/office/powerpoint/2010/main" val="3924706322"/>
+      </p:ext>
+    </p:extLst>
   </p:cSld>
   <p:clrMapOvr>
     <a:masterClrMapping/>
@@ -809,23 +821,31 @@
           <a:p>
             <a:r>
               <a:rPr lang="zh-CN" altLang="en-US" dirty="0"/>
-              <a:t>我们在建立神经网络模型时选用了五种较成熟且效果较好的模型，选择不同模型进行横向对比得到更优的预测效果。通过调节训练次数，隐藏层层数等模型参数可以更有效的减小误差。右图为使用了</a:t>
+              <a:t>在数据收集部分，我们找到了某风电场</a:t>
             </a:r>
             <a:r>
               <a:rPr lang="en-US" altLang="zh-CN" dirty="0"/>
-              <a:t>1000</a:t>
+              <a:t>SCADA</a:t>
             </a:r>
             <a:r>
               <a:rPr lang="zh-CN" altLang="en-US" dirty="0"/>
-              <a:t>个数据作为输入的</a:t>
+              <a:t>系统的实时监测数据，以</a:t>
             </a:r>
             <a:r>
               <a:rPr lang="en-US" altLang="zh-CN" dirty="0"/>
-              <a:t>LSTM</a:t>
+              <a:t>30</a:t>
             </a:r>
             <a:r>
               <a:rPr lang="zh-CN" altLang="en-US" dirty="0"/>
-              <a:t>模型的预测效果，在后续的开发中，我们也可以通过增加数据量继续减小误差，提升精度。</a:t>
+              <a:t>秒为颗粒度得到了时间跨度为一周共计</a:t>
+            </a:r>
+            <a:r>
+              <a:rPr lang="en-US" altLang="zh-CN" dirty="0"/>
+              <a:t>104</a:t>
+            </a:r>
+            <a:r>
+              <a:rPr lang="zh-CN" altLang="en-US" dirty="0"/>
+              <a:t>万个数据点，其中包含风速，风向角，气温，桨距角等多个影响风电功率的因素。</a:t>
             </a:r>
           </a:p>
         </p:txBody>
@@ -854,6 +874,11 @@
         </p:txBody>
       </p:sp>
     </p:spTree>
+    <p:extLst>
+      <p:ext uri="{BB962C8B-B14F-4D97-AF65-F5344CB8AC3E}">
+        <p14:creationId xmlns:p14="http://schemas.microsoft.com/office/powerpoint/2010/main" val="2310103690"/>
+      </p:ext>
+    </p:extLst>
   </p:cSld>
   <p:clrMapOvr>
     <a:masterClrMapping/>
@@ -905,91 +930,34 @@
           <a:bodyPr/>
           <a:lstStyle/>
           <a:p>
-            <a:pPr marL="0" marR="0" lvl="0" indent="0" algn="l" defTabSz="914400" rtl="0" eaLnBrk="1" fontAlgn="auto" latinLnBrk="0" hangingPunct="1">
-              <a:lnSpc>
-                <a:spcPct val="100000"/>
-              </a:lnSpc>
-              <a:spcBef>
-                <a:spcPts val="0"/>
-              </a:spcBef>
-              <a:spcAft>
-                <a:spcPts val="0"/>
-              </a:spcAft>
-              <a:buClrTx/>
-              <a:buSzTx/>
-              <a:buFontTx/>
-              <a:buNone/>
-              <a:defRPr/>
-            </a:pPr>
-            <a:r>
-              <a:rPr lang="zh-CN" altLang="en-US" sz="1800" kern="1200" dirty="0">
-                <a:solidFill>
-                  <a:srgbClr val="000000"/>
-                </a:solidFill>
-                <a:effectLst/>
-                <a:latin typeface="宋体" panose="02010600030101010101" pitchFamily="2" charset="-122"/>
-                <a:ea typeface="宋体" panose="02010600030101010101" pitchFamily="2" charset="-122"/>
-                <a:cs typeface="mn-cs"/>
-              </a:rPr>
-              <a:t>在模型测试部分，我们引入四种可以衡量模型精确度的度量指标，定量输出模型误差。右图是误差的变化效果，可以看到，随着训练次数增加，各个误差都在不断减小。我们也在代码中加入了</a:t>
-            </a:r>
-            <a:r>
-              <a:rPr lang="en-US" altLang="zh-CN" sz="1800" kern="1200" dirty="0">
-                <a:solidFill>
-                  <a:srgbClr val="000000"/>
-                </a:solidFill>
-                <a:effectLst/>
-                <a:latin typeface="Calibri" panose="020F0502020204030204" pitchFamily="34" charset="0"/>
-                <a:ea typeface="宋体" panose="02010600030101010101" pitchFamily="2" charset="-122"/>
-                <a:cs typeface="mn-cs"/>
-              </a:rPr>
-              <a:t>Early Stopping</a:t>
-            </a:r>
-            <a:r>
-              <a:rPr lang="zh-CN" altLang="en-US" sz="1800" kern="1200" dirty="0">
-                <a:solidFill>
-                  <a:srgbClr val="000000"/>
-                </a:solidFill>
-                <a:effectLst/>
-                <a:latin typeface="宋体" panose="02010600030101010101" pitchFamily="2" charset="-122"/>
-                <a:ea typeface="宋体" panose="02010600030101010101" pitchFamily="2" charset="-122"/>
-                <a:cs typeface="mn-cs"/>
-              </a:rPr>
-              <a:t>模块以监测损失函数（</a:t>
-            </a:r>
-            <a:r>
-              <a:rPr lang="en-US" altLang="zh-CN" sz="1800" kern="1200" dirty="0">
-                <a:solidFill>
-                  <a:srgbClr val="000000"/>
-                </a:solidFill>
-                <a:effectLst/>
-                <a:latin typeface="Calibri" panose="020F0502020204030204" pitchFamily="34" charset="0"/>
-                <a:ea typeface="宋体" panose="02010600030101010101" pitchFamily="2" charset="-122"/>
-                <a:cs typeface="mn-cs"/>
-              </a:rPr>
-              <a:t>loss</a:t>
-            </a:r>
-            <a:r>
-              <a:rPr lang="zh-CN" altLang="en-US" sz="1800" kern="1200">
-                <a:solidFill>
-                  <a:srgbClr val="000000"/>
-                </a:solidFill>
-                <a:effectLst/>
-                <a:latin typeface="宋体" panose="02010600030101010101" pitchFamily="2" charset="-122"/>
-                <a:ea typeface="宋体" panose="02010600030101010101" pitchFamily="2" charset="-122"/>
-                <a:cs typeface="mn-cs"/>
-              </a:rPr>
-              <a:t>），如果在一定数量的训练次数内损失没有显著改善（即没有下降），则会提前结束训练，以防止模型的过拟合。</a:t>
-            </a:r>
-            <a:endParaRPr lang="zh-CN" altLang="en-US" sz="1800">
-              <a:effectLst/>
-              <a:latin typeface="Calibri" panose="020F0502020204030204" pitchFamily="34" charset="0"/>
-              <a:ea typeface="宋体" panose="02010600030101010101" pitchFamily="2" charset="-122"/>
-              <a:cs typeface="Times New Roman" panose="02020603050405020304" pitchFamily="18" charset="0"/>
-            </a:endParaRPr>
-          </a:p>
-          <a:p>
-            <a:endParaRPr lang="zh-CN" altLang="en-US" b="0" dirty="0"/>
+            <a:r>
+              <a:rPr lang="zh-CN" altLang="en-US" dirty="0"/>
+              <a:t>在数据收集部分，我们找到了某风电场</a:t>
+            </a:r>
+            <a:r>
+              <a:rPr lang="en-US" altLang="zh-CN" dirty="0"/>
+              <a:t>SCADA</a:t>
+            </a:r>
+            <a:r>
+              <a:rPr lang="zh-CN" altLang="en-US" dirty="0"/>
+              <a:t>系统的实时监测数据，以</a:t>
+            </a:r>
+            <a:r>
+              <a:rPr lang="en-US" altLang="zh-CN" dirty="0"/>
+              <a:t>30</a:t>
+            </a:r>
+            <a:r>
+              <a:rPr lang="zh-CN" altLang="en-US" dirty="0"/>
+              <a:t>秒为颗粒度得到了时间跨度为一周共计</a:t>
+            </a:r>
+            <a:r>
+              <a:rPr lang="en-US" altLang="zh-CN" dirty="0"/>
+              <a:t>104</a:t>
+            </a:r>
+            <a:r>
+              <a:rPr lang="zh-CN" altLang="en-US" dirty="0"/>
+              <a:t>万个数据点，其中包含风速，风向角，气温，桨距角等多个影响风电功率的因素。</a:t>
+            </a:r>
           </a:p>
         </p:txBody>
       </p:sp>
@@ -1017,6 +985,11 @@
         </p:txBody>
       </p:sp>
     </p:spTree>
+    <p:extLst>
+      <p:ext uri="{BB962C8B-B14F-4D97-AF65-F5344CB8AC3E}">
+        <p14:creationId xmlns:p14="http://schemas.microsoft.com/office/powerpoint/2010/main" val="110108816"/>
+      </p:ext>
+    </p:extLst>
   </p:cSld>
   <p:clrMapOvr>
     <a:masterClrMapping/>
@@ -1070,23 +1043,23 @@
           <a:p>
             <a:r>
               <a:rPr lang="zh-CN" altLang="en-US" dirty="0"/>
-              <a:t>在软件开发的界面设计部分，我们主要使用</a:t>
+              <a:t>之后，我们对收集到的数据进行筛选和处理，基于风电功率曲线的规则和密度聚类算法进行清洗，从</a:t>
             </a:r>
             <a:r>
               <a:rPr lang="en-US" altLang="zh-CN" dirty="0"/>
-              <a:t>python</a:t>
+              <a:t>104</a:t>
             </a:r>
             <a:r>
               <a:rPr lang="zh-CN" altLang="en-US" dirty="0"/>
-              <a:t>中的</a:t>
+              <a:t>万个数据点中提取得到约</a:t>
             </a:r>
             <a:r>
               <a:rPr lang="en-US" altLang="zh-CN" dirty="0"/>
-              <a:t>Qt-Designer</a:t>
+              <a:t>60</a:t>
             </a:r>
             <a:r>
               <a:rPr lang="zh-CN" altLang="en-US" dirty="0"/>
-              <a:t>工具设计可视化界面，我们希望我们的软件是拥有多层界面并能实现不同对应功能的，同时也要做到简洁美观，以便用户轻松上手。</a:t>
+              <a:t>万个有效数据点，作为之后训练模型的输入。</a:t>
             </a:r>
           </a:p>
         </p:txBody>
@@ -1146,19 +1119,19 @@
             <a:spLocks noGrp="1" noRot="1" noChangeAspect="1"/>
           </p:cNvSpPr>
           <p:nvPr>
-            <p:ph type="sldImg"/>
+            <p:ph type="sldImg" idx="2"/>
           </p:nvPr>
         </p:nvSpPr>
         <p:spPr/>
       </p:sp>
       <p:sp>
         <p:nvSpPr>
-          <p:cNvPr id="3" name="备注占位符 2"/>
+          <p:cNvPr id="3" name="文本占位符 2"/>
           <p:cNvSpPr>
             <a:spLocks noGrp="1"/>
           </p:cNvSpPr>
           <p:nvPr>
-            <p:ph type="body" idx="1"/>
+            <p:ph type="body" idx="3"/>
           </p:nvPr>
         </p:nvSpPr>
         <p:spPr/>
@@ -1167,32 +1140,38 @@
           <a:lstStyle/>
           <a:p>
             <a:r>
-              <a:rPr lang="zh-CN" altLang="en-US" dirty="0"/>
-              <a:t>我们希望我们的软件能实现多种功能。用户可以自行输入风机的理论和实际的符合格式的数据，并选择不同类型的模型进行训练。同时，用户可以手动调节模型参数，待训练结束后可以直观看到模型的训练结果和各种误差指标。通过理论和实际值分别拟合风电功率曲线，直观反映风机运行效果和风电出力。最后，我们也需要撰写简介实用的说明文档以帮助用户快速上手操作我们的软件</a:t>
-            </a:r>
-          </a:p>
-        </p:txBody>
-      </p:sp>
-      <p:sp>
-        <p:nvSpPr>
-          <p:cNvPr id="4" name="灯片编号占位符 3"/>
-          <p:cNvSpPr>
-            <a:spLocks noGrp="1"/>
-          </p:cNvSpPr>
-          <p:nvPr>
-            <p:ph type="sldNum" sz="quarter" idx="5"/>
-          </p:nvPr>
-        </p:nvSpPr>
-        <p:spPr/>
-        <p:txBody>
-          <a:bodyPr/>
-          <a:lstStyle/>
-          <a:p>
-            <a:fld id="{A6837353-30EB-4A48-80EB-173D804AEFBD}" type="slidenum">
-              <a:rPr lang="zh-CN" altLang="en-US" smtClean="0"/>
-              <a:t>14</a:t>
-            </a:fld>
-            <a:endParaRPr lang="zh-CN" altLang="en-US"/>
+              <a:rPr lang="zh-CN" altLang="en-US" dirty="0">
+                <a:sym typeface="+mn-ea"/>
+              </a:rPr>
+              <a:t>在之后的开发工作中，我们小组利用训练营学到的</a:t>
+            </a:r>
+            <a:r>
+              <a:rPr lang="en-US" altLang="zh-CN" dirty="0">
+                <a:sym typeface="+mn-ea"/>
+              </a:rPr>
+              <a:t>git</a:t>
+            </a:r>
+            <a:r>
+              <a:rPr lang="zh-CN" altLang="en-US" dirty="0">
+                <a:sym typeface="+mn-ea"/>
+              </a:rPr>
+              <a:t>及</a:t>
+            </a:r>
+            <a:r>
+              <a:rPr lang="en-US" altLang="zh-CN" dirty="0" err="1">
+                <a:sym typeface="+mn-ea"/>
+              </a:rPr>
+              <a:t>github</a:t>
+            </a:r>
+            <a:r>
+              <a:rPr lang="zh-CN" altLang="en-US" dirty="0">
+                <a:sym typeface="+mn-ea"/>
+              </a:rPr>
+              <a:t>知识协同工作，控制版本，提高开发效率</a:t>
+            </a:r>
+            <a:endParaRPr lang="en-US" altLang="zh-CN" dirty="0">
+              <a:sym typeface="+mn-ea"/>
+            </a:endParaRPr>
           </a:p>
         </p:txBody>
       </p:sp>
@@ -1228,19 +1207,19 @@
             <a:spLocks noGrp="1" noRot="1" noChangeAspect="1"/>
           </p:cNvSpPr>
           <p:nvPr>
-            <p:ph type="sldImg" idx="2"/>
+            <p:ph type="sldImg"/>
           </p:nvPr>
         </p:nvSpPr>
         <p:spPr/>
       </p:sp>
       <p:sp>
         <p:nvSpPr>
-          <p:cNvPr id="3" name="文本占位符 2"/>
+          <p:cNvPr id="3" name="备注占位符 2"/>
           <p:cNvSpPr>
             <a:spLocks noGrp="1"/>
           </p:cNvSpPr>
           <p:nvPr>
-            <p:ph type="body" idx="3"/>
+            <p:ph type="body" idx="1"/>
           </p:nvPr>
         </p:nvSpPr>
         <p:spPr/>
@@ -1249,38 +1228,32 @@
           <a:lstStyle/>
           <a:p>
             <a:r>
-              <a:rPr lang="zh-CN" altLang="en-US" dirty="0">
-                <a:sym typeface="+mn-ea"/>
-              </a:rPr>
-              <a:t>在之后的开发工作中，我们小组利用训练营学到的</a:t>
-            </a:r>
-            <a:r>
-              <a:rPr lang="en-US" altLang="zh-CN" dirty="0">
-                <a:sym typeface="+mn-ea"/>
-              </a:rPr>
-              <a:t>git</a:t>
-            </a:r>
-            <a:r>
-              <a:rPr lang="zh-CN" altLang="en-US" dirty="0">
-                <a:sym typeface="+mn-ea"/>
-              </a:rPr>
-              <a:t>及</a:t>
-            </a:r>
-            <a:r>
-              <a:rPr lang="en-US" altLang="zh-CN" dirty="0" err="1">
-                <a:sym typeface="+mn-ea"/>
-              </a:rPr>
-              <a:t>github</a:t>
-            </a:r>
-            <a:r>
-              <a:rPr lang="zh-CN" altLang="en-US" dirty="0">
-                <a:sym typeface="+mn-ea"/>
-              </a:rPr>
-              <a:t>知识协同工作，控制版本，提高开发效率</a:t>
-            </a:r>
-            <a:endParaRPr lang="en-US" altLang="zh-CN" dirty="0">
-              <a:sym typeface="+mn-ea"/>
-            </a:endParaRPr>
+              <a:rPr lang="zh-CN" altLang="en-US" dirty="0"/>
+              <a:t>我们基于每个人的长处和能力合理安排任务，稳步推进开发进度，有利于快速达成预期目标。</a:t>
+            </a:r>
+          </a:p>
+        </p:txBody>
+      </p:sp>
+      <p:sp>
+        <p:nvSpPr>
+          <p:cNvPr id="4" name="灯片编号占位符 3"/>
+          <p:cNvSpPr>
+            <a:spLocks noGrp="1"/>
+          </p:cNvSpPr>
+          <p:nvPr>
+            <p:ph type="sldNum" sz="quarter" idx="5"/>
+          </p:nvPr>
+        </p:nvSpPr>
+        <p:spPr/>
+        <p:txBody>
+          <a:bodyPr/>
+          <a:lstStyle/>
+          <a:p>
+            <a:fld id="{A6837353-30EB-4A48-80EB-173D804AEFBD}" type="slidenum">
+              <a:rPr lang="zh-CN" altLang="en-US" smtClean="0"/>
+              <a:t>15</a:t>
+            </a:fld>
+            <a:endParaRPr lang="zh-CN" altLang="en-US"/>
           </a:p>
         </p:txBody>
       </p:sp>
@@ -1316,19 +1289,19 @@
             <a:spLocks noGrp="1" noRot="1" noChangeAspect="1"/>
           </p:cNvSpPr>
           <p:nvPr>
-            <p:ph type="sldImg"/>
+            <p:ph type="sldImg" idx="2"/>
           </p:nvPr>
         </p:nvSpPr>
         <p:spPr/>
       </p:sp>
       <p:sp>
         <p:nvSpPr>
-          <p:cNvPr id="3" name="备注占位符 2"/>
+          <p:cNvPr id="3" name="文本占位符 2"/>
           <p:cNvSpPr>
             <a:spLocks noGrp="1"/>
           </p:cNvSpPr>
           <p:nvPr>
-            <p:ph type="body" idx="1"/>
+            <p:ph type="body" idx="3"/>
           </p:nvPr>
         </p:nvSpPr>
         <p:spPr/>
@@ -1337,32 +1310,14 @@
           <a:lstStyle/>
           <a:p>
             <a:r>
-              <a:rPr lang="zh-CN" altLang="en-US" dirty="0"/>
-              <a:t>我们基于每个人的长处和能力合理安排任务，稳步推进开发进度，有利于快速达成预期目标。</a:t>
-            </a:r>
-          </a:p>
-        </p:txBody>
-      </p:sp>
-      <p:sp>
-        <p:nvSpPr>
-          <p:cNvPr id="4" name="灯片编号占位符 3"/>
-          <p:cNvSpPr>
-            <a:spLocks noGrp="1"/>
-          </p:cNvSpPr>
-          <p:nvPr>
-            <p:ph type="sldNum" sz="quarter" idx="5"/>
-          </p:nvPr>
-        </p:nvSpPr>
-        <p:spPr/>
-        <p:txBody>
-          <a:bodyPr/>
-          <a:lstStyle/>
-          <a:p>
-            <a:fld id="{A6837353-30EB-4A48-80EB-173D804AEFBD}" type="slidenum">
-              <a:rPr lang="zh-CN" altLang="en-US" smtClean="0"/>
-              <a:t>16</a:t>
-            </a:fld>
-            <a:endParaRPr lang="zh-CN" altLang="en-US"/>
+              <a:rPr lang="zh-CN" altLang="en-US" dirty="0">
+                <a:sym typeface="+mn-ea"/>
+              </a:rPr>
+              <a:t>在此次训练营结题答辩之后，我们还会继续跟进大创项目，并对软件开发有更多的后续设想</a:t>
+            </a:r>
+            <a:endParaRPr lang="en-US" altLang="zh-CN" dirty="0">
+              <a:sym typeface="+mn-ea"/>
+            </a:endParaRPr>
           </a:p>
         </p:txBody>
       </p:sp>
@@ -1398,19 +1353,19 @@
             <a:spLocks noGrp="1" noRot="1" noChangeAspect="1"/>
           </p:cNvSpPr>
           <p:nvPr>
-            <p:ph type="sldImg" idx="2"/>
+            <p:ph type="sldImg"/>
           </p:nvPr>
         </p:nvSpPr>
         <p:spPr/>
       </p:sp>
       <p:sp>
         <p:nvSpPr>
-          <p:cNvPr id="3" name="文本占位符 2"/>
+          <p:cNvPr id="3" name="备注占位符 2"/>
           <p:cNvSpPr>
             <a:spLocks noGrp="1"/>
           </p:cNvSpPr>
           <p:nvPr>
-            <p:ph type="body" idx="3"/>
+            <p:ph type="body" idx="1"/>
           </p:nvPr>
         </p:nvSpPr>
         <p:spPr/>
@@ -1419,14 +1374,45 @@
           <a:lstStyle/>
           <a:p>
             <a:r>
-              <a:rPr lang="zh-CN" altLang="en-US" dirty="0">
-                <a:sym typeface="+mn-ea"/>
-              </a:rPr>
-              <a:t>在此次训练营结题答辩之后，我们还会继续跟进大创项目，并对软件开发有更多的后续设想</a:t>
-            </a:r>
-            <a:endParaRPr lang="en-US" altLang="zh-CN" dirty="0">
-              <a:sym typeface="+mn-ea"/>
-            </a:endParaRPr>
+              <a:rPr lang="zh-CN" altLang="en-US" dirty="0"/>
+              <a:t>由于我们目前收集的只是单风机一周内的数据，对于未来的功率预测没有普遍性意义，因此我们还需收集时间范围更广的数据以建立更合理的预测模型，并在之后的软件开发中添加基于时间序列的预测功能。与此同时，我们现在选用的神经网络模型还可以进行进一步优化，达到更高的预测准确度。最后</a:t>
+            </a:r>
+            <a:r>
+              <a:rPr lang="zh-CN" altLang="en-US"/>
+              <a:t>，对界面</a:t>
+            </a:r>
+            <a:r>
+              <a:rPr lang="zh-CN" altLang="en-US" dirty="0"/>
+              <a:t>的不断优化</a:t>
+            </a:r>
+            <a:r>
+              <a:rPr lang="zh-CN" altLang="en-US"/>
+              <a:t>也会同步推进，以提高软件的可用性。</a:t>
+            </a:r>
+            <a:endParaRPr lang="zh-CN" altLang="en-US" dirty="0"/>
+          </a:p>
+        </p:txBody>
+      </p:sp>
+      <p:sp>
+        <p:nvSpPr>
+          <p:cNvPr id="4" name="灯片编号占位符 3"/>
+          <p:cNvSpPr>
+            <a:spLocks noGrp="1"/>
+          </p:cNvSpPr>
+          <p:nvPr>
+            <p:ph type="sldNum" sz="quarter" idx="5"/>
+          </p:nvPr>
+        </p:nvSpPr>
+        <p:spPr/>
+        <p:txBody>
+          <a:bodyPr/>
+          <a:lstStyle/>
+          <a:p>
+            <a:fld id="{A6837353-30EB-4A48-80EB-173D804AEFBD}" type="slidenum">
+              <a:rPr lang="zh-CN" altLang="en-US" smtClean="0"/>
+              <a:t>17</a:t>
+            </a:fld>
+            <a:endParaRPr lang="zh-CN" altLang="en-US"/>
           </a:p>
         </p:txBody>
       </p:sp>
@@ -1484,21 +1470,8 @@
           <a:p>
             <a:r>
               <a:rPr lang="zh-CN" altLang="en-US" dirty="0"/>
-              <a:t>由于我们目前收集的只是单风机一周内的数据，对于未来的功率预测没有普遍性意义，因此我们还需收集时间范围更广的数据以建立更合理的预测模型，并在之后的软件开发中添加基于时间序列的预测功能。与此同时，我们现在选用的神经网络模型还可以进行进一步优化，达到更高的预测准确度。最后</a:t>
-            </a:r>
-            <a:r>
-              <a:rPr lang="zh-CN" altLang="en-US"/>
-              <a:t>，对界面</a:t>
-            </a:r>
-            <a:r>
-              <a:rPr lang="zh-CN" altLang="en-US" dirty="0"/>
-              <a:t>的不断优化</a:t>
-            </a:r>
-            <a:r>
-              <a:rPr lang="zh-CN" altLang="en-US"/>
-              <a:t>也会同步推进，以提高软件的可用性。</a:t>
-            </a:r>
-            <a:endParaRPr lang="zh-CN" altLang="en-US" dirty="0"/>
+              <a:t>我的报告到此结束，欢迎老师斧正。</a:t>
+            </a:r>
           </a:p>
         </p:txBody>
       </p:sp>
@@ -1520,88 +1493,6 @@
             <a:fld id="{A6837353-30EB-4A48-80EB-173D804AEFBD}" type="slidenum">
               <a:rPr lang="zh-CN" altLang="en-US" smtClean="0"/>
               <a:t>18</a:t>
-            </a:fld>
-            <a:endParaRPr lang="zh-CN" altLang="en-US"/>
-          </a:p>
-        </p:txBody>
-      </p:sp>
-    </p:spTree>
-  </p:cSld>
-  <p:clrMapOvr>
-    <a:masterClrMapping/>
-  </p:clrMapOvr>
-</p:notes>
-</file>
-
-<file path=ppt/notesSlides/notesSlide19.xml><?xml version="1.0" encoding="utf-8"?>
-<p:notes xmlns:a="http://schemas.openxmlformats.org/drawingml/2006/main" xmlns:r="http://schemas.openxmlformats.org/officeDocument/2006/relationships" xmlns:p="http://schemas.openxmlformats.org/presentationml/2006/main">
-  <p:cSld>
-    <p:spTree>
-      <p:nvGrpSpPr>
-        <p:cNvPr id="1" name=""/>
-        <p:cNvGrpSpPr/>
-        <p:nvPr/>
-      </p:nvGrpSpPr>
-      <p:grpSpPr>
-        <a:xfrm>
-          <a:off x="0" y="0"/>
-          <a:ext cx="0" cy="0"/>
-          <a:chOff x="0" y="0"/>
-          <a:chExt cx="0" cy="0"/>
-        </a:xfrm>
-      </p:grpSpPr>
-      <p:sp>
-        <p:nvSpPr>
-          <p:cNvPr id="2" name="幻灯片图像占位符 1"/>
-          <p:cNvSpPr>
-            <a:spLocks noGrp="1" noRot="1" noChangeAspect="1"/>
-          </p:cNvSpPr>
-          <p:nvPr>
-            <p:ph type="sldImg"/>
-          </p:nvPr>
-        </p:nvSpPr>
-        <p:spPr/>
-      </p:sp>
-      <p:sp>
-        <p:nvSpPr>
-          <p:cNvPr id="3" name="备注占位符 2"/>
-          <p:cNvSpPr>
-            <a:spLocks noGrp="1"/>
-          </p:cNvSpPr>
-          <p:nvPr>
-            <p:ph type="body" idx="1"/>
-          </p:nvPr>
-        </p:nvSpPr>
-        <p:spPr/>
-        <p:txBody>
-          <a:bodyPr/>
-          <a:lstStyle/>
-          <a:p>
-            <a:r>
-              <a:rPr lang="zh-CN" altLang="en-US" dirty="0"/>
-              <a:t>我的报告到此结束，欢迎老师斧正。</a:t>
-            </a:r>
-          </a:p>
-        </p:txBody>
-      </p:sp>
-      <p:sp>
-        <p:nvSpPr>
-          <p:cNvPr id="4" name="灯片编号占位符 3"/>
-          <p:cNvSpPr>
-            <a:spLocks noGrp="1"/>
-          </p:cNvSpPr>
-          <p:nvPr>
-            <p:ph type="sldNum" sz="quarter" idx="5"/>
-          </p:nvPr>
-        </p:nvSpPr>
-        <p:spPr/>
-        <p:txBody>
-          <a:bodyPr/>
-          <a:lstStyle/>
-          <a:p>
-            <a:fld id="{A6837353-30EB-4A48-80EB-173D804AEFBD}" type="slidenum">
-              <a:rPr lang="zh-CN" altLang="en-US" smtClean="0"/>
-              <a:t>19</a:t>
             </a:fld>
             <a:endParaRPr lang="zh-CN" altLang="en-US"/>
           </a:p>
@@ -3122,7 +3013,7 @@
           <a:p>
             <a:fld id="{760FBDFE-C587-4B4C-A407-44438C67B59E}" type="datetimeFigureOut">
               <a:rPr lang="zh-CN" altLang="en-US" smtClean="0"/>
-              <a:t>2023/8/26</a:t>
+              <a:t>2023/8/27</a:t>
             </a:fld>
             <a:endParaRPr lang="zh-CN" altLang="en-US"/>
           </a:p>
@@ -3725,7 +3616,7 @@
           <a:p>
             <a:fld id="{760FBDFE-C587-4B4C-A407-44438C67B59E}" type="datetimeFigureOut">
               <a:rPr lang="zh-CN" altLang="en-US" smtClean="0"/>
-              <a:t>2023/8/26</a:t>
+              <a:t>2023/8/27</a:t>
             </a:fld>
             <a:endParaRPr lang="zh-CN" altLang="en-US"/>
           </a:p>
@@ -3921,7 +3812,7 @@
           <a:p>
             <a:fld id="{760FBDFE-C587-4B4C-A407-44438C67B59E}" type="datetimeFigureOut">
               <a:rPr lang="zh-CN" altLang="en-US" smtClean="0"/>
-              <a:t>2023/8/26</a:t>
+              <a:t>2023/8/27</a:t>
             </a:fld>
             <a:endParaRPr lang="zh-CN" altLang="en-US"/>
           </a:p>
@@ -4590,7 +4481,7 @@
           <a:p>
             <a:fld id="{760FBDFE-C587-4B4C-A407-44438C67B59E}" type="datetimeFigureOut">
               <a:rPr lang="zh-CN" altLang="en-US" smtClean="0"/>
-              <a:t>2023/8/26</a:t>
+              <a:t>2023/8/27</a:t>
             </a:fld>
             <a:endParaRPr lang="zh-CN" altLang="en-US"/>
           </a:p>
@@ -5463,7 +5354,7 @@
           <a:p>
             <a:fld id="{760FBDFE-C587-4B4C-A407-44438C67B59E}" type="datetimeFigureOut">
               <a:rPr lang="zh-CN" altLang="en-US" smtClean="0"/>
-              <a:t>2023/8/26</a:t>
+              <a:t>2023/8/27</a:t>
             </a:fld>
             <a:endParaRPr lang="zh-CN" altLang="en-US"/>
           </a:p>
@@ -5928,7 +5819,7 @@
           <a:p>
             <a:fld id="{760FBDFE-C587-4B4C-A407-44438C67B59E}" type="datetimeFigureOut">
               <a:rPr lang="zh-CN" altLang="en-US" smtClean="0"/>
-              <a:t>2023/8/26</a:t>
+              <a:t>2023/8/27</a:t>
             </a:fld>
             <a:endParaRPr lang="zh-CN" altLang="en-US"/>
           </a:p>
@@ -6092,7 +5983,7 @@
           <a:p>
             <a:fld id="{760FBDFE-C587-4B4C-A407-44438C67B59E}" type="datetimeFigureOut">
               <a:rPr lang="zh-CN" altLang="en-US" smtClean="0"/>
-              <a:t>2023/8/26</a:t>
+              <a:t>2023/8/27</a:t>
             </a:fld>
             <a:endParaRPr lang="zh-CN" altLang="en-US"/>
           </a:p>
@@ -6588,7 +6479,7 @@
           <a:p>
             <a:fld id="{9EFD9D74-47D9-4702-A33C-335B63B48DBF}" type="datetimeFigureOut">
               <a:rPr lang="zh-CN" altLang="en-US" smtClean="0"/>
-              <a:t>2023/8/26</a:t>
+              <a:t>2023/8/27</a:t>
             </a:fld>
             <a:endParaRPr lang="zh-CN" altLang="en-US" dirty="0"/>
           </a:p>
@@ -7166,7 +7057,7 @@
           <a:p>
             <a:fld id="{760FBDFE-C587-4B4C-A407-44438C67B59E}" type="datetimeFigureOut">
               <a:rPr lang="zh-CN" altLang="en-US" smtClean="0"/>
-              <a:t>2023/8/26</a:t>
+              <a:t>2023/8/27</a:t>
             </a:fld>
             <a:endParaRPr lang="zh-CN" altLang="en-US"/>
           </a:p>
@@ -7394,7 +7285,7 @@
           <a:p>
             <a:fld id="{760FBDFE-C587-4B4C-A407-44438C67B59E}" type="datetimeFigureOut">
               <a:rPr lang="zh-CN" altLang="en-US" smtClean="0"/>
-              <a:t>2023/8/26</a:t>
+              <a:t>2023/8/27</a:t>
             </a:fld>
             <a:endParaRPr lang="zh-CN" altLang="en-US"/>
           </a:p>
@@ -7712,7 +7603,7 @@
           <a:p>
             <a:fld id="{760FBDFE-C587-4B4C-A407-44438C67B59E}" type="datetimeFigureOut">
               <a:rPr lang="zh-CN" altLang="en-US" smtClean="0"/>
-              <a:t>2023/8/26</a:t>
+              <a:t>2023/8/27</a:t>
             </a:fld>
             <a:endParaRPr lang="zh-CN" altLang="en-US"/>
           </a:p>
@@ -8096,7 +7987,7 @@
           <a:p>
             <a:fld id="{760FBDFE-C587-4B4C-A407-44438C67B59E}" type="datetimeFigureOut">
               <a:rPr lang="zh-CN" altLang="en-US" smtClean="0"/>
-              <a:t>2023/8/26</a:t>
+              <a:t>2023/8/27</a:t>
             </a:fld>
             <a:endParaRPr lang="zh-CN" altLang="en-US"/>
           </a:p>
@@ -8556,7 +8447,7 @@
           <a:p>
             <a:fld id="{760FBDFE-C587-4B4C-A407-44438C67B59E}" type="datetimeFigureOut">
               <a:rPr lang="zh-CN" altLang="en-US" smtClean="0"/>
-              <a:t>2023/8/26</a:t>
+              <a:t>2023/8/27</a:t>
             </a:fld>
             <a:endParaRPr lang="zh-CN" altLang="en-US"/>
           </a:p>
@@ -8862,7 +8753,7 @@
           <a:p>
             <a:fld id="{760FBDFE-C587-4B4C-A407-44438C67B59E}" type="datetimeFigureOut">
               <a:rPr lang="zh-CN" altLang="en-US" smtClean="0"/>
-              <a:t>2023/8/26</a:t>
+              <a:t>2023/8/27</a:t>
             </a:fld>
             <a:endParaRPr lang="zh-CN" altLang="en-US"/>
           </a:p>
@@ -9444,7 +9335,7 @@
           <a:p>
             <a:fld id="{760FBDFE-C587-4B4C-A407-44438C67B59E}" type="datetimeFigureOut">
               <a:rPr lang="zh-CN" altLang="en-US" smtClean="0"/>
-              <a:t>2023/8/26</a:t>
+              <a:t>2023/8/27</a:t>
             </a:fld>
             <a:endParaRPr lang="zh-CN" altLang="en-US"/>
           </a:p>
@@ -9950,7 +9841,7 @@
           <a:p>
             <a:fld id="{760FBDFE-C587-4B4C-A407-44438C67B59E}" type="datetimeFigureOut">
               <a:rPr lang="zh-CN" altLang="en-US" smtClean="0"/>
-              <a:t>2023/8/26</a:t>
+              <a:t>2023/8/27</a:t>
             </a:fld>
             <a:endParaRPr lang="zh-CN" altLang="en-US"/>
           </a:p>
@@ -10456,7 +10347,7 @@
           <a:p>
             <a:fld id="{760FBDFE-C587-4B4C-A407-44438C67B59E}" type="datetimeFigureOut">
               <a:rPr lang="zh-CN" altLang="en-US" smtClean="0"/>
-              <a:t>2023/8/26</a:t>
+              <a:t>2023/8/27</a:t>
             </a:fld>
             <a:endParaRPr lang="zh-CN" altLang="en-US"/>
           </a:p>
@@ -11130,7 +11021,7 @@
           <a:p>
             <a:fld id="{760FBDFE-C587-4B4C-A407-44438C67B59E}" type="datetimeFigureOut">
               <a:rPr lang="zh-CN" altLang="en-US" smtClean="0"/>
-              <a:t>2023/8/26</a:t>
+              <a:t>2023/8/27</a:t>
             </a:fld>
             <a:endParaRPr lang="zh-CN" altLang="en-US"/>
           </a:p>
@@ -11614,7 +11505,7 @@
           <a:p>
             <a:fld id="{760FBDFE-C587-4B4C-A407-44438C67B59E}" type="datetimeFigureOut">
               <a:rPr lang="zh-CN" altLang="en-US" smtClean="0"/>
-              <a:t>2023/8/26</a:t>
+              <a:t>2023/8/27</a:t>
             </a:fld>
             <a:endParaRPr lang="zh-CN" altLang="en-US"/>
           </a:p>
@@ -12202,7 +12093,7 @@
           <a:p>
             <a:fld id="{760FBDFE-C587-4B4C-A407-44438C67B59E}" type="datetimeFigureOut">
               <a:rPr lang="zh-CN" altLang="en-US" smtClean="0"/>
-              <a:t>2023/8/26</a:t>
+              <a:t>2023/8/27</a:t>
             </a:fld>
             <a:endParaRPr lang="zh-CN" altLang="en-US"/>
           </a:p>
@@ -12383,7 +12274,7 @@
           <a:p>
             <a:fld id="{760FBDFE-C587-4B4C-A407-44438C67B59E}" type="datetimeFigureOut">
               <a:rPr lang="zh-CN" altLang="en-US" smtClean="0"/>
-              <a:t>2023/8/26</a:t>
+              <a:t>2023/8/27</a:t>
             </a:fld>
             <a:endParaRPr lang="zh-CN" altLang="en-US"/>
           </a:p>
@@ -13037,7 +12928,7 @@
           <a:p>
             <a:fld id="{760FBDFE-C587-4B4C-A407-44438C67B59E}" type="datetimeFigureOut">
               <a:rPr lang="zh-CN" altLang="en-US" smtClean="0"/>
-              <a:t>2023/8/26</a:t>
+              <a:t>2023/8/27</a:t>
             </a:fld>
             <a:endParaRPr lang="zh-CN" altLang="en-US"/>
           </a:p>
@@ -13895,7 +13786,7 @@
           <a:p>
             <a:fld id="{760FBDFE-C587-4B4C-A407-44438C67B59E}" type="datetimeFigureOut">
               <a:rPr lang="zh-CN" altLang="en-US" smtClean="0"/>
-              <a:t>2023/8/26</a:t>
+              <a:t>2023/8/27</a:t>
             </a:fld>
             <a:endParaRPr lang="zh-CN" altLang="en-US"/>
           </a:p>
@@ -14340,7 +14231,7 @@
           <a:p>
             <a:fld id="{760FBDFE-C587-4B4C-A407-44438C67B59E}" type="datetimeFigureOut">
               <a:rPr lang="zh-CN" altLang="en-US" smtClean="0"/>
-              <a:t>2023/8/26</a:t>
+              <a:t>2023/8/27</a:t>
             </a:fld>
             <a:endParaRPr lang="zh-CN" altLang="en-US"/>
           </a:p>
@@ -14489,7 +14380,7 @@
           <a:p>
             <a:fld id="{760FBDFE-C587-4B4C-A407-44438C67B59E}" type="datetimeFigureOut">
               <a:rPr lang="zh-CN" altLang="en-US" smtClean="0"/>
-              <a:t>2023/8/26</a:t>
+              <a:t>2023/8/27</a:t>
             </a:fld>
             <a:endParaRPr lang="zh-CN" altLang="en-US"/>
           </a:p>
@@ -14970,7 +14861,7 @@
           <a:p>
             <a:fld id="{9EFD9D74-47D9-4702-A33C-335B63B48DBF}" type="datetimeFigureOut">
               <a:rPr lang="zh-CN" altLang="en-US" smtClean="0"/>
-              <a:t>2023/8/26</a:t>
+              <a:t>2023/8/27</a:t>
             </a:fld>
             <a:endParaRPr lang="zh-CN" altLang="en-US" dirty="0"/>
           </a:p>
@@ -15363,7 +15254,7 @@
           <a:p>
             <a:fld id="{760FBDFE-C587-4B4C-A407-44438C67B59E}" type="datetimeFigureOut">
               <a:rPr lang="zh-CN" altLang="en-US" smtClean="0"/>
-              <a:t>2023/8/26</a:t>
+              <a:t>2023/8/27</a:t>
             </a:fld>
             <a:endParaRPr lang="zh-CN" altLang="en-US"/>
           </a:p>
@@ -15576,7 +15467,7 @@
           <a:p>
             <a:fld id="{760FBDFE-C587-4B4C-A407-44438C67B59E}" type="datetimeFigureOut">
               <a:rPr lang="zh-CN" altLang="en-US" smtClean="0"/>
-              <a:t>2023/8/26</a:t>
+              <a:t>2023/8/27</a:t>
             </a:fld>
             <a:endParaRPr lang="zh-CN" altLang="en-US"/>
           </a:p>
@@ -16110,7 +16001,7 @@
           <a:p>
             <a:fld id="{760FBDFE-C587-4B4C-A407-44438C67B59E}" type="datetimeFigureOut">
               <a:rPr lang="zh-CN" altLang="en-US" smtClean="0"/>
-              <a:t>2023/8/26</a:t>
+              <a:t>2023/8/27</a:t>
             </a:fld>
             <a:endParaRPr lang="zh-CN" altLang="en-US"/>
           </a:p>
@@ -16474,7 +16365,7 @@
           <a:p>
             <a:fld id="{760FBDFE-C587-4B4C-A407-44438C67B59E}" type="datetimeFigureOut">
               <a:rPr lang="zh-CN" altLang="en-US" smtClean="0"/>
-              <a:t>2023/8/26</a:t>
+              <a:t>2023/8/27</a:t>
             </a:fld>
             <a:endParaRPr lang="zh-CN" altLang="en-US"/>
           </a:p>
@@ -16919,7 +16810,7 @@
           <a:p>
             <a:fld id="{760FBDFE-C587-4B4C-A407-44438C67B59E}" type="datetimeFigureOut">
               <a:rPr lang="zh-CN" altLang="en-US" smtClean="0"/>
-              <a:t>2023/8/26</a:t>
+              <a:t>2023/8/27</a:t>
             </a:fld>
             <a:endParaRPr lang="zh-CN" altLang="en-US"/>
           </a:p>
@@ -17210,7 +17101,7 @@
           <a:p>
             <a:fld id="{760FBDFE-C587-4B4C-A407-44438C67B59E}" type="datetimeFigureOut">
               <a:rPr lang="zh-CN" altLang="en-US" smtClean="0"/>
-              <a:t>2023/8/26</a:t>
+              <a:t>2023/8/27</a:t>
             </a:fld>
             <a:endParaRPr lang="zh-CN" altLang="en-US"/>
           </a:p>
@@ -17777,7 +17668,7 @@
           <a:p>
             <a:fld id="{760FBDFE-C587-4B4C-A407-44438C67B59E}" type="datetimeFigureOut">
               <a:rPr lang="zh-CN" altLang="en-US" smtClean="0"/>
-              <a:t>2023/8/26</a:t>
+              <a:t>2023/8/27</a:t>
             </a:fld>
             <a:endParaRPr lang="zh-CN" altLang="en-US"/>
           </a:p>
@@ -18268,7 +18159,7 @@
           <a:p>
             <a:fld id="{760FBDFE-C587-4B4C-A407-44438C67B59E}" type="datetimeFigureOut">
               <a:rPr lang="zh-CN" altLang="en-US" smtClean="0"/>
-              <a:t>2023/8/26</a:t>
+              <a:t>2023/8/27</a:t>
             </a:fld>
             <a:endParaRPr lang="zh-CN" altLang="en-US"/>
           </a:p>
@@ -18759,7 +18650,7 @@
           <a:p>
             <a:fld id="{760FBDFE-C587-4B4C-A407-44438C67B59E}" type="datetimeFigureOut">
               <a:rPr lang="zh-CN" altLang="en-US" smtClean="0"/>
-              <a:t>2023/8/26</a:t>
+              <a:t>2023/8/27</a:t>
             </a:fld>
             <a:endParaRPr lang="zh-CN" altLang="en-US"/>
           </a:p>
@@ -19418,7 +19309,7 @@
           <a:p>
             <a:fld id="{760FBDFE-C587-4B4C-A407-44438C67B59E}" type="datetimeFigureOut">
               <a:rPr lang="zh-CN" altLang="en-US" smtClean="0"/>
-              <a:t>2023/8/26</a:t>
+              <a:t>2023/8/27</a:t>
             </a:fld>
             <a:endParaRPr lang="zh-CN" altLang="en-US"/>
           </a:p>
@@ -21486,7 +21377,7 @@
           <a:p>
             <a:fld id="{760FBDFE-C587-4B4C-A407-44438C67B59E}" type="datetimeFigureOut">
               <a:rPr lang="zh-CN" altLang="en-US" smtClean="0"/>
-              <a:t>2023/8/26</a:t>
+              <a:t>2023/8/27</a:t>
             </a:fld>
             <a:endParaRPr lang="zh-CN" altLang="en-US"/>
           </a:p>
@@ -22146,7 +22037,7 @@
           <a:p>
             <a:fld id="{760FBDFE-C587-4B4C-A407-44438C67B59E}" type="datetimeFigureOut">
               <a:rPr lang="zh-CN" altLang="en-US" smtClean="0"/>
-              <a:t>2023/8/26</a:t>
+              <a:t>2023/8/27</a:t>
             </a:fld>
             <a:endParaRPr lang="zh-CN" altLang="en-US"/>
           </a:p>
@@ -22899,7 +22790,7 @@
         </p:nvSpPr>
         <p:spPr>
           <a:xfrm>
-            <a:off x="219056" y="1085107"/>
+            <a:off x="214430" y="1094065"/>
             <a:ext cx="8705888" cy="4687787"/>
           </a:xfrm>
           <a:prstGeom prst="rect">
@@ -23003,32 +22894,36 @@
                 <a:ea typeface="微软雅黑" panose="020B0503020204020204" charset="-122"/>
                 <a:sym typeface="Arial" panose="020B0604020202020204" pitchFamily="34" charset="0"/>
               </a:rPr>
-              <a:t>数据</a:t>
-            </a:r>
-            <a:r>
-              <a:rPr lang="zh-CN" altLang="en-US" sz="1500" b="1" dirty="0">
+              <a:t>模型训练</a:t>
+            </a:r>
+            <a:r>
+              <a:rPr lang="en-US" altLang="zh-CN" sz="1500" b="1" dirty="0">
                 <a:solidFill>
                   <a:schemeClr val="tx1">
                     <a:lumMod val="85000"/>
                     <a:lumOff val="15000"/>
                   </a:schemeClr>
                 </a:solidFill>
+                <a:latin typeface="Arial" panose="020B0604020202020204" pitchFamily="34" charset="0"/>
                 <a:ea typeface="微软雅黑" panose="020B0503020204020204" charset="-122"/>
                 <a:sym typeface="Arial" panose="020B0604020202020204" pitchFamily="34" charset="0"/>
               </a:rPr>
-              <a:t>处理</a:t>
-            </a:r>
-            <a:endParaRPr lang="zh-CN" altLang="en-US" sz="1500" b="1" dirty="0">
-              <a:solidFill>
-                <a:schemeClr val="tx1">
-                  <a:lumMod val="85000"/>
-                  <a:lumOff val="15000"/>
-                </a:schemeClr>
-              </a:solidFill>
-              <a:latin typeface="Arial" panose="020B0604020202020204" pitchFamily="34" charset="0"/>
-              <a:ea typeface="微软雅黑" panose="020B0503020204020204" charset="-122"/>
-              <a:sym typeface="Arial" panose="020B0604020202020204" pitchFamily="34" charset="0"/>
-            </a:endParaRPr>
+              <a:t>—</a:t>
+            </a:r>
+            <a:r>
+              <a:rPr lang="zh-CN" altLang="en-US" sz="1500" b="1" dirty="0">
+                <a:solidFill>
+                  <a:schemeClr val="tx1">
+                    <a:lumMod val="85000"/>
+                    <a:lumOff val="15000"/>
+                  </a:schemeClr>
+                </a:solidFill>
+                <a:latin typeface="Arial" panose="020B0604020202020204" pitchFamily="34" charset="0"/>
+                <a:ea typeface="微软雅黑" panose="020B0503020204020204" charset="-122"/>
+                <a:sym typeface="Arial" panose="020B0604020202020204" pitchFamily="34" charset="0"/>
+              </a:rPr>
+              <a:t>滑动窗口算法</a:t>
+            </a:r>
           </a:p>
         </p:txBody>
       </p:sp>
@@ -23150,7 +23045,7 @@
           </a:lstStyle>
           <a:p>
             <a:r>
-              <a:rPr sz="2700" dirty="0">
+              <a:rPr lang="zh-CN" altLang="en-US" sz="2700" dirty="0">
                 <a:solidFill>
                   <a:schemeClr val="dk1">
                     <a:lumMod val="85000"/>
@@ -23160,8 +23055,18 @@
                 <a:latin typeface="Arial" panose="020B0604020202020204" pitchFamily="34" charset="0"/>
                 <a:sym typeface="Arial" panose="020B0604020202020204" pitchFamily="34" charset="0"/>
               </a:rPr>
-              <a:t>技术路线</a:t>
-            </a:r>
+              <a:t>核心算法</a:t>
+            </a:r>
+            <a:endParaRPr sz="2700" dirty="0">
+              <a:solidFill>
+                <a:schemeClr val="dk1">
+                  <a:lumMod val="85000"/>
+                  <a:lumOff val="15000"/>
+                </a:schemeClr>
+              </a:solidFill>
+              <a:latin typeface="Arial" panose="020B0604020202020204" pitchFamily="34" charset="0"/>
+              <a:sym typeface="Arial" panose="020B0604020202020204" pitchFamily="34" charset="0"/>
+            </a:endParaRPr>
           </a:p>
         </p:txBody>
       </p:sp>
@@ -23231,14 +23136,14 @@
       </p:pic>
       <p:sp>
         <p:nvSpPr>
-          <p:cNvPr id="6" name="文本框 5"/>
+          <p:cNvPr id="11" name="文本框 10"/>
           <p:cNvSpPr txBox="1"/>
           <p:nvPr/>
         </p:nvSpPr>
         <p:spPr>
           <a:xfrm>
-            <a:off x="6061653" y="2606510"/>
-            <a:ext cx="2487930" cy="2308324"/>
+            <a:off x="494270" y="2274882"/>
+            <a:ext cx="3962784" cy="3693319"/>
           </a:xfrm>
           <a:prstGeom prst="rect">
             <a:avLst/>
@@ -23251,45 +23156,77 @@
           </a:bodyPr>
           <a:lstStyle/>
           <a:p>
-            <a:r>
-              <a:rPr lang="zh-CN" altLang="en-US" dirty="0"/>
-              <a:t>参考实际风机设备相关运行规则筛选正常运行数据</a:t>
-            </a:r>
-            <a:endParaRPr lang="en-US" altLang="zh-CN" dirty="0"/>
-          </a:p>
-          <a:p>
-            <a:endParaRPr lang="en-US" altLang="zh-CN" dirty="0"/>
-          </a:p>
-          <a:p>
-            <a:r>
-              <a:rPr lang="zh-CN" altLang="en-US" dirty="0"/>
-              <a:t>使用密度聚类算法（</a:t>
-            </a:r>
-            <a:r>
-              <a:rPr lang="en-US" altLang="zh-CN" dirty="0"/>
-              <a:t>DBSCAN</a:t>
-            </a:r>
-            <a:r>
-              <a:rPr lang="zh-CN" altLang="en-US" dirty="0"/>
-              <a:t>）得到有效数据点共</a:t>
-            </a:r>
-            <a:r>
-              <a:rPr lang="en-US" altLang="zh-CN" dirty="0"/>
-              <a:t>60</a:t>
-            </a:r>
-            <a:r>
-              <a:rPr lang="zh-CN" altLang="en-US" dirty="0"/>
-              <a:t>万个</a:t>
-            </a:r>
-          </a:p>
-          <a:p>
-            <a:endParaRPr lang="zh-CN" altLang="en-US" dirty="0"/>
+            <a:pPr marL="0" marR="0" indent="355600" algn="just">
+              <a:lnSpc>
+                <a:spcPct val="150000"/>
+              </a:lnSpc>
+              <a:spcBef>
+                <a:spcPts val="0"/>
+              </a:spcBef>
+              <a:spcAft>
+                <a:spcPts val="0"/>
+              </a:spcAft>
+            </a:pPr>
+            <a:r>
+              <a:rPr lang="zh-CN" altLang="en-US" sz="1800" kern="100" dirty="0">
+                <a:effectLst/>
+                <a:latin typeface="+mn-ea"/>
+                <a:ea typeface="+mn-ea"/>
+                <a:cs typeface="Times New Roman" panose="02020603050405020304" pitchFamily="18" charset="0"/>
+              </a:rPr>
+              <a:t>由于风机运行功率变化与时间高度相关，我们采用了</a:t>
+            </a:r>
+            <a:r>
+              <a:rPr lang="zh-CN" altLang="en-US" sz="1800" kern="100" dirty="0">
+                <a:solidFill>
+                  <a:schemeClr val="accent1"/>
+                </a:solidFill>
+                <a:effectLst/>
+                <a:latin typeface="+mn-ea"/>
+                <a:ea typeface="+mn-ea"/>
+                <a:cs typeface="Times New Roman" panose="02020603050405020304" pitchFamily="18" charset="0"/>
+              </a:rPr>
+              <a:t>滑动窗口算法</a:t>
+            </a:r>
+            <a:r>
+              <a:rPr lang="zh-CN" altLang="en-US" sz="1800" kern="100" dirty="0">
+                <a:effectLst/>
+                <a:latin typeface="+mn-ea"/>
+                <a:ea typeface="+mn-ea"/>
+                <a:cs typeface="Times New Roman" panose="02020603050405020304" pitchFamily="18" charset="0"/>
+              </a:rPr>
+              <a:t>，将一段时间的数据打包作为单点的训练数据，如此获得的训练模型对时间高度敏感，能有效预测接下来一段时间的运行数据。滑动窗口算法是风电功率预测这样的时间连续性模型不二之选。</a:t>
+            </a:r>
+          </a:p>
+          <a:p>
+            <a:pPr algn="just">
+              <a:spcBef>
+                <a:spcPts val="0"/>
+              </a:spcBef>
+              <a:spcAft>
+                <a:spcPts val="0"/>
+              </a:spcAft>
+            </a:pPr>
+            <a:r>
+              <a:rPr lang="zh-CN" altLang="en-US" kern="100" dirty="0">
+                <a:latin typeface="+mn-ea"/>
+                <a:ea typeface="+mn-ea"/>
+                <a:cs typeface="Times New Roman" panose="02020603050405020304" pitchFamily="18" charset="0"/>
+              </a:rPr>
+              <a:t>    </a:t>
+            </a:r>
           </a:p>
         </p:txBody>
       </p:sp>
       <p:pic>
         <p:nvPicPr>
-          <p:cNvPr id="2" name="图片 1"/>
+          <p:cNvPr id="5" name="图片 4" descr="window_size">
+            <a:extLst>
+              <a:ext uri="{FF2B5EF4-FFF2-40B4-BE49-F238E27FC236}">
+                <a16:creationId xmlns:a16="http://schemas.microsoft.com/office/drawing/2014/main" id="{EB3697AF-18CA-70D6-FAD8-019448A0A4E3}"/>
+              </a:ext>
+            </a:extLst>
+          </p:cNvPr>
           <p:cNvPicPr>
             <a:picLocks noChangeAspect="1"/>
           </p:cNvPicPr>
@@ -23303,8 +23240,8 @@
         </p:blipFill>
         <p:spPr>
           <a:xfrm>
-            <a:off x="545104" y="2435820"/>
-            <a:ext cx="5467056" cy="3049265"/>
+            <a:off x="4804085" y="1268760"/>
+            <a:ext cx="3988807" cy="4324548"/>
           </a:xfrm>
           <a:prstGeom prst="rect">
             <a:avLst/>
@@ -23315,16 +23252,21 @@
     <p:custDataLst>
       <p:tags r:id="rId1"/>
     </p:custDataLst>
+    <p:extLst>
+      <p:ext uri="{BB962C8B-B14F-4D97-AF65-F5344CB8AC3E}">
+        <p14:creationId xmlns:p14="http://schemas.microsoft.com/office/powerpoint/2010/main" val="3095985252"/>
+      </p:ext>
+    </p:extLst>
   </p:cSld>
   <p:clrMapOvr>
     <a:masterClrMapping/>
   </p:clrMapOvr>
   <mc:AlternateContent xmlns:mc="http://schemas.openxmlformats.org/markup-compatibility/2006" xmlns:p14="http://schemas.microsoft.com/office/powerpoint/2010/main">
     <mc:Choice Requires="p14">
-      <p:transition spd="slow" p14:dur="2000" advTm="16586"/>
+      <p:transition spd="slow" p14:dur="2000" advTm="18900"/>
     </mc:Choice>
     <mc:Fallback xmlns="">
-      <p:transition spd="slow" advTm="16586"/>
+      <p:transition spd="slow" advTm="18900"/>
     </mc:Fallback>
   </mc:AlternateContent>
 </p:sld>
@@ -23359,7 +23301,7 @@
         </p:nvSpPr>
         <p:spPr>
           <a:xfrm>
-            <a:off x="219056" y="1085107"/>
+            <a:off x="214430" y="1094065"/>
             <a:ext cx="8705888" cy="4687787"/>
           </a:xfrm>
           <a:prstGeom prst="rect">
@@ -23459,22 +23401,12 @@
                     <a:lumOff val="15000"/>
                   </a:schemeClr>
                 </a:solidFill>
+                <a:latin typeface="Arial" panose="020B0604020202020204" pitchFamily="34" charset="0"/>
                 <a:ea typeface="微软雅黑" panose="020B0503020204020204" charset="-122"/>
                 <a:sym typeface="Arial" panose="020B0604020202020204" pitchFamily="34" charset="0"/>
               </a:rPr>
               <a:t>模型建立</a:t>
             </a:r>
-            <a:endParaRPr lang="zh-CN" altLang="en-US" sz="1500" b="1" dirty="0">
-              <a:solidFill>
-                <a:schemeClr val="tx1">
-                  <a:lumMod val="85000"/>
-                  <a:lumOff val="15000"/>
-                </a:schemeClr>
-              </a:solidFill>
-              <a:latin typeface="Arial" panose="020B0604020202020204" pitchFamily="34" charset="0"/>
-              <a:ea typeface="微软雅黑" panose="020B0503020204020204" charset="-122"/>
-              <a:sym typeface="Arial" panose="020B0604020202020204" pitchFamily="34" charset="0"/>
-            </a:endParaRPr>
           </a:p>
         </p:txBody>
       </p:sp>
@@ -23590,7 +23522,7 @@
           </a:lstStyle>
           <a:p>
             <a:r>
-              <a:rPr sz="2700" dirty="0">
+              <a:rPr lang="zh-CN" altLang="en-US" sz="2700" dirty="0">
                 <a:solidFill>
                   <a:schemeClr val="dk1">
                     <a:lumMod val="85000"/>
@@ -23600,8 +23532,18 @@
                 <a:latin typeface="Arial" panose="020B0604020202020204" pitchFamily="34" charset="0"/>
                 <a:sym typeface="Arial" panose="020B0604020202020204" pitchFamily="34" charset="0"/>
               </a:rPr>
-              <a:t>技术路线</a:t>
-            </a:r>
+              <a:t>核心算法</a:t>
+            </a:r>
+            <a:endParaRPr sz="2700" dirty="0">
+              <a:solidFill>
+                <a:schemeClr val="dk1">
+                  <a:lumMod val="85000"/>
+                  <a:lumOff val="15000"/>
+                </a:schemeClr>
+              </a:solidFill>
+              <a:latin typeface="Arial" panose="020B0604020202020204" pitchFamily="34" charset="0"/>
+              <a:sym typeface="Arial" panose="020B0604020202020204" pitchFamily="34" charset="0"/>
+            </a:endParaRPr>
           </a:p>
         </p:txBody>
       </p:sp>
@@ -23671,14 +23613,14 @@
       </p:pic>
       <p:sp>
         <p:nvSpPr>
-          <p:cNvPr id="5" name="文本框 4"/>
+          <p:cNvPr id="11" name="文本框 10"/>
           <p:cNvSpPr txBox="1"/>
           <p:nvPr/>
         </p:nvSpPr>
         <p:spPr>
           <a:xfrm>
-            <a:off x="864523" y="2458871"/>
-            <a:ext cx="4572000" cy="2862322"/>
+            <a:off x="494269" y="2274882"/>
+            <a:ext cx="8109663" cy="1615827"/>
           </a:xfrm>
           <a:prstGeom prst="rect">
             <a:avLst/>
@@ -23686,132 +23628,184 @@
           <a:noFill/>
         </p:spPr>
         <p:txBody>
-          <a:bodyPr wrap="square">
+          <a:bodyPr wrap="square" rtlCol="0">
             <a:spAutoFit/>
           </a:bodyPr>
           <a:lstStyle/>
           <a:p>
-            <a:r>
-              <a:rPr lang="zh-CN" altLang="en-US" dirty="0"/>
-              <a:t>预测模型尝试五种</a:t>
-            </a:r>
-            <a:r>
-              <a:rPr lang="zh-CN" altLang="en-US" dirty="0">
-                <a:sym typeface="+mn-ea"/>
+            <a:pPr marL="0" marR="0" indent="355600" algn="just">
+              <a:lnSpc>
+                <a:spcPct val="150000"/>
+              </a:lnSpc>
+              <a:spcBef>
+                <a:spcPts val="0"/>
+              </a:spcBef>
+              <a:spcAft>
+                <a:spcPts val="0"/>
+              </a:spcAft>
+            </a:pPr>
+            <a:r>
+              <a:rPr lang="zh-CN" altLang="en-US" sz="1800" kern="100" dirty="0">
+                <a:effectLst/>
+                <a:latin typeface="+mn-ea"/>
+                <a:ea typeface="+mn-ea"/>
+                <a:cs typeface="Times New Roman" panose="02020603050405020304" pitchFamily="18" charset="0"/>
               </a:rPr>
-              <a:t>神经网络</a:t>
-            </a:r>
-            <a:r>
-              <a:rPr lang="zh-CN" altLang="en-US" dirty="0"/>
-              <a:t>：</a:t>
-            </a:r>
-            <a:endParaRPr lang="en-US" altLang="zh-CN" dirty="0"/>
-          </a:p>
-          <a:p>
-            <a:endParaRPr lang="zh-CN" altLang="en-US" dirty="0"/>
-          </a:p>
-          <a:p>
-            <a:pPr marL="400050" indent="-400050">
-              <a:buFont typeface="+mj-lt"/>
-              <a:buAutoNum type="romanUcPeriod"/>
+              <a:t>我们采用了五种常见的机器学习模型</a:t>
+            </a:r>
+            <a:r>
+              <a:rPr lang="en-US" altLang="zh-CN" sz="1800" kern="100" dirty="0">
+                <a:effectLst/>
+                <a:latin typeface="+mn-ea"/>
+                <a:ea typeface="+mn-ea"/>
+                <a:cs typeface="Times New Roman" panose="02020603050405020304" pitchFamily="18" charset="0"/>
+              </a:rPr>
+              <a:t>——</a:t>
+            </a:r>
+            <a:r>
+              <a:rPr lang="zh-CN" altLang="en-US" sz="1800" kern="100" dirty="0">
+                <a:effectLst/>
+                <a:latin typeface="+mn-ea"/>
+                <a:ea typeface="+mn-ea"/>
+                <a:cs typeface="Times New Roman" panose="02020603050405020304" pitchFamily="18" charset="0"/>
+              </a:rPr>
+              <a:t>循环神经网络</a:t>
+            </a:r>
+            <a:r>
+              <a:rPr lang="en-US" altLang="zh-CN" sz="1800" kern="100" dirty="0">
+                <a:solidFill>
+                  <a:schemeClr val="accent1"/>
+                </a:solidFill>
+                <a:effectLst/>
+                <a:latin typeface="+mn-ea"/>
+                <a:ea typeface="+mn-ea"/>
+                <a:cs typeface="Times New Roman" panose="02020603050405020304" pitchFamily="18" charset="0"/>
+              </a:rPr>
+              <a:t>RNN</a:t>
+            </a:r>
+            <a:r>
+              <a:rPr lang="zh-CN" altLang="en-US" sz="1800" kern="100" dirty="0">
+                <a:effectLst/>
+                <a:latin typeface="+mn-ea"/>
+                <a:ea typeface="+mn-ea"/>
+                <a:cs typeface="Times New Roman" panose="02020603050405020304" pitchFamily="18" charset="0"/>
+              </a:rPr>
+              <a:t>、多层感知机</a:t>
+            </a:r>
+            <a:r>
+              <a:rPr lang="en-US" altLang="zh-CN" sz="1800" kern="100" dirty="0">
+                <a:solidFill>
+                  <a:schemeClr val="accent1"/>
+                </a:solidFill>
+                <a:effectLst/>
+                <a:latin typeface="+mn-ea"/>
+                <a:ea typeface="+mn-ea"/>
+                <a:cs typeface="Times New Roman" panose="02020603050405020304" pitchFamily="18" charset="0"/>
+              </a:rPr>
+              <a:t>MLP</a:t>
+            </a:r>
+            <a:r>
+              <a:rPr lang="zh-CN" altLang="en-US" sz="1800" kern="100" dirty="0">
+                <a:effectLst/>
+                <a:latin typeface="+mn-ea"/>
+                <a:ea typeface="+mn-ea"/>
+                <a:cs typeface="Times New Roman" panose="02020603050405020304" pitchFamily="18" charset="0"/>
+              </a:rPr>
+              <a:t>、长短期记忆神经网络</a:t>
+            </a:r>
+            <a:r>
+              <a:rPr lang="en-US" altLang="zh-CN" sz="1800" kern="100" dirty="0">
+                <a:solidFill>
+                  <a:schemeClr val="accent1"/>
+                </a:solidFill>
+                <a:effectLst/>
+                <a:latin typeface="+mn-ea"/>
+                <a:ea typeface="+mn-ea"/>
+                <a:cs typeface="Times New Roman" panose="02020603050405020304" pitchFamily="18" charset="0"/>
+              </a:rPr>
+              <a:t>LSTM</a:t>
+            </a:r>
+            <a:r>
+              <a:rPr lang="zh-CN" altLang="en-US" sz="1800" kern="100" dirty="0">
+                <a:effectLst/>
+                <a:latin typeface="+mn-ea"/>
+                <a:ea typeface="+mn-ea"/>
+                <a:cs typeface="Times New Roman" panose="02020603050405020304" pitchFamily="18" charset="0"/>
+              </a:rPr>
+              <a:t>、门控循环单元网络</a:t>
+            </a:r>
+            <a:r>
+              <a:rPr lang="en-US" altLang="zh-CN" sz="1800" kern="100" dirty="0">
+                <a:solidFill>
+                  <a:schemeClr val="accent1"/>
+                </a:solidFill>
+                <a:effectLst/>
+                <a:latin typeface="+mn-ea"/>
+                <a:ea typeface="+mn-ea"/>
+                <a:cs typeface="Times New Roman" panose="02020603050405020304" pitchFamily="18" charset="0"/>
+              </a:rPr>
+              <a:t>GRU</a:t>
+            </a:r>
+            <a:r>
+              <a:rPr lang="zh-CN" altLang="en-US" sz="1800" kern="100" dirty="0">
+                <a:effectLst/>
+                <a:latin typeface="+mn-ea"/>
+                <a:ea typeface="+mn-ea"/>
+                <a:cs typeface="Times New Roman" panose="02020603050405020304" pitchFamily="18" charset="0"/>
+              </a:rPr>
+              <a:t>、卷积神经网络</a:t>
+            </a:r>
+            <a:r>
+              <a:rPr lang="en-US" altLang="zh-CN" sz="1800" kern="100" dirty="0">
+                <a:solidFill>
+                  <a:schemeClr val="accent1"/>
+                </a:solidFill>
+                <a:effectLst/>
+                <a:latin typeface="+mn-ea"/>
+                <a:ea typeface="+mn-ea"/>
+                <a:cs typeface="Times New Roman" panose="02020603050405020304" pitchFamily="18" charset="0"/>
+              </a:rPr>
+              <a:t>CNN</a:t>
+            </a:r>
+            <a:r>
+              <a:rPr lang="zh-CN" altLang="en-US" sz="1800" kern="100" dirty="0">
+                <a:effectLst/>
+                <a:latin typeface="+mn-ea"/>
+                <a:ea typeface="+mn-ea"/>
+                <a:cs typeface="Times New Roman" panose="02020603050405020304" pitchFamily="18" charset="0"/>
+              </a:rPr>
+              <a:t>，给予用户多元化选择。</a:t>
+            </a:r>
+          </a:p>
+          <a:p>
+            <a:pPr algn="just">
+              <a:spcBef>
+                <a:spcPts val="0"/>
+              </a:spcBef>
+              <a:spcAft>
+                <a:spcPts val="0"/>
+              </a:spcAft>
             </a:pPr>
             <a:r>
-              <a:rPr lang="en-US" altLang="zh-CN" dirty="0"/>
-              <a:t>RNN </a:t>
-            </a:r>
-            <a:r>
-              <a:rPr lang="zh-CN" altLang="en-US" dirty="0"/>
-              <a:t>循环神经网络</a:t>
-            </a:r>
-          </a:p>
-          <a:p>
-            <a:pPr marL="400050" indent="-400050">
-              <a:buFont typeface="+mj-lt"/>
-              <a:buAutoNum type="romanUcPeriod"/>
-            </a:pPr>
-            <a:r>
-              <a:rPr lang="en-US" altLang="zh-CN" dirty="0"/>
-              <a:t>MLP </a:t>
-            </a:r>
-            <a:r>
-              <a:rPr lang="zh-CN" altLang="en-US" dirty="0"/>
-              <a:t>人工神经网络</a:t>
-            </a:r>
-          </a:p>
-          <a:p>
-            <a:pPr marL="400050" indent="-400050">
-              <a:buFont typeface="+mj-lt"/>
-              <a:buAutoNum type="romanUcPeriod"/>
-            </a:pPr>
-            <a:r>
-              <a:rPr lang="en-US" altLang="zh-CN" dirty="0"/>
-              <a:t>LSTM </a:t>
-            </a:r>
-            <a:r>
-              <a:rPr lang="en-US" altLang="zh-CN" dirty="0" err="1"/>
-              <a:t>长短期记忆递归神经网络</a:t>
-            </a:r>
-            <a:endParaRPr lang="en-US" altLang="zh-CN" dirty="0"/>
-          </a:p>
-          <a:p>
-            <a:pPr marL="400050" indent="-400050">
-              <a:buFont typeface="+mj-lt"/>
-              <a:buAutoNum type="romanUcPeriod"/>
-            </a:pPr>
-            <a:r>
-              <a:rPr lang="en-US" altLang="zh-CN" dirty="0"/>
-              <a:t>GRU </a:t>
-            </a:r>
-            <a:r>
-              <a:rPr lang="zh-CN" altLang="en-US" dirty="0"/>
-              <a:t>门控循环单元</a:t>
-            </a:r>
-          </a:p>
-          <a:p>
-            <a:pPr marL="400050" indent="-400050">
-              <a:buFont typeface="+mj-lt"/>
-              <a:buAutoNum type="romanUcPeriod"/>
-            </a:pPr>
-            <a:r>
-              <a:rPr lang="en-US" altLang="zh-CN" dirty="0"/>
-              <a:t>CNN </a:t>
-            </a:r>
-            <a:r>
-              <a:rPr lang="zh-CN" altLang="en-US" dirty="0">
-                <a:sym typeface="+mn-ea"/>
+              <a:rPr lang="zh-CN" altLang="en-US" kern="100" dirty="0">
+                <a:latin typeface="+mn-ea"/>
+                <a:ea typeface="+mn-ea"/>
+                <a:cs typeface="Times New Roman" panose="02020603050405020304" pitchFamily="18" charset="0"/>
               </a:rPr>
-              <a:t>卷积神经网络</a:t>
-            </a:r>
-          </a:p>
-          <a:p>
-            <a:pPr>
-              <a:buFont typeface="+mj-lt"/>
-            </a:pPr>
-            <a:endParaRPr lang="en-US" altLang="zh-CN" dirty="0"/>
-          </a:p>
-          <a:p>
-            <a:pPr>
-              <a:buFont typeface="+mj-lt"/>
-            </a:pPr>
-            <a:r>
-              <a:rPr lang="zh-CN" altLang="en-US" dirty="0"/>
-              <a:t>调节训练次数，隐藏层层数等参数优化模型</a:t>
-            </a:r>
-          </a:p>
-          <a:p>
-            <a:pPr>
-              <a:buFont typeface="+mj-lt"/>
-            </a:pPr>
-            <a:r>
-              <a:rPr lang="zh-CN" altLang="en-US" dirty="0"/>
-              <a:t>横向对比选择误差较小的模型</a:t>
+              <a:t>    </a:t>
             </a:r>
           </a:p>
         </p:txBody>
       </p:sp>
       <p:pic>
         <p:nvPicPr>
-          <p:cNvPr id="11" name="图片 10"/>
+          <p:cNvPr id="6" name="图片 5" descr="build_model">
+            <a:extLst>
+              <a:ext uri="{FF2B5EF4-FFF2-40B4-BE49-F238E27FC236}">
+                <a16:creationId xmlns:a16="http://schemas.microsoft.com/office/drawing/2014/main" id="{0EF7C473-A129-20A2-0957-957794E54021}"/>
+              </a:ext>
+            </a:extLst>
+          </p:cNvPr>
           <p:cNvPicPr>
             <a:picLocks noChangeAspect="1"/>
           </p:cNvPicPr>
@@ -23825,8 +23819,8 @@
         </p:blipFill>
         <p:spPr>
           <a:xfrm>
-            <a:off x="4855339" y="2396157"/>
-            <a:ext cx="3829078" cy="2149615"/>
+            <a:off x="606173" y="3596953"/>
+            <a:ext cx="8043558" cy="2823387"/>
           </a:xfrm>
           <a:prstGeom prst="rect">
             <a:avLst/>
@@ -23837,16 +23831,21 @@
     <p:custDataLst>
       <p:tags r:id="rId1"/>
     </p:custDataLst>
+    <p:extLst>
+      <p:ext uri="{BB962C8B-B14F-4D97-AF65-F5344CB8AC3E}">
+        <p14:creationId xmlns:p14="http://schemas.microsoft.com/office/powerpoint/2010/main" val="3301693460"/>
+      </p:ext>
+    </p:extLst>
   </p:cSld>
   <p:clrMapOvr>
     <a:masterClrMapping/>
   </p:clrMapOvr>
   <mc:AlternateContent xmlns:mc="http://schemas.openxmlformats.org/markup-compatibility/2006" xmlns:p14="http://schemas.microsoft.com/office/powerpoint/2010/main">
     <mc:Choice Requires="p14">
-      <p:transition spd="slow" p14:dur="2000" advTm="30454"/>
+      <p:transition spd="slow" p14:dur="2000" advTm="18900"/>
     </mc:Choice>
     <mc:Fallback xmlns="">
-      <p:transition spd="slow" advTm="30454"/>
+      <p:transition spd="slow" advTm="18900"/>
     </mc:Fallback>
   </mc:AlternateContent>
 </p:sld>
@@ -23881,7 +23880,7 @@
         </p:nvSpPr>
         <p:spPr>
           <a:xfrm>
-            <a:off x="219056" y="1085107"/>
+            <a:off x="214430" y="1094065"/>
             <a:ext cx="8705888" cy="4687787"/>
           </a:xfrm>
           <a:prstGeom prst="rect">
@@ -23981,22 +23980,12 @@
                     <a:lumOff val="15000"/>
                   </a:schemeClr>
                 </a:solidFill>
+                <a:latin typeface="Arial" panose="020B0604020202020204" pitchFamily="34" charset="0"/>
                 <a:ea typeface="微软雅黑" panose="020B0503020204020204" charset="-122"/>
                 <a:sym typeface="Arial" panose="020B0604020202020204" pitchFamily="34" charset="0"/>
               </a:rPr>
-              <a:t>模型测试</a:t>
-            </a:r>
-            <a:endParaRPr lang="zh-CN" altLang="en-US" sz="1500" b="1" dirty="0">
-              <a:solidFill>
-                <a:schemeClr val="tx1">
-                  <a:lumMod val="85000"/>
-                  <a:lumOff val="15000"/>
-                </a:schemeClr>
-              </a:solidFill>
-              <a:latin typeface="Arial" panose="020B0604020202020204" pitchFamily="34" charset="0"/>
-              <a:ea typeface="微软雅黑" panose="020B0503020204020204" charset="-122"/>
-              <a:sym typeface="Arial" panose="020B0604020202020204" pitchFamily="34" charset="0"/>
-            </a:endParaRPr>
+              <a:t>全流程可视化支撑</a:t>
+            </a:r>
           </a:p>
         </p:txBody>
       </p:sp>
@@ -24050,9 +24039,6 @@
             <a:pPr algn="ctr"/>
             <a:r>
               <a:rPr lang="en-US" altLang="zh-CN" sz="1350" b="1" dirty="0">
-                <a:solidFill>
-                  <a:schemeClr val="lt1"/>
-                </a:solidFill>
                 <a:latin typeface="Arial" panose="020B0604020202020204" pitchFamily="34" charset="0"/>
                 <a:ea typeface="微软雅黑" panose="020B0503020204020204" charset="-122"/>
                 <a:cs typeface="Arial" panose="020B0604020202020204" pitchFamily="34" charset="0"/>
@@ -24060,6 +24046,15 @@
               </a:rPr>
               <a:t>4</a:t>
             </a:r>
+            <a:endParaRPr lang="en-US" altLang="zh-CN" sz="1350" b="1" dirty="0">
+              <a:solidFill>
+                <a:schemeClr val="lt1"/>
+              </a:solidFill>
+              <a:latin typeface="Arial" panose="020B0604020202020204" pitchFamily="34" charset="0"/>
+              <a:ea typeface="微软雅黑" panose="020B0503020204020204" charset="-122"/>
+              <a:cs typeface="Arial" panose="020B0604020202020204" pitchFamily="34" charset="0"/>
+              <a:sym typeface="Arial" panose="020B0604020202020204" pitchFamily="34" charset="0"/>
+            </a:endParaRPr>
           </a:p>
         </p:txBody>
       </p:sp>
@@ -24112,7 +24107,7 @@
           </a:lstStyle>
           <a:p>
             <a:r>
-              <a:rPr sz="2700" dirty="0">
+              <a:rPr lang="zh-CN" altLang="en-US" sz="2700" dirty="0">
                 <a:solidFill>
                   <a:schemeClr val="dk1">
                     <a:lumMod val="85000"/>
@@ -24122,8 +24117,18 @@
                 <a:latin typeface="Arial" panose="020B0604020202020204" pitchFamily="34" charset="0"/>
                 <a:sym typeface="Arial" panose="020B0604020202020204" pitchFamily="34" charset="0"/>
               </a:rPr>
-              <a:t>技术路线</a:t>
-            </a:r>
+              <a:t>核心算法</a:t>
+            </a:r>
+            <a:endParaRPr sz="2700" dirty="0">
+              <a:solidFill>
+                <a:schemeClr val="dk1">
+                  <a:lumMod val="85000"/>
+                  <a:lumOff val="15000"/>
+                </a:schemeClr>
+              </a:solidFill>
+              <a:latin typeface="Arial" panose="020B0604020202020204" pitchFamily="34" charset="0"/>
+              <a:sym typeface="Arial" panose="020B0604020202020204" pitchFamily="34" charset="0"/>
+            </a:endParaRPr>
           </a:p>
         </p:txBody>
       </p:sp>
@@ -24193,14 +24198,14 @@
       </p:pic>
       <p:sp>
         <p:nvSpPr>
-          <p:cNvPr id="5" name="文本框 4"/>
+          <p:cNvPr id="11" name="文本框 10"/>
           <p:cNvSpPr txBox="1"/>
           <p:nvPr/>
         </p:nvSpPr>
         <p:spPr>
           <a:xfrm>
-            <a:off x="864523" y="2458871"/>
-            <a:ext cx="4572000" cy="2031325"/>
+            <a:off x="494269" y="2274882"/>
+            <a:ext cx="8109663" cy="875881"/>
           </a:xfrm>
           <a:prstGeom prst="rect">
             <a:avLst/>
@@ -24208,132 +24213,129 @@
           <a:noFill/>
         </p:spPr>
         <p:txBody>
-          <a:bodyPr wrap="square">
+          <a:bodyPr wrap="square" rtlCol="0">
             <a:spAutoFit/>
           </a:bodyPr>
           <a:lstStyle/>
           <a:p>
-            <a:r>
-              <a:rPr lang="zh-CN" altLang="en-US" dirty="0"/>
-              <a:t>引入神经网络模型的四种度量指标：</a:t>
-            </a:r>
-            <a:endParaRPr lang="en-US" altLang="zh-CN" dirty="0"/>
-          </a:p>
-          <a:p>
-            <a:r>
-              <a:rPr lang="en-US" altLang="zh-CN" dirty="0"/>
-              <a:t>MAE</a:t>
-            </a:r>
-            <a:r>
-              <a:rPr lang="zh-CN" altLang="en-US" dirty="0"/>
-              <a:t>：</a:t>
-            </a:r>
-            <a:r>
-              <a:rPr lang="zh-CN" altLang="en-US" b="0" i="0" dirty="0">
-                <a:solidFill>
-                  <a:srgbClr val="374151"/>
-                </a:solidFill>
+            <a:pPr marL="0" marR="0" indent="355600" algn="just">
+              <a:lnSpc>
+                <a:spcPct val="150000"/>
+              </a:lnSpc>
+              <a:spcBef>
+                <a:spcPts val="0"/>
+              </a:spcBef>
+              <a:spcAft>
+                <a:spcPts val="0"/>
+              </a:spcAft>
+            </a:pPr>
+            <a:r>
+              <a:rPr lang="zh-CN" altLang="en-US" sz="1800" kern="100" dirty="0">
                 <a:effectLst/>
-                <a:latin typeface="Söhne"/>
+                <a:latin typeface="+mn-ea"/>
+                <a:ea typeface="+mn-ea"/>
+                <a:cs typeface="Times New Roman" panose="02020603050405020304" pitchFamily="18" charset="0"/>
               </a:rPr>
-              <a:t>平均绝对误差</a:t>
-            </a:r>
-            <a:endParaRPr lang="en-US" altLang="zh-CN" dirty="0"/>
-          </a:p>
-          <a:p>
-            <a:r>
-              <a:rPr lang="en-US" altLang="zh-CN" dirty="0"/>
-              <a:t>RMSE</a:t>
-            </a:r>
-            <a:r>
-              <a:rPr lang="zh-CN" altLang="en-US" dirty="0"/>
-              <a:t>：</a:t>
-            </a:r>
-            <a:r>
-              <a:rPr lang="zh-CN" altLang="en-US" b="0" i="0" dirty="0">
-                <a:solidFill>
-                  <a:srgbClr val="374151"/>
+              <a:t>我们设置“</a:t>
+            </a:r>
+            <a:r>
+              <a:rPr lang="zh-CN" altLang="en-US" sz="1800" kern="100" dirty="0">
+                <a:solidFill>
+                  <a:schemeClr val="accent1"/>
                 </a:solidFill>
                 <a:effectLst/>
-                <a:latin typeface="Söhne"/>
+                <a:latin typeface="+mn-ea"/>
+                <a:ea typeface="+mn-ea"/>
+                <a:cs typeface="Times New Roman" panose="02020603050405020304" pitchFamily="18" charset="0"/>
               </a:rPr>
-              <a:t>均方根误差</a:t>
-            </a:r>
-            <a:endParaRPr lang="en-US" altLang="zh-CN" dirty="0"/>
-          </a:p>
-          <a:p>
-            <a:r>
-              <a:rPr lang="en-US" altLang="zh-CN" dirty="0"/>
-              <a:t>MAPE</a:t>
-            </a:r>
-            <a:r>
-              <a:rPr lang="zh-CN" altLang="en-US" dirty="0"/>
-              <a:t>：</a:t>
-            </a:r>
-            <a:r>
-              <a:rPr lang="zh-CN" altLang="en-US" b="0" i="0" dirty="0">
-                <a:solidFill>
-                  <a:srgbClr val="374151"/>
-                </a:solidFill>
+              <a:t>数据集</a:t>
+            </a:r>
+            <a:r>
+              <a:rPr lang="zh-CN" altLang="en-US" sz="1800" kern="100" dirty="0">
                 <a:effectLst/>
-                <a:latin typeface="Söhne"/>
+                <a:latin typeface="+mn-ea"/>
+                <a:ea typeface="+mn-ea"/>
+                <a:cs typeface="Times New Roman" panose="02020603050405020304" pitchFamily="18" charset="0"/>
               </a:rPr>
-              <a:t>平均绝对百分比误差</a:t>
-            </a:r>
-            <a:endParaRPr lang="en-US" altLang="zh-CN" dirty="0"/>
-          </a:p>
-          <a:p>
-            <a:r>
-              <a:rPr lang="en-US" altLang="zh-CN" dirty="0"/>
-              <a:t>R2</a:t>
-            </a:r>
-            <a:r>
-              <a:rPr lang="zh-CN" altLang="en-US" dirty="0"/>
-              <a:t>：</a:t>
-            </a:r>
-            <a:r>
-              <a:rPr lang="zh-CN" altLang="en-US" b="0" i="0" dirty="0">
-                <a:solidFill>
-                  <a:srgbClr val="374151"/>
+              <a:t>”、“</a:t>
+            </a:r>
+            <a:r>
+              <a:rPr lang="zh-CN" altLang="en-US" sz="1800" kern="100" dirty="0">
+                <a:solidFill>
+                  <a:schemeClr val="accent1"/>
                 </a:solidFill>
                 <a:effectLst/>
-                <a:latin typeface="Söhne"/>
+                <a:latin typeface="+mn-ea"/>
+                <a:ea typeface="+mn-ea"/>
+                <a:cs typeface="Times New Roman" panose="02020603050405020304" pitchFamily="18" charset="0"/>
               </a:rPr>
-              <a:t>决定系数</a:t>
-            </a:r>
-            <a:endParaRPr lang="en-US" altLang="zh-CN" b="0" i="0" dirty="0">
-              <a:solidFill>
-                <a:srgbClr val="374151"/>
-              </a:solidFill>
-              <a:effectLst/>
-              <a:latin typeface="Söhne"/>
+              <a:t>模型训练</a:t>
+            </a:r>
+            <a:r>
+              <a:rPr lang="zh-CN" altLang="en-US" sz="1800" kern="100" dirty="0">
+                <a:effectLst/>
+                <a:latin typeface="+mn-ea"/>
+                <a:ea typeface="+mn-ea"/>
+                <a:cs typeface="Times New Roman" panose="02020603050405020304" pitchFamily="18" charset="0"/>
+              </a:rPr>
+              <a:t>”、“</a:t>
+            </a:r>
+            <a:r>
+              <a:rPr lang="zh-CN" altLang="en-US" sz="1800" kern="100" dirty="0">
+                <a:solidFill>
+                  <a:schemeClr val="accent1"/>
+                </a:solidFill>
+                <a:effectLst/>
+                <a:latin typeface="+mn-ea"/>
+                <a:ea typeface="+mn-ea"/>
+                <a:cs typeface="Times New Roman" panose="02020603050405020304" pitchFamily="18" charset="0"/>
+              </a:rPr>
+              <a:t>误差分析</a:t>
+            </a:r>
+            <a:r>
+              <a:rPr lang="zh-CN" altLang="en-US" sz="1800" kern="100" dirty="0">
+                <a:effectLst/>
+                <a:latin typeface="+mn-ea"/>
+                <a:ea typeface="+mn-ea"/>
+                <a:cs typeface="Times New Roman" panose="02020603050405020304" pitchFamily="18" charset="0"/>
+              </a:rPr>
+              <a:t>”三个大板块各一张曲线图</a:t>
+            </a:r>
+            <a:r>
+              <a:rPr lang="en-US" altLang="zh-CN" sz="1800" kern="100" dirty="0">
+                <a:effectLst/>
+                <a:latin typeface="+mn-ea"/>
+                <a:ea typeface="+mn-ea"/>
+                <a:cs typeface="Times New Roman" panose="02020603050405020304" pitchFamily="18" charset="0"/>
+              </a:rPr>
+              <a:t>/</a:t>
+            </a:r>
+            <a:r>
+              <a:rPr lang="zh-CN" altLang="en-US" sz="1800" kern="100" dirty="0">
+                <a:effectLst/>
+                <a:latin typeface="+mn-ea"/>
+                <a:ea typeface="+mn-ea"/>
+                <a:cs typeface="Times New Roman" panose="02020603050405020304" pitchFamily="18" charset="0"/>
+              </a:rPr>
+              <a:t>散点图，覆盖风电功率预测全流程。</a:t>
+            </a:r>
+            <a:endParaRPr lang="zh-CN" altLang="en-US" kern="100" dirty="0">
+              <a:latin typeface="+mn-ea"/>
+              <a:ea typeface="+mn-ea"/>
+              <a:cs typeface="Times New Roman" panose="02020603050405020304" pitchFamily="18" charset="0"/>
             </a:endParaRPr>
-          </a:p>
-          <a:p>
-            <a:endParaRPr lang="en-US" altLang="zh-CN" dirty="0">
-              <a:solidFill>
-                <a:srgbClr val="374151"/>
-              </a:solidFill>
-              <a:latin typeface="Söhne"/>
-            </a:endParaRPr>
-          </a:p>
-          <a:p>
-            <a:r>
-              <a:rPr lang="zh-CN" altLang="en-US" dirty="0">
-                <a:solidFill>
-                  <a:srgbClr val="374151"/>
-                </a:solidFill>
-                <a:latin typeface="Söhne"/>
-              </a:rPr>
-              <a:t>通过指标衡量模型精确度</a:t>
-            </a:r>
-            <a:endParaRPr lang="zh-CN" altLang="en-US" dirty="0"/>
           </a:p>
         </p:txBody>
       </p:sp>
       <p:pic>
         <p:nvPicPr>
-          <p:cNvPr id="6" name="图片 5"/>
+          <p:cNvPr id="5" name="图片 4">
+            <a:extLst>
+              <a:ext uri="{FF2B5EF4-FFF2-40B4-BE49-F238E27FC236}">
+                <a16:creationId xmlns:a16="http://schemas.microsoft.com/office/drawing/2014/main" id="{FE39DAF3-ABEF-24A8-32FA-DA9786EC6BF3}"/>
+              </a:ext>
+            </a:extLst>
+          </p:cNvPr>
           <p:cNvPicPr>
             <a:picLocks noChangeAspect="1"/>
           </p:cNvPicPr>
@@ -24347,17 +24349,31 @@
         </p:blipFill>
         <p:spPr>
           <a:xfrm>
-            <a:off x="4535833" y="2636912"/>
-            <a:ext cx="4068100" cy="1296144"/>
+            <a:off x="611560" y="3213256"/>
+            <a:ext cx="2541910" cy="2520000"/>
           </a:xfrm>
           <a:prstGeom prst="rect">
             <a:avLst/>
           </a:prstGeom>
+          <a:noFill/>
+          <a:ln>
+            <a:solidFill>
+              <a:schemeClr val="bg2">
+                <a:lumMod val="75000"/>
+              </a:schemeClr>
+            </a:solidFill>
+          </a:ln>
         </p:spPr>
       </p:pic>
       <p:pic>
         <p:nvPicPr>
-          <p:cNvPr id="11" name="图片 10"/>
+          <p:cNvPr id="7" name="图片 6">
+            <a:extLst>
+              <a:ext uri="{FF2B5EF4-FFF2-40B4-BE49-F238E27FC236}">
+                <a16:creationId xmlns:a16="http://schemas.microsoft.com/office/drawing/2014/main" id="{153865FA-B24F-B3BF-5837-D2849DDA5B67}"/>
+              </a:ext>
+            </a:extLst>
+          </p:cNvPr>
           <p:cNvPicPr>
             <a:picLocks noChangeAspect="1"/>
           </p:cNvPicPr>
@@ -24371,28 +24387,79 @@
         </p:blipFill>
         <p:spPr>
           <a:xfrm>
-            <a:off x="4525698" y="3909327"/>
-            <a:ext cx="4124977" cy="1296144"/>
+            <a:off x="3153470" y="3209151"/>
+            <a:ext cx="2956380" cy="2520000"/>
           </a:xfrm>
           <a:prstGeom prst="rect">
             <a:avLst/>
           </a:prstGeom>
+          <a:noFill/>
+          <a:ln>
+            <a:solidFill>
+              <a:schemeClr val="bg2">
+                <a:lumMod val="75000"/>
+              </a:schemeClr>
+            </a:solidFill>
+          </a:ln>
+        </p:spPr>
+      </p:pic>
+      <p:pic>
+        <p:nvPicPr>
+          <p:cNvPr id="8" name="图片 7">
+            <a:extLst>
+              <a:ext uri="{FF2B5EF4-FFF2-40B4-BE49-F238E27FC236}">
+                <a16:creationId xmlns:a16="http://schemas.microsoft.com/office/drawing/2014/main" id="{F0AA6D57-4FA5-6207-660D-969BC871489B}"/>
+              </a:ext>
+            </a:extLst>
+          </p:cNvPr>
+          <p:cNvPicPr>
+            <a:picLocks noChangeAspect="1"/>
+          </p:cNvPicPr>
+          <p:nvPr/>
+        </p:nvPicPr>
+        <p:blipFill>
+          <a:blip r:embed="rId16"/>
+          <a:stretch>
+            <a:fillRect/>
+          </a:stretch>
+        </p:blipFill>
+        <p:spPr>
+          <a:xfrm>
+            <a:off x="6126182" y="3205046"/>
+            <a:ext cx="2355080" cy="2520000"/>
+          </a:xfrm>
+          <a:prstGeom prst="rect">
+            <a:avLst/>
+          </a:prstGeom>
+          <a:noFill/>
+          <a:ln>
+            <a:solidFill>
+              <a:schemeClr val="bg2">
+                <a:lumMod val="75000"/>
+              </a:schemeClr>
+            </a:solidFill>
+          </a:ln>
         </p:spPr>
       </p:pic>
     </p:spTree>
     <p:custDataLst>
       <p:tags r:id="rId1"/>
     </p:custDataLst>
+    <p:extLst>
+      <p:ext uri="{BB962C8B-B14F-4D97-AF65-F5344CB8AC3E}">
+        <p14:creationId xmlns:p14="http://schemas.microsoft.com/office/powerpoint/2010/main" val="1809935252"/>
+      </p:ext>
+    </p:extLst>
   </p:cSld>
   <p:clrMapOvr>
     <a:masterClrMapping/>
   </p:clrMapOvr>
   <mc:AlternateContent xmlns:mc="http://schemas.openxmlformats.org/markup-compatibility/2006" xmlns:p14="http://schemas.microsoft.com/office/powerpoint/2010/main">
     <mc:Choice Requires="p14">
-      <p:transition spd="slow" p14:dur="2000" advTm="32654"/>
+      <p:transition spd="slow" p14:dur="2000" advTm="18900"/>
     </mc:Choice>
     <mc:Fallback xmlns="">
-      <p:transition spd="slow" advTm="32654"/>
+      <p:transition spd="slow" advTm="18900"/>
     </mc:Fallback>
   </mc:AlternateContent>
 </p:sld>
@@ -24519,20 +24586,17 @@
           <a:lstStyle/>
           <a:p>
             <a:pPr algn="l"/>
-            <a:r>
-              <a:rPr lang="zh-CN" altLang="en-US" sz="1500" b="1" dirty="0">
-                <a:solidFill>
-                  <a:schemeClr val="tx1">
-                    <a:lumMod val="85000"/>
-                    <a:lumOff val="15000"/>
-                  </a:schemeClr>
-                </a:solidFill>
-                <a:latin typeface="Arial" panose="020B0604020202020204" pitchFamily="34" charset="0"/>
-                <a:ea typeface="微软雅黑" panose="020B0503020204020204" charset="-122"/>
-                <a:sym typeface="Arial" panose="020B0604020202020204" pitchFamily="34" charset="0"/>
-              </a:rPr>
-              <a:t>界面设计</a:t>
-            </a:r>
+            <a:endParaRPr lang="zh-CN" altLang="en-US" sz="1500" b="1" dirty="0">
+              <a:solidFill>
+                <a:schemeClr val="tx1">
+                  <a:lumMod val="85000"/>
+                  <a:lumOff val="15000"/>
+                </a:schemeClr>
+              </a:solidFill>
+              <a:latin typeface="Arial" panose="020B0604020202020204" pitchFamily="34" charset="0"/>
+              <a:ea typeface="微软雅黑" panose="020B0503020204020204" charset="-122"/>
+              <a:sym typeface="Arial" panose="020B0604020202020204" pitchFamily="34" charset="0"/>
+            </a:endParaRPr>
           </a:p>
         </p:txBody>
       </p:sp>
@@ -24584,18 +24648,15 @@
           <a:lstStyle/>
           <a:p>
             <a:pPr algn="ctr"/>
-            <a:r>
-              <a:rPr lang="en-US" altLang="zh-CN" sz="1350" b="1" dirty="0">
-                <a:solidFill>
-                  <a:schemeClr val="lt1"/>
-                </a:solidFill>
-                <a:latin typeface="Arial" panose="020B0604020202020204" pitchFamily="34" charset="0"/>
-                <a:ea typeface="微软雅黑" panose="020B0503020204020204" charset="-122"/>
-                <a:cs typeface="Arial" panose="020B0604020202020204" pitchFamily="34" charset="0"/>
-                <a:sym typeface="Arial" panose="020B0604020202020204" pitchFamily="34" charset="0"/>
-              </a:rPr>
-              <a:t>5</a:t>
-            </a:r>
+            <a:endParaRPr lang="en-US" altLang="zh-CN" sz="1350" b="1" dirty="0">
+              <a:solidFill>
+                <a:schemeClr val="lt1"/>
+              </a:solidFill>
+              <a:latin typeface="Arial" panose="020B0604020202020204" pitchFamily="34" charset="0"/>
+              <a:ea typeface="微软雅黑" panose="020B0503020204020204" charset="-122"/>
+              <a:cs typeface="Arial" panose="020B0604020202020204" pitchFamily="34" charset="0"/>
+              <a:sym typeface="Arial" panose="020B0604020202020204" pitchFamily="34" charset="0"/>
+            </a:endParaRPr>
           </a:p>
         </p:txBody>
       </p:sp>
@@ -24648,7 +24709,7 @@
           </a:lstStyle>
           <a:p>
             <a:r>
-              <a:rPr sz="2700" dirty="0">
+              <a:rPr lang="zh-CN" altLang="en-US" sz="2700" dirty="0">
                 <a:solidFill>
                   <a:schemeClr val="dk1">
                     <a:lumMod val="85000"/>
@@ -24658,8 +24719,18 @@
                 <a:latin typeface="Arial" panose="020B0604020202020204" pitchFamily="34" charset="0"/>
                 <a:sym typeface="Arial" panose="020B0604020202020204" pitchFamily="34" charset="0"/>
               </a:rPr>
-              <a:t>技术路线</a:t>
-            </a:r>
+              <a:t>运行效果评价</a:t>
+            </a:r>
+            <a:endParaRPr sz="2700" dirty="0">
+              <a:solidFill>
+                <a:schemeClr val="dk1">
+                  <a:lumMod val="85000"/>
+                  <a:lumOff val="15000"/>
+                </a:schemeClr>
+              </a:solidFill>
+              <a:latin typeface="Arial" panose="020B0604020202020204" pitchFamily="34" charset="0"/>
+              <a:sym typeface="Arial" panose="020B0604020202020204" pitchFamily="34" charset="0"/>
+            </a:endParaRPr>
           </a:p>
         </p:txBody>
       </p:sp>
@@ -24729,14 +24800,14 @@
       </p:pic>
       <p:sp>
         <p:nvSpPr>
-          <p:cNvPr id="5" name="文本框 4"/>
+          <p:cNvPr id="6" name="文本框 5"/>
           <p:cNvSpPr txBox="1"/>
           <p:nvPr/>
         </p:nvSpPr>
         <p:spPr>
           <a:xfrm>
-            <a:off x="864523" y="2458871"/>
-            <a:ext cx="4572000" cy="1477328"/>
+            <a:off x="473068" y="1889075"/>
+            <a:ext cx="7803231" cy="784830"/>
           </a:xfrm>
           <a:prstGeom prst="rect">
             <a:avLst/>
@@ -24744,50 +24815,64 @@
           <a:noFill/>
         </p:spPr>
         <p:txBody>
-          <a:bodyPr wrap="square">
+          <a:bodyPr wrap="square" rtlCol="0">
             <a:spAutoFit/>
           </a:bodyPr>
           <a:lstStyle/>
           <a:p>
-            <a:r>
-              <a:rPr lang="zh-CN" altLang="en-US" dirty="0"/>
-              <a:t>使用</a:t>
-            </a:r>
-            <a:r>
-              <a:rPr lang="en-US" altLang="zh-CN" dirty="0"/>
-              <a:t>Qt-Designer</a:t>
-            </a:r>
-            <a:r>
-              <a:rPr lang="zh-CN" altLang="en-US" dirty="0"/>
-              <a:t>设计可视化界面</a:t>
-            </a:r>
-            <a:endParaRPr lang="en-US" altLang="zh-CN" dirty="0"/>
-          </a:p>
-          <a:p>
-            <a:endParaRPr lang="en-US" altLang="zh-CN" dirty="0"/>
-          </a:p>
-          <a:p>
-            <a:r>
-              <a:rPr lang="zh-CN" altLang="en-US" dirty="0"/>
-              <a:t>多层界面</a:t>
-            </a:r>
-            <a:endParaRPr lang="en-US" altLang="zh-CN" dirty="0"/>
-          </a:p>
-          <a:p>
-            <a:endParaRPr lang="en-US" altLang="zh-CN" dirty="0"/>
-          </a:p>
-          <a:p>
-            <a:r>
-              <a:rPr lang="zh-CN" altLang="en-US" dirty="0"/>
-              <a:t>简洁美观</a:t>
-            </a:r>
-            <a:endParaRPr lang="en-US" altLang="zh-CN" dirty="0"/>
+            <a:pPr marL="0" marR="0" indent="355600" algn="just">
+              <a:lnSpc>
+                <a:spcPct val="150000"/>
+              </a:lnSpc>
+              <a:spcBef>
+                <a:spcPts val="0"/>
+              </a:spcBef>
+              <a:spcAft>
+                <a:spcPts val="0"/>
+              </a:spcAft>
+            </a:pPr>
+            <a:r>
+              <a:rPr lang="zh-CN" altLang="en-US" sz="1800" kern="100" dirty="0">
+                <a:effectLst/>
+                <a:latin typeface="+mn-ea"/>
+                <a:ea typeface="+mn-ea"/>
+                <a:cs typeface="Times New Roman" panose="02020603050405020304" pitchFamily="18" charset="0"/>
+              </a:rPr>
+              <a:t>我们从</a:t>
+            </a:r>
+            <a:r>
+              <a:rPr lang="en-US" altLang="zh-CN" sz="1800" kern="100" dirty="0">
+                <a:effectLst/>
+                <a:latin typeface="+mn-ea"/>
+                <a:ea typeface="+mn-ea"/>
+                <a:cs typeface="Times New Roman" panose="02020603050405020304" pitchFamily="18" charset="0"/>
+              </a:rPr>
+              <a:t>104</a:t>
+            </a:r>
+            <a:r>
+              <a:rPr lang="zh-CN" altLang="en-US" sz="1800" kern="100" dirty="0">
+                <a:effectLst/>
+                <a:latin typeface="+mn-ea"/>
+                <a:ea typeface="+mn-ea"/>
+                <a:cs typeface="Times New Roman" panose="02020603050405020304" pitchFamily="18" charset="0"/>
+              </a:rPr>
+              <a:t>万个数据中选取了十万个数据进行模型训练模型，结果如下：</a:t>
+            </a:r>
+          </a:p>
+          <a:p>
+            <a:endParaRPr lang="zh-CN" altLang="en-US" dirty="0"/>
           </a:p>
         </p:txBody>
       </p:sp>
       <p:pic>
         <p:nvPicPr>
-          <p:cNvPr id="2" name="图片 1"/>
+          <p:cNvPr id="5" name="图片 4">
+            <a:extLst>
+              <a:ext uri="{FF2B5EF4-FFF2-40B4-BE49-F238E27FC236}">
+                <a16:creationId xmlns:a16="http://schemas.microsoft.com/office/drawing/2014/main" id="{C785C345-B489-6849-4D6A-98E922506192}"/>
+              </a:ext>
+            </a:extLst>
+          </p:cNvPr>
           <p:cNvPicPr>
             <a:picLocks noChangeAspect="1"/>
           </p:cNvPicPr>
@@ -24801,86 +24886,120 @@
         </p:blipFill>
         <p:spPr>
           <a:xfrm>
-            <a:off x="6081990" y="1416884"/>
-            <a:ext cx="1110852" cy="1241946"/>
+            <a:off x="1166308" y="2427689"/>
+            <a:ext cx="3666522" cy="3095107"/>
           </a:xfrm>
           <a:prstGeom prst="rect">
             <a:avLst/>
           </a:prstGeom>
+          <a:noFill/>
+          <a:ln>
+            <a:solidFill>
+              <a:schemeClr val="bg2">
+                <a:lumMod val="75000"/>
+              </a:schemeClr>
+            </a:solidFill>
+          </a:ln>
         </p:spPr>
       </p:pic>
-      <p:pic>
-        <p:nvPicPr>
-          <p:cNvPr id="6" name="图片 5"/>
-          <p:cNvPicPr>
-            <a:picLocks noChangeAspect="1"/>
-          </p:cNvPicPr>
+      <p:grpSp>
+        <p:nvGrpSpPr>
+          <p:cNvPr id="7" name="组合 6">
+            <a:extLst>
+              <a:ext uri="{FF2B5EF4-FFF2-40B4-BE49-F238E27FC236}">
+                <a16:creationId xmlns:a16="http://schemas.microsoft.com/office/drawing/2014/main" id="{5F9FCD11-9833-1292-8786-3D0ACC63A58B}"/>
+              </a:ext>
+            </a:extLst>
+          </p:cNvPr>
+          <p:cNvGrpSpPr/>
           <p:nvPr/>
-        </p:nvPicPr>
-        <p:blipFill>
-          <a:blip r:embed="rId15"/>
-          <a:stretch>
-            <a:fillRect/>
-          </a:stretch>
-        </p:blipFill>
-        <p:spPr>
+        </p:nvGrpSpPr>
+        <p:grpSpPr>
           <a:xfrm>
-            <a:off x="3742654" y="2949260"/>
-            <a:ext cx="2226696" cy="1241946"/>
+            <a:off x="4832830" y="2427688"/>
+            <a:ext cx="2979530" cy="3095106"/>
+            <a:chOff x="12313" y="229243"/>
+            <a:chExt cx="3896" cy="4252"/>
           </a:xfrm>
-          <a:prstGeom prst="rect">
-            <a:avLst/>
-          </a:prstGeom>
-        </p:spPr>
-      </p:pic>
-      <p:pic>
-        <p:nvPicPr>
-          <p:cNvPr id="8" name="图片 7"/>
-          <p:cNvPicPr>
-            <a:picLocks noChangeAspect="1"/>
-          </p:cNvPicPr>
-          <p:nvPr/>
-        </p:nvPicPr>
-        <p:blipFill>
-          <a:blip r:embed="rId16"/>
-          <a:stretch>
-            <a:fillRect/>
-          </a:stretch>
-        </p:blipFill>
-        <p:spPr>
-          <a:xfrm>
-            <a:off x="5961071" y="2949260"/>
-            <a:ext cx="2293910" cy="1241946"/>
-          </a:xfrm>
-          <a:prstGeom prst="rect">
-            <a:avLst/>
-          </a:prstGeom>
-        </p:spPr>
-      </p:pic>
-      <p:pic>
-        <p:nvPicPr>
-          <p:cNvPr id="11" name="图片 10"/>
-          <p:cNvPicPr>
-            <a:picLocks noChangeAspect="1"/>
-          </p:cNvPicPr>
-          <p:nvPr/>
-        </p:nvPicPr>
-        <p:blipFill>
-          <a:blip r:embed="rId17"/>
-          <a:stretch>
-            <a:fillRect/>
-          </a:stretch>
-        </p:blipFill>
-        <p:spPr>
-          <a:xfrm>
-            <a:off x="3742653" y="4186320"/>
-            <a:ext cx="4571999" cy="1296144"/>
-          </a:xfrm>
-          <a:prstGeom prst="rect">
-            <a:avLst/>
-          </a:prstGeom>
-        </p:spPr>
-      </p:pic>
+        </p:grpSpPr>
+        <p:pic>
+          <p:nvPicPr>
+            <p:cNvPr id="8" name="图片 7">
+              <a:extLst>
+                <a:ext uri="{FF2B5EF4-FFF2-40B4-BE49-F238E27FC236}">
+                  <a16:creationId xmlns:a16="http://schemas.microsoft.com/office/drawing/2014/main" id="{3F51AD87-E64F-8340-7743-91FDC571E94E}"/>
+                </a:ext>
+              </a:extLst>
+            </p:cNvPr>
+            <p:cNvPicPr>
+              <a:picLocks noChangeAspect="1"/>
+            </p:cNvPicPr>
+            <p:nvPr/>
+          </p:nvPicPr>
+          <p:blipFill>
+            <a:blip r:embed="rId15"/>
+            <a:stretch>
+              <a:fillRect/>
+            </a:stretch>
+          </p:blipFill>
+          <p:spPr>
+            <a:xfrm>
+              <a:off x="12316" y="229243"/>
+              <a:ext cx="3893" cy="4252"/>
+            </a:xfrm>
+            <a:prstGeom prst="rect">
+              <a:avLst/>
+            </a:prstGeom>
+            <a:noFill/>
+            <a:ln>
+              <a:solidFill>
+                <a:schemeClr val="bg2">
+                  <a:lumMod val="75000"/>
+                </a:schemeClr>
+              </a:solidFill>
+            </a:ln>
+          </p:spPr>
+        </p:pic>
+        <p:pic>
+          <p:nvPicPr>
+            <p:cNvPr id="11" name="图片 10">
+              <a:extLst>
+                <a:ext uri="{FF2B5EF4-FFF2-40B4-BE49-F238E27FC236}">
+                  <a16:creationId xmlns:a16="http://schemas.microsoft.com/office/drawing/2014/main" id="{0FB6CE5A-5793-069C-8D11-B0F0F2DDB076}"/>
+                </a:ext>
+              </a:extLst>
+            </p:cNvPr>
+            <p:cNvPicPr>
+              <a:picLocks noChangeAspect="1"/>
+            </p:cNvPicPr>
+            <p:nvPr/>
+          </p:nvPicPr>
+          <p:blipFill>
+            <a:blip r:embed="rId16"/>
+            <a:srcRect r="2584"/>
+            <a:stretch>
+              <a:fillRect/>
+            </a:stretch>
+          </p:blipFill>
+          <p:spPr>
+            <a:xfrm>
+              <a:off x="12313" y="231358"/>
+              <a:ext cx="2187" cy="2135"/>
+            </a:xfrm>
+            <a:prstGeom prst="rect">
+              <a:avLst/>
+            </a:prstGeom>
+            <a:noFill/>
+            <a:ln>
+              <a:solidFill>
+                <a:schemeClr val="bg2">
+                  <a:lumMod val="75000"/>
+                </a:schemeClr>
+              </a:solidFill>
+            </a:ln>
+          </p:spPr>
+        </p:pic>
+      </p:grpSp>
     </p:spTree>
     <p:custDataLst>
       <p:tags r:id="rId1"/>
@@ -24891,10 +25010,10 @@
   </p:clrMapOvr>
   <mc:AlternateContent xmlns:mc="http://schemas.openxmlformats.org/markup-compatibility/2006" xmlns:p14="http://schemas.microsoft.com/office/powerpoint/2010/main">
     <mc:Choice Requires="p14">
-      <p:transition spd="slow" p14:dur="2000" advTm="17427"/>
+      <p:transition spd="slow" p14:dur="2000" advTm="16586"/>
     </mc:Choice>
     <mc:Fallback xmlns="">
-      <p:transition spd="slow" advTm="17427"/>
+      <p:transition spd="slow" advTm="16586"/>
     </mc:Fallback>
   </mc:AlternateContent>
 </p:sld>
@@ -24919,526 +25038,6 @@
       </p:grpSpPr>
       <p:sp>
         <p:nvSpPr>
-          <p:cNvPr id="10" name="矩形 9"/>
-          <p:cNvSpPr/>
-          <p:nvPr>
-            <p:custDataLst>
-              <p:tags r:id="rId2"/>
-            </p:custDataLst>
-          </p:nvPr>
-        </p:nvSpPr>
-        <p:spPr>
-          <a:xfrm>
-            <a:off x="219056" y="1085107"/>
-            <a:ext cx="8705888" cy="4687787"/>
-          </a:xfrm>
-          <a:prstGeom prst="rect">
-            <a:avLst/>
-          </a:prstGeom>
-          <a:solidFill>
-            <a:schemeClr val="bg2"/>
-          </a:solidFill>
-          <a:ln w="12700" cap="flat" cmpd="sng" algn="ctr">
-            <a:noFill/>
-            <a:prstDash val="solid"/>
-            <a:miter lim="800000"/>
-          </a:ln>
-          <a:effectLst/>
-          <a:extLst>
-            <a:ext uri="{91240B29-F687-4F45-9708-019B960494DF}">
-              <a14:hiddenLine xmlns:a14="http://schemas.microsoft.com/office/drawing/2010/main" w="12700">
-                <a:solidFill>
-                  <a:schemeClr val="accent1">
-                    <a:shade val="50000"/>
-                  </a:schemeClr>
-                </a:solidFill>
-                <a:prstDash val="solid"/>
-                <a:miter lim="800000"/>
-                <a:headEnd/>
-                <a:tailEnd/>
-              </a14:hiddenLine>
-            </a:ext>
-          </a:extLst>
-        </p:spPr>
-        <p:style>
-          <a:lnRef idx="2">
-            <a:schemeClr val="accent1">
-              <a:shade val="50000"/>
-            </a:schemeClr>
-          </a:lnRef>
-          <a:fillRef idx="1">
-            <a:schemeClr val="accent1"/>
-          </a:fillRef>
-          <a:effectRef idx="0">
-            <a:schemeClr val="accent1"/>
-          </a:effectRef>
-          <a:fontRef idx="minor">
-            <a:schemeClr val="lt1"/>
-          </a:fontRef>
-        </p:style>
-        <p:txBody>
-          <a:bodyPr wrap="square" rtlCol="0" anchor="ctr">
-            <a:normAutofit/>
-          </a:bodyPr>
-          <a:lstStyle/>
-          <a:p>
-            <a:pPr algn="ctr"/>
-            <a:endParaRPr lang="zh-CN" altLang="en-US" sz="1350">
-              <a:solidFill>
-                <a:schemeClr val="lt1"/>
-              </a:solidFill>
-              <a:latin typeface="Arial" panose="020B0604020202020204" pitchFamily="34" charset="0"/>
-              <a:ea typeface="微软雅黑" panose="020B0503020204020204" charset="-122"/>
-              <a:sym typeface="Arial" panose="020B0604020202020204" pitchFamily="34" charset="0"/>
-            </a:endParaRPr>
-          </a:p>
-        </p:txBody>
-      </p:sp>
-      <p:sp>
-        <p:nvSpPr>
-          <p:cNvPr id="3" name="文本框 2"/>
-          <p:cNvSpPr txBox="1"/>
-          <p:nvPr>
-            <p:custDataLst>
-              <p:tags r:id="rId3"/>
-            </p:custDataLst>
-          </p:nvPr>
-        </p:nvSpPr>
-        <p:spPr>
-          <a:xfrm>
-            <a:off x="827584" y="1962877"/>
-            <a:ext cx="4119479" cy="356783"/>
-          </a:xfrm>
-          <a:prstGeom prst="rect">
-            <a:avLst/>
-          </a:prstGeom>
-          <a:noFill/>
-        </p:spPr>
-        <p:txBody>
-          <a:bodyPr wrap="square" rtlCol="0">
-            <a:normAutofit/>
-          </a:bodyPr>
-          <a:lstStyle/>
-          <a:p>
-            <a:pPr algn="l"/>
-            <a:r>
-              <a:rPr lang="zh-CN" altLang="en-US" sz="1500" b="1" dirty="0">
-                <a:solidFill>
-                  <a:schemeClr val="tx1">
-                    <a:lumMod val="85000"/>
-                    <a:lumOff val="15000"/>
-                  </a:schemeClr>
-                </a:solidFill>
-                <a:ea typeface="微软雅黑" panose="020B0503020204020204" charset="-122"/>
-                <a:sym typeface="Arial" panose="020B0604020202020204" pitchFamily="34" charset="0"/>
-              </a:rPr>
-              <a:t>功能实现</a:t>
-            </a:r>
-            <a:endParaRPr lang="zh-CN" altLang="en-US" sz="1500" b="1" dirty="0">
-              <a:solidFill>
-                <a:schemeClr val="tx1">
-                  <a:lumMod val="85000"/>
-                  <a:lumOff val="15000"/>
-                </a:schemeClr>
-              </a:solidFill>
-              <a:latin typeface="Arial" panose="020B0604020202020204" pitchFamily="34" charset="0"/>
-              <a:ea typeface="微软雅黑" panose="020B0503020204020204" charset="-122"/>
-              <a:sym typeface="Arial" panose="020B0604020202020204" pitchFamily="34" charset="0"/>
-            </a:endParaRPr>
-          </a:p>
-        </p:txBody>
-      </p:sp>
-      <p:sp>
-        <p:nvSpPr>
-          <p:cNvPr id="4" name="椭圆 3"/>
-          <p:cNvSpPr/>
-          <p:nvPr>
-            <p:custDataLst>
-              <p:tags r:id="rId4"/>
-            </p:custDataLst>
-          </p:nvPr>
-        </p:nvSpPr>
-        <p:spPr>
-          <a:xfrm>
-            <a:off x="422240" y="1987875"/>
-            <a:ext cx="306788" cy="306788"/>
-          </a:xfrm>
-          <a:prstGeom prst="ellipse">
-            <a:avLst/>
-          </a:prstGeom>
-          <a:solidFill>
-            <a:schemeClr val="accent1"/>
-          </a:solidFill>
-          <a:ln>
-            <a:noFill/>
-          </a:ln>
-        </p:spPr>
-        <p:style>
-          <a:lnRef idx="2">
-            <a:schemeClr val="accent1">
-              <a:shade val="50000"/>
-            </a:schemeClr>
-          </a:lnRef>
-          <a:fillRef idx="1">
-            <a:schemeClr val="accent1"/>
-          </a:fillRef>
-          <a:effectRef idx="0">
-            <a:schemeClr val="accent1"/>
-          </a:effectRef>
-          <a:fontRef idx="minor">
-            <a:schemeClr val="lt1"/>
-          </a:fontRef>
-        </p:style>
-        <p:txBody>
-          <a:bodyPr wrap="square" rtlCol="0" anchor="ctr">
-            <a:noAutofit/>
-          </a:bodyPr>
-          <a:lstStyle/>
-          <a:p>
-            <a:pPr algn="ctr"/>
-            <a:r>
-              <a:rPr lang="en-US" altLang="zh-CN" sz="1350" b="1" dirty="0">
-                <a:solidFill>
-                  <a:schemeClr val="lt1"/>
-                </a:solidFill>
-                <a:latin typeface="Arial" panose="020B0604020202020204" pitchFamily="34" charset="0"/>
-                <a:ea typeface="微软雅黑" panose="020B0503020204020204" charset="-122"/>
-                <a:cs typeface="Arial" panose="020B0604020202020204" pitchFamily="34" charset="0"/>
-                <a:sym typeface="Arial" panose="020B0604020202020204" pitchFamily="34" charset="0"/>
-              </a:rPr>
-              <a:t>6</a:t>
-            </a:r>
-          </a:p>
-        </p:txBody>
-      </p:sp>
-      <p:sp>
-        <p:nvSpPr>
-          <p:cNvPr id="9" name="文本框 8"/>
-          <p:cNvSpPr txBox="1"/>
-          <p:nvPr>
-            <p:custDataLst>
-              <p:tags r:id="rId5"/>
-            </p:custDataLst>
-          </p:nvPr>
-        </p:nvSpPr>
-        <p:spPr>
-          <a:xfrm>
-            <a:off x="456300" y="1313550"/>
-            <a:ext cx="8228117" cy="530066"/>
-          </a:xfrm>
-          <a:prstGeom prst="rect">
-            <a:avLst/>
-          </a:prstGeom>
-        </p:spPr>
-        <p:txBody>
-          <a:bodyPr vert="horz" wrap="square" lIns="68580" tIns="34290" rIns="68580" bIns="34290" rtlCol="0" anchor="ctr" anchorCtr="0">
-            <a:normAutofit/>
-          </a:bodyPr>
-          <a:lstStyle>
-            <a:lvl1pPr marR="0" fontAlgn="auto">
-              <a:lnSpc>
-                <a:spcPct val="100000"/>
-              </a:lnSpc>
-              <a:spcBef>
-                <a:spcPct val="0"/>
-              </a:spcBef>
-              <a:buNone/>
-              <a:defRPr kumimoji="0" lang="zh-CN" altLang="en-US" sz="3600" b="1" i="0" u="none" strike="noStrike" cap="none" spc="300" normalizeH="0" baseline="0" noProof="1" dirty="0">
-                <a:solidFill>
-                  <a:schemeClr val="tx1">
-                    <a:lumMod val="85000"/>
-                    <a:lumOff val="15000"/>
-                  </a:schemeClr>
-                </a:solidFill>
-                <a:uFillTx/>
-                <a:latin typeface="微软雅黑" panose="020B0503020204020204" charset="-122"/>
-                <a:ea typeface="微软雅黑" panose="020B0503020204020204" charset="-122"/>
-                <a:cs typeface="+mj-cs"/>
-                <a:sym typeface="+mn-ea"/>
-              </a:defRPr>
-            </a:lvl1pPr>
-          </a:lstStyle>
-          <a:p>
-            <a:r>
-              <a:rPr sz="2700" dirty="0">
-                <a:solidFill>
-                  <a:schemeClr val="dk1">
-                    <a:lumMod val="85000"/>
-                    <a:lumOff val="15000"/>
-                  </a:schemeClr>
-                </a:solidFill>
-                <a:latin typeface="Arial" panose="020B0604020202020204" pitchFamily="34" charset="0"/>
-                <a:sym typeface="Arial" panose="020B0604020202020204" pitchFamily="34" charset="0"/>
-              </a:rPr>
-              <a:t>技术路线</a:t>
-            </a:r>
-          </a:p>
-        </p:txBody>
-      </p:sp>
-      <p:pic>
-        <p:nvPicPr>
-          <p:cNvPr id="25" name="图片 24"/>
-          <p:cNvPicPr/>
-          <p:nvPr>
-            <p:custDataLst>
-              <p:tags r:id="rId6"/>
-            </p:custDataLst>
-          </p:nvPr>
-        </p:nvPicPr>
-        <p:blipFill>
-          <a:blip r:embed="rId10" r:link="rId11" cstate="print">
-            <a:extLst>
-              <a:ext uri="{28A0092B-C50C-407E-A947-70E740481C1C}">
-                <a14:useLocalDpi xmlns:a14="http://schemas.microsoft.com/office/drawing/2010/main" val="0"/>
-              </a:ext>
-            </a:extLst>
-          </a:blip>
-          <a:stretch>
-            <a:fillRect/>
-          </a:stretch>
-        </p:blipFill>
-        <p:spPr>
-          <a:xfrm>
-            <a:off x="0" y="857250"/>
-            <a:ext cx="540068" cy="473630"/>
-          </a:xfrm>
-          <a:prstGeom prst="rect">
-            <a:avLst/>
-          </a:prstGeom>
-        </p:spPr>
-      </p:pic>
-      <p:pic>
-        <p:nvPicPr>
-          <p:cNvPr id="26" name="图片 25"/>
-          <p:cNvPicPr/>
-          <p:nvPr>
-            <p:custDataLst>
-              <p:tags r:id="rId7"/>
-            </p:custDataLst>
-          </p:nvPr>
-        </p:nvPicPr>
-        <p:blipFill>
-          <a:blip r:embed="rId12" r:link="rId13" cstate="print">
-            <a:extLst>
-              <a:ext uri="{28A0092B-C50C-407E-A947-70E740481C1C}">
-                <a14:useLocalDpi xmlns:a14="http://schemas.microsoft.com/office/drawing/2010/main" val="0"/>
-              </a:ext>
-            </a:extLst>
-          </a:blip>
-          <a:stretch>
-            <a:fillRect/>
-          </a:stretch>
-        </p:blipFill>
-        <p:spPr>
-          <a:xfrm>
-            <a:off x="8603933" y="857250"/>
-            <a:ext cx="540068" cy="473630"/>
-          </a:xfrm>
-          <a:prstGeom prst="rect">
-            <a:avLst/>
-          </a:prstGeom>
-        </p:spPr>
-      </p:pic>
-      <p:sp>
-        <p:nvSpPr>
-          <p:cNvPr id="5" name="文本框 4"/>
-          <p:cNvSpPr txBox="1"/>
-          <p:nvPr/>
-        </p:nvSpPr>
-        <p:spPr>
-          <a:xfrm>
-            <a:off x="864523" y="2458871"/>
-            <a:ext cx="4572000" cy="3139321"/>
-          </a:xfrm>
-          <a:prstGeom prst="rect">
-            <a:avLst/>
-          </a:prstGeom>
-          <a:noFill/>
-        </p:spPr>
-        <p:txBody>
-          <a:bodyPr wrap="square">
-            <a:spAutoFit/>
-          </a:bodyPr>
-          <a:lstStyle/>
-          <a:p>
-            <a:r>
-              <a:rPr lang="zh-CN" altLang="en-US" dirty="0"/>
-              <a:t>预期达到的功能：</a:t>
-            </a:r>
-            <a:endParaRPr lang="en-US" altLang="zh-CN" dirty="0"/>
-          </a:p>
-          <a:p>
-            <a:endParaRPr lang="en-US" altLang="zh-CN" dirty="0"/>
-          </a:p>
-          <a:p>
-            <a:r>
-              <a:rPr lang="en-US" altLang="zh-CN" dirty="0"/>
-              <a:t>1.</a:t>
-            </a:r>
-            <a:r>
-              <a:rPr lang="zh-CN" altLang="en-US" dirty="0"/>
-              <a:t>导入符合格式的理论</a:t>
-            </a:r>
-            <a:r>
-              <a:rPr lang="en-US" altLang="zh-CN" dirty="0"/>
-              <a:t>/</a:t>
-            </a:r>
-            <a:r>
-              <a:rPr lang="zh-CN" altLang="en-US" dirty="0"/>
-              <a:t>实际</a:t>
-            </a:r>
-            <a:r>
-              <a:rPr lang="en-US" altLang="zh-CN" dirty="0"/>
-              <a:t>csv</a:t>
-            </a:r>
-            <a:r>
-              <a:rPr lang="zh-CN" altLang="en-US" dirty="0"/>
-              <a:t>数据</a:t>
-            </a:r>
-            <a:endParaRPr lang="en-US" altLang="zh-CN" dirty="0"/>
-          </a:p>
-          <a:p>
-            <a:r>
-              <a:rPr lang="en-US" altLang="zh-CN" dirty="0"/>
-              <a:t>2.</a:t>
-            </a:r>
-            <a:r>
-              <a:rPr lang="zh-CN" altLang="en-US" dirty="0"/>
-              <a:t>用户可以选择不同模型进行训练</a:t>
-            </a:r>
-            <a:endParaRPr lang="en-US" altLang="zh-CN" dirty="0"/>
-          </a:p>
-          <a:p>
-            <a:r>
-              <a:rPr lang="en-US" altLang="zh-CN" dirty="0"/>
-              <a:t>3.</a:t>
-            </a:r>
-            <a:r>
-              <a:rPr lang="zh-CN" altLang="en-US" dirty="0"/>
-              <a:t>用户可以手动调节模型参数</a:t>
-            </a:r>
-            <a:endParaRPr lang="en-US" altLang="zh-CN" dirty="0"/>
-          </a:p>
-          <a:p>
-            <a:r>
-              <a:rPr lang="en-US" altLang="zh-CN" dirty="0"/>
-              <a:t>4.</a:t>
-            </a:r>
-            <a:r>
-              <a:rPr lang="zh-CN" altLang="en-US" dirty="0"/>
-              <a:t>利用</a:t>
-            </a:r>
-            <a:r>
-              <a:rPr lang="en-US" altLang="zh-CN" dirty="0"/>
-              <a:t>matplotlib</a:t>
-            </a:r>
-            <a:r>
-              <a:rPr lang="zh-CN" altLang="en-US" dirty="0"/>
-              <a:t>实现绘图功能，直观展示模型训练效果和度量指标</a:t>
-            </a:r>
-            <a:endParaRPr lang="en-US" altLang="zh-CN" dirty="0"/>
-          </a:p>
-          <a:p>
-            <a:r>
-              <a:rPr lang="en-US" altLang="zh-CN" dirty="0"/>
-              <a:t>5.</a:t>
-            </a:r>
-            <a:r>
-              <a:rPr lang="zh-CN" altLang="en-US" dirty="0"/>
-              <a:t>自动生成理论和实际功率曲线</a:t>
-            </a:r>
-            <a:endParaRPr lang="en-US" altLang="zh-CN" dirty="0"/>
-          </a:p>
-          <a:p>
-            <a:r>
-              <a:rPr lang="en-US" altLang="zh-CN" dirty="0"/>
-              <a:t>6.</a:t>
-            </a:r>
-            <a:r>
-              <a:rPr lang="zh-CN" altLang="en-US" dirty="0"/>
-              <a:t>撰写简洁实用的说明文档</a:t>
-            </a:r>
-            <a:endParaRPr lang="en-US" altLang="zh-CN" dirty="0"/>
-          </a:p>
-          <a:p>
-            <a:endParaRPr lang="en-US" altLang="zh-CN" dirty="0"/>
-          </a:p>
-          <a:p>
-            <a:endParaRPr lang="zh-CN" altLang="en-US" dirty="0"/>
-          </a:p>
-        </p:txBody>
-      </p:sp>
-      <p:pic>
-        <p:nvPicPr>
-          <p:cNvPr id="6" name="图形 5" descr="靶心 纯色填充"/>
-          <p:cNvPicPr>
-            <a:picLocks noChangeAspect="1"/>
-          </p:cNvPicPr>
-          <p:nvPr/>
-        </p:nvPicPr>
-        <p:blipFill>
-          <a:blip r:embed="rId14">
-            <a:extLst>
-              <a:ext uri="{28A0092B-C50C-407E-A947-70E740481C1C}">
-                <a14:useLocalDpi xmlns:a14="http://schemas.microsoft.com/office/drawing/2010/main" val="0"/>
-              </a:ext>
-              <a:ext uri="{96DAC541-7B7A-43D3-8B79-37D633B846F1}">
-                <asvg:svgBlip xmlns:asvg="http://schemas.microsoft.com/office/drawing/2016/SVG/main" r:embed="rId15"/>
-              </a:ext>
-            </a:extLst>
-          </a:blip>
-          <a:stretch>
-            <a:fillRect/>
-          </a:stretch>
-        </p:blipFill>
-        <p:spPr>
-          <a:xfrm>
-            <a:off x="6300192" y="2852936"/>
-            <a:ext cx="1440160" cy="1440160"/>
-          </a:xfrm>
-          <a:prstGeom prst="rect">
-            <a:avLst/>
-          </a:prstGeom>
-        </p:spPr>
-      </p:pic>
-    </p:spTree>
-    <p:custDataLst>
-      <p:tags r:id="rId1"/>
-    </p:custDataLst>
-  </p:cSld>
-  <p:clrMapOvr>
-    <a:masterClrMapping/>
-  </p:clrMapOvr>
-  <mc:AlternateContent xmlns:mc="http://schemas.openxmlformats.org/markup-compatibility/2006" xmlns:p14="http://schemas.microsoft.com/office/powerpoint/2010/main">
-    <mc:Choice Requires="p14">
-      <p:transition spd="slow" p14:dur="2000" advTm="34786"/>
-    </mc:Choice>
-    <mc:Fallback xmlns="">
-      <p:transition spd="slow" advTm="34786"/>
-    </mc:Fallback>
-  </mc:AlternateContent>
-</p:sld>
-</file>
-
-<file path=ppt/slides/slide15.xml><?xml version="1.0" encoding="utf-8"?>
-<p:sld xmlns:a="http://schemas.openxmlformats.org/drawingml/2006/main" xmlns:r="http://schemas.openxmlformats.org/officeDocument/2006/relationships" xmlns:p="http://schemas.openxmlformats.org/presentationml/2006/main">
-  <p:cSld>
-    <p:spTree>
-      <p:nvGrpSpPr>
-        <p:cNvPr id="1" name=""/>
-        <p:cNvGrpSpPr/>
-        <p:nvPr/>
-      </p:nvGrpSpPr>
-      <p:grpSpPr>
-        <a:xfrm>
-          <a:off x="0" y="0"/>
-          <a:ext cx="0" cy="0"/>
-          <a:chOff x="0" y="0"/>
-          <a:chExt cx="0" cy="0"/>
-        </a:xfrm>
-      </p:grpSpPr>
-      <p:sp>
-        <p:nvSpPr>
           <p:cNvPr id="4" name="文本框 3"/>
           <p:cNvSpPr txBox="1"/>
           <p:nvPr>
@@ -25579,7 +25178,7 @@
 </p:sld>
 </file>
 
-<file path=ppt/slides/slide16.xml><?xml version="1.0" encoding="utf-8"?>
+<file path=ppt/slides/slide15.xml><?xml version="1.0" encoding="utf-8"?>
 <p:sld xmlns:a="http://schemas.openxmlformats.org/drawingml/2006/main" xmlns:r="http://schemas.openxmlformats.org/officeDocument/2006/relationships" xmlns:p="http://schemas.openxmlformats.org/presentationml/2006/main">
   <p:cSld>
     <p:spTree>
@@ -27248,7 +26847,7 @@
 </p:sld>
 </file>
 
-<file path=ppt/slides/slide17.xml><?xml version="1.0" encoding="utf-8"?>
+<file path=ppt/slides/slide16.xml><?xml version="1.0" encoding="utf-8"?>
 <p:sld xmlns:a="http://schemas.openxmlformats.org/drawingml/2006/main" xmlns:r="http://schemas.openxmlformats.org/officeDocument/2006/relationships" xmlns:p="http://schemas.openxmlformats.org/presentationml/2006/main">
   <p:cSld>
     <p:spTree>
@@ -27287,7 +26886,7 @@
         </p:spPr>
         <p:txBody>
           <a:bodyPr wrap="square" bIns="0" rtlCol="0" anchor="b" anchorCtr="0">
-            <a:normAutofit fontScale="67500" lnSpcReduction="10000"/>
+            <a:normAutofit fontScale="67500" lnSpcReduction="20000"/>
           </a:bodyPr>
           <a:lstStyle/>
           <a:p>
@@ -27384,7 +26983,7 @@
 </p:sld>
 </file>
 
-<file path=ppt/slides/slide18.xml><?xml version="1.0" encoding="utf-8"?>
+<file path=ppt/slides/slide17.xml><?xml version="1.0" encoding="utf-8"?>
 <p:sld xmlns:a="http://schemas.openxmlformats.org/drawingml/2006/main" xmlns:r="http://schemas.openxmlformats.org/officeDocument/2006/relationships" xmlns:p="http://schemas.openxmlformats.org/presentationml/2006/main">
   <p:cSld>
     <p:spTree>
@@ -27837,7 +27436,7 @@
 </p:sld>
 </file>
 
-<file path=ppt/slides/slide19.xml><?xml version="1.0" encoding="utf-8"?>
+<file path=ppt/slides/slide18.xml><?xml version="1.0" encoding="utf-8"?>
 <p:sld xmlns:a="http://schemas.openxmlformats.org/drawingml/2006/main" xmlns:r="http://schemas.openxmlformats.org/officeDocument/2006/relationships" xmlns:p="http://schemas.openxmlformats.org/presentationml/2006/main">
   <p:cSld>
     <p:spTree>
@@ -29704,7 +29303,7 @@
         </p:spPr>
         <p:txBody>
           <a:bodyPr wrap="square" rtlCol="0">
-            <a:normAutofit fontScale="67500" lnSpcReduction="10000"/>
+            <a:normAutofit fontScale="60000" lnSpcReduction="20000"/>
           </a:bodyPr>
           <a:lstStyle>
             <a:defPPr>
@@ -30404,8 +30003,8 @@
         </p:nvSpPr>
         <p:spPr>
           <a:xfrm>
-            <a:off x="235344" y="548680"/>
-            <a:ext cx="8705888" cy="4394177"/>
+            <a:off x="235344" y="817429"/>
+            <a:ext cx="8705888" cy="4125428"/>
           </a:xfrm>
           <a:prstGeom prst="rect">
             <a:avLst/>
@@ -31337,7 +30936,7 @@
               <a:rPr lang="zh-CN" altLang="en-US" sz="2400" dirty="0">
                 <a:sym typeface="Arial" panose="020B0604020202020204" pitchFamily="34" charset="0"/>
               </a:rPr>
-              <a:t>建立精准模型</a:t>
+              <a:t>集聚多种功能</a:t>
             </a:r>
             <a:endParaRPr lang="en-US" altLang="zh-CN" sz="2400" dirty="0">
               <a:sym typeface="Arial" panose="020B0604020202020204" pitchFamily="34" charset="0"/>
@@ -31349,7 +30948,7 @@
               <a:rPr lang="zh-CN" altLang="en-US" sz="2400" dirty="0">
                 <a:sym typeface="Arial" panose="020B0604020202020204" pitchFamily="34" charset="0"/>
               </a:rPr>
-              <a:t>设计美观界面</a:t>
+              <a:t>优化核心算法</a:t>
             </a:r>
             <a:endParaRPr lang="en-US" altLang="zh-CN" sz="2400" dirty="0">
               <a:sym typeface="Arial" panose="020B0604020202020204" pitchFamily="34" charset="0"/>
@@ -31361,7 +30960,7 @@
               <a:rPr lang="zh-CN" altLang="en-US" sz="2400" dirty="0">
                 <a:sym typeface="Arial" panose="020B0604020202020204" pitchFamily="34" charset="0"/>
               </a:rPr>
-              <a:t>实现多种功能</a:t>
+              <a:t>评估运行效果</a:t>
             </a:r>
             <a:endParaRPr sz="2400" dirty="0">
               <a:sym typeface="Arial" panose="020B0604020202020204" pitchFamily="34" charset="0"/>
@@ -31416,7 +31015,7 @@
           </p:nvPr>
         </p:nvPicPr>
         <p:blipFill>
-          <a:blip r:embed="rId31" r:link="rId32" cstate="print">
+          <a:blip r:embed="rId25" r:link="rId26" cstate="print">
             <a:extLst>
               <a:ext uri="{28A0092B-C50C-407E-A947-70E740481C1C}">
                 <a14:useLocalDpi xmlns:a14="http://schemas.microsoft.com/office/drawing/2010/main" val="0"/>
@@ -31448,7 +31047,7 @@
           </p:nvPr>
         </p:nvPicPr>
         <p:blipFill>
-          <a:blip r:embed="rId33" r:link="rId34" cstate="print">
+          <a:blip r:embed="rId27" r:link="rId28" cstate="print">
             <a:extLst>
               <a:ext uri="{28A0092B-C50C-407E-A947-70E740481C1C}">
                 <a14:useLocalDpi xmlns:a14="http://schemas.microsoft.com/office/drawing/2010/main" val="0"/>
@@ -31508,26 +31107,12 @@
                     <a:lumOff val="15000"/>
                   </a:schemeClr>
                 </a:solidFill>
-                <a:ea typeface="微软雅黑" panose="020B0503020204020204" charset="-122"/>
-                <a:cs typeface="+mj-cs"/>
-                <a:sym typeface="Arial" panose="020B0604020202020204" pitchFamily="34" charset="0"/>
-              </a:rPr>
-              <a:t>开发</a:t>
-            </a:r>
-            <a:r>
-              <a:rPr lang="zh-CN" altLang="en-US" sz="2100" b="1" spc="300" dirty="0">
-                <a:solidFill>
-                  <a:schemeClr val="dk1">
-                    <a:lumMod val="85000"/>
-                    <a:lumOff val="15000"/>
-                  </a:schemeClr>
-                </a:solidFill>
                 <a:latin typeface="Arial" panose="020B0604020202020204" pitchFamily="34" charset="0"/>
                 <a:ea typeface="微软雅黑" panose="020B0503020204020204" charset="-122"/>
                 <a:cs typeface="+mj-cs"/>
                 <a:sym typeface="Arial" panose="020B0604020202020204" pitchFamily="34" charset="0"/>
               </a:rPr>
-              <a:t>路线</a:t>
+              <a:t>功能设计</a:t>
             </a:r>
           </a:p>
         </p:txBody>
@@ -31535,7 +31120,9 @@
       <p:cxnSp>
         <p:nvCxnSpPr>
           <p:cNvPr id="4" name="直接连接符 3"/>
-          <p:cNvCxnSpPr/>
+          <p:cNvCxnSpPr>
+            <a:cxnSpLocks/>
+          </p:cNvCxnSpPr>
           <p:nvPr>
             <p:custDataLst>
               <p:tags r:id="rId5"/>
@@ -31585,8 +31172,8 @@
         </p:nvSpPr>
         <p:spPr>
           <a:xfrm>
-            <a:off x="1946426" y="2366396"/>
-            <a:ext cx="1164124" cy="336003"/>
+            <a:off x="1078110" y="2170124"/>
+            <a:ext cx="2032440" cy="532275"/>
           </a:xfrm>
           <a:prstGeom prst="rect">
             <a:avLst/>
@@ -31648,8 +31235,8 @@
         </p:nvSpPr>
         <p:spPr>
           <a:xfrm>
-            <a:off x="1979930" y="2292350"/>
-            <a:ext cx="1181735" cy="490220"/>
+            <a:off x="971600" y="2091515"/>
+            <a:ext cx="2230791" cy="649714"/>
           </a:xfrm>
           <a:prstGeom prst="rect">
             <a:avLst/>
@@ -31677,15 +31264,15 @@
                 <a:cs typeface="+mj-cs"/>
                 <a:sym typeface="Arial" panose="020B0604020202020204" pitchFamily="34" charset="0"/>
               </a:rPr>
-              <a:t>数据收集</a:t>
-            </a:r>
-          </a:p>
-        </p:txBody>
-      </p:sp>
-      <p:sp>
-        <p:nvSpPr>
-          <p:cNvPr id="8" name="矩形 7"/>
-          <p:cNvSpPr/>
+              <a:t>数据读取与筛除</a:t>
+            </a:r>
+          </a:p>
+        </p:txBody>
+      </p:sp>
+      <p:sp>
+        <p:nvSpPr>
+          <p:cNvPr id="12" name="文本框 11"/>
+          <p:cNvSpPr txBox="1"/>
           <p:nvPr>
             <p:custDataLst>
               <p:tags r:id="rId8"/>
@@ -31694,71 +31281,8 @@
         </p:nvSpPr>
         <p:spPr>
           <a:xfrm>
-            <a:off x="1946426" y="3011806"/>
-            <a:ext cx="1164124" cy="336003"/>
-          </a:xfrm>
-          <a:prstGeom prst="rect">
-            <a:avLst/>
-          </a:prstGeom>
-          <a:solidFill>
-            <a:schemeClr val="accent1"/>
-          </a:solidFill>
-          <a:ln>
-            <a:noFill/>
-          </a:ln>
-        </p:spPr>
-        <p:style>
-          <a:lnRef idx="2">
-            <a:schemeClr val="accent1">
-              <a:shade val="50000"/>
-            </a:schemeClr>
-          </a:lnRef>
-          <a:fillRef idx="1">
-            <a:schemeClr val="accent1"/>
-          </a:fillRef>
-          <a:effectRef idx="0">
-            <a:schemeClr val="accent1"/>
-          </a:effectRef>
-          <a:fontRef idx="minor">
-            <a:schemeClr val="lt1"/>
-          </a:fontRef>
-        </p:style>
-        <p:txBody>
-          <a:bodyPr wrap="square" rtlCol="0" anchor="ctr">
-            <a:normAutofit/>
-          </a:bodyPr>
-          <a:lstStyle/>
-          <a:p>
-            <a:pPr algn="ctr">
-              <a:lnSpc>
-                <a:spcPct val="130000"/>
-              </a:lnSpc>
-            </a:pPr>
-            <a:endParaRPr lang="zh-CN" altLang="en-US" sz="1050">
-              <a:solidFill>
-                <a:schemeClr val="bg1"/>
-              </a:solidFill>
-              <a:latin typeface="Arial" panose="020B0604020202020204" pitchFamily="34" charset="0"/>
-              <a:ea typeface="微软雅黑" panose="020B0503020204020204" charset="-122"/>
-              <a:sym typeface="Arial" panose="020B0604020202020204" pitchFamily="34" charset="0"/>
-            </a:endParaRPr>
-          </a:p>
-        </p:txBody>
-      </p:sp>
-      <p:sp>
-        <p:nvSpPr>
-          <p:cNvPr id="9" name="文本框 8"/>
-          <p:cNvSpPr txBox="1"/>
-          <p:nvPr>
-            <p:custDataLst>
-              <p:tags r:id="rId9"/>
-            </p:custDataLst>
-          </p:nvPr>
-        </p:nvSpPr>
-        <p:spPr>
-          <a:xfrm>
-            <a:off x="1964055" y="2938145"/>
-            <a:ext cx="1196340" cy="459740"/>
+            <a:off x="3310231" y="1956138"/>
+            <a:ext cx="4679936" cy="1000577"/>
           </a:xfrm>
           <a:prstGeom prst="rect">
             <a:avLst/>
@@ -31767,152 +31291,88 @@
         </p:spPr>
         <p:txBody>
           <a:bodyPr wrap="square" lIns="68580" tIns="34290" rIns="68580" bIns="34290" rtlCol="0" anchor="ctr">
-            <a:normAutofit fontScale="97500"/>
+            <a:noAutofit/>
           </a:bodyPr>
           <a:lstStyle/>
           <a:p>
-            <a:pPr algn="ctr">
+            <a:pPr marL="0" marR="0" indent="355600" algn="just">
               <a:lnSpc>
-                <a:spcPct val="130000"/>
+                <a:spcPct val="150000"/>
               </a:lnSpc>
+              <a:spcBef>
+                <a:spcPts val="0"/>
+              </a:spcBef>
+              <a:spcAft>
+                <a:spcPts val="0"/>
+              </a:spcAft>
             </a:pPr>
             <a:r>
-              <a:rPr lang="zh-CN" altLang="en-US" sz="1500" b="1" spc="200" dirty="0">
-                <a:solidFill>
-                  <a:schemeClr val="bg1"/>
-                </a:solidFill>
-                <a:latin typeface="Arial" panose="020B0604020202020204" pitchFamily="34" charset="0"/>
-                <a:ea typeface="微软雅黑" panose="020B0503020204020204" charset="-122"/>
-                <a:cs typeface="+mj-cs"/>
-                <a:sym typeface="Arial" panose="020B0604020202020204" pitchFamily="34" charset="0"/>
+              <a:rPr lang="zh-CN" altLang="en-US" sz="1400" kern="100" dirty="0">
+                <a:effectLst/>
+                <a:latin typeface="+mn-ea"/>
+                <a:ea typeface="+mn-ea"/>
+                <a:cs typeface="Times New Roman" panose="02020603050405020304" pitchFamily="18" charset="0"/>
               </a:rPr>
-              <a:t>数据处理</a:t>
-            </a:r>
-          </a:p>
-        </p:txBody>
-      </p:sp>
-      <p:sp>
-        <p:nvSpPr>
-          <p:cNvPr id="10" name="矩形 9"/>
-          <p:cNvSpPr/>
+              <a:t>支持</a:t>
+            </a:r>
+            <a:r>
+              <a:rPr lang="zh-CN" altLang="en-US" sz="1400" kern="100" dirty="0">
+                <a:solidFill>
+                  <a:schemeClr val="accent1"/>
+                </a:solidFill>
+                <a:effectLst/>
+                <a:latin typeface="+mn-ea"/>
+                <a:ea typeface="+mn-ea"/>
+                <a:cs typeface="Times New Roman" panose="02020603050405020304" pitchFamily="18" charset="0"/>
+              </a:rPr>
+              <a:t>普通运行数据、风机额定数据、直接训练数据</a:t>
+            </a:r>
+            <a:r>
+              <a:rPr lang="zh-CN" altLang="en-US" sz="1400" kern="100" dirty="0">
+                <a:effectLst/>
+                <a:latin typeface="+mn-ea"/>
+                <a:ea typeface="+mn-ea"/>
+                <a:cs typeface="Times New Roman" panose="02020603050405020304" pitchFamily="18" charset="0"/>
+              </a:rPr>
+              <a:t>三种数据的导入。</a:t>
+            </a:r>
+            <a:r>
+              <a:rPr lang="zh-CN" altLang="en-US" sz="1400" kern="100" dirty="0">
+                <a:solidFill>
+                  <a:schemeClr val="accent1"/>
+                </a:solidFill>
+                <a:effectLst/>
+                <a:latin typeface="+mn-ea"/>
+                <a:ea typeface="+mn-ea"/>
+                <a:cs typeface="Times New Roman" panose="02020603050405020304" pitchFamily="18" charset="0"/>
+              </a:rPr>
+              <a:t>常规筛除、聚类筛除</a:t>
+            </a:r>
+            <a:r>
+              <a:rPr lang="zh-CN" altLang="en-US" sz="1400" kern="100" dirty="0">
+                <a:effectLst/>
+                <a:latin typeface="+mn-ea"/>
+                <a:ea typeface="+mn-ea"/>
+                <a:cs typeface="Times New Roman" panose="02020603050405020304" pitchFamily="18" charset="0"/>
+              </a:rPr>
+              <a:t>两种筛除方法。</a:t>
+            </a:r>
+          </a:p>
+        </p:txBody>
+      </p:sp>
+      <p:sp>
+        <p:nvSpPr>
+          <p:cNvPr id="13" name="文本框 12"/>
+          <p:cNvSpPr txBox="1"/>
           <p:nvPr>
             <p:custDataLst>
-              <p:tags r:id="rId10"/>
+              <p:tags r:id="rId9"/>
             </p:custDataLst>
           </p:nvPr>
         </p:nvSpPr>
         <p:spPr>
           <a:xfrm>
-            <a:off x="1946426" y="3657216"/>
-            <a:ext cx="1164124" cy="336003"/>
-          </a:xfrm>
-          <a:prstGeom prst="rect">
-            <a:avLst/>
-          </a:prstGeom>
-          <a:solidFill>
-            <a:schemeClr val="accent1"/>
-          </a:solidFill>
-          <a:ln>
-            <a:noFill/>
-          </a:ln>
-        </p:spPr>
-        <p:style>
-          <a:lnRef idx="2">
-            <a:schemeClr val="accent1">
-              <a:shade val="50000"/>
-            </a:schemeClr>
-          </a:lnRef>
-          <a:fillRef idx="1">
-            <a:schemeClr val="accent1"/>
-          </a:fillRef>
-          <a:effectRef idx="0">
-            <a:schemeClr val="accent1"/>
-          </a:effectRef>
-          <a:fontRef idx="minor">
-            <a:schemeClr val="lt1"/>
-          </a:fontRef>
-        </p:style>
-        <p:txBody>
-          <a:bodyPr wrap="square" rtlCol="0" anchor="ctr">
-            <a:normAutofit/>
-          </a:bodyPr>
-          <a:lstStyle/>
-          <a:p>
-            <a:pPr algn="ctr">
-              <a:lnSpc>
-                <a:spcPct val="130000"/>
-              </a:lnSpc>
-            </a:pPr>
-            <a:endParaRPr lang="zh-CN" altLang="en-US" sz="1050">
-              <a:solidFill>
-                <a:schemeClr val="bg1"/>
-              </a:solidFill>
-              <a:latin typeface="Arial" panose="020B0604020202020204" pitchFamily="34" charset="0"/>
-              <a:ea typeface="微软雅黑" panose="020B0503020204020204" charset="-122"/>
-              <a:sym typeface="Arial" panose="020B0604020202020204" pitchFamily="34" charset="0"/>
-            </a:endParaRPr>
-          </a:p>
-        </p:txBody>
-      </p:sp>
-      <p:sp>
-        <p:nvSpPr>
-          <p:cNvPr id="11" name="文本框 10"/>
-          <p:cNvSpPr txBox="1"/>
-          <p:nvPr>
-            <p:custDataLst>
-              <p:tags r:id="rId11"/>
-            </p:custDataLst>
-          </p:nvPr>
-        </p:nvSpPr>
-        <p:spPr>
-          <a:xfrm>
-            <a:off x="1979930" y="3590290"/>
-            <a:ext cx="1147445" cy="418465"/>
-          </a:xfrm>
-          <a:prstGeom prst="rect">
-            <a:avLst/>
-          </a:prstGeom>
-          <a:noFill/>
-        </p:spPr>
-        <p:txBody>
-          <a:bodyPr wrap="square" lIns="68580" tIns="34290" rIns="68580" bIns="34290" rtlCol="0" anchor="ctr">
-            <a:normAutofit fontScale="97500"/>
-          </a:bodyPr>
-          <a:lstStyle/>
-          <a:p>
-            <a:pPr algn="ctr">
-              <a:lnSpc>
-                <a:spcPct val="130000"/>
-              </a:lnSpc>
-            </a:pPr>
-            <a:r>
-              <a:rPr lang="zh-CN" altLang="en-US" sz="1500" b="1" spc="200" dirty="0">
-                <a:solidFill>
-                  <a:schemeClr val="bg1"/>
-                </a:solidFill>
-                <a:latin typeface="Arial" panose="020B0604020202020204" pitchFamily="34" charset="0"/>
-                <a:ea typeface="微软雅黑" panose="020B0503020204020204" charset="-122"/>
-                <a:cs typeface="+mj-cs"/>
-                <a:sym typeface="Arial" panose="020B0604020202020204" pitchFamily="34" charset="0"/>
-              </a:rPr>
-              <a:t>模型建立</a:t>
-            </a:r>
-          </a:p>
-        </p:txBody>
-      </p:sp>
-      <p:sp>
-        <p:nvSpPr>
-          <p:cNvPr id="12" name="文本框 11"/>
-          <p:cNvSpPr txBox="1"/>
-          <p:nvPr>
-            <p:custDataLst>
-              <p:tags r:id="rId12"/>
-            </p:custDataLst>
-          </p:nvPr>
-        </p:nvSpPr>
-        <p:spPr>
-          <a:xfrm>
-            <a:off x="3385954" y="2291372"/>
+            <a:off x="3310231" y="3020270"/>
             <a:ext cx="4679936" cy="486147"/>
           </a:xfrm>
           <a:prstGeom prst="rect">
@@ -31922,46 +31382,164 @@
         </p:spPr>
         <p:txBody>
           <a:bodyPr wrap="square" lIns="68580" tIns="34290" rIns="68580" bIns="34290" rtlCol="0" anchor="ctr">
-            <a:normAutofit/>
+            <a:noAutofit/>
           </a:bodyPr>
           <a:lstStyle/>
           <a:p>
-            <a:pPr>
+            <a:pPr marL="0" marR="0" indent="355600" algn="just">
               <a:lnSpc>
-                <a:spcPct val="130000"/>
+                <a:spcPct val="150000"/>
               </a:lnSpc>
+              <a:spcBef>
+                <a:spcPts val="0"/>
+              </a:spcBef>
+              <a:spcAft>
+                <a:spcPts val="0"/>
+              </a:spcAft>
             </a:pPr>
             <a:r>
-              <a:rPr lang="zh-CN" altLang="en-US" sz="1200" spc="150" dirty="0">
-                <a:solidFill>
-                  <a:schemeClr val="dk1">
-                    <a:lumMod val="85000"/>
-                    <a:lumOff val="15000"/>
-                  </a:schemeClr>
-                </a:solidFill>
-                <a:latin typeface="Arial" panose="020B0604020202020204" pitchFamily="34" charset="0"/>
-                <a:ea typeface="微软雅黑" panose="020B0503020204020204" charset="-122"/>
-                <a:sym typeface="Arial" panose="020B0604020202020204" pitchFamily="34" charset="0"/>
+              <a:rPr lang="zh-CN" altLang="en-US" sz="1400" kern="100" dirty="0">
+                <a:effectLst/>
+                <a:latin typeface="+mn-ea"/>
+                <a:ea typeface="+mn-ea"/>
+                <a:cs typeface="Times New Roman" panose="02020603050405020304" pitchFamily="18" charset="0"/>
               </a:rPr>
-              <a:t>收集风电场历史数据，包括实际有功功率，风速及多种参数</a:t>
-            </a:r>
-          </a:p>
-        </p:txBody>
-      </p:sp>
-      <p:sp>
-        <p:nvSpPr>
-          <p:cNvPr id="13" name="文本框 12"/>
+              <a:t>提供</a:t>
+            </a:r>
+            <a:r>
+              <a:rPr lang="en-US" altLang="zh-CN" sz="1400" kern="100" dirty="0">
+                <a:solidFill>
+                  <a:schemeClr val="accent1"/>
+                </a:solidFill>
+                <a:effectLst/>
+                <a:latin typeface="+mn-ea"/>
+                <a:ea typeface="+mn-ea"/>
+                <a:cs typeface="Times New Roman" panose="02020603050405020304" pitchFamily="18" charset="0"/>
+              </a:rPr>
+              <a:t>RNN</a:t>
+            </a:r>
+            <a:r>
+              <a:rPr lang="zh-CN" altLang="en-US" sz="1400" kern="100" dirty="0">
+                <a:solidFill>
+                  <a:schemeClr val="accent1"/>
+                </a:solidFill>
+                <a:effectLst/>
+                <a:latin typeface="+mn-ea"/>
+                <a:ea typeface="+mn-ea"/>
+                <a:cs typeface="Times New Roman" panose="02020603050405020304" pitchFamily="18" charset="0"/>
+              </a:rPr>
+              <a:t>、</a:t>
+            </a:r>
+            <a:r>
+              <a:rPr lang="en-US" altLang="zh-CN" sz="1400" kern="100" dirty="0">
+                <a:solidFill>
+                  <a:schemeClr val="accent1"/>
+                </a:solidFill>
+                <a:effectLst/>
+                <a:latin typeface="+mn-ea"/>
+                <a:ea typeface="+mn-ea"/>
+                <a:cs typeface="Times New Roman" panose="02020603050405020304" pitchFamily="18" charset="0"/>
+              </a:rPr>
+              <a:t>MLP</a:t>
+            </a:r>
+            <a:r>
+              <a:rPr lang="zh-CN" altLang="en-US" sz="1400" kern="100" dirty="0">
+                <a:solidFill>
+                  <a:schemeClr val="accent1"/>
+                </a:solidFill>
+                <a:effectLst/>
+                <a:latin typeface="+mn-ea"/>
+                <a:ea typeface="+mn-ea"/>
+                <a:cs typeface="Times New Roman" panose="02020603050405020304" pitchFamily="18" charset="0"/>
+              </a:rPr>
+              <a:t>、</a:t>
+            </a:r>
+            <a:r>
+              <a:rPr lang="en-US" altLang="zh-CN" sz="1400" kern="100" dirty="0">
+                <a:solidFill>
+                  <a:schemeClr val="accent1"/>
+                </a:solidFill>
+                <a:effectLst/>
+                <a:latin typeface="+mn-ea"/>
+                <a:ea typeface="+mn-ea"/>
+                <a:cs typeface="Times New Roman" panose="02020603050405020304" pitchFamily="18" charset="0"/>
+              </a:rPr>
+              <a:t>LSTM</a:t>
+            </a:r>
+            <a:r>
+              <a:rPr lang="zh-CN" altLang="en-US" sz="1400" kern="100" dirty="0">
+                <a:solidFill>
+                  <a:schemeClr val="accent1"/>
+                </a:solidFill>
+                <a:effectLst/>
+                <a:latin typeface="+mn-ea"/>
+                <a:ea typeface="+mn-ea"/>
+                <a:cs typeface="Times New Roman" panose="02020603050405020304" pitchFamily="18" charset="0"/>
+              </a:rPr>
+              <a:t>、</a:t>
+            </a:r>
+            <a:r>
+              <a:rPr lang="en-US" altLang="zh-CN" sz="1400" kern="100" dirty="0">
+                <a:solidFill>
+                  <a:schemeClr val="accent1"/>
+                </a:solidFill>
+                <a:effectLst/>
+                <a:latin typeface="+mn-ea"/>
+                <a:ea typeface="+mn-ea"/>
+                <a:cs typeface="Times New Roman" panose="02020603050405020304" pitchFamily="18" charset="0"/>
+              </a:rPr>
+              <a:t>GRU</a:t>
+            </a:r>
+            <a:r>
+              <a:rPr lang="zh-CN" altLang="en-US" sz="1400" kern="100" dirty="0">
+                <a:solidFill>
+                  <a:schemeClr val="accent1"/>
+                </a:solidFill>
+                <a:effectLst/>
+                <a:latin typeface="+mn-ea"/>
+                <a:ea typeface="+mn-ea"/>
+                <a:cs typeface="Times New Roman" panose="02020603050405020304" pitchFamily="18" charset="0"/>
+              </a:rPr>
+              <a:t>、</a:t>
+            </a:r>
+            <a:r>
+              <a:rPr lang="en-US" altLang="zh-CN" sz="1400" kern="100" dirty="0">
+                <a:solidFill>
+                  <a:schemeClr val="accent1"/>
+                </a:solidFill>
+                <a:effectLst/>
+                <a:latin typeface="+mn-ea"/>
+                <a:ea typeface="+mn-ea"/>
+                <a:cs typeface="Times New Roman" panose="02020603050405020304" pitchFamily="18" charset="0"/>
+              </a:rPr>
+              <a:t>CNN</a:t>
+            </a:r>
+            <a:r>
+              <a:rPr lang="zh-CN" altLang="en-US" sz="1400" kern="100" dirty="0">
+                <a:effectLst/>
+                <a:latin typeface="+mn-ea"/>
+                <a:ea typeface="+mn-ea"/>
+                <a:cs typeface="Times New Roman" panose="02020603050405020304" pitchFamily="18" charset="0"/>
+              </a:rPr>
+              <a:t>五种模型供用户选择，针对不同情况选择不同模型有利于精度的提高。</a:t>
+            </a:r>
+          </a:p>
+        </p:txBody>
+      </p:sp>
+      <p:sp>
+        <p:nvSpPr>
+          <p:cNvPr id="14" name="文本框 13"/>
           <p:cNvSpPr txBox="1"/>
           <p:nvPr>
             <p:custDataLst>
-              <p:tags r:id="rId13"/>
+              <p:tags r:id="rId10"/>
             </p:custDataLst>
           </p:nvPr>
         </p:nvSpPr>
         <p:spPr>
           <a:xfrm>
-            <a:off x="3385954" y="2938046"/>
-            <a:ext cx="4679936" cy="486147"/>
+            <a:off x="3281475" y="3926573"/>
+            <a:ext cx="4708691" cy="486147"/>
           </a:xfrm>
           <a:prstGeom prst="rect">
             <a:avLst/>
@@ -31970,103 +31548,55 @@
         </p:spPr>
         <p:txBody>
           <a:bodyPr wrap="square" lIns="68580" tIns="34290" rIns="68580" bIns="34290" rtlCol="0" anchor="ctr">
-            <a:normAutofit/>
+            <a:noAutofit/>
           </a:bodyPr>
           <a:lstStyle/>
           <a:p>
-            <a:pPr>
-              <a:lnSpc>
-                <a:spcPct val="130000"/>
-              </a:lnSpc>
+            <a:pPr marL="0" marR="0" algn="just">
+              <a:spcBef>
+                <a:spcPts val="0"/>
+              </a:spcBef>
+              <a:spcAft>
+                <a:spcPts val="0"/>
+              </a:spcAft>
             </a:pPr>
             <a:r>
-              <a:rPr lang="zh-CN" altLang="en-US" sz="1200" spc="150" dirty="0">
-                <a:solidFill>
-                  <a:schemeClr val="dk1">
-                    <a:lumMod val="85000"/>
-                    <a:lumOff val="15000"/>
-                  </a:schemeClr>
-                </a:solidFill>
-                <a:latin typeface="Arial" panose="020B0604020202020204" pitchFamily="34" charset="0"/>
-                <a:ea typeface="微软雅黑" panose="020B0503020204020204" charset="-122"/>
-                <a:sym typeface="Arial" panose="020B0604020202020204" pitchFamily="34" charset="0"/>
+              <a:rPr lang="en-US" altLang="zh-CN" sz="1400" kern="100" dirty="0">
+                <a:latin typeface="+mn-ea"/>
+                <a:ea typeface="+mn-ea"/>
+                <a:cs typeface="Times New Roman" panose="02020603050405020304" pitchFamily="18" charset="0"/>
               </a:rPr>
-              <a:t>使用聚类方法及风机规则进行数据清洗，提高数据质量</a:t>
-            </a:r>
-          </a:p>
-        </p:txBody>
-      </p:sp>
-      <p:sp>
-        <p:nvSpPr>
-          <p:cNvPr id="14" name="文本框 13"/>
-          <p:cNvSpPr txBox="1"/>
-          <p:nvPr>
-            <p:custDataLst>
-              <p:tags r:id="rId14"/>
-            </p:custDataLst>
-          </p:nvPr>
-        </p:nvSpPr>
-        <p:spPr>
-          <a:xfrm>
-            <a:off x="3385954" y="3584720"/>
-            <a:ext cx="4679936" cy="486147"/>
-          </a:xfrm>
-          <a:prstGeom prst="rect">
-            <a:avLst/>
-          </a:prstGeom>
-          <a:noFill/>
-        </p:spPr>
-        <p:txBody>
-          <a:bodyPr wrap="square" lIns="68580" tIns="34290" rIns="68580" bIns="34290" rtlCol="0" anchor="ctr">
-            <a:normAutofit/>
-          </a:bodyPr>
-          <a:lstStyle/>
-          <a:p>
-            <a:pPr>
-              <a:lnSpc>
-                <a:spcPct val="130000"/>
-              </a:lnSpc>
-            </a:pPr>
-            <a:r>
-              <a:rPr lang="zh-CN" altLang="en-US" sz="1200" spc="150" dirty="0">
-                <a:solidFill>
-                  <a:schemeClr val="dk1">
-                    <a:lumMod val="85000"/>
-                    <a:lumOff val="15000"/>
-                  </a:schemeClr>
-                </a:solidFill>
-                <a:latin typeface="Arial" panose="020B0604020202020204" pitchFamily="34" charset="0"/>
-                <a:ea typeface="微软雅黑" panose="020B0503020204020204" charset="-122"/>
-                <a:sym typeface="Arial" panose="020B0604020202020204" pitchFamily="34" charset="0"/>
+              <a:t>        </a:t>
+            </a:r>
+            <a:r>
+              <a:rPr lang="zh-CN" altLang="en-US" sz="1400" kern="100" dirty="0">
+                <a:effectLst/>
+                <a:latin typeface="+mn-ea"/>
+                <a:ea typeface="+mn-ea"/>
+                <a:cs typeface="Times New Roman" panose="02020603050405020304" pitchFamily="18" charset="0"/>
               </a:rPr>
-              <a:t>建立风力发电功率</a:t>
-            </a:r>
-            <a:r>
-              <a:rPr lang="zh-CN" altLang="en-US" sz="1200" spc="150" dirty="0">
-                <a:solidFill>
-                  <a:schemeClr val="dk1">
-                    <a:lumMod val="85000"/>
-                    <a:lumOff val="15000"/>
-                  </a:schemeClr>
-                </a:solidFill>
-                <a:ea typeface="微软雅黑" panose="020B0503020204020204" charset="-122"/>
-                <a:sym typeface="Arial" panose="020B0604020202020204" pitchFamily="34" charset="0"/>
+              <a:t>选择“</a:t>
+            </a:r>
+            <a:r>
+              <a:rPr lang="zh-CN" altLang="en-US" sz="1400" kern="100" dirty="0">
+                <a:solidFill>
+                  <a:schemeClr val="accent1"/>
+                </a:solidFill>
+                <a:effectLst/>
+                <a:latin typeface="+mn-ea"/>
+                <a:ea typeface="+mn-ea"/>
+                <a:cs typeface="Times New Roman" panose="02020603050405020304" pitchFamily="18" charset="0"/>
               </a:rPr>
-              <a:t>神经网络</a:t>
-            </a:r>
-            <a:r>
-              <a:rPr lang="zh-CN" altLang="en-US" sz="1200" spc="150" dirty="0">
-                <a:solidFill>
-                  <a:schemeClr val="dk1">
-                    <a:lumMod val="85000"/>
-                    <a:lumOff val="15000"/>
-                  </a:schemeClr>
-                </a:solidFill>
-                <a:latin typeface="Arial" panose="020B0604020202020204" pitchFamily="34" charset="0"/>
-                <a:ea typeface="微软雅黑" panose="020B0503020204020204" charset="-122"/>
-                <a:sym typeface="Arial" panose="020B0604020202020204" pitchFamily="34" charset="0"/>
+              <a:t>滑动窗口算法</a:t>
+            </a:r>
+            <a:r>
+              <a:rPr lang="zh-CN" altLang="en-US" sz="1400" kern="100" dirty="0">
+                <a:effectLst/>
+                <a:latin typeface="+mn-ea"/>
+                <a:ea typeface="+mn-ea"/>
+                <a:cs typeface="Times New Roman" panose="02020603050405020304" pitchFamily="18" charset="0"/>
               </a:rPr>
-              <a:t>模型</a:t>
+              <a:t>”，预测内容与训练内容在时间上连续。</a:t>
             </a:r>
           </a:p>
         </p:txBody>
@@ -32074,16 +31604,18 @@
       <p:cxnSp>
         <p:nvCxnSpPr>
           <p:cNvPr id="15" name="直接连接符 14"/>
-          <p:cNvCxnSpPr/>
+          <p:cNvCxnSpPr>
+            <a:cxnSpLocks/>
+          </p:cNvCxnSpPr>
           <p:nvPr>
             <p:custDataLst>
-              <p:tags r:id="rId15"/>
+              <p:tags r:id="rId11"/>
             </p:custDataLst>
           </p:nvPr>
         </p:nvCxnSpPr>
         <p:spPr>
           <a:xfrm>
-            <a:off x="3111641" y="3507017"/>
+            <a:off x="3118154" y="3645024"/>
             <a:ext cx="5217794" cy="0"/>
           </a:xfrm>
           <a:prstGeom prst="line">
@@ -32116,16 +31648,18 @@
       <p:cxnSp>
         <p:nvCxnSpPr>
           <p:cNvPr id="16" name="直接连接符 15"/>
-          <p:cNvCxnSpPr/>
+          <p:cNvCxnSpPr>
+            <a:cxnSpLocks/>
+          </p:cNvCxnSpPr>
           <p:nvPr>
             <p:custDataLst>
-              <p:tags r:id="rId16"/>
+              <p:tags r:id="rId12"/>
             </p:custDataLst>
           </p:nvPr>
         </p:nvCxnSpPr>
         <p:spPr>
           <a:xfrm>
-            <a:off x="3111641" y="4150458"/>
+            <a:off x="3118154" y="4437112"/>
             <a:ext cx="5217794" cy="0"/>
           </a:xfrm>
           <a:prstGeom prst="line">
@@ -32161,13 +31695,13 @@
           <p:cNvSpPr txBox="1"/>
           <p:nvPr>
             <p:custDataLst>
-              <p:tags r:id="rId17"/>
+              <p:tags r:id="rId13"/>
             </p:custDataLst>
           </p:nvPr>
         </p:nvSpPr>
         <p:spPr>
           <a:xfrm>
-            <a:off x="3385954" y="4231394"/>
+            <a:off x="3348447" y="4751350"/>
             <a:ext cx="4679936" cy="486147"/>
           </a:xfrm>
           <a:prstGeom prst="rect">
@@ -32177,46 +31711,74 @@
         </p:spPr>
         <p:txBody>
           <a:bodyPr wrap="square" lIns="68580" tIns="34290" rIns="68580" bIns="34290" rtlCol="0" anchor="ctr">
-            <a:normAutofit/>
+            <a:noAutofit/>
           </a:bodyPr>
           <a:lstStyle/>
           <a:p>
-            <a:pPr>
+            <a:pPr marL="0" marR="0" indent="355600" algn="just">
               <a:lnSpc>
-                <a:spcPct val="130000"/>
+                <a:spcPct val="150000"/>
               </a:lnSpc>
+              <a:spcBef>
+                <a:spcPts val="0"/>
+              </a:spcBef>
+              <a:spcAft>
+                <a:spcPts val="0"/>
+              </a:spcAft>
             </a:pPr>
             <a:r>
-              <a:rPr lang="zh-CN" altLang="en-US" sz="1200" spc="150" dirty="0">
-                <a:solidFill>
-                  <a:schemeClr val="dk1">
-                    <a:lumMod val="85000"/>
-                    <a:lumOff val="15000"/>
-                  </a:schemeClr>
-                </a:solidFill>
-                <a:latin typeface="Arial" panose="020B0604020202020204" pitchFamily="34" charset="0"/>
-                <a:ea typeface="微软雅黑" panose="020B0503020204020204" charset="-122"/>
-                <a:sym typeface="Arial" panose="020B0604020202020204" pitchFamily="34" charset="0"/>
+              <a:rPr lang="zh-CN" altLang="en-US" sz="1400" kern="100" dirty="0">
+                <a:effectLst/>
+                <a:latin typeface="+mn-ea"/>
+                <a:ea typeface="+mn-ea"/>
+                <a:cs typeface="Times New Roman" panose="02020603050405020304" pitchFamily="18" charset="0"/>
               </a:rPr>
-              <a:t>输入处理后的数据，划分训练集测试集检验模型精度</a:t>
-            </a:r>
-          </a:p>
-        </p:txBody>
-      </p:sp>
-      <p:sp>
-        <p:nvSpPr>
-          <p:cNvPr id="18" name="矩形 17"/>
+              <a:t>针对</a:t>
+            </a:r>
+            <a:r>
+              <a:rPr lang="zh-CN" altLang="en-US" sz="1400" kern="100" dirty="0">
+                <a:solidFill>
+                  <a:schemeClr val="accent1"/>
+                </a:solidFill>
+                <a:effectLst/>
+                <a:latin typeface="+mn-ea"/>
+                <a:ea typeface="+mn-ea"/>
+                <a:cs typeface="Times New Roman" panose="02020603050405020304" pitchFamily="18" charset="0"/>
+              </a:rPr>
+              <a:t>数据筛选、模型训练</a:t>
+            </a:r>
+            <a:r>
+              <a:rPr lang="zh-CN" altLang="en-US" sz="1400" kern="100" dirty="0">
+                <a:effectLst/>
+                <a:latin typeface="+mn-ea"/>
+                <a:ea typeface="+mn-ea"/>
+                <a:cs typeface="Times New Roman" panose="02020603050405020304" pitchFamily="18" charset="0"/>
+              </a:rPr>
+              <a:t>两部分均设置弹窗以实现自定义参数的功能，提高模型精度，优化预测效果。</a:t>
+            </a:r>
+          </a:p>
+        </p:txBody>
+      </p:sp>
+      <p:sp>
+        <p:nvSpPr>
+          <p:cNvPr id="35" name="矩形 34">
+            <a:extLst>
+              <a:ext uri="{FF2B5EF4-FFF2-40B4-BE49-F238E27FC236}">
+                <a16:creationId xmlns:a16="http://schemas.microsoft.com/office/drawing/2014/main" id="{56043D3F-9BA5-4FF1-BEE0-82BFC8DF80C1}"/>
+              </a:ext>
+            </a:extLst>
+          </p:cNvPr>
           <p:cNvSpPr/>
           <p:nvPr>
             <p:custDataLst>
-              <p:tags r:id="rId18"/>
+              <p:tags r:id="rId14"/>
             </p:custDataLst>
           </p:nvPr>
         </p:nvSpPr>
         <p:spPr>
           <a:xfrm>
-            <a:off x="1946425" y="4302626"/>
-            <a:ext cx="1164124" cy="336003"/>
+            <a:off x="1085714" y="2997207"/>
+            <a:ext cx="2032440" cy="532275"/>
           </a:xfrm>
           <a:prstGeom prst="rect">
             <a:avLst/>
@@ -32268,57 +31830,11 @@
       </p:sp>
       <p:sp>
         <p:nvSpPr>
-          <p:cNvPr id="19" name="文本框 18"/>
-          <p:cNvSpPr txBox="1"/>
-          <p:nvPr>
-            <p:custDataLst>
-              <p:tags r:id="rId19"/>
-            </p:custDataLst>
-          </p:nvPr>
-        </p:nvSpPr>
-        <p:spPr>
-          <a:xfrm>
-            <a:off x="1964055" y="4259580"/>
-            <a:ext cx="1198245" cy="424815"/>
-          </a:xfrm>
-          <a:prstGeom prst="rect">
-            <a:avLst/>
-          </a:prstGeom>
-          <a:noFill/>
-        </p:spPr>
-        <p:txBody>
-          <a:bodyPr wrap="square" lIns="68580" tIns="34290" rIns="68580" bIns="34290" rtlCol="0" anchor="ctr">
-            <a:normAutofit fontScale="97500"/>
-          </a:bodyPr>
-          <a:lstStyle/>
-          <a:p>
-            <a:pPr algn="ctr">
-              <a:lnSpc>
-                <a:spcPct val="130000"/>
-              </a:lnSpc>
-            </a:pPr>
-            <a:r>
-              <a:rPr lang="zh-CN" altLang="en-US" sz="1500" b="1" spc="200" dirty="0">
-                <a:solidFill>
-                  <a:schemeClr val="bg1"/>
-                </a:solidFill>
-                <a:latin typeface="Arial" panose="020B0604020202020204" pitchFamily="34" charset="0"/>
-                <a:ea typeface="微软雅黑" panose="020B0503020204020204" charset="-122"/>
-                <a:cs typeface="+mj-cs"/>
-                <a:sym typeface="Arial" panose="020B0604020202020204" pitchFamily="34" charset="0"/>
-              </a:rPr>
-              <a:t>模型测试</a:t>
-            </a:r>
-          </a:p>
-        </p:txBody>
-      </p:sp>
-      <p:sp>
-        <p:nvSpPr>
           <p:cNvPr id="20" name="椭圆 19"/>
           <p:cNvSpPr/>
           <p:nvPr>
             <p:custDataLst>
-              <p:tags r:id="rId20"/>
+              <p:tags r:id="rId15"/>
             </p:custDataLst>
           </p:nvPr>
         </p:nvSpPr>
@@ -32373,122 +31889,15 @@
           </a:p>
         </p:txBody>
       </p:sp>
-      <p:sp>
-        <p:nvSpPr>
-          <p:cNvPr id="21" name="矩形 20"/>
-          <p:cNvSpPr/>
-          <p:nvPr>
-            <p:custDataLst>
-              <p:tags r:id="rId21"/>
-            </p:custDataLst>
-          </p:nvPr>
-        </p:nvSpPr>
-        <p:spPr>
-          <a:xfrm>
-            <a:off x="1946426" y="4948035"/>
-            <a:ext cx="1164124" cy="336003"/>
-          </a:xfrm>
-          <a:prstGeom prst="rect">
-            <a:avLst/>
-          </a:prstGeom>
-          <a:solidFill>
-            <a:schemeClr val="accent1"/>
-          </a:solidFill>
-          <a:ln>
-            <a:noFill/>
-          </a:ln>
-        </p:spPr>
-        <p:style>
-          <a:lnRef idx="2">
-            <a:schemeClr val="accent1">
-              <a:shade val="50000"/>
-            </a:schemeClr>
-          </a:lnRef>
-          <a:fillRef idx="1">
-            <a:schemeClr val="accent1"/>
-          </a:fillRef>
-          <a:effectRef idx="0">
-            <a:schemeClr val="accent1"/>
-          </a:effectRef>
-          <a:fontRef idx="minor">
-            <a:schemeClr val="lt1"/>
-          </a:fontRef>
-        </p:style>
-        <p:txBody>
-          <a:bodyPr wrap="square" rtlCol="0" anchor="ctr">
-            <a:normAutofit/>
-          </a:bodyPr>
-          <a:lstStyle/>
-          <a:p>
-            <a:pPr algn="ctr">
-              <a:lnSpc>
-                <a:spcPct val="130000"/>
-              </a:lnSpc>
-            </a:pPr>
-            <a:endParaRPr lang="zh-CN" altLang="en-US" sz="1050">
-              <a:solidFill>
-                <a:schemeClr val="bg1"/>
-              </a:solidFill>
-              <a:latin typeface="Arial" panose="020B0604020202020204" pitchFamily="34" charset="0"/>
-              <a:ea typeface="微软雅黑" panose="020B0503020204020204" charset="-122"/>
-              <a:sym typeface="Arial" panose="020B0604020202020204" pitchFamily="34" charset="0"/>
-            </a:endParaRPr>
-          </a:p>
-        </p:txBody>
-      </p:sp>
-      <p:sp>
-        <p:nvSpPr>
-          <p:cNvPr id="22" name="文本框 21"/>
-          <p:cNvSpPr txBox="1"/>
-          <p:nvPr>
-            <p:custDataLst>
-              <p:tags r:id="rId22"/>
-            </p:custDataLst>
-          </p:nvPr>
-        </p:nvSpPr>
-        <p:spPr>
-          <a:xfrm>
-            <a:off x="1893737" y="4959951"/>
-            <a:ext cx="1319829" cy="277495"/>
-          </a:xfrm>
-          <a:prstGeom prst="rect">
-            <a:avLst/>
-          </a:prstGeom>
-          <a:noFill/>
-        </p:spPr>
-        <p:txBody>
-          <a:bodyPr wrap="square" lIns="68580" tIns="34290" rIns="68580" bIns="34290" rtlCol="0" anchor="ctr">
-            <a:noAutofit/>
-          </a:bodyPr>
-          <a:lstStyle/>
-          <a:p>
-            <a:pPr algn="ctr">
-              <a:lnSpc>
-                <a:spcPct val="130000"/>
-              </a:lnSpc>
-            </a:pPr>
-            <a:r>
-              <a:rPr lang="zh-CN" altLang="en-US" sz="1500" b="1" spc="200" dirty="0">
-                <a:solidFill>
-                  <a:schemeClr val="bg1"/>
-                </a:solidFill>
-                <a:latin typeface="Arial" panose="020B0604020202020204" pitchFamily="34" charset="0"/>
-                <a:ea typeface="微软雅黑" panose="020B0503020204020204" charset="-122"/>
-                <a:cs typeface="+mj-cs"/>
-                <a:sym typeface="Arial" panose="020B0604020202020204" pitchFamily="34" charset="0"/>
-              </a:rPr>
-              <a:t>界面设计</a:t>
-            </a:r>
-          </a:p>
-        </p:txBody>
-      </p:sp>
       <p:cxnSp>
         <p:nvCxnSpPr>
           <p:cNvPr id="23" name="直接连接符 22"/>
-          <p:cNvCxnSpPr/>
+          <p:cNvCxnSpPr>
+            <a:cxnSpLocks/>
+          </p:cNvCxnSpPr>
           <p:nvPr>
             <p:custDataLst>
-              <p:tags r:id="rId23"/>
+              <p:tags r:id="rId16"/>
             </p:custDataLst>
           </p:nvPr>
         </p:nvCxnSpPr>
@@ -32524,19 +31933,339 @@
           </a:fontRef>
         </p:style>
       </p:cxnSp>
+      <p:sp>
+        <p:nvSpPr>
+          <p:cNvPr id="36" name="矩形 35">
+            <a:extLst>
+              <a:ext uri="{FF2B5EF4-FFF2-40B4-BE49-F238E27FC236}">
+                <a16:creationId xmlns:a16="http://schemas.microsoft.com/office/drawing/2014/main" id="{7E6EDFCA-714F-6B26-B4B5-7867555AD272}"/>
+              </a:ext>
+            </a:extLst>
+          </p:cNvPr>
+          <p:cNvSpPr/>
+          <p:nvPr>
+            <p:custDataLst>
+              <p:tags r:id="rId17"/>
+            </p:custDataLst>
+          </p:nvPr>
+        </p:nvSpPr>
+        <p:spPr>
+          <a:xfrm>
+            <a:off x="1085714" y="3804729"/>
+            <a:ext cx="2032440" cy="532275"/>
+          </a:xfrm>
+          <a:prstGeom prst="rect">
+            <a:avLst/>
+          </a:prstGeom>
+          <a:solidFill>
+            <a:schemeClr val="accent1"/>
+          </a:solidFill>
+          <a:ln>
+            <a:noFill/>
+          </a:ln>
+        </p:spPr>
+        <p:style>
+          <a:lnRef idx="2">
+            <a:schemeClr val="accent1">
+              <a:shade val="50000"/>
+            </a:schemeClr>
+          </a:lnRef>
+          <a:fillRef idx="1">
+            <a:schemeClr val="accent1"/>
+          </a:fillRef>
+          <a:effectRef idx="0">
+            <a:schemeClr val="accent1"/>
+          </a:effectRef>
+          <a:fontRef idx="minor">
+            <a:schemeClr val="lt1"/>
+          </a:fontRef>
+        </p:style>
+        <p:txBody>
+          <a:bodyPr wrap="square" rtlCol="0" anchor="ctr">
+            <a:normAutofit/>
+          </a:bodyPr>
+          <a:lstStyle/>
+          <a:p>
+            <a:pPr algn="ctr">
+              <a:lnSpc>
+                <a:spcPct val="130000"/>
+              </a:lnSpc>
+            </a:pPr>
+            <a:endParaRPr lang="zh-CN" altLang="en-US" sz="1050">
+              <a:solidFill>
+                <a:schemeClr val="bg1"/>
+              </a:solidFill>
+              <a:latin typeface="Arial" panose="020B0604020202020204" pitchFamily="34" charset="0"/>
+              <a:ea typeface="微软雅黑" panose="020B0503020204020204" charset="-122"/>
+              <a:sym typeface="Arial" panose="020B0604020202020204" pitchFamily="34" charset="0"/>
+            </a:endParaRPr>
+          </a:p>
+        </p:txBody>
+      </p:sp>
+      <p:sp>
+        <p:nvSpPr>
+          <p:cNvPr id="37" name="矩形 36">
+            <a:extLst>
+              <a:ext uri="{FF2B5EF4-FFF2-40B4-BE49-F238E27FC236}">
+                <a16:creationId xmlns:a16="http://schemas.microsoft.com/office/drawing/2014/main" id="{B6B7C4FD-2312-5F81-8301-FCAF93A6ADF9}"/>
+              </a:ext>
+            </a:extLst>
+          </p:cNvPr>
+          <p:cNvSpPr/>
+          <p:nvPr>
+            <p:custDataLst>
+              <p:tags r:id="rId18"/>
+            </p:custDataLst>
+          </p:nvPr>
+        </p:nvSpPr>
+        <p:spPr>
+          <a:xfrm>
+            <a:off x="1091063" y="4600313"/>
+            <a:ext cx="2032440" cy="532275"/>
+          </a:xfrm>
+          <a:prstGeom prst="rect">
+            <a:avLst/>
+          </a:prstGeom>
+          <a:solidFill>
+            <a:schemeClr val="accent1"/>
+          </a:solidFill>
+          <a:ln>
+            <a:noFill/>
+          </a:ln>
+        </p:spPr>
+        <p:style>
+          <a:lnRef idx="2">
+            <a:schemeClr val="accent1">
+              <a:shade val="50000"/>
+            </a:schemeClr>
+          </a:lnRef>
+          <a:fillRef idx="1">
+            <a:schemeClr val="accent1"/>
+          </a:fillRef>
+          <a:effectRef idx="0">
+            <a:schemeClr val="accent1"/>
+          </a:effectRef>
+          <a:fontRef idx="minor">
+            <a:schemeClr val="lt1"/>
+          </a:fontRef>
+        </p:style>
+        <p:txBody>
+          <a:bodyPr wrap="square" rtlCol="0" anchor="ctr">
+            <a:normAutofit/>
+          </a:bodyPr>
+          <a:lstStyle/>
+          <a:p>
+            <a:pPr algn="ctr">
+              <a:lnSpc>
+                <a:spcPct val="130000"/>
+              </a:lnSpc>
+            </a:pPr>
+            <a:endParaRPr lang="zh-CN" altLang="en-US" sz="1050">
+              <a:solidFill>
+                <a:schemeClr val="bg1"/>
+              </a:solidFill>
+              <a:latin typeface="Arial" panose="020B0604020202020204" pitchFamily="34" charset="0"/>
+              <a:ea typeface="微软雅黑" panose="020B0503020204020204" charset="-122"/>
+              <a:sym typeface="Arial" panose="020B0604020202020204" pitchFamily="34" charset="0"/>
+            </a:endParaRPr>
+          </a:p>
+        </p:txBody>
+      </p:sp>
+      <p:sp>
+        <p:nvSpPr>
+          <p:cNvPr id="9" name="文本框 8"/>
+          <p:cNvSpPr txBox="1"/>
+          <p:nvPr>
+            <p:custDataLst>
+              <p:tags r:id="rId19"/>
+            </p:custDataLst>
+          </p:nvPr>
+        </p:nvSpPr>
+        <p:spPr>
+          <a:xfrm>
+            <a:off x="1078110" y="3010315"/>
+            <a:ext cx="2106117" cy="459740"/>
+          </a:xfrm>
+          <a:prstGeom prst="rect">
+            <a:avLst/>
+          </a:prstGeom>
+          <a:noFill/>
+        </p:spPr>
+        <p:txBody>
+          <a:bodyPr wrap="square" lIns="68580" tIns="34290" rIns="68580" bIns="34290" rtlCol="0" anchor="ctr">
+            <a:noAutofit/>
+          </a:bodyPr>
+          <a:lstStyle/>
+          <a:p>
+            <a:pPr algn="ctr">
+              <a:lnSpc>
+                <a:spcPct val="130000"/>
+              </a:lnSpc>
+            </a:pPr>
+            <a:r>
+              <a:rPr lang="zh-CN" altLang="en-US" sz="1500" b="1" spc="200" dirty="0">
+                <a:solidFill>
+                  <a:schemeClr val="bg1"/>
+                </a:solidFill>
+                <a:ea typeface="微软雅黑" panose="020B0503020204020204" charset="-122"/>
+                <a:cs typeface="+mj-cs"/>
+                <a:sym typeface="Arial" panose="020B0604020202020204" pitchFamily="34" charset="0"/>
+              </a:rPr>
+              <a:t>模型训练与误差分析</a:t>
+            </a:r>
+            <a:endParaRPr lang="zh-CN" altLang="en-US" sz="1500" b="1" spc="200" dirty="0">
+              <a:solidFill>
+                <a:schemeClr val="bg1"/>
+              </a:solidFill>
+              <a:latin typeface="Arial" panose="020B0604020202020204" pitchFamily="34" charset="0"/>
+              <a:ea typeface="微软雅黑" panose="020B0503020204020204" charset="-122"/>
+              <a:cs typeface="+mj-cs"/>
+              <a:sym typeface="Arial" panose="020B0604020202020204" pitchFamily="34" charset="0"/>
+            </a:endParaRPr>
+          </a:p>
+        </p:txBody>
+      </p:sp>
+      <p:sp>
+        <p:nvSpPr>
+          <p:cNvPr id="11" name="文本框 10"/>
+          <p:cNvSpPr txBox="1"/>
+          <p:nvPr>
+            <p:custDataLst>
+              <p:tags r:id="rId20"/>
+            </p:custDataLst>
+          </p:nvPr>
+        </p:nvSpPr>
+        <p:spPr>
+          <a:xfrm>
+            <a:off x="1502271" y="3848736"/>
+            <a:ext cx="1147445" cy="418465"/>
+          </a:xfrm>
+          <a:prstGeom prst="rect">
+            <a:avLst/>
+          </a:prstGeom>
+          <a:noFill/>
+        </p:spPr>
+        <p:txBody>
+          <a:bodyPr wrap="square" lIns="68580" tIns="34290" rIns="68580" bIns="34290" rtlCol="0" anchor="ctr">
+            <a:normAutofit fontScale="97500"/>
+          </a:bodyPr>
+          <a:lstStyle/>
+          <a:p>
+            <a:pPr algn="ctr">
+              <a:lnSpc>
+                <a:spcPct val="130000"/>
+              </a:lnSpc>
+            </a:pPr>
+            <a:r>
+              <a:rPr lang="zh-CN" altLang="en-US" sz="1500" b="1" spc="200" dirty="0">
+                <a:solidFill>
+                  <a:schemeClr val="bg1"/>
+                </a:solidFill>
+                <a:latin typeface="Arial" panose="020B0604020202020204" pitchFamily="34" charset="0"/>
+                <a:ea typeface="微软雅黑" panose="020B0503020204020204" charset="-122"/>
+                <a:cs typeface="+mj-cs"/>
+                <a:sym typeface="Arial" panose="020B0604020202020204" pitchFamily="34" charset="0"/>
+              </a:rPr>
+              <a:t>模型</a:t>
+            </a:r>
+            <a:r>
+              <a:rPr lang="zh-CN" altLang="en-US" sz="1500" b="1" spc="200" dirty="0">
+                <a:solidFill>
+                  <a:schemeClr val="bg1"/>
+                </a:solidFill>
+                <a:ea typeface="微软雅黑" panose="020B0503020204020204" charset="-122"/>
+                <a:cs typeface="+mj-cs"/>
+                <a:sym typeface="Arial" panose="020B0604020202020204" pitchFamily="34" charset="0"/>
+              </a:rPr>
+              <a:t>预测</a:t>
+            </a:r>
+            <a:endParaRPr lang="zh-CN" altLang="en-US" sz="1500" b="1" spc="200" dirty="0">
+              <a:solidFill>
+                <a:schemeClr val="bg1"/>
+              </a:solidFill>
+              <a:latin typeface="Arial" panose="020B0604020202020204" pitchFamily="34" charset="0"/>
+              <a:ea typeface="微软雅黑" panose="020B0503020204020204" charset="-122"/>
+              <a:cs typeface="+mj-cs"/>
+              <a:sym typeface="Arial" panose="020B0604020202020204" pitchFamily="34" charset="0"/>
+            </a:endParaRPr>
+          </a:p>
+        </p:txBody>
+      </p:sp>
+      <p:sp>
+        <p:nvSpPr>
+          <p:cNvPr id="19" name="文本框 18"/>
+          <p:cNvSpPr txBox="1"/>
+          <p:nvPr>
+            <p:custDataLst>
+              <p:tags r:id="rId21"/>
+            </p:custDataLst>
+          </p:nvPr>
+        </p:nvSpPr>
+        <p:spPr>
+          <a:xfrm>
+            <a:off x="1115617" y="4632431"/>
+            <a:ext cx="1937680" cy="424815"/>
+          </a:xfrm>
+          <a:prstGeom prst="rect">
+            <a:avLst/>
+          </a:prstGeom>
+          <a:noFill/>
+        </p:spPr>
+        <p:txBody>
+          <a:bodyPr wrap="square" lIns="68580" tIns="34290" rIns="68580" bIns="34290" rtlCol="0" anchor="ctr">
+            <a:noAutofit/>
+          </a:bodyPr>
+          <a:lstStyle/>
+          <a:p>
+            <a:pPr algn="ctr">
+              <a:lnSpc>
+                <a:spcPct val="130000"/>
+              </a:lnSpc>
+            </a:pPr>
+            <a:r>
+              <a:rPr lang="zh-CN" altLang="en-US" sz="1500" b="1" spc="200" dirty="0">
+                <a:solidFill>
+                  <a:schemeClr val="bg1"/>
+                </a:solidFill>
+                <a:ea typeface="微软雅黑" panose="020B0503020204020204" charset="-122"/>
+                <a:cs typeface="+mj-cs"/>
+                <a:sym typeface="Arial" panose="020B0604020202020204" pitchFamily="34" charset="0"/>
+              </a:rPr>
+              <a:t>自定义参数设定</a:t>
+            </a:r>
+            <a:endParaRPr lang="zh-CN" altLang="en-US" sz="1500" b="1" spc="200" dirty="0">
+              <a:solidFill>
+                <a:schemeClr val="bg1"/>
+              </a:solidFill>
+              <a:latin typeface="Arial" panose="020B0604020202020204" pitchFamily="34" charset="0"/>
+              <a:ea typeface="微软雅黑" panose="020B0503020204020204" charset="-122"/>
+              <a:cs typeface="+mj-cs"/>
+              <a:sym typeface="Arial" panose="020B0604020202020204" pitchFamily="34" charset="0"/>
+            </a:endParaRPr>
+          </a:p>
+        </p:txBody>
+      </p:sp>
       <p:cxnSp>
         <p:nvCxnSpPr>
-          <p:cNvPr id="24" name="直接连接符 23"/>
-          <p:cNvCxnSpPr/>
+          <p:cNvPr id="38" name="直接连接符 37">
+            <a:extLst>
+              <a:ext uri="{FF2B5EF4-FFF2-40B4-BE49-F238E27FC236}">
+                <a16:creationId xmlns:a16="http://schemas.microsoft.com/office/drawing/2014/main" id="{F4CC38C0-3CDE-404B-B737-7645BB63FFF6}"/>
+              </a:ext>
+            </a:extLst>
+          </p:cNvPr>
+          <p:cNvCxnSpPr>
+            <a:cxnSpLocks/>
+          </p:cNvCxnSpPr>
           <p:nvPr>
             <p:custDataLst>
-              <p:tags r:id="rId24"/>
+              <p:tags r:id="rId22"/>
             </p:custDataLst>
           </p:nvPr>
         </p:nvCxnSpPr>
         <p:spPr>
           <a:xfrm>
-            <a:off x="3110147" y="4793899"/>
+            <a:off x="3110145" y="5330986"/>
             <a:ext cx="5217794" cy="0"/>
           </a:xfrm>
           <a:prstGeom prst="line">
@@ -32566,211 +32295,6 @@
           </a:fontRef>
         </p:style>
       </p:cxnSp>
-      <p:sp>
-        <p:nvSpPr>
-          <p:cNvPr id="25" name="文本框 24"/>
-          <p:cNvSpPr txBox="1"/>
-          <p:nvPr>
-            <p:custDataLst>
-              <p:tags r:id="rId25"/>
-            </p:custDataLst>
-          </p:nvPr>
-        </p:nvSpPr>
-        <p:spPr>
-          <a:xfrm>
-            <a:off x="3385954" y="4878069"/>
-            <a:ext cx="4679936" cy="486147"/>
-          </a:xfrm>
-          <a:prstGeom prst="rect">
-            <a:avLst/>
-          </a:prstGeom>
-          <a:noFill/>
-        </p:spPr>
-        <p:txBody>
-          <a:bodyPr wrap="square" lIns="68580" tIns="34290" rIns="68580" bIns="34290" rtlCol="0" anchor="ctr">
-            <a:normAutofit/>
-          </a:bodyPr>
-          <a:lstStyle/>
-          <a:p>
-            <a:pPr>
-              <a:lnSpc>
-                <a:spcPct val="130000"/>
-              </a:lnSpc>
-            </a:pPr>
-            <a:r>
-              <a:rPr lang="zh-CN" altLang="en-US" sz="1200" spc="150" dirty="0">
-                <a:solidFill>
-                  <a:schemeClr val="dk1">
-                    <a:lumMod val="85000"/>
-                    <a:lumOff val="15000"/>
-                  </a:schemeClr>
-                </a:solidFill>
-                <a:latin typeface="Arial" panose="020B0604020202020204" pitchFamily="34" charset="0"/>
-                <a:ea typeface="微软雅黑" panose="020B0503020204020204" charset="-122"/>
-                <a:sym typeface="Arial" panose="020B0604020202020204" pitchFamily="34" charset="0"/>
-              </a:rPr>
-              <a:t>建立前端，实现模型与人良好的交互性</a:t>
-            </a:r>
-          </a:p>
-        </p:txBody>
-      </p:sp>
-      <p:sp>
-        <p:nvSpPr>
-          <p:cNvPr id="2" name="矩形 1"/>
-          <p:cNvSpPr/>
-          <p:nvPr>
-            <p:custDataLst>
-              <p:tags r:id="rId26"/>
-            </p:custDataLst>
-          </p:nvPr>
-        </p:nvSpPr>
-        <p:spPr>
-          <a:xfrm>
-            <a:off x="1946021" y="5609946"/>
-            <a:ext cx="1164124" cy="336003"/>
-          </a:xfrm>
-          <a:prstGeom prst="rect">
-            <a:avLst/>
-          </a:prstGeom>
-          <a:solidFill>
-            <a:schemeClr val="accent1"/>
-          </a:solidFill>
-          <a:ln>
-            <a:noFill/>
-          </a:ln>
-        </p:spPr>
-        <p:style>
-          <a:lnRef idx="2">
-            <a:schemeClr val="accent1">
-              <a:shade val="50000"/>
-            </a:schemeClr>
-          </a:lnRef>
-          <a:fillRef idx="1">
-            <a:schemeClr val="accent1"/>
-          </a:fillRef>
-          <a:effectRef idx="0">
-            <a:schemeClr val="accent1"/>
-          </a:effectRef>
-          <a:fontRef idx="minor">
-            <a:schemeClr val="lt1"/>
-          </a:fontRef>
-        </p:style>
-        <p:txBody>
-          <a:bodyPr wrap="square" rtlCol="0" anchor="ctr">
-            <a:noAutofit/>
-          </a:bodyPr>
-          <a:lstStyle/>
-          <a:p>
-            <a:pPr algn="ctr">
-              <a:lnSpc>
-                <a:spcPct val="130000"/>
-              </a:lnSpc>
-            </a:pPr>
-            <a:r>
-              <a:rPr lang="zh-CN" altLang="en-US" sz="1500" b="1" spc="200" dirty="0">
-                <a:solidFill>
-                  <a:schemeClr val="bg1"/>
-                </a:solidFill>
-                <a:latin typeface="Arial" panose="020B0604020202020204" pitchFamily="34" charset="0"/>
-                <a:ea typeface="微软雅黑" panose="020B0503020204020204" charset="-122"/>
-                <a:cs typeface="+mj-cs"/>
-                <a:sym typeface="Arial" panose="020B0604020202020204" pitchFamily="34" charset="0"/>
-              </a:rPr>
-              <a:t>功能实现</a:t>
-            </a:r>
-          </a:p>
-        </p:txBody>
-      </p:sp>
-      <p:cxnSp>
-        <p:nvCxnSpPr>
-          <p:cNvPr id="28" name="直接连接符 27"/>
-          <p:cNvCxnSpPr/>
-          <p:nvPr>
-            <p:custDataLst>
-              <p:tags r:id="rId27"/>
-            </p:custDataLst>
-          </p:nvPr>
-        </p:nvCxnSpPr>
-        <p:spPr>
-          <a:xfrm>
-            <a:off x="3110145" y="5445224"/>
-            <a:ext cx="5217794" cy="0"/>
-          </a:xfrm>
-          <a:prstGeom prst="line">
-            <a:avLst/>
-          </a:prstGeom>
-          <a:ln w="12700">
-            <a:solidFill>
-              <a:schemeClr val="bg1">
-                <a:lumMod val="75000"/>
-              </a:schemeClr>
-            </a:solidFill>
-            <a:prstDash val="sysDash"/>
-          </a:ln>
-        </p:spPr>
-        <p:style>
-          <a:lnRef idx="1">
-            <a:schemeClr val="accent1"/>
-          </a:lnRef>
-          <a:fillRef idx="0">
-            <a:schemeClr val="accent1"/>
-          </a:fillRef>
-          <a:effectRef idx="0">
-            <a:schemeClr val="accent1"/>
-          </a:effectRef>
-          <a:fontRef idx="minor">
-            <a:schemeClr val="tx1"/>
-          </a:fontRef>
-        </p:style>
-      </p:cxnSp>
-      <p:sp>
-        <p:nvSpPr>
-          <p:cNvPr id="29" name="文本框 28"/>
-          <p:cNvSpPr txBox="1"/>
-          <p:nvPr>
-            <p:custDataLst>
-              <p:tags r:id="rId28"/>
-            </p:custDataLst>
-          </p:nvPr>
-        </p:nvSpPr>
-        <p:spPr>
-          <a:xfrm>
-            <a:off x="3385954" y="5525402"/>
-            <a:ext cx="4679936" cy="486147"/>
-          </a:xfrm>
-          <a:prstGeom prst="rect">
-            <a:avLst/>
-          </a:prstGeom>
-          <a:noFill/>
-        </p:spPr>
-        <p:txBody>
-          <a:bodyPr wrap="square" lIns="68580" tIns="34290" rIns="68580" bIns="34290" rtlCol="0" anchor="ctr">
-            <a:normAutofit/>
-          </a:bodyPr>
-          <a:lstStyle/>
-          <a:p>
-            <a:pPr>
-              <a:lnSpc>
-                <a:spcPct val="130000"/>
-              </a:lnSpc>
-            </a:pPr>
-            <a:r>
-              <a:rPr lang="zh-CN" altLang="en-US" sz="1200" spc="150" dirty="0">
-                <a:solidFill>
-                  <a:schemeClr val="dk1">
-                    <a:lumMod val="85000"/>
-                    <a:lumOff val="15000"/>
-                  </a:schemeClr>
-                </a:solidFill>
-                <a:latin typeface="Arial" panose="020B0604020202020204" pitchFamily="34" charset="0"/>
-                <a:ea typeface="微软雅黑" panose="020B0503020204020204" charset="-122"/>
-                <a:sym typeface="Arial" panose="020B0604020202020204" pitchFamily="34" charset="0"/>
-              </a:rPr>
-              <a:t>实现预期多种功能，方便用户在界面操作</a:t>
-            </a:r>
-          </a:p>
-        </p:txBody>
-      </p:sp>
     </p:spTree>
     <p:custDataLst>
       <p:tags r:id="rId1"/>
@@ -32923,8 +32447,84 @@
                 <a:ea typeface="微软雅黑" panose="020B0503020204020204" charset="-122"/>
                 <a:sym typeface="Arial" panose="020B0604020202020204" pitchFamily="34" charset="0"/>
               </a:rPr>
-              <a:t>数据收集</a:t>
-            </a:r>
+              <a:t>数据</a:t>
+            </a:r>
+            <a:r>
+              <a:rPr lang="zh-CN" altLang="en-US" sz="1500" b="1" dirty="0">
+                <a:solidFill>
+                  <a:schemeClr val="tx1">
+                    <a:lumMod val="85000"/>
+                    <a:lumOff val="15000"/>
+                  </a:schemeClr>
+                </a:solidFill>
+                <a:ea typeface="微软雅黑" panose="020B0503020204020204" charset="-122"/>
+                <a:sym typeface="Arial" panose="020B0604020202020204" pitchFamily="34" charset="0"/>
+              </a:rPr>
+              <a:t>处理</a:t>
+            </a:r>
+            <a:r>
+              <a:rPr lang="en-US" altLang="zh-CN" sz="1500" b="1" dirty="0">
+                <a:solidFill>
+                  <a:schemeClr val="tx1">
+                    <a:lumMod val="85000"/>
+                    <a:lumOff val="15000"/>
+                  </a:schemeClr>
+                </a:solidFill>
+                <a:ea typeface="微软雅黑" panose="020B0503020204020204" charset="-122"/>
+                <a:sym typeface="Arial" panose="020B0604020202020204" pitchFamily="34" charset="0"/>
+              </a:rPr>
+              <a:t>—</a:t>
+            </a:r>
+            <a:r>
+              <a:rPr lang="zh-CN" altLang="en-US" sz="1500" b="1" dirty="0">
+                <a:solidFill>
+                  <a:schemeClr val="tx1">
+                    <a:lumMod val="85000"/>
+                    <a:lumOff val="15000"/>
+                  </a:schemeClr>
+                </a:solidFill>
+                <a:ea typeface="微软雅黑" panose="020B0503020204020204" charset="-122"/>
+                <a:sym typeface="Arial" panose="020B0604020202020204" pitchFamily="34" charset="0"/>
+              </a:rPr>
+              <a:t>密度聚类筛除算法（</a:t>
+            </a:r>
+            <a:r>
+              <a:rPr lang="en-US" altLang="zh-CN" sz="1500" b="1" dirty="0">
+                <a:solidFill>
+                  <a:schemeClr val="tx1">
+                    <a:lumMod val="85000"/>
+                    <a:lumOff val="15000"/>
+                  </a:schemeClr>
+                </a:solidFill>
+                <a:ea typeface="微软雅黑" panose="020B0503020204020204" charset="-122"/>
+                <a:sym typeface="Arial" panose="020B0604020202020204" pitchFamily="34" charset="0"/>
+              </a:rPr>
+              <a:t>DBSCAN</a:t>
+            </a:r>
+            <a:r>
+              <a:rPr lang="zh-CN" altLang="en-US" sz="1500" b="1" dirty="0">
+                <a:solidFill>
+                  <a:schemeClr val="tx1">
+                    <a:lumMod val="85000"/>
+                    <a:lumOff val="15000"/>
+                  </a:schemeClr>
+                </a:solidFill>
+                <a:ea typeface="微软雅黑" panose="020B0503020204020204" charset="-122"/>
+                <a:sym typeface="Arial" panose="020B0604020202020204" pitchFamily="34" charset="0"/>
+              </a:rPr>
+              <a:t>）</a:t>
+            </a:r>
+            <a:endParaRPr lang="zh-CN" altLang="en-US" sz="1500" b="1" dirty="0">
+              <a:solidFill>
+                <a:schemeClr val="tx1">
+                  <a:lumMod val="85000"/>
+                  <a:lumOff val="15000"/>
+                </a:schemeClr>
+              </a:solidFill>
+              <a:latin typeface="Arial" panose="020B0604020202020204" pitchFamily="34" charset="0"/>
+              <a:ea typeface="微软雅黑" panose="020B0503020204020204" charset="-122"/>
+              <a:sym typeface="Arial" panose="020B0604020202020204" pitchFamily="34" charset="0"/>
+            </a:endParaRPr>
           </a:p>
         </p:txBody>
       </p:sp>
@@ -33040,7 +32640,7 @@
           </a:lstStyle>
           <a:p>
             <a:r>
-              <a:rPr sz="2700" dirty="0">
+              <a:rPr lang="zh-CN" altLang="en-US" sz="2700" dirty="0">
                 <a:solidFill>
                   <a:schemeClr val="dk1">
                     <a:lumMod val="85000"/>
@@ -33050,8 +32650,18 @@
                 <a:latin typeface="Arial" panose="020B0604020202020204" pitchFamily="34" charset="0"/>
                 <a:sym typeface="Arial" panose="020B0604020202020204" pitchFamily="34" charset="0"/>
               </a:rPr>
-              <a:t>技术路线</a:t>
-            </a:r>
+              <a:t>核心算法</a:t>
+            </a:r>
+            <a:endParaRPr sz="2700" dirty="0">
+              <a:solidFill>
+                <a:schemeClr val="dk1">
+                  <a:lumMod val="85000"/>
+                  <a:lumOff val="15000"/>
+                </a:schemeClr>
+              </a:solidFill>
+              <a:latin typeface="Arial" panose="020B0604020202020204" pitchFamily="34" charset="0"/>
+              <a:sym typeface="Arial" panose="020B0604020202020204" pitchFamily="34" charset="0"/>
+            </a:endParaRPr>
           </a:p>
         </p:txBody>
       </p:sp>
@@ -33119,9 +32729,96 @@
           </a:prstGeom>
         </p:spPr>
       </p:pic>
+      <p:sp>
+        <p:nvSpPr>
+          <p:cNvPr id="11" name="文本框 10"/>
+          <p:cNvSpPr txBox="1"/>
+          <p:nvPr/>
+        </p:nvSpPr>
+        <p:spPr>
+          <a:xfrm>
+            <a:off x="494270" y="2274882"/>
+            <a:ext cx="3962784" cy="1200329"/>
+          </a:xfrm>
+          <a:prstGeom prst="rect">
+            <a:avLst/>
+          </a:prstGeom>
+          <a:noFill/>
+        </p:spPr>
+        <p:txBody>
+          <a:bodyPr wrap="square" rtlCol="0">
+            <a:spAutoFit/>
+          </a:bodyPr>
+          <a:lstStyle/>
+          <a:p>
+            <a:pPr algn="just">
+              <a:lnSpc>
+                <a:spcPct val="150000"/>
+              </a:lnSpc>
+              <a:spcBef>
+                <a:spcPts val="0"/>
+              </a:spcBef>
+              <a:spcAft>
+                <a:spcPts val="0"/>
+              </a:spcAft>
+            </a:pPr>
+            <a:r>
+              <a:rPr lang="zh-CN" altLang="en-US" kern="100" dirty="0">
+                <a:latin typeface="+mn-ea"/>
+                <a:ea typeface="+mn-ea"/>
+                <a:cs typeface="Times New Roman" panose="02020603050405020304" pitchFamily="18" charset="0"/>
+              </a:rPr>
+              <a:t>    我们采用基于密度的聚类算法</a:t>
+            </a:r>
+            <a:r>
+              <a:rPr lang="en-US" altLang="zh-CN" kern="100" dirty="0">
+                <a:solidFill>
+                  <a:schemeClr val="accent1"/>
+                </a:solidFill>
+                <a:latin typeface="+mn-ea"/>
+                <a:ea typeface="+mn-ea"/>
+                <a:cs typeface="Times New Roman" panose="02020603050405020304" pitchFamily="18" charset="0"/>
+              </a:rPr>
+              <a:t>DBSCAN</a:t>
+            </a:r>
+            <a:r>
+              <a:rPr lang="zh-CN" altLang="en-US" kern="100" dirty="0">
+                <a:latin typeface="+mn-ea"/>
+                <a:ea typeface="+mn-ea"/>
+                <a:cs typeface="Times New Roman" panose="02020603050405020304" pitchFamily="18" charset="0"/>
+              </a:rPr>
+              <a:t>，高效筛除掉无效数据。</a:t>
+            </a:r>
+          </a:p>
+          <a:p>
+            <a:pPr algn="just">
+              <a:spcBef>
+                <a:spcPts val="0"/>
+              </a:spcBef>
+              <a:spcAft>
+                <a:spcPts val="0"/>
+              </a:spcAft>
+            </a:pPr>
+            <a:r>
+              <a:rPr lang="zh-CN" altLang="en-US" kern="100" dirty="0">
+                <a:latin typeface="+mn-ea"/>
+                <a:ea typeface="+mn-ea"/>
+                <a:cs typeface="Times New Roman" panose="02020603050405020304" pitchFamily="18" charset="0"/>
+              </a:rPr>
+              <a:t>    </a:t>
+            </a:r>
+          </a:p>
+        </p:txBody>
+      </p:sp>
       <p:pic>
         <p:nvPicPr>
-          <p:cNvPr id="8" name="图片 7"/>
+          <p:cNvPr id="2" name="图片 1" descr="dbscan">
+            <a:extLst>
+              <a:ext uri="{FF2B5EF4-FFF2-40B4-BE49-F238E27FC236}">
+                <a16:creationId xmlns:a16="http://schemas.microsoft.com/office/drawing/2014/main" id="{F50CF644-852A-843A-76A4-E5A8BC399E5D}"/>
+              </a:ext>
+            </a:extLst>
+          </p:cNvPr>
           <p:cNvPicPr>
             <a:picLocks noChangeAspect="1"/>
           </p:cNvPicPr>
@@ -33135,8 +32832,8 @@
         </p:blipFill>
         <p:spPr>
           <a:xfrm>
-            <a:off x="551096" y="2420888"/>
-            <a:ext cx="5596183" cy="2952328"/>
+            <a:off x="4701863" y="1136450"/>
+            <a:ext cx="3982554" cy="4585099"/>
           </a:xfrm>
           <a:prstGeom prst="rect">
             <a:avLst/>
@@ -33145,14 +32842,20 @@
       </p:pic>
       <p:sp>
         <p:nvSpPr>
-          <p:cNvPr id="11" name="文本框 10"/>
+          <p:cNvPr id="6" name="文本框 5">
+            <a:extLst>
+              <a:ext uri="{FF2B5EF4-FFF2-40B4-BE49-F238E27FC236}">
+                <a16:creationId xmlns:a16="http://schemas.microsoft.com/office/drawing/2014/main" id="{FF2B4CBF-1BF7-4F39-B5A4-52E54C8ABC92}"/>
+              </a:ext>
+            </a:extLst>
+          </p:cNvPr>
           <p:cNvSpPr txBox="1"/>
           <p:nvPr/>
         </p:nvSpPr>
         <p:spPr>
           <a:xfrm>
-            <a:off x="6348461" y="2780928"/>
-            <a:ext cx="2561722" cy="1754326"/>
+            <a:off x="495908" y="3284984"/>
+            <a:ext cx="3953450" cy="2308324"/>
           </a:xfrm>
           <a:prstGeom prst="rect">
             <a:avLst/>
@@ -33166,39 +32869,78 @@
           <a:lstStyle/>
           <a:p>
             <a:r>
-              <a:rPr lang="zh-CN" altLang="en-US" dirty="0"/>
-              <a:t>在风电场实时监控的</a:t>
-            </a:r>
-            <a:r>
-              <a:rPr lang="en-US" altLang="zh-CN" dirty="0"/>
-              <a:t>SCADA</a:t>
-            </a:r>
-            <a:r>
-              <a:rPr lang="zh-CN" altLang="en-US" dirty="0"/>
-              <a:t>系统中：</a:t>
-            </a:r>
-            <a:endParaRPr lang="en-US" altLang="zh-CN" dirty="0"/>
-          </a:p>
-          <a:p>
-            <a:r>
-              <a:rPr lang="zh-CN" altLang="en-US" dirty="0"/>
-              <a:t>收集有功功率，风速，风向角，桨距角等多种参数。</a:t>
-            </a:r>
-            <a:endParaRPr lang="en-US" altLang="zh-CN" dirty="0"/>
-          </a:p>
-          <a:p>
-            <a:r>
-              <a:rPr lang="zh-CN" altLang="en-US" dirty="0"/>
-              <a:t>得到数据点共</a:t>
-            </a:r>
-            <a:r>
-              <a:rPr lang="en-US" altLang="zh-CN" dirty="0"/>
-              <a:t>104</a:t>
-            </a:r>
-            <a:r>
-              <a:rPr lang="zh-CN" altLang="en-US" dirty="0"/>
-              <a:t>万个</a:t>
-            </a:r>
+              <a:rPr lang="zh-CN" altLang="en-US" kern="100" dirty="0">
+                <a:latin typeface="+mn-ea"/>
+                <a:ea typeface="+mn-ea"/>
+                <a:cs typeface="Times New Roman" panose="02020603050405020304" pitchFamily="18" charset="0"/>
+              </a:rPr>
+              <a:t>    </a:t>
+            </a:r>
+            <a:r>
+              <a:rPr lang="en-US" altLang="zh-CN" kern="100" dirty="0">
+                <a:latin typeface="+mn-ea"/>
+                <a:ea typeface="+mn-ea"/>
+                <a:cs typeface="Times New Roman" panose="02020603050405020304" pitchFamily="18" charset="0"/>
+              </a:rPr>
+              <a:t>scikit-learn</a:t>
+            </a:r>
+            <a:r>
+              <a:rPr lang="zh-CN" altLang="en-US" kern="100" dirty="0">
+                <a:latin typeface="+mn-ea"/>
+                <a:ea typeface="+mn-ea"/>
+                <a:cs typeface="Times New Roman" panose="02020603050405020304" pitchFamily="18" charset="0"/>
+              </a:rPr>
+              <a:t>库中提供的</a:t>
+            </a:r>
+            <a:r>
+              <a:rPr lang="en-US" altLang="zh-CN" kern="100" dirty="0">
+                <a:latin typeface="+mn-ea"/>
+                <a:ea typeface="+mn-ea"/>
+                <a:cs typeface="Times New Roman" panose="02020603050405020304" pitchFamily="18" charset="0"/>
+              </a:rPr>
+              <a:t>DBSCAN</a:t>
+            </a:r>
+            <a:r>
+              <a:rPr lang="zh-CN" altLang="en-US" kern="100" dirty="0">
+                <a:latin typeface="+mn-ea"/>
+                <a:ea typeface="+mn-ea"/>
+                <a:cs typeface="Times New Roman" panose="02020603050405020304" pitchFamily="18" charset="0"/>
+              </a:rPr>
+              <a:t>算法较为落后，其距离矩阵的占用内存极大且有效数据量小，我们采取手动计算其距离，并仅保留有效数据的方法，以点为单位存储相对关系，大大缩小了内存占用。</a:t>
+            </a:r>
+            <a:r>
+              <a:rPr lang="en-US" altLang="zh-CN" kern="100" dirty="0">
+                <a:latin typeface="+mn-ea"/>
+                <a:ea typeface="+mn-ea"/>
+                <a:cs typeface="Times New Roman" panose="02020603050405020304" pitchFamily="18" charset="0"/>
+              </a:rPr>
+              <a:t>visit</a:t>
+            </a:r>
+            <a:r>
+              <a:rPr lang="zh-CN" altLang="en-US" kern="100" dirty="0">
+                <a:latin typeface="+mn-ea"/>
+                <a:ea typeface="+mn-ea"/>
+                <a:cs typeface="Times New Roman" panose="02020603050405020304" pitchFamily="18" charset="0"/>
+              </a:rPr>
+              <a:t>与</a:t>
+            </a:r>
+            <a:r>
+              <a:rPr lang="en-US" altLang="zh-CN" kern="100" dirty="0" err="1">
+                <a:latin typeface="+mn-ea"/>
+                <a:ea typeface="+mn-ea"/>
+                <a:cs typeface="Times New Roman" panose="02020603050405020304" pitchFamily="18" charset="0"/>
+              </a:rPr>
+              <a:t>unvisit</a:t>
+            </a:r>
+            <a:r>
+              <a:rPr lang="zh-CN" altLang="en-US" kern="100" dirty="0">
+                <a:latin typeface="+mn-ea"/>
+                <a:ea typeface="+mn-ea"/>
+                <a:cs typeface="Times New Roman" panose="02020603050405020304" pitchFamily="18" charset="0"/>
+              </a:rPr>
+              <a:t>列表保证了单点进搜索一次，大大缩减了聚类时间。</a:t>
+            </a:r>
+            <a:endParaRPr lang="zh-CN" altLang="en-US" dirty="0"/>
           </a:p>
         </p:txBody>
       </p:sp>
@@ -37382,19 +37124,157 @@
 
 <file path=ppt/tags/tag330.xml><?xml version="1.0" encoding="utf-8"?>
 <p:tagLst xmlns:a="http://schemas.openxmlformats.org/drawingml/2006/main" xmlns:r="http://schemas.openxmlformats.org/officeDocument/2006/relationships" xmlns:p="http://schemas.openxmlformats.org/presentationml/2006/main">
+  <p:tag name="KSO_WM_UNIT_NOCLEAR" val="0"/>
+  <p:tag name="KSO_WM_UNIT_HIGHLIGHT" val="0"/>
+  <p:tag name="KSO_WM_UNIT_COMPATIBLE" val="0"/>
+  <p:tag name="KSO_WM_UNIT_DIAGRAM_ISNUMVISUAL" val="0"/>
+  <p:tag name="KSO_WM_UNIT_DIAGRAM_ISREFERUNIT" val="0"/>
+  <p:tag name="KSO_WM_DIAGRAM_GROUP_CODE" val="l1-4"/>
+  <p:tag name="KSO_WM_UNIT_TYPE" val="l_h_f"/>
+  <p:tag name="KSO_WM_UNIT_INDEX" val="1_1_1"/>
+  <p:tag name="KSO_WM_UNIT_LAYERLEVEL" val="1_1_1"/>
+  <p:tag name="KSO_WM_TAG_VERSION" val="1.0"/>
+  <p:tag name="KSO_WM_BEAUTIFY_FLAG" val="#wm#"/>
+  <p:tag name="KSO_WM_UNIT_PRESET_TEXT" val="单击此处输入你的正文，文字是您思想的提炼。"/>
+  <p:tag name="KSO_WM_TEMPLATE_CATEGORY" val="custom"/>
+  <p:tag name="KSO_WM_TEMPLATE_INDEX" val="20204339"/>
+  <p:tag name="KSO_WM_UNIT_ID" val="custom20204339_32*l_h_f*1_1_1"/>
+  <p:tag name="KSO_WM_UNIT_SUBTYPE" val="a"/>
+  <p:tag name="KSO_WM_UNIT_TEXT_FILL_FORE_SCHEMECOLOR_INDEX" val="1"/>
+  <p:tag name="KSO_WM_UNIT_TEXT_FILL_TYPE" val="1"/>
+  <p:tag name="KSO_WM_UNIT_USESOURCEFORMAT_APPLY" val="1"/>
+</p:tagLst>
+</file>
+
+<file path=ppt/tags/tag331.xml><?xml version="1.0" encoding="utf-8"?>
+<p:tagLst xmlns:a="http://schemas.openxmlformats.org/drawingml/2006/main" xmlns:r="http://schemas.openxmlformats.org/officeDocument/2006/relationships" xmlns:p="http://schemas.openxmlformats.org/presentationml/2006/main">
+  <p:tag name="KSO_WM_UNIT_NOCLEAR" val="0"/>
+  <p:tag name="KSO_WM_UNIT_HIGHLIGHT" val="0"/>
+  <p:tag name="KSO_WM_UNIT_COMPATIBLE" val="0"/>
+  <p:tag name="KSO_WM_UNIT_DIAGRAM_ISNUMVISUAL" val="0"/>
+  <p:tag name="KSO_WM_UNIT_DIAGRAM_ISREFERUNIT" val="0"/>
+  <p:tag name="KSO_WM_DIAGRAM_GROUP_CODE" val="l1-4"/>
+  <p:tag name="KSO_WM_UNIT_TYPE" val="l_h_f"/>
+  <p:tag name="KSO_WM_UNIT_INDEX" val="1_2_1"/>
+  <p:tag name="KSO_WM_UNIT_LAYERLEVEL" val="1_1_1"/>
+  <p:tag name="KSO_WM_TAG_VERSION" val="1.0"/>
+  <p:tag name="KSO_WM_BEAUTIFY_FLAG" val="#wm#"/>
+  <p:tag name="KSO_WM_UNIT_PRESET_TEXT" val="单击此处输入你的正文，文字是您思想的提炼。"/>
+  <p:tag name="KSO_WM_TEMPLATE_CATEGORY" val="custom"/>
+  <p:tag name="KSO_WM_TEMPLATE_INDEX" val="20204339"/>
+  <p:tag name="KSO_WM_UNIT_ID" val="custom20204339_32*l_h_f*1_2_1"/>
+  <p:tag name="KSO_WM_UNIT_SUBTYPE" val="a"/>
+  <p:tag name="KSO_WM_UNIT_TEXT_FILL_FORE_SCHEMECOLOR_INDEX" val="1"/>
+  <p:tag name="KSO_WM_UNIT_TEXT_FILL_TYPE" val="1"/>
+  <p:tag name="KSO_WM_UNIT_USESOURCEFORMAT_APPLY" val="1"/>
+</p:tagLst>
+</file>
+
+<file path=ppt/tags/tag332.xml><?xml version="1.0" encoding="utf-8"?>
+<p:tagLst xmlns:a="http://schemas.openxmlformats.org/drawingml/2006/main" xmlns:r="http://schemas.openxmlformats.org/officeDocument/2006/relationships" xmlns:p="http://schemas.openxmlformats.org/presentationml/2006/main">
+  <p:tag name="KSO_WM_UNIT_NOCLEAR" val="0"/>
+  <p:tag name="KSO_WM_UNIT_HIGHLIGHT" val="0"/>
+  <p:tag name="KSO_WM_UNIT_COMPATIBLE" val="0"/>
+  <p:tag name="KSO_WM_UNIT_DIAGRAM_ISNUMVISUAL" val="0"/>
+  <p:tag name="KSO_WM_UNIT_DIAGRAM_ISREFERUNIT" val="0"/>
+  <p:tag name="KSO_WM_DIAGRAM_GROUP_CODE" val="l1-4"/>
+  <p:tag name="KSO_WM_UNIT_TYPE" val="l_h_f"/>
+  <p:tag name="KSO_WM_UNIT_INDEX" val="1_3_1"/>
+  <p:tag name="KSO_WM_UNIT_LAYERLEVEL" val="1_1_1"/>
+  <p:tag name="KSO_WM_TAG_VERSION" val="1.0"/>
+  <p:tag name="KSO_WM_BEAUTIFY_FLAG" val="#wm#"/>
+  <p:tag name="KSO_WM_UNIT_PRESET_TEXT" val="单击此处输入你的正文，文字是您思想的提炼。"/>
+  <p:tag name="KSO_WM_TEMPLATE_CATEGORY" val="custom"/>
+  <p:tag name="KSO_WM_TEMPLATE_INDEX" val="20204339"/>
+  <p:tag name="KSO_WM_UNIT_ID" val="custom20204339_32*l_h_f*1_3_1"/>
+  <p:tag name="KSO_WM_UNIT_SUBTYPE" val="a"/>
+  <p:tag name="KSO_WM_UNIT_TEXT_FILL_FORE_SCHEMECOLOR_INDEX" val="1"/>
+  <p:tag name="KSO_WM_UNIT_TEXT_FILL_TYPE" val="1"/>
+  <p:tag name="KSO_WM_UNIT_USESOURCEFORMAT_APPLY" val="1"/>
+</p:tagLst>
+</file>
+
+<file path=ppt/tags/tag333.xml><?xml version="1.0" encoding="utf-8"?>
+<p:tagLst xmlns:a="http://schemas.openxmlformats.org/drawingml/2006/main" xmlns:r="http://schemas.openxmlformats.org/officeDocument/2006/relationships" xmlns:p="http://schemas.openxmlformats.org/presentationml/2006/main">
+  <p:tag name="KSO_WM_UNIT_HIGHLIGHT" val="0"/>
+  <p:tag name="KSO_WM_UNIT_COMPATIBLE" val="0"/>
+  <p:tag name="KSO_WM_UNIT_DIAGRAM_ISNUMVISUAL" val="0"/>
+  <p:tag name="KSO_WM_UNIT_DIAGRAM_ISREFERUNIT" val="0"/>
+  <p:tag name="KSO_WM_DIAGRAM_GROUP_CODE" val="l1-4"/>
+  <p:tag name="KSO_WM_UNIT_TYPE" val="l_i"/>
+  <p:tag name="KSO_WM_UNIT_INDEX" val="1_2"/>
+  <p:tag name="KSO_WM_UNIT_LAYERLEVEL" val="1_1"/>
+  <p:tag name="KSO_WM_TAG_VERSION" val="1.0"/>
+  <p:tag name="KSO_WM_BEAUTIFY_FLAG" val="#wm#"/>
+  <p:tag name="KSO_WM_TEMPLATE_CATEGORY" val="custom"/>
+  <p:tag name="KSO_WM_TEMPLATE_INDEX" val="20204339"/>
+  <p:tag name="KSO_WM_UNIT_ID" val="custom20204339_32*l_i*1_2"/>
+  <p:tag name="KSO_WM_UNIT_LINE_FORE_SCHEMECOLOR_INDEX" val="14"/>
+  <p:tag name="KSO_WM_UNIT_LINE_FILL_TYPE" val="2"/>
+  <p:tag name="KSO_WM_UNIT_USESOURCEFORMAT_APPLY" val="1"/>
+</p:tagLst>
+</file>
+
+<file path=ppt/tags/tag334.xml><?xml version="1.0" encoding="utf-8"?>
+<p:tagLst xmlns:a="http://schemas.openxmlformats.org/drawingml/2006/main" xmlns:r="http://schemas.openxmlformats.org/officeDocument/2006/relationships" xmlns:p="http://schemas.openxmlformats.org/presentationml/2006/main">
+  <p:tag name="KSO_WM_UNIT_HIGHLIGHT" val="0"/>
+  <p:tag name="KSO_WM_UNIT_COMPATIBLE" val="0"/>
+  <p:tag name="KSO_WM_UNIT_DIAGRAM_ISNUMVISUAL" val="0"/>
+  <p:tag name="KSO_WM_UNIT_DIAGRAM_ISREFERUNIT" val="0"/>
+  <p:tag name="KSO_WM_DIAGRAM_GROUP_CODE" val="l1-4"/>
+  <p:tag name="KSO_WM_UNIT_TYPE" val="l_i"/>
+  <p:tag name="KSO_WM_UNIT_INDEX" val="1_3"/>
+  <p:tag name="KSO_WM_UNIT_LAYERLEVEL" val="1_1"/>
+  <p:tag name="KSO_WM_TAG_VERSION" val="1.0"/>
+  <p:tag name="KSO_WM_BEAUTIFY_FLAG" val="#wm#"/>
+  <p:tag name="KSO_WM_TEMPLATE_CATEGORY" val="custom"/>
+  <p:tag name="KSO_WM_TEMPLATE_INDEX" val="20204339"/>
+  <p:tag name="KSO_WM_UNIT_ID" val="custom20204339_32*l_i*1_3"/>
+  <p:tag name="KSO_WM_UNIT_LINE_FORE_SCHEMECOLOR_INDEX" val="14"/>
+  <p:tag name="KSO_WM_UNIT_LINE_FILL_TYPE" val="2"/>
+  <p:tag name="KSO_WM_UNIT_USESOURCEFORMAT_APPLY" val="1"/>
+</p:tagLst>
+</file>
+
+<file path=ppt/tags/tag335.xml><?xml version="1.0" encoding="utf-8"?>
+<p:tagLst xmlns:a="http://schemas.openxmlformats.org/drawingml/2006/main" xmlns:r="http://schemas.openxmlformats.org/officeDocument/2006/relationships" xmlns:p="http://schemas.openxmlformats.org/presentationml/2006/main">
+  <p:tag name="KSO_WM_UNIT_NOCLEAR" val="0"/>
+  <p:tag name="KSO_WM_UNIT_HIGHLIGHT" val="0"/>
+  <p:tag name="KSO_WM_UNIT_COMPATIBLE" val="0"/>
+  <p:tag name="KSO_WM_UNIT_DIAGRAM_ISNUMVISUAL" val="0"/>
+  <p:tag name="KSO_WM_UNIT_DIAGRAM_ISREFERUNIT" val="0"/>
+  <p:tag name="KSO_WM_DIAGRAM_GROUP_CODE" val="l1-4"/>
+  <p:tag name="KSO_WM_UNIT_TYPE" val="l_h_f"/>
+  <p:tag name="KSO_WM_UNIT_INDEX" val="1_4_1"/>
+  <p:tag name="KSO_WM_UNIT_LAYERLEVEL" val="1_1_1"/>
+  <p:tag name="KSO_WM_TAG_VERSION" val="1.0"/>
+  <p:tag name="KSO_WM_BEAUTIFY_FLAG" val="#wm#"/>
+  <p:tag name="KSO_WM_UNIT_PRESET_TEXT" val="单击此处输入你的正文，文字是您思想的提炼。"/>
+  <p:tag name="KSO_WM_TEMPLATE_CATEGORY" val="custom"/>
+  <p:tag name="KSO_WM_TEMPLATE_INDEX" val="20204339"/>
+  <p:tag name="KSO_WM_UNIT_ID" val="custom20204339_32*l_h_f*1_4_1"/>
+  <p:tag name="KSO_WM_UNIT_SUBTYPE" val="a"/>
+  <p:tag name="KSO_WM_UNIT_TEXT_FILL_FORE_SCHEMECOLOR_INDEX" val="1"/>
+  <p:tag name="KSO_WM_UNIT_TEXT_FILL_TYPE" val="1"/>
+  <p:tag name="KSO_WM_UNIT_USESOURCEFORMAT_APPLY" val="1"/>
+</p:tagLst>
+</file>
+
+<file path=ppt/tags/tag336.xml><?xml version="1.0" encoding="utf-8"?>
+<p:tagLst xmlns:a="http://schemas.openxmlformats.org/drawingml/2006/main" xmlns:r="http://schemas.openxmlformats.org/officeDocument/2006/relationships" xmlns:p="http://schemas.openxmlformats.org/presentationml/2006/main">
   <p:tag name="KSO_WM_UNIT_HIGHLIGHT" val="0"/>
   <p:tag name="KSO_WM_UNIT_COMPATIBLE" val="0"/>
   <p:tag name="KSO_WM_UNIT_DIAGRAM_ISNUMVISUAL" val="0"/>
   <p:tag name="KSO_WM_UNIT_DIAGRAM_ISREFERUNIT" val="0"/>
   <p:tag name="KSO_WM_DIAGRAM_GROUP_CODE" val="l1-4"/>
   <p:tag name="KSO_WM_UNIT_TYPE" val="l_h_i"/>
-  <p:tag name="KSO_WM_UNIT_INDEX" val="1_2_1"/>
+  <p:tag name="KSO_WM_UNIT_INDEX" val="1_1_1"/>
   <p:tag name="KSO_WM_UNIT_LAYERLEVEL" val="1_1_1"/>
   <p:tag name="KSO_WM_TAG_VERSION" val="1.0"/>
   <p:tag name="KSO_WM_BEAUTIFY_FLAG" val="#wm#"/>
   <p:tag name="KSO_WM_TEMPLATE_CATEGORY" val="custom"/>
   <p:tag name="KSO_WM_TEMPLATE_INDEX" val="20204339"/>
-  <p:tag name="KSO_WM_UNIT_ID" val="custom20204339_32*l_h_i*1_2_1"/>
+  <p:tag name="KSO_WM_UNIT_ID" val="custom20204339_32*l_h_i*1_1_1"/>
   <p:tag name="KSO_WM_UNIT_FILL_FORE_SCHEMECOLOR_INDEX" val="5"/>
   <p:tag name="KSO_WM_UNIT_FILL_TYPE" val="1"/>
   <p:tag name="KSO_WM_UNIT_TEXT_FILL_FORE_SCHEMECOLOR_INDEX" val="14"/>
@@ -37403,7 +37283,112 @@
 </p:tagLst>
 </file>
 
-<file path=ppt/tags/tag331.xml><?xml version="1.0" encoding="utf-8"?>
+<file path=ppt/tags/tag337.xml><?xml version="1.0" encoding="utf-8"?>
+<p:tagLst xmlns:a="http://schemas.openxmlformats.org/drawingml/2006/main" xmlns:r="http://schemas.openxmlformats.org/officeDocument/2006/relationships" xmlns:p="http://schemas.openxmlformats.org/presentationml/2006/main">
+  <p:tag name="KSO_WM_UNIT_HIGHLIGHT" val="0"/>
+  <p:tag name="KSO_WM_UNIT_COMPATIBLE" val="0"/>
+  <p:tag name="KSO_WM_UNIT_DIAGRAM_ISNUMVISUAL" val="0"/>
+  <p:tag name="KSO_WM_UNIT_DIAGRAM_ISREFERUNIT" val="0"/>
+  <p:tag name="KSO_WM_DIAGRAM_GROUP_CODE" val="l1-4"/>
+  <p:tag name="KSO_WM_UNIT_TYPE" val="l_i"/>
+  <p:tag name="KSO_WM_UNIT_INDEX" val="1_4"/>
+  <p:tag name="KSO_WM_UNIT_LAYERLEVEL" val="1_1"/>
+  <p:tag name="KSO_WM_TAG_VERSION" val="1.0"/>
+  <p:tag name="KSO_WM_BEAUTIFY_FLAG" val="#wm#"/>
+  <p:tag name="KSO_WM_TEMPLATE_CATEGORY" val="custom"/>
+  <p:tag name="KSO_WM_TEMPLATE_INDEX" val="20204339"/>
+  <p:tag name="KSO_WM_UNIT_ID" val="custom20204339_32*l_i*1_4"/>
+  <p:tag name="KSO_WM_UNIT_FILL_FORE_SCHEMECOLOR_INDEX" val="14"/>
+  <p:tag name="KSO_WM_UNIT_FILL_TYPE" val="1"/>
+  <p:tag name="KSO_WM_UNIT_LINE_FORE_SCHEMECOLOR_INDEX" val="5"/>
+  <p:tag name="KSO_WM_UNIT_LINE_FILL_TYPE" val="2"/>
+  <p:tag name="KSO_WM_UNIT_TEXT_FILL_FORE_SCHEMECOLOR_INDEX" val="14"/>
+  <p:tag name="KSO_WM_UNIT_TEXT_FILL_TYPE" val="1"/>
+  <p:tag name="KSO_WM_UNIT_USESOURCEFORMAT_APPLY" val="1"/>
+</p:tagLst>
+</file>
+
+<file path=ppt/tags/tag338.xml><?xml version="1.0" encoding="utf-8"?>
+<p:tagLst xmlns:a="http://schemas.openxmlformats.org/drawingml/2006/main" xmlns:r="http://schemas.openxmlformats.org/officeDocument/2006/relationships" xmlns:p="http://schemas.openxmlformats.org/presentationml/2006/main">
+  <p:tag name="KSO_WM_UNIT_HIGHLIGHT" val="0"/>
+  <p:tag name="KSO_WM_UNIT_COMPATIBLE" val="0"/>
+  <p:tag name="KSO_WM_UNIT_DIAGRAM_ISNUMVISUAL" val="0"/>
+  <p:tag name="KSO_WM_UNIT_DIAGRAM_ISREFERUNIT" val="0"/>
+  <p:tag name="KSO_WM_DIAGRAM_GROUP_CODE" val="l1-4"/>
+  <p:tag name="KSO_WM_UNIT_TYPE" val="l_i"/>
+  <p:tag name="KSO_WM_UNIT_INDEX" val="1_5"/>
+  <p:tag name="KSO_WM_UNIT_LAYERLEVEL" val="1_1"/>
+  <p:tag name="KSO_WM_TAG_VERSION" val="1.0"/>
+  <p:tag name="KSO_WM_BEAUTIFY_FLAG" val="#wm#"/>
+  <p:tag name="KSO_WM_TEMPLATE_CATEGORY" val="custom"/>
+  <p:tag name="KSO_WM_TEMPLATE_INDEX" val="20204339"/>
+  <p:tag name="KSO_WM_UNIT_ID" val="custom20204339_32*l_i*1_5"/>
+  <p:tag name="KSO_WM_UNIT_LINE_FORE_SCHEMECOLOR_INDEX" val="14"/>
+  <p:tag name="KSO_WM_UNIT_LINE_FILL_TYPE" val="2"/>
+  <p:tag name="KSO_WM_UNIT_USESOURCEFORMAT_APPLY" val="1"/>
+</p:tagLst>
+</file>
+
+<file path=ppt/tags/tag339.xml><?xml version="1.0" encoding="utf-8"?>
+<p:tagLst xmlns:a="http://schemas.openxmlformats.org/drawingml/2006/main" xmlns:r="http://schemas.openxmlformats.org/officeDocument/2006/relationships" xmlns:p="http://schemas.openxmlformats.org/presentationml/2006/main">
+  <p:tag name="KSO_WM_UNIT_HIGHLIGHT" val="0"/>
+  <p:tag name="KSO_WM_UNIT_COMPATIBLE" val="0"/>
+  <p:tag name="KSO_WM_UNIT_DIAGRAM_ISNUMVISUAL" val="0"/>
+  <p:tag name="KSO_WM_UNIT_DIAGRAM_ISREFERUNIT" val="0"/>
+  <p:tag name="KSO_WM_DIAGRAM_GROUP_CODE" val="l1-4"/>
+  <p:tag name="KSO_WM_UNIT_TYPE" val="l_h_i"/>
+  <p:tag name="KSO_WM_UNIT_INDEX" val="1_1_1"/>
+  <p:tag name="KSO_WM_UNIT_LAYERLEVEL" val="1_1_1"/>
+  <p:tag name="KSO_WM_TAG_VERSION" val="1.0"/>
+  <p:tag name="KSO_WM_BEAUTIFY_FLAG" val="#wm#"/>
+  <p:tag name="KSO_WM_TEMPLATE_CATEGORY" val="custom"/>
+  <p:tag name="KSO_WM_TEMPLATE_INDEX" val="20204339"/>
+  <p:tag name="KSO_WM_UNIT_ID" val="custom20204339_32*l_h_i*1_1_1"/>
+  <p:tag name="KSO_WM_UNIT_FILL_FORE_SCHEMECOLOR_INDEX" val="5"/>
+  <p:tag name="KSO_WM_UNIT_FILL_TYPE" val="1"/>
+  <p:tag name="KSO_WM_UNIT_TEXT_FILL_FORE_SCHEMECOLOR_INDEX" val="14"/>
+  <p:tag name="KSO_WM_UNIT_TEXT_FILL_TYPE" val="1"/>
+  <p:tag name="KSO_WM_UNIT_USESOURCEFORMAT_APPLY" val="1"/>
+</p:tagLst>
+</file>
+
+<file path=ppt/tags/tag34.xml><?xml version="1.0" encoding="utf-8"?>
+<p:tagLst xmlns:a="http://schemas.openxmlformats.org/drawingml/2006/main" xmlns:r="http://schemas.openxmlformats.org/officeDocument/2006/relationships" xmlns:p="http://schemas.openxmlformats.org/presentationml/2006/main">
+  <p:tag name="KSO_WM_UNIT_HIGHLIGHT" val="0"/>
+  <p:tag name="KSO_WM_UNIT_COMPATIBLE" val="0"/>
+  <p:tag name="KSO_WM_UNIT_DIAGRAM_ISNUMVISUAL" val="0"/>
+  <p:tag name="KSO_WM_UNIT_DIAGRAM_ISREFERUNIT" val="0"/>
+  <p:tag name="KSO_WM_UNIT_ID" val="_5**"/>
+  <p:tag name="KSO_WM_UNIT_LAYERLEVEL" val="1"/>
+  <p:tag name="KSO_WM_TAG_VERSION" val="1.0"/>
+  <p:tag name="KSO_WM_BEAUTIFY_FLAG" val="#wm#"/>
+</p:tagLst>
+</file>
+
+<file path=ppt/tags/tag340.xml><?xml version="1.0" encoding="utf-8"?>
+<p:tagLst xmlns:a="http://schemas.openxmlformats.org/drawingml/2006/main" xmlns:r="http://schemas.openxmlformats.org/officeDocument/2006/relationships" xmlns:p="http://schemas.openxmlformats.org/presentationml/2006/main">
+  <p:tag name="KSO_WM_UNIT_HIGHLIGHT" val="0"/>
+  <p:tag name="KSO_WM_UNIT_COMPATIBLE" val="0"/>
+  <p:tag name="KSO_WM_UNIT_DIAGRAM_ISNUMVISUAL" val="0"/>
+  <p:tag name="KSO_WM_UNIT_DIAGRAM_ISREFERUNIT" val="0"/>
+  <p:tag name="KSO_WM_DIAGRAM_GROUP_CODE" val="l1-4"/>
+  <p:tag name="KSO_WM_UNIT_TYPE" val="l_h_i"/>
+  <p:tag name="KSO_WM_UNIT_INDEX" val="1_1_1"/>
+  <p:tag name="KSO_WM_UNIT_LAYERLEVEL" val="1_1_1"/>
+  <p:tag name="KSO_WM_TAG_VERSION" val="1.0"/>
+  <p:tag name="KSO_WM_BEAUTIFY_FLAG" val="#wm#"/>
+  <p:tag name="KSO_WM_TEMPLATE_CATEGORY" val="custom"/>
+  <p:tag name="KSO_WM_TEMPLATE_INDEX" val="20204339"/>
+  <p:tag name="KSO_WM_UNIT_ID" val="custom20204339_32*l_h_i*1_1_1"/>
+  <p:tag name="KSO_WM_UNIT_FILL_FORE_SCHEMECOLOR_INDEX" val="5"/>
+  <p:tag name="KSO_WM_UNIT_FILL_TYPE" val="1"/>
+  <p:tag name="KSO_WM_UNIT_TEXT_FILL_FORE_SCHEMECOLOR_INDEX" val="14"/>
+  <p:tag name="KSO_WM_UNIT_TEXT_FILL_TYPE" val="1"/>
+  <p:tag name="KSO_WM_UNIT_USESOURCEFORMAT_APPLY" val="1"/>
+</p:tagLst>
+</file>
+
+<file path=ppt/tags/tag341.xml><?xml version="1.0" encoding="utf-8"?>
 <p:tagLst xmlns:a="http://schemas.openxmlformats.org/drawingml/2006/main" xmlns:r="http://schemas.openxmlformats.org/officeDocument/2006/relationships" xmlns:p="http://schemas.openxmlformats.org/presentationml/2006/main">
   <p:tag name="KSO_WM_UNIT_ISCONTENTSTITLE" val="0"/>
   <p:tag name="KSO_WM_UNIT_NOCLEAR" val="0"/>
@@ -37428,30 +37413,7 @@
 </p:tagLst>
 </file>
 
-<file path=ppt/tags/tag332.xml><?xml version="1.0" encoding="utf-8"?>
-<p:tagLst xmlns:a="http://schemas.openxmlformats.org/drawingml/2006/main" xmlns:r="http://schemas.openxmlformats.org/officeDocument/2006/relationships" xmlns:p="http://schemas.openxmlformats.org/presentationml/2006/main">
-  <p:tag name="KSO_WM_UNIT_HIGHLIGHT" val="0"/>
-  <p:tag name="KSO_WM_UNIT_COMPATIBLE" val="0"/>
-  <p:tag name="KSO_WM_UNIT_DIAGRAM_ISNUMVISUAL" val="0"/>
-  <p:tag name="KSO_WM_UNIT_DIAGRAM_ISREFERUNIT" val="0"/>
-  <p:tag name="KSO_WM_DIAGRAM_GROUP_CODE" val="l1-4"/>
-  <p:tag name="KSO_WM_UNIT_TYPE" val="l_h_i"/>
-  <p:tag name="KSO_WM_UNIT_INDEX" val="1_3_1"/>
-  <p:tag name="KSO_WM_UNIT_LAYERLEVEL" val="1_1_1"/>
-  <p:tag name="KSO_WM_TAG_VERSION" val="1.0"/>
-  <p:tag name="KSO_WM_BEAUTIFY_FLAG" val="#wm#"/>
-  <p:tag name="KSO_WM_TEMPLATE_CATEGORY" val="custom"/>
-  <p:tag name="KSO_WM_TEMPLATE_INDEX" val="20204339"/>
-  <p:tag name="KSO_WM_UNIT_ID" val="custom20204339_32*l_h_i*1_3_1"/>
-  <p:tag name="KSO_WM_UNIT_FILL_FORE_SCHEMECOLOR_INDEX" val="5"/>
-  <p:tag name="KSO_WM_UNIT_FILL_TYPE" val="1"/>
-  <p:tag name="KSO_WM_UNIT_TEXT_FILL_FORE_SCHEMECOLOR_INDEX" val="14"/>
-  <p:tag name="KSO_WM_UNIT_TEXT_FILL_TYPE" val="1"/>
-  <p:tag name="KSO_WM_UNIT_USESOURCEFORMAT_APPLY" val="1"/>
-</p:tagLst>
-</file>
-
-<file path=ppt/tags/tag333.xml><?xml version="1.0" encoding="utf-8"?>
+<file path=ppt/tags/tag342.xml><?xml version="1.0" encoding="utf-8"?>
 <p:tagLst xmlns:a="http://schemas.openxmlformats.org/drawingml/2006/main" xmlns:r="http://schemas.openxmlformats.org/officeDocument/2006/relationships" xmlns:p="http://schemas.openxmlformats.org/presentationml/2006/main">
   <p:tag name="KSO_WM_UNIT_ISCONTENTSTITLE" val="0"/>
   <p:tag name="KSO_WM_UNIT_NOCLEAR" val="0"/>
@@ -37476,181 +37438,7 @@
 </p:tagLst>
 </file>
 
-<file path=ppt/tags/tag334.xml><?xml version="1.0" encoding="utf-8"?>
-<p:tagLst xmlns:a="http://schemas.openxmlformats.org/drawingml/2006/main" xmlns:r="http://schemas.openxmlformats.org/officeDocument/2006/relationships" xmlns:p="http://schemas.openxmlformats.org/presentationml/2006/main">
-  <p:tag name="KSO_WM_UNIT_NOCLEAR" val="0"/>
-  <p:tag name="KSO_WM_UNIT_HIGHLIGHT" val="0"/>
-  <p:tag name="KSO_WM_UNIT_COMPATIBLE" val="0"/>
-  <p:tag name="KSO_WM_UNIT_DIAGRAM_ISNUMVISUAL" val="0"/>
-  <p:tag name="KSO_WM_UNIT_DIAGRAM_ISREFERUNIT" val="0"/>
-  <p:tag name="KSO_WM_DIAGRAM_GROUP_CODE" val="l1-4"/>
-  <p:tag name="KSO_WM_UNIT_TYPE" val="l_h_f"/>
-  <p:tag name="KSO_WM_UNIT_INDEX" val="1_1_1"/>
-  <p:tag name="KSO_WM_UNIT_LAYERLEVEL" val="1_1_1"/>
-  <p:tag name="KSO_WM_TAG_VERSION" val="1.0"/>
-  <p:tag name="KSO_WM_BEAUTIFY_FLAG" val="#wm#"/>
-  <p:tag name="KSO_WM_UNIT_PRESET_TEXT" val="单击此处输入你的正文，文字是您思想的提炼。"/>
-  <p:tag name="KSO_WM_TEMPLATE_CATEGORY" val="custom"/>
-  <p:tag name="KSO_WM_TEMPLATE_INDEX" val="20204339"/>
-  <p:tag name="KSO_WM_UNIT_ID" val="custom20204339_32*l_h_f*1_1_1"/>
-  <p:tag name="KSO_WM_UNIT_SUBTYPE" val="a"/>
-  <p:tag name="KSO_WM_UNIT_TEXT_FILL_FORE_SCHEMECOLOR_INDEX" val="1"/>
-  <p:tag name="KSO_WM_UNIT_TEXT_FILL_TYPE" val="1"/>
-  <p:tag name="KSO_WM_UNIT_USESOURCEFORMAT_APPLY" val="1"/>
-</p:tagLst>
-</file>
-
-<file path=ppt/tags/tag335.xml><?xml version="1.0" encoding="utf-8"?>
-<p:tagLst xmlns:a="http://schemas.openxmlformats.org/drawingml/2006/main" xmlns:r="http://schemas.openxmlformats.org/officeDocument/2006/relationships" xmlns:p="http://schemas.openxmlformats.org/presentationml/2006/main">
-  <p:tag name="KSO_WM_UNIT_NOCLEAR" val="0"/>
-  <p:tag name="KSO_WM_UNIT_HIGHLIGHT" val="0"/>
-  <p:tag name="KSO_WM_UNIT_COMPATIBLE" val="0"/>
-  <p:tag name="KSO_WM_UNIT_DIAGRAM_ISNUMVISUAL" val="0"/>
-  <p:tag name="KSO_WM_UNIT_DIAGRAM_ISREFERUNIT" val="0"/>
-  <p:tag name="KSO_WM_DIAGRAM_GROUP_CODE" val="l1-4"/>
-  <p:tag name="KSO_WM_UNIT_TYPE" val="l_h_f"/>
-  <p:tag name="KSO_WM_UNIT_INDEX" val="1_2_1"/>
-  <p:tag name="KSO_WM_UNIT_LAYERLEVEL" val="1_1_1"/>
-  <p:tag name="KSO_WM_TAG_VERSION" val="1.0"/>
-  <p:tag name="KSO_WM_BEAUTIFY_FLAG" val="#wm#"/>
-  <p:tag name="KSO_WM_UNIT_PRESET_TEXT" val="单击此处输入你的正文，文字是您思想的提炼。"/>
-  <p:tag name="KSO_WM_TEMPLATE_CATEGORY" val="custom"/>
-  <p:tag name="KSO_WM_TEMPLATE_INDEX" val="20204339"/>
-  <p:tag name="KSO_WM_UNIT_ID" val="custom20204339_32*l_h_f*1_2_1"/>
-  <p:tag name="KSO_WM_UNIT_SUBTYPE" val="a"/>
-  <p:tag name="KSO_WM_UNIT_TEXT_FILL_FORE_SCHEMECOLOR_INDEX" val="1"/>
-  <p:tag name="KSO_WM_UNIT_TEXT_FILL_TYPE" val="1"/>
-  <p:tag name="KSO_WM_UNIT_USESOURCEFORMAT_APPLY" val="1"/>
-</p:tagLst>
-</file>
-
-<file path=ppt/tags/tag336.xml><?xml version="1.0" encoding="utf-8"?>
-<p:tagLst xmlns:a="http://schemas.openxmlformats.org/drawingml/2006/main" xmlns:r="http://schemas.openxmlformats.org/officeDocument/2006/relationships" xmlns:p="http://schemas.openxmlformats.org/presentationml/2006/main">
-  <p:tag name="KSO_WM_UNIT_NOCLEAR" val="0"/>
-  <p:tag name="KSO_WM_UNIT_HIGHLIGHT" val="0"/>
-  <p:tag name="KSO_WM_UNIT_COMPATIBLE" val="0"/>
-  <p:tag name="KSO_WM_UNIT_DIAGRAM_ISNUMVISUAL" val="0"/>
-  <p:tag name="KSO_WM_UNIT_DIAGRAM_ISREFERUNIT" val="0"/>
-  <p:tag name="KSO_WM_DIAGRAM_GROUP_CODE" val="l1-4"/>
-  <p:tag name="KSO_WM_UNIT_TYPE" val="l_h_f"/>
-  <p:tag name="KSO_WM_UNIT_INDEX" val="1_3_1"/>
-  <p:tag name="KSO_WM_UNIT_LAYERLEVEL" val="1_1_1"/>
-  <p:tag name="KSO_WM_TAG_VERSION" val="1.0"/>
-  <p:tag name="KSO_WM_BEAUTIFY_FLAG" val="#wm#"/>
-  <p:tag name="KSO_WM_UNIT_PRESET_TEXT" val="单击此处输入你的正文，文字是您思想的提炼。"/>
-  <p:tag name="KSO_WM_TEMPLATE_CATEGORY" val="custom"/>
-  <p:tag name="KSO_WM_TEMPLATE_INDEX" val="20204339"/>
-  <p:tag name="KSO_WM_UNIT_ID" val="custom20204339_32*l_h_f*1_3_1"/>
-  <p:tag name="KSO_WM_UNIT_SUBTYPE" val="a"/>
-  <p:tag name="KSO_WM_UNIT_TEXT_FILL_FORE_SCHEMECOLOR_INDEX" val="1"/>
-  <p:tag name="KSO_WM_UNIT_TEXT_FILL_TYPE" val="1"/>
-  <p:tag name="KSO_WM_UNIT_USESOURCEFORMAT_APPLY" val="1"/>
-</p:tagLst>
-</file>
-
-<file path=ppt/tags/tag337.xml><?xml version="1.0" encoding="utf-8"?>
-<p:tagLst xmlns:a="http://schemas.openxmlformats.org/drawingml/2006/main" xmlns:r="http://schemas.openxmlformats.org/officeDocument/2006/relationships" xmlns:p="http://schemas.openxmlformats.org/presentationml/2006/main">
-  <p:tag name="KSO_WM_UNIT_HIGHLIGHT" val="0"/>
-  <p:tag name="KSO_WM_UNIT_COMPATIBLE" val="0"/>
-  <p:tag name="KSO_WM_UNIT_DIAGRAM_ISNUMVISUAL" val="0"/>
-  <p:tag name="KSO_WM_UNIT_DIAGRAM_ISREFERUNIT" val="0"/>
-  <p:tag name="KSO_WM_DIAGRAM_GROUP_CODE" val="l1-4"/>
-  <p:tag name="KSO_WM_UNIT_TYPE" val="l_i"/>
-  <p:tag name="KSO_WM_UNIT_INDEX" val="1_2"/>
-  <p:tag name="KSO_WM_UNIT_LAYERLEVEL" val="1_1"/>
-  <p:tag name="KSO_WM_TAG_VERSION" val="1.0"/>
-  <p:tag name="KSO_WM_BEAUTIFY_FLAG" val="#wm#"/>
-  <p:tag name="KSO_WM_TEMPLATE_CATEGORY" val="custom"/>
-  <p:tag name="KSO_WM_TEMPLATE_INDEX" val="20204339"/>
-  <p:tag name="KSO_WM_UNIT_ID" val="custom20204339_32*l_i*1_2"/>
-  <p:tag name="KSO_WM_UNIT_LINE_FORE_SCHEMECOLOR_INDEX" val="14"/>
-  <p:tag name="KSO_WM_UNIT_LINE_FILL_TYPE" val="2"/>
-  <p:tag name="KSO_WM_UNIT_USESOURCEFORMAT_APPLY" val="1"/>
-</p:tagLst>
-</file>
-
-<file path=ppt/tags/tag338.xml><?xml version="1.0" encoding="utf-8"?>
-<p:tagLst xmlns:a="http://schemas.openxmlformats.org/drawingml/2006/main" xmlns:r="http://schemas.openxmlformats.org/officeDocument/2006/relationships" xmlns:p="http://schemas.openxmlformats.org/presentationml/2006/main">
-  <p:tag name="KSO_WM_UNIT_HIGHLIGHT" val="0"/>
-  <p:tag name="KSO_WM_UNIT_COMPATIBLE" val="0"/>
-  <p:tag name="KSO_WM_UNIT_DIAGRAM_ISNUMVISUAL" val="0"/>
-  <p:tag name="KSO_WM_UNIT_DIAGRAM_ISREFERUNIT" val="0"/>
-  <p:tag name="KSO_WM_DIAGRAM_GROUP_CODE" val="l1-4"/>
-  <p:tag name="KSO_WM_UNIT_TYPE" val="l_i"/>
-  <p:tag name="KSO_WM_UNIT_INDEX" val="1_3"/>
-  <p:tag name="KSO_WM_UNIT_LAYERLEVEL" val="1_1"/>
-  <p:tag name="KSO_WM_TAG_VERSION" val="1.0"/>
-  <p:tag name="KSO_WM_BEAUTIFY_FLAG" val="#wm#"/>
-  <p:tag name="KSO_WM_TEMPLATE_CATEGORY" val="custom"/>
-  <p:tag name="KSO_WM_TEMPLATE_INDEX" val="20204339"/>
-  <p:tag name="KSO_WM_UNIT_ID" val="custom20204339_32*l_i*1_3"/>
-  <p:tag name="KSO_WM_UNIT_LINE_FORE_SCHEMECOLOR_INDEX" val="14"/>
-  <p:tag name="KSO_WM_UNIT_LINE_FILL_TYPE" val="2"/>
-  <p:tag name="KSO_WM_UNIT_USESOURCEFORMAT_APPLY" val="1"/>
-</p:tagLst>
-</file>
-
-<file path=ppt/tags/tag339.xml><?xml version="1.0" encoding="utf-8"?>
-<p:tagLst xmlns:a="http://schemas.openxmlformats.org/drawingml/2006/main" xmlns:r="http://schemas.openxmlformats.org/officeDocument/2006/relationships" xmlns:p="http://schemas.openxmlformats.org/presentationml/2006/main">
-  <p:tag name="KSO_WM_UNIT_NOCLEAR" val="0"/>
-  <p:tag name="KSO_WM_UNIT_HIGHLIGHT" val="0"/>
-  <p:tag name="KSO_WM_UNIT_COMPATIBLE" val="0"/>
-  <p:tag name="KSO_WM_UNIT_DIAGRAM_ISNUMVISUAL" val="0"/>
-  <p:tag name="KSO_WM_UNIT_DIAGRAM_ISREFERUNIT" val="0"/>
-  <p:tag name="KSO_WM_DIAGRAM_GROUP_CODE" val="l1-4"/>
-  <p:tag name="KSO_WM_UNIT_TYPE" val="l_h_f"/>
-  <p:tag name="KSO_WM_UNIT_INDEX" val="1_4_1"/>
-  <p:tag name="KSO_WM_UNIT_LAYERLEVEL" val="1_1_1"/>
-  <p:tag name="KSO_WM_TAG_VERSION" val="1.0"/>
-  <p:tag name="KSO_WM_BEAUTIFY_FLAG" val="#wm#"/>
-  <p:tag name="KSO_WM_UNIT_PRESET_TEXT" val="单击此处输入你的正文，文字是您思想的提炼。"/>
-  <p:tag name="KSO_WM_TEMPLATE_CATEGORY" val="custom"/>
-  <p:tag name="KSO_WM_TEMPLATE_INDEX" val="20204339"/>
-  <p:tag name="KSO_WM_UNIT_ID" val="custom20204339_32*l_h_f*1_4_1"/>
-  <p:tag name="KSO_WM_UNIT_SUBTYPE" val="a"/>
-  <p:tag name="KSO_WM_UNIT_TEXT_FILL_FORE_SCHEMECOLOR_INDEX" val="1"/>
-  <p:tag name="KSO_WM_UNIT_TEXT_FILL_TYPE" val="1"/>
-  <p:tag name="KSO_WM_UNIT_USESOURCEFORMAT_APPLY" val="1"/>
-</p:tagLst>
-</file>
-
-<file path=ppt/tags/tag34.xml><?xml version="1.0" encoding="utf-8"?>
-<p:tagLst xmlns:a="http://schemas.openxmlformats.org/drawingml/2006/main" xmlns:r="http://schemas.openxmlformats.org/officeDocument/2006/relationships" xmlns:p="http://schemas.openxmlformats.org/presentationml/2006/main">
-  <p:tag name="KSO_WM_UNIT_HIGHLIGHT" val="0"/>
-  <p:tag name="KSO_WM_UNIT_COMPATIBLE" val="0"/>
-  <p:tag name="KSO_WM_UNIT_DIAGRAM_ISNUMVISUAL" val="0"/>
-  <p:tag name="KSO_WM_UNIT_DIAGRAM_ISREFERUNIT" val="0"/>
-  <p:tag name="KSO_WM_UNIT_ID" val="_5**"/>
-  <p:tag name="KSO_WM_UNIT_LAYERLEVEL" val="1"/>
-  <p:tag name="KSO_WM_TAG_VERSION" val="1.0"/>
-  <p:tag name="KSO_WM_BEAUTIFY_FLAG" val="#wm#"/>
-</p:tagLst>
-</file>
-
-<file path=ppt/tags/tag340.xml><?xml version="1.0" encoding="utf-8"?>
-<p:tagLst xmlns:a="http://schemas.openxmlformats.org/drawingml/2006/main" xmlns:r="http://schemas.openxmlformats.org/officeDocument/2006/relationships" xmlns:p="http://schemas.openxmlformats.org/presentationml/2006/main">
-  <p:tag name="KSO_WM_UNIT_HIGHLIGHT" val="0"/>
-  <p:tag name="KSO_WM_UNIT_COMPATIBLE" val="0"/>
-  <p:tag name="KSO_WM_UNIT_DIAGRAM_ISNUMVISUAL" val="0"/>
-  <p:tag name="KSO_WM_UNIT_DIAGRAM_ISREFERUNIT" val="0"/>
-  <p:tag name="KSO_WM_DIAGRAM_GROUP_CODE" val="l1-4"/>
-  <p:tag name="KSO_WM_UNIT_TYPE" val="l_h_i"/>
-  <p:tag name="KSO_WM_UNIT_INDEX" val="1_4_1"/>
-  <p:tag name="KSO_WM_UNIT_LAYERLEVEL" val="1_1_1"/>
-  <p:tag name="KSO_WM_TAG_VERSION" val="1.0"/>
-  <p:tag name="KSO_WM_BEAUTIFY_FLAG" val="#wm#"/>
-  <p:tag name="KSO_WM_TEMPLATE_CATEGORY" val="custom"/>
-  <p:tag name="KSO_WM_TEMPLATE_INDEX" val="20204339"/>
-  <p:tag name="KSO_WM_UNIT_ID" val="custom20204339_32*l_h_i*1_4_1"/>
-  <p:tag name="KSO_WM_UNIT_FILL_FORE_SCHEMECOLOR_INDEX" val="5"/>
-  <p:tag name="KSO_WM_UNIT_FILL_TYPE" val="1"/>
-  <p:tag name="KSO_WM_UNIT_TEXT_FILL_FORE_SCHEMECOLOR_INDEX" val="14"/>
-  <p:tag name="KSO_WM_UNIT_TEXT_FILL_TYPE" val="1"/>
-  <p:tag name="KSO_WM_UNIT_USESOURCEFORMAT_APPLY" val="1"/>
-</p:tagLst>
-</file>
-
-<file path=ppt/tags/tag341.xml><?xml version="1.0" encoding="utf-8"?>
+<file path=ppt/tags/tag343.xml><?xml version="1.0" encoding="utf-8"?>
 <p:tagLst xmlns:a="http://schemas.openxmlformats.org/drawingml/2006/main" xmlns:r="http://schemas.openxmlformats.org/officeDocument/2006/relationships" xmlns:p="http://schemas.openxmlformats.org/presentationml/2006/main">
   <p:tag name="KSO_WM_UNIT_ISCONTENTSTITLE" val="0"/>
   <p:tag name="KSO_WM_UNIT_NOCLEAR" val="0"/>
@@ -37675,7 +37463,7 @@
 </p:tagLst>
 </file>
 
-<file path=ppt/tags/tag342.xml><?xml version="1.0" encoding="utf-8"?>
+<file path=ppt/tags/tag344.xml><?xml version="1.0" encoding="utf-8"?>
 <p:tagLst xmlns:a="http://schemas.openxmlformats.org/drawingml/2006/main" xmlns:r="http://schemas.openxmlformats.org/officeDocument/2006/relationships" xmlns:p="http://schemas.openxmlformats.org/presentationml/2006/main">
   <p:tag name="KSO_WM_UNIT_HIGHLIGHT" val="0"/>
   <p:tag name="KSO_WM_UNIT_COMPATIBLE" val="0"/>
@@ -37683,219 +37471,20 @@
   <p:tag name="KSO_WM_UNIT_DIAGRAM_ISREFERUNIT" val="0"/>
   <p:tag name="KSO_WM_DIAGRAM_GROUP_CODE" val="l1-4"/>
   <p:tag name="KSO_WM_UNIT_TYPE" val="l_i"/>
-  <p:tag name="KSO_WM_UNIT_INDEX" val="1_4"/>
+  <p:tag name="KSO_WM_UNIT_INDEX" val="1_3"/>
   <p:tag name="KSO_WM_UNIT_LAYERLEVEL" val="1_1"/>
   <p:tag name="KSO_WM_TAG_VERSION" val="1.0"/>
   <p:tag name="KSO_WM_BEAUTIFY_FLAG" val="#wm#"/>
   <p:tag name="KSO_WM_TEMPLATE_CATEGORY" val="custom"/>
   <p:tag name="KSO_WM_TEMPLATE_INDEX" val="20204339"/>
-  <p:tag name="KSO_WM_UNIT_ID" val="custom20204339_32*l_i*1_4"/>
-  <p:tag name="KSO_WM_UNIT_FILL_FORE_SCHEMECOLOR_INDEX" val="14"/>
-  <p:tag name="KSO_WM_UNIT_FILL_TYPE" val="1"/>
-  <p:tag name="KSO_WM_UNIT_LINE_FORE_SCHEMECOLOR_INDEX" val="5"/>
-  <p:tag name="KSO_WM_UNIT_LINE_FILL_TYPE" val="2"/>
-  <p:tag name="KSO_WM_UNIT_TEXT_FILL_FORE_SCHEMECOLOR_INDEX" val="14"/>
-  <p:tag name="KSO_WM_UNIT_TEXT_FILL_TYPE" val="1"/>
-  <p:tag name="KSO_WM_UNIT_USESOURCEFORMAT_APPLY" val="1"/>
-</p:tagLst>
-</file>
-
-<file path=ppt/tags/tag343.xml><?xml version="1.0" encoding="utf-8"?>
-<p:tagLst xmlns:a="http://schemas.openxmlformats.org/drawingml/2006/main" xmlns:r="http://schemas.openxmlformats.org/officeDocument/2006/relationships" xmlns:p="http://schemas.openxmlformats.org/presentationml/2006/main">
-  <p:tag name="KSO_WM_UNIT_HIGHLIGHT" val="0"/>
-  <p:tag name="KSO_WM_UNIT_COMPATIBLE" val="0"/>
-  <p:tag name="KSO_WM_UNIT_DIAGRAM_ISNUMVISUAL" val="0"/>
-  <p:tag name="KSO_WM_UNIT_DIAGRAM_ISREFERUNIT" val="0"/>
-  <p:tag name="KSO_WM_DIAGRAM_GROUP_CODE" val="l1-4"/>
-  <p:tag name="KSO_WM_UNIT_TYPE" val="l_h_i"/>
-  <p:tag name="KSO_WM_UNIT_INDEX" val="1_5_1"/>
-  <p:tag name="KSO_WM_UNIT_LAYERLEVEL" val="1_1_1"/>
-  <p:tag name="KSO_WM_TAG_VERSION" val="1.0"/>
-  <p:tag name="KSO_WM_BEAUTIFY_FLAG" val="#wm#"/>
-  <p:tag name="KSO_WM_TEMPLATE_CATEGORY" val="custom"/>
-  <p:tag name="KSO_WM_TEMPLATE_INDEX" val="20204339"/>
-  <p:tag name="KSO_WM_UNIT_ID" val="custom20204339_32*l_h_i*1_5_1"/>
-  <p:tag name="KSO_WM_UNIT_FILL_FORE_SCHEMECOLOR_INDEX" val="5"/>
-  <p:tag name="KSO_WM_UNIT_FILL_TYPE" val="1"/>
-  <p:tag name="KSO_WM_UNIT_TEXT_FILL_FORE_SCHEMECOLOR_INDEX" val="14"/>
-  <p:tag name="KSO_WM_UNIT_TEXT_FILL_TYPE" val="1"/>
-  <p:tag name="KSO_WM_UNIT_USESOURCEFORMAT_APPLY" val="1"/>
-</p:tagLst>
-</file>
-
-<file path=ppt/tags/tag344.xml><?xml version="1.0" encoding="utf-8"?>
-<p:tagLst xmlns:a="http://schemas.openxmlformats.org/drawingml/2006/main" xmlns:r="http://schemas.openxmlformats.org/officeDocument/2006/relationships" xmlns:p="http://schemas.openxmlformats.org/presentationml/2006/main">
-  <p:tag name="KSO_WM_UNIT_ISCONTENTSTITLE" val="0"/>
-  <p:tag name="KSO_WM_UNIT_NOCLEAR" val="0"/>
-  <p:tag name="KSO_WM_UNIT_HIGHLIGHT" val="0"/>
-  <p:tag name="KSO_WM_UNIT_COMPATIBLE" val="0"/>
-  <p:tag name="KSO_WM_UNIT_DIAGRAM_ISNUMVISUAL" val="0"/>
-  <p:tag name="KSO_WM_UNIT_DIAGRAM_ISREFERUNIT" val="0"/>
-  <p:tag name="KSO_WM_DIAGRAM_GROUP_CODE" val="l1-4"/>
-  <p:tag name="KSO_WM_UNIT_TYPE" val="l_h_a"/>
-  <p:tag name="KSO_WM_UNIT_INDEX" val="1_5_1"/>
-  <p:tag name="KSO_WM_UNIT_LAYERLEVEL" val="1_1_1"/>
-  <p:tag name="KSO_WM_TAG_VERSION" val="1.0"/>
-  <p:tag name="KSO_WM_BEAUTIFY_FLAG" val="#wm#"/>
-  <p:tag name="KSO_WM_UNIT_PRESET_TEXT" val="添加标题"/>
-  <p:tag name="KSO_WM_TEMPLATE_CATEGORY" val="custom"/>
-  <p:tag name="KSO_WM_TEMPLATE_INDEX" val="20204339"/>
-  <p:tag name="KSO_WM_UNIT_ID" val="custom20204339_32*l_h_a*1_5_1"/>
-  <p:tag name="KSO_WM_UNIT_ISNUMDGMTITLE" val="0"/>
-  <p:tag name="KSO_WM_UNIT_TEXT_FILL_FORE_SCHEMECOLOR_INDEX" val="14"/>
-  <p:tag name="KSO_WM_UNIT_TEXT_FILL_TYPE" val="1"/>
-  <p:tag name="KSO_WM_UNIT_USESOURCEFORMAT_APPLY" val="1"/>
-</p:tagLst>
-</file>
-
-<file path=ppt/tags/tag345.xml><?xml version="1.0" encoding="utf-8"?>
-<p:tagLst xmlns:a="http://schemas.openxmlformats.org/drawingml/2006/main" xmlns:r="http://schemas.openxmlformats.org/officeDocument/2006/relationships" xmlns:p="http://schemas.openxmlformats.org/presentationml/2006/main">
-  <p:tag name="KSO_WM_UNIT_HIGHLIGHT" val="0"/>
-  <p:tag name="KSO_WM_UNIT_COMPATIBLE" val="0"/>
-  <p:tag name="KSO_WM_UNIT_DIAGRAM_ISNUMVISUAL" val="0"/>
-  <p:tag name="KSO_WM_UNIT_DIAGRAM_ISREFERUNIT" val="0"/>
-  <p:tag name="KSO_WM_DIAGRAM_GROUP_CODE" val="l1-4"/>
-  <p:tag name="KSO_WM_UNIT_TYPE" val="l_i"/>
-  <p:tag name="KSO_WM_UNIT_INDEX" val="1_5"/>
-  <p:tag name="KSO_WM_UNIT_LAYERLEVEL" val="1_1"/>
-  <p:tag name="KSO_WM_TAG_VERSION" val="1.0"/>
-  <p:tag name="KSO_WM_BEAUTIFY_FLAG" val="#wm#"/>
-  <p:tag name="KSO_WM_TEMPLATE_CATEGORY" val="custom"/>
-  <p:tag name="KSO_WM_TEMPLATE_INDEX" val="20204339"/>
-  <p:tag name="KSO_WM_UNIT_ID" val="custom20204339_32*l_i*1_5"/>
+  <p:tag name="KSO_WM_UNIT_ID" val="custom20204339_32*l_i*1_3"/>
   <p:tag name="KSO_WM_UNIT_LINE_FORE_SCHEMECOLOR_INDEX" val="14"/>
   <p:tag name="KSO_WM_UNIT_LINE_FILL_TYPE" val="2"/>
   <p:tag name="KSO_WM_UNIT_USESOURCEFORMAT_APPLY" val="1"/>
 </p:tagLst>
 </file>
 
-<file path=ppt/tags/tag346.xml><?xml version="1.0" encoding="utf-8"?>
-<p:tagLst xmlns:a="http://schemas.openxmlformats.org/drawingml/2006/main" xmlns:r="http://schemas.openxmlformats.org/officeDocument/2006/relationships" xmlns:p="http://schemas.openxmlformats.org/presentationml/2006/main">
-  <p:tag name="KSO_WM_UNIT_HIGHLIGHT" val="0"/>
-  <p:tag name="KSO_WM_UNIT_COMPATIBLE" val="0"/>
-  <p:tag name="KSO_WM_UNIT_DIAGRAM_ISNUMVISUAL" val="0"/>
-  <p:tag name="KSO_WM_UNIT_DIAGRAM_ISREFERUNIT" val="0"/>
-  <p:tag name="KSO_WM_DIAGRAM_GROUP_CODE" val="l1-4"/>
-  <p:tag name="KSO_WM_UNIT_TYPE" val="l_i"/>
-  <p:tag name="KSO_WM_UNIT_INDEX" val="1_6"/>
-  <p:tag name="KSO_WM_UNIT_LAYERLEVEL" val="1_1"/>
-  <p:tag name="KSO_WM_TAG_VERSION" val="1.0"/>
-  <p:tag name="KSO_WM_BEAUTIFY_FLAG" val="#wm#"/>
-  <p:tag name="KSO_WM_TEMPLATE_CATEGORY" val="custom"/>
-  <p:tag name="KSO_WM_TEMPLATE_INDEX" val="20204339"/>
-  <p:tag name="KSO_WM_UNIT_ID" val="custom20204339_32*l_i*1_6"/>
-  <p:tag name="KSO_WM_UNIT_LINE_FORE_SCHEMECOLOR_INDEX" val="14"/>
-  <p:tag name="KSO_WM_UNIT_LINE_FILL_TYPE" val="2"/>
-  <p:tag name="KSO_WM_UNIT_USESOURCEFORMAT_APPLY" val="1"/>
-</p:tagLst>
-</file>
-
-<file path=ppt/tags/tag347.xml><?xml version="1.0" encoding="utf-8"?>
-<p:tagLst xmlns:a="http://schemas.openxmlformats.org/drawingml/2006/main" xmlns:r="http://schemas.openxmlformats.org/officeDocument/2006/relationships" xmlns:p="http://schemas.openxmlformats.org/presentationml/2006/main">
-  <p:tag name="KSO_WM_UNIT_NOCLEAR" val="0"/>
-  <p:tag name="KSO_WM_UNIT_HIGHLIGHT" val="0"/>
-  <p:tag name="KSO_WM_UNIT_COMPATIBLE" val="0"/>
-  <p:tag name="KSO_WM_UNIT_DIAGRAM_ISNUMVISUAL" val="0"/>
-  <p:tag name="KSO_WM_UNIT_DIAGRAM_ISREFERUNIT" val="0"/>
-  <p:tag name="KSO_WM_DIAGRAM_GROUP_CODE" val="l1-4"/>
-  <p:tag name="KSO_WM_UNIT_TYPE" val="l_h_f"/>
-  <p:tag name="KSO_WM_UNIT_INDEX" val="1_5_1"/>
-  <p:tag name="KSO_WM_UNIT_LAYERLEVEL" val="1_1_1"/>
-  <p:tag name="KSO_WM_TAG_VERSION" val="1.0"/>
-  <p:tag name="KSO_WM_BEAUTIFY_FLAG" val="#wm#"/>
-  <p:tag name="KSO_WM_UNIT_PRESET_TEXT" val="单击此处输入你的正文，文字是您思想的提炼。"/>
-  <p:tag name="KSO_WM_TEMPLATE_CATEGORY" val="custom"/>
-  <p:tag name="KSO_WM_TEMPLATE_INDEX" val="20204339"/>
-  <p:tag name="KSO_WM_UNIT_ID" val="custom20204339_32*l_h_f*1_5_1"/>
-  <p:tag name="KSO_WM_UNIT_SUBTYPE" val="a"/>
-  <p:tag name="KSO_WM_UNIT_TEXT_FILL_FORE_SCHEMECOLOR_INDEX" val="1"/>
-  <p:tag name="KSO_WM_UNIT_TEXT_FILL_TYPE" val="1"/>
-  <p:tag name="KSO_WM_UNIT_USESOURCEFORMAT_APPLY" val="1"/>
-</p:tagLst>
-</file>
-
-<file path=ppt/tags/tag348.xml><?xml version="1.0" encoding="utf-8"?>
-<p:tagLst xmlns:a="http://schemas.openxmlformats.org/drawingml/2006/main" xmlns:r="http://schemas.openxmlformats.org/officeDocument/2006/relationships" xmlns:p="http://schemas.openxmlformats.org/presentationml/2006/main">
-  <p:tag name="KSO_WM_UNIT_HIGHLIGHT" val="0"/>
-  <p:tag name="KSO_WM_UNIT_COMPATIBLE" val="0"/>
-  <p:tag name="KSO_WM_UNIT_DIAGRAM_ISNUMVISUAL" val="0"/>
-  <p:tag name="KSO_WM_UNIT_DIAGRAM_ISREFERUNIT" val="0"/>
-  <p:tag name="KSO_WM_DIAGRAM_GROUP_CODE" val="l1-4"/>
-  <p:tag name="KSO_WM_UNIT_TYPE" val="l_h_i"/>
-  <p:tag name="KSO_WM_UNIT_INDEX" val="1_5_1"/>
-  <p:tag name="KSO_WM_UNIT_LAYERLEVEL" val="1_1_1"/>
-  <p:tag name="KSO_WM_TAG_VERSION" val="1.0"/>
-  <p:tag name="KSO_WM_BEAUTIFY_FLAG" val="#wm#"/>
-  <p:tag name="KSO_WM_TEMPLATE_CATEGORY" val="custom"/>
-  <p:tag name="KSO_WM_TEMPLATE_INDEX" val="20204339"/>
-  <p:tag name="KSO_WM_UNIT_ID" val="custom20204339_32*l_h_i*1_5_1"/>
-  <p:tag name="KSO_WM_UNIT_FILL_FORE_SCHEMECOLOR_INDEX" val="5"/>
-  <p:tag name="KSO_WM_UNIT_FILL_TYPE" val="1"/>
-  <p:tag name="KSO_WM_UNIT_TEXT_FILL_FORE_SCHEMECOLOR_INDEX" val="14"/>
-  <p:tag name="KSO_WM_UNIT_TEXT_FILL_TYPE" val="1"/>
-  <p:tag name="KSO_WM_UNIT_USESOURCEFORMAT_APPLY" val="1"/>
-</p:tagLst>
-</file>
-
-<file path=ppt/tags/tag349.xml><?xml version="1.0" encoding="utf-8"?>
-<p:tagLst xmlns:a="http://schemas.openxmlformats.org/drawingml/2006/main" xmlns:r="http://schemas.openxmlformats.org/officeDocument/2006/relationships" xmlns:p="http://schemas.openxmlformats.org/presentationml/2006/main">
-  <p:tag name="KSO_WM_UNIT_HIGHLIGHT" val="0"/>
-  <p:tag name="KSO_WM_UNIT_COMPATIBLE" val="0"/>
-  <p:tag name="KSO_WM_UNIT_DIAGRAM_ISNUMVISUAL" val="0"/>
-  <p:tag name="KSO_WM_UNIT_DIAGRAM_ISREFERUNIT" val="0"/>
-  <p:tag name="KSO_WM_DIAGRAM_GROUP_CODE" val="l1-4"/>
-  <p:tag name="KSO_WM_UNIT_TYPE" val="l_i"/>
-  <p:tag name="KSO_WM_UNIT_INDEX" val="1_6"/>
-  <p:tag name="KSO_WM_UNIT_LAYERLEVEL" val="1_1"/>
-  <p:tag name="KSO_WM_TAG_VERSION" val="1.0"/>
-  <p:tag name="KSO_WM_BEAUTIFY_FLAG" val="#wm#"/>
-  <p:tag name="KSO_WM_TEMPLATE_CATEGORY" val="custom"/>
-  <p:tag name="KSO_WM_TEMPLATE_INDEX" val="20204339"/>
-  <p:tag name="KSO_WM_UNIT_ID" val="custom20204339_32*l_i*1_6"/>
-  <p:tag name="KSO_WM_UNIT_LINE_FORE_SCHEMECOLOR_INDEX" val="14"/>
-  <p:tag name="KSO_WM_UNIT_LINE_FILL_TYPE" val="2"/>
-  <p:tag name="KSO_WM_UNIT_USESOURCEFORMAT_APPLY" val="1"/>
-</p:tagLst>
-</file>
-
-<file path=ppt/tags/tag35.xml><?xml version="1.0" encoding="utf-8"?>
-<p:tagLst xmlns:a="http://schemas.openxmlformats.org/drawingml/2006/main" xmlns:r="http://schemas.openxmlformats.org/officeDocument/2006/relationships" xmlns:p="http://schemas.openxmlformats.org/presentationml/2006/main">
-  <p:tag name="KSO_WM_UNIT_HIGHLIGHT" val="0"/>
-  <p:tag name="KSO_WM_UNIT_COMPATIBLE" val="0"/>
-  <p:tag name="KSO_WM_UNIT_DIAGRAM_ISNUMVISUAL" val="0"/>
-  <p:tag name="KSO_WM_UNIT_DIAGRAM_ISREFERUNIT" val="0"/>
-  <p:tag name="KSO_WM_UNIT_ID" val="_5**"/>
-  <p:tag name="KSO_WM_UNIT_LAYERLEVEL" val="1"/>
-  <p:tag name="KSO_WM_TAG_VERSION" val="1.0"/>
-  <p:tag name="KSO_WM_BEAUTIFY_FLAG" val="#wm#"/>
-</p:tagLst>
-</file>
-
-<file path=ppt/tags/tag350.xml><?xml version="1.0" encoding="utf-8"?>
-<p:tagLst xmlns:a="http://schemas.openxmlformats.org/drawingml/2006/main" xmlns:r="http://schemas.openxmlformats.org/officeDocument/2006/relationships" xmlns:p="http://schemas.openxmlformats.org/presentationml/2006/main">
-  <p:tag name="KSO_WM_UNIT_NOCLEAR" val="0"/>
-  <p:tag name="KSO_WM_UNIT_HIGHLIGHT" val="0"/>
-  <p:tag name="KSO_WM_UNIT_COMPATIBLE" val="0"/>
-  <p:tag name="KSO_WM_UNIT_DIAGRAM_ISNUMVISUAL" val="0"/>
-  <p:tag name="KSO_WM_UNIT_DIAGRAM_ISREFERUNIT" val="0"/>
-  <p:tag name="KSO_WM_DIAGRAM_GROUP_CODE" val="l1-4"/>
-  <p:tag name="KSO_WM_UNIT_TYPE" val="l_h_f"/>
-  <p:tag name="KSO_WM_UNIT_INDEX" val="1_5_1"/>
-  <p:tag name="KSO_WM_UNIT_LAYERLEVEL" val="1_1_1"/>
-  <p:tag name="KSO_WM_TAG_VERSION" val="1.0"/>
-  <p:tag name="KSO_WM_BEAUTIFY_FLAG" val="#wm#"/>
-  <p:tag name="KSO_WM_UNIT_PRESET_TEXT" val="单击此处输入你的正文，文字是您思想的提炼。"/>
-  <p:tag name="KSO_WM_TEMPLATE_CATEGORY" val="custom"/>
-  <p:tag name="KSO_WM_TEMPLATE_INDEX" val="20204339"/>
-  <p:tag name="KSO_WM_UNIT_ID" val="custom20204339_32*l_h_f*1_5_1"/>
-  <p:tag name="KSO_WM_UNIT_SUBTYPE" val="a"/>
-  <p:tag name="KSO_WM_UNIT_TEXT_FILL_FORE_SCHEMECOLOR_INDEX" val="1"/>
-  <p:tag name="KSO_WM_UNIT_TEXT_FILL_TYPE" val="1"/>
-  <p:tag name="KSO_WM_UNIT_USESOURCEFORMAT_APPLY" val="1"/>
-</p:tagLst>
-</file>
-
-<file path=ppt/tags/tag351.xml><?xml version="1.0" encoding="utf-8"?>
+<file path=ppt/tags/tag345.xml><?xml version="1.0" encoding="utf-8"?>
 <p:tagLst xmlns:a="http://schemas.openxmlformats.org/drawingml/2006/main" xmlns:r="http://schemas.openxmlformats.org/officeDocument/2006/relationships" xmlns:p="http://schemas.openxmlformats.org/presentationml/2006/main">
   <p:tag name="KSO_WM_SLIDE_LAYOUT_INFO" val="{&quot;direction&quot;:0,&quot;horizontalAlign&quot;:-1,&quot;verticalAlign&quot;:-1,&quot;type&quot;:0,&quot;diagramDirection&quot;:0,&quot;canSetOverLayout&quot;:0,&quot;isOverLayout&quot;:0,&quot;margin&quot;:{&quot;left&quot;:1.69,&quot;top&quot;:1.69,&quot;right&quot;:1.69,&quot;bottom&quot;:1.69},&quot;edge&quot;:{&quot;left&quot;:true,&quot;top&quot;:true,&quot;right&quot;:true,&quot;bottom&quot;:true},&quot;backgroundInfo&quot;:[{&quot;type&quot;:&quot;general&quot;,&quot;left&quot;:0.0,&quot;top&quot;:0.0,&quot;right&quot;:0.0,&quot;bottom&quot;:0.0,&quot;leftAbs&quot;:false,&quot;topAbs&quot;:false,&quot;rightAbs&quot;:false,&quot;bottomAbs&quot;:false},{&quot;type&quot;:&quot;frame&quot;,&quot;left&quot;:0.0,&quot;top&quot;:0.0,&quot;right&quot;:0.0,&quot;bottom&quot;:0.0,&quot;leftAbs&quot;:false,&quot;topAbs&quot;:false,&quot;rightAbs&quot;:false,&quot;bottomAbs&quot;:false}]}"/>
   <p:tag name="KSO_WM_SLIDE_BACKGROUND" val="[&quot;general&quot;,&quot;frame&quot;]"/>
@@ -37921,7 +37510,7 @@
 </p:tagLst>
 </file>
 
-<file path=ppt/tags/tag352.xml><?xml version="1.0" encoding="utf-8"?>
+<file path=ppt/tags/tag346.xml><?xml version="1.0" encoding="utf-8"?>
 <p:tagLst xmlns:a="http://schemas.openxmlformats.org/drawingml/2006/main" xmlns:r="http://schemas.openxmlformats.org/officeDocument/2006/relationships" xmlns:p="http://schemas.openxmlformats.org/presentationml/2006/main">
   <p:tag name="KSO_WM_SLIDE_BACKGROUND_TYPE" val="frame"/>
   <p:tag name="KSO_WM_UNIT_HIGHLIGHT" val="0"/>
@@ -37947,7 +37536,7 @@
 </p:tagLst>
 </file>
 
-<file path=ppt/tags/tag353.xml><?xml version="1.0" encoding="utf-8"?>
+<file path=ppt/tags/tag347.xml><?xml version="1.0" encoding="utf-8"?>
 <p:tagLst xmlns:a="http://schemas.openxmlformats.org/drawingml/2006/main" xmlns:r="http://schemas.openxmlformats.org/officeDocument/2006/relationships" xmlns:p="http://schemas.openxmlformats.org/presentationml/2006/main">
   <p:tag name="KSO_WM_UNIT_BLOCK" val="0"/>
   <p:tag name="KSO_WM_UNIT_IS_LAYOUT_DIAGRAM" val="1"/>
@@ -37975,7 +37564,7 @@
 </p:tagLst>
 </file>
 
-<file path=ppt/tags/tag354.xml><?xml version="1.0" encoding="utf-8"?>
+<file path=ppt/tags/tag348.xml><?xml version="1.0" encoding="utf-8"?>
 <p:tagLst xmlns:a="http://schemas.openxmlformats.org/drawingml/2006/main" xmlns:r="http://schemas.openxmlformats.org/officeDocument/2006/relationships" xmlns:p="http://schemas.openxmlformats.org/presentationml/2006/main">
   <p:tag name="KSO_WM_UNIT_BLOCK" val="0"/>
   <p:tag name="KSO_WM_UNIT_IS_LAYOUT_DIAGRAM" val="1"/>
@@ -38000,7 +37589,7 @@
 </p:tagLst>
 </file>
 
-<file path=ppt/tags/tag355.xml><?xml version="1.0" encoding="utf-8"?>
+<file path=ppt/tags/tag349.xml><?xml version="1.0" encoding="utf-8"?>
 <p:tagLst xmlns:a="http://schemas.openxmlformats.org/drawingml/2006/main" xmlns:r="http://schemas.openxmlformats.org/officeDocument/2006/relationships" xmlns:p="http://schemas.openxmlformats.org/presentationml/2006/main">
   <p:tag name="KSO_WM_UNIT_BLOCK" val="0"/>
   <p:tag name="KSO_WM_UNIT_ISCONTENTSTITLE" val="0"/>
@@ -38027,7 +37616,20 @@
 </p:tagLst>
 </file>
 
-<file path=ppt/tags/tag356.xml><?xml version="1.0" encoding="utf-8"?>
+<file path=ppt/tags/tag35.xml><?xml version="1.0" encoding="utf-8"?>
+<p:tagLst xmlns:a="http://schemas.openxmlformats.org/drawingml/2006/main" xmlns:r="http://schemas.openxmlformats.org/officeDocument/2006/relationships" xmlns:p="http://schemas.openxmlformats.org/presentationml/2006/main">
+  <p:tag name="KSO_WM_UNIT_HIGHLIGHT" val="0"/>
+  <p:tag name="KSO_WM_UNIT_COMPATIBLE" val="0"/>
+  <p:tag name="KSO_WM_UNIT_DIAGRAM_ISNUMVISUAL" val="0"/>
+  <p:tag name="KSO_WM_UNIT_DIAGRAM_ISREFERUNIT" val="0"/>
+  <p:tag name="KSO_WM_UNIT_ID" val="_5**"/>
+  <p:tag name="KSO_WM_UNIT_LAYERLEVEL" val="1"/>
+  <p:tag name="KSO_WM_TAG_VERSION" val="1.0"/>
+  <p:tag name="KSO_WM_BEAUTIFY_FLAG" val="#wm#"/>
+</p:tagLst>
+</file>
+
+<file path=ppt/tags/tag350.xml><?xml version="1.0" encoding="utf-8"?>
 <p:tagLst xmlns:a="http://schemas.openxmlformats.org/drawingml/2006/main" xmlns:r="http://schemas.openxmlformats.org/officeDocument/2006/relationships" xmlns:p="http://schemas.openxmlformats.org/presentationml/2006/main">
   <p:tag name="KSO_WM_SLIDE_BACKGROUND_TYPE" val="frame"/>
   <p:tag name="KSO_WM_UNIT_TYPE" val="i"/>
@@ -38047,7 +37649,7 @@
 </p:tagLst>
 </file>
 
-<file path=ppt/tags/tag357.xml><?xml version="1.0" encoding="utf-8"?>
+<file path=ppt/tags/tag351.xml><?xml version="1.0" encoding="utf-8"?>
 <p:tagLst xmlns:a="http://schemas.openxmlformats.org/drawingml/2006/main" xmlns:r="http://schemas.openxmlformats.org/officeDocument/2006/relationships" xmlns:p="http://schemas.openxmlformats.org/presentationml/2006/main">
   <p:tag name="KSO_WM_SLIDE_BACKGROUND_TYPE" val="frame"/>
   <p:tag name="KSO_WM_UNIT_TYPE" val="i"/>
@@ -38067,7 +37669,7 @@
 </p:tagLst>
 </file>
 
-<file path=ppt/tags/tag358.xml><?xml version="1.0" encoding="utf-8"?>
+<file path=ppt/tags/tag352.xml><?xml version="1.0" encoding="utf-8"?>
 <p:tagLst xmlns:a="http://schemas.openxmlformats.org/drawingml/2006/main" xmlns:r="http://schemas.openxmlformats.org/officeDocument/2006/relationships" xmlns:p="http://schemas.openxmlformats.org/presentationml/2006/main">
   <p:tag name="KSO_WM_SLIDE_LAYOUT_INFO" val="{&quot;direction&quot;:0,&quot;horizontalAlign&quot;:-1,&quot;verticalAlign&quot;:-1,&quot;type&quot;:0,&quot;diagramDirection&quot;:0,&quot;canSetOverLayout&quot;:0,&quot;isOverLayout&quot;:0,&quot;margin&quot;:{&quot;left&quot;:1.69,&quot;top&quot;:1.69,&quot;right&quot;:1.69,&quot;bottom&quot;:1.69},&quot;edge&quot;:{&quot;left&quot;:true,&quot;top&quot;:true,&quot;right&quot;:true,&quot;bottom&quot;:true},&quot;backgroundInfo&quot;:[{&quot;type&quot;:&quot;general&quot;,&quot;left&quot;:0.0,&quot;top&quot;:0.0,&quot;right&quot;:0.0,&quot;bottom&quot;:0.0,&quot;leftAbs&quot;:false,&quot;topAbs&quot;:false,&quot;rightAbs&quot;:false,&quot;bottomAbs&quot;:false},{&quot;type&quot;:&quot;frame&quot;,&quot;left&quot;:0.0,&quot;top&quot;:0.0,&quot;right&quot;:0.0,&quot;bottom&quot;:0.0,&quot;leftAbs&quot;:false,&quot;topAbs&quot;:false,&quot;rightAbs&quot;:false,&quot;bottomAbs&quot;:false}]}"/>
   <p:tag name="KSO_WM_SLIDE_BACKGROUND" val="[&quot;general&quot;,&quot;frame&quot;]"/>
@@ -38093,7 +37695,7 @@
 </p:tagLst>
 </file>
 
-<file path=ppt/tags/tag359.xml><?xml version="1.0" encoding="utf-8"?>
+<file path=ppt/tags/tag353.xml><?xml version="1.0" encoding="utf-8"?>
 <p:tagLst xmlns:a="http://schemas.openxmlformats.org/drawingml/2006/main" xmlns:r="http://schemas.openxmlformats.org/officeDocument/2006/relationships" xmlns:p="http://schemas.openxmlformats.org/presentationml/2006/main">
   <p:tag name="KSO_WM_SLIDE_BACKGROUND_TYPE" val="frame"/>
   <p:tag name="KSO_WM_UNIT_HIGHLIGHT" val="0"/>
@@ -38119,20 +37721,7 @@
 </p:tagLst>
 </file>
 
-<file path=ppt/tags/tag36.xml><?xml version="1.0" encoding="utf-8"?>
-<p:tagLst xmlns:a="http://schemas.openxmlformats.org/drawingml/2006/main" xmlns:r="http://schemas.openxmlformats.org/officeDocument/2006/relationships" xmlns:p="http://schemas.openxmlformats.org/presentationml/2006/main">
-  <p:tag name="KSO_WM_UNIT_HIGHLIGHT" val="0"/>
-  <p:tag name="KSO_WM_UNIT_COMPATIBLE" val="0"/>
-  <p:tag name="KSO_WM_UNIT_DIAGRAM_ISNUMVISUAL" val="0"/>
-  <p:tag name="KSO_WM_UNIT_DIAGRAM_ISREFERUNIT" val="0"/>
-  <p:tag name="KSO_WM_UNIT_ID" val="_5**"/>
-  <p:tag name="KSO_WM_UNIT_LAYERLEVEL" val="1"/>
-  <p:tag name="KSO_WM_TAG_VERSION" val="1.0"/>
-  <p:tag name="KSO_WM_BEAUTIFY_FLAG" val="#wm#"/>
-</p:tagLst>
-</file>
-
-<file path=ppt/tags/tag360.xml><?xml version="1.0" encoding="utf-8"?>
+<file path=ppt/tags/tag354.xml><?xml version="1.0" encoding="utf-8"?>
 <p:tagLst xmlns:a="http://schemas.openxmlformats.org/drawingml/2006/main" xmlns:r="http://schemas.openxmlformats.org/officeDocument/2006/relationships" xmlns:p="http://schemas.openxmlformats.org/presentationml/2006/main">
   <p:tag name="KSO_WM_UNIT_BLOCK" val="0"/>
   <p:tag name="KSO_WM_UNIT_IS_LAYOUT_DIAGRAM" val="1"/>
@@ -38160,7 +37749,7 @@
 </p:tagLst>
 </file>
 
-<file path=ppt/tags/tag361.xml><?xml version="1.0" encoding="utf-8"?>
+<file path=ppt/tags/tag355.xml><?xml version="1.0" encoding="utf-8"?>
 <p:tagLst xmlns:a="http://schemas.openxmlformats.org/drawingml/2006/main" xmlns:r="http://schemas.openxmlformats.org/officeDocument/2006/relationships" xmlns:p="http://schemas.openxmlformats.org/presentationml/2006/main">
   <p:tag name="KSO_WM_UNIT_BLOCK" val="0"/>
   <p:tag name="KSO_WM_UNIT_IS_LAYOUT_DIAGRAM" val="1"/>
@@ -38185,7 +37774,7 @@
 </p:tagLst>
 </file>
 
-<file path=ppt/tags/tag362.xml><?xml version="1.0" encoding="utf-8"?>
+<file path=ppt/tags/tag356.xml><?xml version="1.0" encoding="utf-8"?>
 <p:tagLst xmlns:a="http://schemas.openxmlformats.org/drawingml/2006/main" xmlns:r="http://schemas.openxmlformats.org/officeDocument/2006/relationships" xmlns:p="http://schemas.openxmlformats.org/presentationml/2006/main">
   <p:tag name="KSO_WM_UNIT_BLOCK" val="0"/>
   <p:tag name="KSO_WM_UNIT_ISCONTENTSTITLE" val="0"/>
@@ -38212,7 +37801,7 @@
 </p:tagLst>
 </file>
 
-<file path=ppt/tags/tag363.xml><?xml version="1.0" encoding="utf-8"?>
+<file path=ppt/tags/tag357.xml><?xml version="1.0" encoding="utf-8"?>
 <p:tagLst xmlns:a="http://schemas.openxmlformats.org/drawingml/2006/main" xmlns:r="http://schemas.openxmlformats.org/officeDocument/2006/relationships" xmlns:p="http://schemas.openxmlformats.org/presentationml/2006/main">
   <p:tag name="KSO_WM_SLIDE_BACKGROUND_TYPE" val="frame"/>
   <p:tag name="KSO_WM_UNIT_TYPE" val="i"/>
@@ -38232,7 +37821,7 @@
 </p:tagLst>
 </file>
 
-<file path=ppt/tags/tag364.xml><?xml version="1.0" encoding="utf-8"?>
+<file path=ppt/tags/tag358.xml><?xml version="1.0" encoding="utf-8"?>
 <p:tagLst xmlns:a="http://schemas.openxmlformats.org/drawingml/2006/main" xmlns:r="http://schemas.openxmlformats.org/officeDocument/2006/relationships" xmlns:p="http://schemas.openxmlformats.org/presentationml/2006/main">
   <p:tag name="KSO_WM_SLIDE_BACKGROUND_TYPE" val="frame"/>
   <p:tag name="KSO_WM_UNIT_TYPE" val="i"/>
@@ -38252,7 +37841,7 @@
 </p:tagLst>
 </file>
 
-<file path=ppt/tags/tag365.xml><?xml version="1.0" encoding="utf-8"?>
+<file path=ppt/tags/tag359.xml><?xml version="1.0" encoding="utf-8"?>
 <p:tagLst xmlns:a="http://schemas.openxmlformats.org/drawingml/2006/main" xmlns:r="http://schemas.openxmlformats.org/officeDocument/2006/relationships" xmlns:p="http://schemas.openxmlformats.org/presentationml/2006/main">
   <p:tag name="KSO_WM_SLIDE_LAYOUT_INFO" val="{&quot;direction&quot;:0,&quot;horizontalAlign&quot;:-1,&quot;verticalAlign&quot;:-1,&quot;type&quot;:0,&quot;diagramDirection&quot;:0,&quot;canSetOverLayout&quot;:0,&quot;isOverLayout&quot;:0,&quot;margin&quot;:{&quot;left&quot;:1.69,&quot;top&quot;:1.69,&quot;right&quot;:1.69,&quot;bottom&quot;:1.69},&quot;edge&quot;:{&quot;left&quot;:true,&quot;top&quot;:true,&quot;right&quot;:true,&quot;bottom&quot;:true},&quot;backgroundInfo&quot;:[{&quot;type&quot;:&quot;general&quot;,&quot;left&quot;:0.0,&quot;top&quot;:0.0,&quot;right&quot;:0.0,&quot;bottom&quot;:0.0,&quot;leftAbs&quot;:false,&quot;topAbs&quot;:false,&quot;rightAbs&quot;:false,&quot;bottomAbs&quot;:false},{&quot;type&quot;:&quot;frame&quot;,&quot;left&quot;:0.0,&quot;top&quot;:0.0,&quot;right&quot;:0.0,&quot;bottom&quot;:0.0,&quot;leftAbs&quot;:false,&quot;topAbs&quot;:false,&quot;rightAbs&quot;:false,&quot;bottomAbs&quot;:false}]}"/>
   <p:tag name="KSO_WM_SLIDE_BACKGROUND" val="[&quot;general&quot;,&quot;frame&quot;]"/>
@@ -38278,7 +37867,20 @@
 </p:tagLst>
 </file>
 
-<file path=ppt/tags/tag366.xml><?xml version="1.0" encoding="utf-8"?>
+<file path=ppt/tags/tag36.xml><?xml version="1.0" encoding="utf-8"?>
+<p:tagLst xmlns:a="http://schemas.openxmlformats.org/drawingml/2006/main" xmlns:r="http://schemas.openxmlformats.org/officeDocument/2006/relationships" xmlns:p="http://schemas.openxmlformats.org/presentationml/2006/main">
+  <p:tag name="KSO_WM_UNIT_HIGHLIGHT" val="0"/>
+  <p:tag name="KSO_WM_UNIT_COMPATIBLE" val="0"/>
+  <p:tag name="KSO_WM_UNIT_DIAGRAM_ISNUMVISUAL" val="0"/>
+  <p:tag name="KSO_WM_UNIT_DIAGRAM_ISREFERUNIT" val="0"/>
+  <p:tag name="KSO_WM_UNIT_ID" val="_5**"/>
+  <p:tag name="KSO_WM_UNIT_LAYERLEVEL" val="1"/>
+  <p:tag name="KSO_WM_TAG_VERSION" val="1.0"/>
+  <p:tag name="KSO_WM_BEAUTIFY_FLAG" val="#wm#"/>
+</p:tagLst>
+</file>
+
+<file path=ppt/tags/tag360.xml><?xml version="1.0" encoding="utf-8"?>
 <p:tagLst xmlns:a="http://schemas.openxmlformats.org/drawingml/2006/main" xmlns:r="http://schemas.openxmlformats.org/officeDocument/2006/relationships" xmlns:p="http://schemas.openxmlformats.org/presentationml/2006/main">
   <p:tag name="KSO_WM_SLIDE_BACKGROUND_TYPE" val="frame"/>
   <p:tag name="KSO_WM_UNIT_HIGHLIGHT" val="0"/>
@@ -38304,7 +37906,7 @@
 </p:tagLst>
 </file>
 
-<file path=ppt/tags/tag367.xml><?xml version="1.0" encoding="utf-8"?>
+<file path=ppt/tags/tag361.xml><?xml version="1.0" encoding="utf-8"?>
 <p:tagLst xmlns:a="http://schemas.openxmlformats.org/drawingml/2006/main" xmlns:r="http://schemas.openxmlformats.org/officeDocument/2006/relationships" xmlns:p="http://schemas.openxmlformats.org/presentationml/2006/main">
   <p:tag name="KSO_WM_UNIT_BLOCK" val="0"/>
   <p:tag name="KSO_WM_UNIT_IS_LAYOUT_DIAGRAM" val="1"/>
@@ -38332,7 +37934,7 @@
 </p:tagLst>
 </file>
 
-<file path=ppt/tags/tag368.xml><?xml version="1.0" encoding="utf-8"?>
+<file path=ppt/tags/tag362.xml><?xml version="1.0" encoding="utf-8"?>
 <p:tagLst xmlns:a="http://schemas.openxmlformats.org/drawingml/2006/main" xmlns:r="http://schemas.openxmlformats.org/officeDocument/2006/relationships" xmlns:p="http://schemas.openxmlformats.org/presentationml/2006/main">
   <p:tag name="KSO_WM_UNIT_BLOCK" val="0"/>
   <p:tag name="KSO_WM_UNIT_IS_LAYOUT_DIAGRAM" val="1"/>
@@ -38357,7 +37959,7 @@
 </p:tagLst>
 </file>
 
-<file path=ppt/tags/tag369.xml><?xml version="1.0" encoding="utf-8"?>
+<file path=ppt/tags/tag363.xml><?xml version="1.0" encoding="utf-8"?>
 <p:tagLst xmlns:a="http://schemas.openxmlformats.org/drawingml/2006/main" xmlns:r="http://schemas.openxmlformats.org/officeDocument/2006/relationships" xmlns:p="http://schemas.openxmlformats.org/presentationml/2006/main">
   <p:tag name="KSO_WM_UNIT_BLOCK" val="0"/>
   <p:tag name="KSO_WM_UNIT_ISCONTENTSTITLE" val="0"/>
@@ -38384,20 +37986,7 @@
 </p:tagLst>
 </file>
 
-<file path=ppt/tags/tag37.xml><?xml version="1.0" encoding="utf-8"?>
-<p:tagLst xmlns:a="http://schemas.openxmlformats.org/drawingml/2006/main" xmlns:r="http://schemas.openxmlformats.org/officeDocument/2006/relationships" xmlns:p="http://schemas.openxmlformats.org/presentationml/2006/main">
-  <p:tag name="KSO_WM_UNIT_HIGHLIGHT" val="0"/>
-  <p:tag name="KSO_WM_UNIT_COMPATIBLE" val="0"/>
-  <p:tag name="KSO_WM_UNIT_DIAGRAM_ISNUMVISUAL" val="0"/>
-  <p:tag name="KSO_WM_UNIT_DIAGRAM_ISREFERUNIT" val="0"/>
-  <p:tag name="KSO_WM_UNIT_ID" val="_5**"/>
-  <p:tag name="KSO_WM_UNIT_LAYERLEVEL" val="1"/>
-  <p:tag name="KSO_WM_TAG_VERSION" val="1.0"/>
-  <p:tag name="KSO_WM_BEAUTIFY_FLAG" val="#wm#"/>
-</p:tagLst>
-</file>
-
-<file path=ppt/tags/tag370.xml><?xml version="1.0" encoding="utf-8"?>
+<file path=ppt/tags/tag364.xml><?xml version="1.0" encoding="utf-8"?>
 <p:tagLst xmlns:a="http://schemas.openxmlformats.org/drawingml/2006/main" xmlns:r="http://schemas.openxmlformats.org/officeDocument/2006/relationships" xmlns:p="http://schemas.openxmlformats.org/presentationml/2006/main">
   <p:tag name="KSO_WM_SLIDE_BACKGROUND_TYPE" val="frame"/>
   <p:tag name="KSO_WM_UNIT_TYPE" val="i"/>
@@ -38417,7 +38006,7 @@
 </p:tagLst>
 </file>
 
-<file path=ppt/tags/tag371.xml><?xml version="1.0" encoding="utf-8"?>
+<file path=ppt/tags/tag365.xml><?xml version="1.0" encoding="utf-8"?>
 <p:tagLst xmlns:a="http://schemas.openxmlformats.org/drawingml/2006/main" xmlns:r="http://schemas.openxmlformats.org/officeDocument/2006/relationships" xmlns:p="http://schemas.openxmlformats.org/presentationml/2006/main">
   <p:tag name="KSO_WM_SLIDE_BACKGROUND_TYPE" val="frame"/>
   <p:tag name="KSO_WM_UNIT_TYPE" val="i"/>
@@ -38437,7 +38026,7 @@
 </p:tagLst>
 </file>
 
-<file path=ppt/tags/tag372.xml><?xml version="1.0" encoding="utf-8"?>
+<file path=ppt/tags/tag366.xml><?xml version="1.0" encoding="utf-8"?>
 <p:tagLst xmlns:a="http://schemas.openxmlformats.org/drawingml/2006/main" xmlns:r="http://schemas.openxmlformats.org/officeDocument/2006/relationships" xmlns:p="http://schemas.openxmlformats.org/presentationml/2006/main">
   <p:tag name="KSO_WM_SLIDE_LAYOUT_INFO" val="{&quot;direction&quot;:0,&quot;horizontalAlign&quot;:-1,&quot;verticalAlign&quot;:-1,&quot;type&quot;:0,&quot;diagramDirection&quot;:0,&quot;canSetOverLayout&quot;:0,&quot;isOverLayout&quot;:0,&quot;margin&quot;:{&quot;left&quot;:1.69,&quot;top&quot;:1.69,&quot;right&quot;:1.69,&quot;bottom&quot;:1.69},&quot;edge&quot;:{&quot;left&quot;:true,&quot;top&quot;:true,&quot;right&quot;:true,&quot;bottom&quot;:true},&quot;backgroundInfo&quot;:[{&quot;type&quot;:&quot;general&quot;,&quot;left&quot;:0.0,&quot;top&quot;:0.0,&quot;right&quot;:0.0,&quot;bottom&quot;:0.0,&quot;leftAbs&quot;:false,&quot;topAbs&quot;:false,&quot;rightAbs&quot;:false,&quot;bottomAbs&quot;:false},{&quot;type&quot;:&quot;frame&quot;,&quot;left&quot;:0.0,&quot;top&quot;:0.0,&quot;right&quot;:0.0,&quot;bottom&quot;:0.0,&quot;leftAbs&quot;:false,&quot;topAbs&quot;:false,&quot;rightAbs&quot;:false,&quot;bottomAbs&quot;:false}]}"/>
   <p:tag name="KSO_WM_SLIDE_BACKGROUND" val="[&quot;general&quot;,&quot;frame&quot;]"/>
@@ -38463,7 +38052,7 @@
 </p:tagLst>
 </file>
 
-<file path=ppt/tags/tag373.xml><?xml version="1.0" encoding="utf-8"?>
+<file path=ppt/tags/tag367.xml><?xml version="1.0" encoding="utf-8"?>
 <p:tagLst xmlns:a="http://schemas.openxmlformats.org/drawingml/2006/main" xmlns:r="http://schemas.openxmlformats.org/officeDocument/2006/relationships" xmlns:p="http://schemas.openxmlformats.org/presentationml/2006/main">
   <p:tag name="KSO_WM_SLIDE_BACKGROUND_TYPE" val="frame"/>
   <p:tag name="KSO_WM_UNIT_HIGHLIGHT" val="0"/>
@@ -38489,7 +38078,7 @@
 </p:tagLst>
 </file>
 
-<file path=ppt/tags/tag374.xml><?xml version="1.0" encoding="utf-8"?>
+<file path=ppt/tags/tag368.xml><?xml version="1.0" encoding="utf-8"?>
 <p:tagLst xmlns:a="http://schemas.openxmlformats.org/drawingml/2006/main" xmlns:r="http://schemas.openxmlformats.org/officeDocument/2006/relationships" xmlns:p="http://schemas.openxmlformats.org/presentationml/2006/main">
   <p:tag name="KSO_WM_UNIT_BLOCK" val="0"/>
   <p:tag name="KSO_WM_UNIT_IS_LAYOUT_DIAGRAM" val="1"/>
@@ -38517,7 +38106,7 @@
 </p:tagLst>
 </file>
 
-<file path=ppt/tags/tag375.xml><?xml version="1.0" encoding="utf-8"?>
+<file path=ppt/tags/tag369.xml><?xml version="1.0" encoding="utf-8"?>
 <p:tagLst xmlns:a="http://schemas.openxmlformats.org/drawingml/2006/main" xmlns:r="http://schemas.openxmlformats.org/officeDocument/2006/relationships" xmlns:p="http://schemas.openxmlformats.org/presentationml/2006/main">
   <p:tag name="KSO_WM_UNIT_BLOCK" val="0"/>
   <p:tag name="KSO_WM_UNIT_IS_LAYOUT_DIAGRAM" val="1"/>
@@ -38542,7 +38131,20 @@
 </p:tagLst>
 </file>
 
-<file path=ppt/tags/tag376.xml><?xml version="1.0" encoding="utf-8"?>
+<file path=ppt/tags/tag37.xml><?xml version="1.0" encoding="utf-8"?>
+<p:tagLst xmlns:a="http://schemas.openxmlformats.org/drawingml/2006/main" xmlns:r="http://schemas.openxmlformats.org/officeDocument/2006/relationships" xmlns:p="http://schemas.openxmlformats.org/presentationml/2006/main">
+  <p:tag name="KSO_WM_UNIT_HIGHLIGHT" val="0"/>
+  <p:tag name="KSO_WM_UNIT_COMPATIBLE" val="0"/>
+  <p:tag name="KSO_WM_UNIT_DIAGRAM_ISNUMVISUAL" val="0"/>
+  <p:tag name="KSO_WM_UNIT_DIAGRAM_ISREFERUNIT" val="0"/>
+  <p:tag name="KSO_WM_UNIT_ID" val="_5**"/>
+  <p:tag name="KSO_WM_UNIT_LAYERLEVEL" val="1"/>
+  <p:tag name="KSO_WM_TAG_VERSION" val="1.0"/>
+  <p:tag name="KSO_WM_BEAUTIFY_FLAG" val="#wm#"/>
+</p:tagLst>
+</file>
+
+<file path=ppt/tags/tag370.xml><?xml version="1.0" encoding="utf-8"?>
 <p:tagLst xmlns:a="http://schemas.openxmlformats.org/drawingml/2006/main" xmlns:r="http://schemas.openxmlformats.org/officeDocument/2006/relationships" xmlns:p="http://schemas.openxmlformats.org/presentationml/2006/main">
   <p:tag name="KSO_WM_UNIT_BLOCK" val="0"/>
   <p:tag name="KSO_WM_UNIT_ISCONTENTSTITLE" val="0"/>
@@ -38569,7 +38171,7 @@
 </p:tagLst>
 </file>
 
-<file path=ppt/tags/tag377.xml><?xml version="1.0" encoding="utf-8"?>
+<file path=ppt/tags/tag371.xml><?xml version="1.0" encoding="utf-8"?>
 <p:tagLst xmlns:a="http://schemas.openxmlformats.org/drawingml/2006/main" xmlns:r="http://schemas.openxmlformats.org/officeDocument/2006/relationships" xmlns:p="http://schemas.openxmlformats.org/presentationml/2006/main">
   <p:tag name="KSO_WM_SLIDE_BACKGROUND_TYPE" val="frame"/>
   <p:tag name="KSO_WM_UNIT_TYPE" val="i"/>
@@ -38589,7 +38191,7 @@
 </p:tagLst>
 </file>
 
-<file path=ppt/tags/tag378.xml><?xml version="1.0" encoding="utf-8"?>
+<file path=ppt/tags/tag372.xml><?xml version="1.0" encoding="utf-8"?>
 <p:tagLst xmlns:a="http://schemas.openxmlformats.org/drawingml/2006/main" xmlns:r="http://schemas.openxmlformats.org/officeDocument/2006/relationships" xmlns:p="http://schemas.openxmlformats.org/presentationml/2006/main">
   <p:tag name="KSO_WM_SLIDE_BACKGROUND_TYPE" val="frame"/>
   <p:tag name="KSO_WM_UNIT_TYPE" val="i"/>
@@ -38609,7 +38211,7 @@
 </p:tagLst>
 </file>
 
-<file path=ppt/tags/tag379.xml><?xml version="1.0" encoding="utf-8"?>
+<file path=ppt/tags/tag373.xml><?xml version="1.0" encoding="utf-8"?>
 <p:tagLst xmlns:a="http://schemas.openxmlformats.org/drawingml/2006/main" xmlns:r="http://schemas.openxmlformats.org/officeDocument/2006/relationships" xmlns:p="http://schemas.openxmlformats.org/presentationml/2006/main">
   <p:tag name="KSO_WM_SLIDE_LAYOUT_INFO" val="{&quot;direction&quot;:0,&quot;horizontalAlign&quot;:-1,&quot;verticalAlign&quot;:-1,&quot;type&quot;:0,&quot;diagramDirection&quot;:0,&quot;canSetOverLayout&quot;:0,&quot;isOverLayout&quot;:0,&quot;margin&quot;:{&quot;left&quot;:1.69,&quot;top&quot;:1.69,&quot;right&quot;:1.69,&quot;bottom&quot;:1.69},&quot;edge&quot;:{&quot;left&quot;:true,&quot;top&quot;:true,&quot;right&quot;:true,&quot;bottom&quot;:true},&quot;backgroundInfo&quot;:[{&quot;type&quot;:&quot;general&quot;,&quot;left&quot;:0.0,&quot;top&quot;:0.0,&quot;right&quot;:0.0,&quot;bottom&quot;:0.0,&quot;leftAbs&quot;:false,&quot;topAbs&quot;:false,&quot;rightAbs&quot;:false,&quot;bottomAbs&quot;:false},{&quot;type&quot;:&quot;frame&quot;,&quot;left&quot;:0.0,&quot;top&quot;:0.0,&quot;right&quot;:0.0,&quot;bottom&quot;:0.0,&quot;leftAbs&quot;:false,&quot;topAbs&quot;:false,&quot;rightAbs&quot;:false,&quot;bottomAbs&quot;:false}]}"/>
   <p:tag name="KSO_WM_SLIDE_BACKGROUND" val="[&quot;general&quot;,&quot;frame&quot;]"/>
@@ -38635,20 +38237,7 @@
 </p:tagLst>
 </file>
 
-<file path=ppt/tags/tag38.xml><?xml version="1.0" encoding="utf-8"?>
-<p:tagLst xmlns:a="http://schemas.openxmlformats.org/drawingml/2006/main" xmlns:r="http://schemas.openxmlformats.org/officeDocument/2006/relationships" xmlns:p="http://schemas.openxmlformats.org/presentationml/2006/main">
-  <p:tag name="KSO_WM_UNIT_HIGHLIGHT" val="0"/>
-  <p:tag name="KSO_WM_UNIT_COMPATIBLE" val="0"/>
-  <p:tag name="KSO_WM_UNIT_DIAGRAM_ISNUMVISUAL" val="0"/>
-  <p:tag name="KSO_WM_UNIT_DIAGRAM_ISREFERUNIT" val="0"/>
-  <p:tag name="KSO_WM_UNIT_ID" val="_5**"/>
-  <p:tag name="KSO_WM_UNIT_LAYERLEVEL" val="1"/>
-  <p:tag name="KSO_WM_TAG_VERSION" val="1.0"/>
-  <p:tag name="KSO_WM_BEAUTIFY_FLAG" val="#wm#"/>
-</p:tagLst>
-</file>
-
-<file path=ppt/tags/tag380.xml><?xml version="1.0" encoding="utf-8"?>
+<file path=ppt/tags/tag374.xml><?xml version="1.0" encoding="utf-8"?>
 <p:tagLst xmlns:a="http://schemas.openxmlformats.org/drawingml/2006/main" xmlns:r="http://schemas.openxmlformats.org/officeDocument/2006/relationships" xmlns:p="http://schemas.openxmlformats.org/presentationml/2006/main">
   <p:tag name="KSO_WM_SLIDE_BACKGROUND_TYPE" val="frame"/>
   <p:tag name="KSO_WM_UNIT_HIGHLIGHT" val="0"/>
@@ -38674,7 +38263,7 @@
 </p:tagLst>
 </file>
 
-<file path=ppt/tags/tag381.xml><?xml version="1.0" encoding="utf-8"?>
+<file path=ppt/tags/tag375.xml><?xml version="1.0" encoding="utf-8"?>
 <p:tagLst xmlns:a="http://schemas.openxmlformats.org/drawingml/2006/main" xmlns:r="http://schemas.openxmlformats.org/officeDocument/2006/relationships" xmlns:p="http://schemas.openxmlformats.org/presentationml/2006/main">
   <p:tag name="KSO_WM_UNIT_BLOCK" val="0"/>
   <p:tag name="KSO_WM_UNIT_IS_LAYOUT_DIAGRAM" val="1"/>
@@ -38702,7 +38291,7 @@
 </p:tagLst>
 </file>
 
-<file path=ppt/tags/tag382.xml><?xml version="1.0" encoding="utf-8"?>
+<file path=ppt/tags/tag376.xml><?xml version="1.0" encoding="utf-8"?>
 <p:tagLst xmlns:a="http://schemas.openxmlformats.org/drawingml/2006/main" xmlns:r="http://schemas.openxmlformats.org/officeDocument/2006/relationships" xmlns:p="http://schemas.openxmlformats.org/presentationml/2006/main">
   <p:tag name="KSO_WM_UNIT_BLOCK" val="0"/>
   <p:tag name="KSO_WM_UNIT_IS_LAYOUT_DIAGRAM" val="1"/>
@@ -38727,7 +38316,7 @@
 </p:tagLst>
 </file>
 
-<file path=ppt/tags/tag383.xml><?xml version="1.0" encoding="utf-8"?>
+<file path=ppt/tags/tag377.xml><?xml version="1.0" encoding="utf-8"?>
 <p:tagLst xmlns:a="http://schemas.openxmlformats.org/drawingml/2006/main" xmlns:r="http://schemas.openxmlformats.org/officeDocument/2006/relationships" xmlns:p="http://schemas.openxmlformats.org/presentationml/2006/main">
   <p:tag name="KSO_WM_UNIT_BLOCK" val="0"/>
   <p:tag name="KSO_WM_UNIT_ISCONTENTSTITLE" val="0"/>
@@ -38754,7 +38343,7 @@
 </p:tagLst>
 </file>
 
-<file path=ppt/tags/tag384.xml><?xml version="1.0" encoding="utf-8"?>
+<file path=ppt/tags/tag378.xml><?xml version="1.0" encoding="utf-8"?>
 <p:tagLst xmlns:a="http://schemas.openxmlformats.org/drawingml/2006/main" xmlns:r="http://schemas.openxmlformats.org/officeDocument/2006/relationships" xmlns:p="http://schemas.openxmlformats.org/presentationml/2006/main">
   <p:tag name="KSO_WM_SLIDE_BACKGROUND_TYPE" val="frame"/>
   <p:tag name="KSO_WM_UNIT_TYPE" val="i"/>
@@ -38774,7 +38363,7 @@
 </p:tagLst>
 </file>
 
-<file path=ppt/tags/tag385.xml><?xml version="1.0" encoding="utf-8"?>
+<file path=ppt/tags/tag379.xml><?xml version="1.0" encoding="utf-8"?>
 <p:tagLst xmlns:a="http://schemas.openxmlformats.org/drawingml/2006/main" xmlns:r="http://schemas.openxmlformats.org/officeDocument/2006/relationships" xmlns:p="http://schemas.openxmlformats.org/presentationml/2006/main">
   <p:tag name="KSO_WM_SLIDE_BACKGROUND_TYPE" val="frame"/>
   <p:tag name="KSO_WM_UNIT_TYPE" val="i"/>
@@ -38794,7 +38383,620 @@
 </p:tagLst>
 </file>
 
+<file path=ppt/tags/tag38.xml><?xml version="1.0" encoding="utf-8"?>
+<p:tagLst xmlns:a="http://schemas.openxmlformats.org/drawingml/2006/main" xmlns:r="http://schemas.openxmlformats.org/officeDocument/2006/relationships" xmlns:p="http://schemas.openxmlformats.org/presentationml/2006/main">
+  <p:tag name="KSO_WM_UNIT_HIGHLIGHT" val="0"/>
+  <p:tag name="KSO_WM_UNIT_COMPATIBLE" val="0"/>
+  <p:tag name="KSO_WM_UNIT_DIAGRAM_ISNUMVISUAL" val="0"/>
+  <p:tag name="KSO_WM_UNIT_DIAGRAM_ISREFERUNIT" val="0"/>
+  <p:tag name="KSO_WM_UNIT_ID" val="_5**"/>
+  <p:tag name="KSO_WM_UNIT_LAYERLEVEL" val="1"/>
+  <p:tag name="KSO_WM_TAG_VERSION" val="1.0"/>
+  <p:tag name="KSO_WM_BEAUTIFY_FLAG" val="#wm#"/>
+</p:tagLst>
+</file>
+
+<file path=ppt/tags/tag380.xml><?xml version="1.0" encoding="utf-8"?>
+<p:tagLst xmlns:a="http://schemas.openxmlformats.org/drawingml/2006/main" xmlns:r="http://schemas.openxmlformats.org/officeDocument/2006/relationships" xmlns:p="http://schemas.openxmlformats.org/presentationml/2006/main">
+  <p:tag name="KSO_WM_TEMPLATE_SUBCATEGORY" val="0"/>
+  <p:tag name="KSO_WM_SLIDE_TYPE" val="sectionTitle"/>
+  <p:tag name="KSO_WM_SLIDE_SUBTYPE" val="pureTxt"/>
+  <p:tag name="KSO_WM_SLIDE_ITEM_CNT" val="0"/>
+  <p:tag name="KSO_WM_SLIDE_INDEX" val="7"/>
+  <p:tag name="KSO_WM_TAG_VERSION" val="1.0"/>
+  <p:tag name="KSO_WM_BEAUTIFY_FLAG" val="#wm#"/>
+  <p:tag name="KSO_WM_SLIDE_LAYOUT" val="a_e"/>
+  <p:tag name="KSO_WM_SLIDE_LAYOUT_CNT" val="1_1"/>
+  <p:tag name="KSO_WM_TEMPLATE_MASTER_TYPE" val="1"/>
+  <p:tag name="KSO_WM_TEMPLATE_COLOR_TYPE" val="1"/>
+  <p:tag name="KSO_WM_TEMPLATE_CATEGORY" val="custom"/>
+  <p:tag name="KSO_WM_TEMPLATE_INDEX" val="20204339"/>
+  <p:tag name="KSO_WM_SLIDE_ID" val="custom20204339_7"/>
+</p:tagLst>
+</file>
+
+<file path=ppt/tags/tag381.xml><?xml version="1.0" encoding="utf-8"?>
+<p:tagLst xmlns:a="http://schemas.openxmlformats.org/drawingml/2006/main" xmlns:r="http://schemas.openxmlformats.org/officeDocument/2006/relationships" xmlns:p="http://schemas.openxmlformats.org/presentationml/2006/main">
+  <p:tag name="KSO_WM_UNIT_PRESET_TEXT" val="PART 01"/>
+  <p:tag name="KSO_WM_UNIT_NOCLEAR" val="0"/>
+  <p:tag name="KSO_WM_UNIT_VALUE" val="4"/>
+  <p:tag name="KSO_WM_UNIT_HIGHLIGHT" val="0"/>
+  <p:tag name="KSO_WM_UNIT_COMPATIBLE" val="1"/>
+  <p:tag name="KSO_WM_UNIT_DIAGRAM_ISNUMVISUAL" val="0"/>
+  <p:tag name="KSO_WM_UNIT_DIAGRAM_ISREFERUNIT" val="0"/>
+  <p:tag name="KSO_WM_UNIT_TYPE" val="e"/>
+  <p:tag name="KSO_WM_UNIT_INDEX" val="1"/>
+  <p:tag name="KSO_WM_UNIT_ID" val="custom20204339_7*e*1"/>
+  <p:tag name="KSO_WM_TEMPLATE_CATEGORY" val="custom"/>
+  <p:tag name="KSO_WM_TEMPLATE_INDEX" val="20204339"/>
+  <p:tag name="KSO_WM_UNIT_LAYERLEVEL" val="1"/>
+  <p:tag name="KSO_WM_TAG_VERSION" val="1.0"/>
+  <p:tag name="KSO_WM_BEAUTIFY_FLAG" val="#wm#"/>
+</p:tagLst>
+</file>
+
+<file path=ppt/tags/tag382.xml><?xml version="1.0" encoding="utf-8"?>
+<p:tagLst xmlns:a="http://schemas.openxmlformats.org/drawingml/2006/main" xmlns:r="http://schemas.openxmlformats.org/officeDocument/2006/relationships" xmlns:p="http://schemas.openxmlformats.org/presentationml/2006/main">
+  <p:tag name="KSO_WM_SLIDE_LAYOUT_INFO" val="{&quot;direction&quot;:0,&quot;horizontalAlign&quot;:-1,&quot;verticalAlign&quot;:-1,&quot;type&quot;:0,&quot;diagramDirection&quot;:0,&quot;canSetOverLayout&quot;:0,&quot;isOverLayout&quot;:0,&quot;margin&quot;:{&quot;left&quot;:1.69,&quot;top&quot;:1.69,&quot;right&quot;:1.69,&quot;bottom&quot;:1.69},&quot;edge&quot;:{&quot;left&quot;:true,&quot;top&quot;:true,&quot;right&quot;:true,&quot;bottom&quot;:true},&quot;backgroundInfo&quot;:[{&quot;type&quot;:&quot;general&quot;,&quot;left&quot;:0.0,&quot;top&quot;:0.0,&quot;right&quot;:0.0,&quot;bottom&quot;:0.0,&quot;leftAbs&quot;:false,&quot;topAbs&quot;:false,&quot;rightAbs&quot;:false,&quot;bottomAbs&quot;:false},{&quot;type&quot;:&quot;frame&quot;,&quot;left&quot;:0.0,&quot;top&quot;:0.0,&quot;right&quot;:0.0,&quot;bottom&quot;:0.0,&quot;leftAbs&quot;:false,&quot;topAbs&quot;:false,&quot;rightAbs&quot;:false,&quot;bottomAbs&quot;:false}]}"/>
+  <p:tag name="KSO_WM_SLIDE_BACKGROUND" val="[&quot;general&quot;,&quot;frame&quot;]"/>
+  <p:tag name="KSO_WM_SLIDE_RATIO" val="1.777778"/>
+  <p:tag name="KSO_WM_SLIDE_ID" val="custom20204339_12"/>
+  <p:tag name="KSO_WM_TEMPLATE_SUBCATEGORY" val="0"/>
+  <p:tag name="KSO_WM_TEMPLATE_MASTER_TYPE" val="1"/>
+  <p:tag name="KSO_WM_TEMPLATE_COLOR_TYPE" val="1"/>
+  <p:tag name="KSO_WM_SLIDE_TYPE" val="text"/>
+  <p:tag name="KSO_WM_SLIDE_SUBTYPE" val="diag"/>
+  <p:tag name="KSO_WM_SLIDE_ITEM_CNT" val="4"/>
+  <p:tag name="KSO_WM_SLIDE_INDEX" val="12"/>
+  <p:tag name="KSO_WM_SLIDE_SIZE" val="863.821*341.244"/>
+  <p:tag name="KSO_WM_SLIDE_POSITION" val="47.928*150.85"/>
+  <p:tag name="KSO_WM_DIAGRAM_GROUP_CODE" val="l1-2"/>
+  <p:tag name="KSO_WM_SLIDE_DIAGTYPE" val="l"/>
+  <p:tag name="KSO_WM_TAG_VERSION" val="1.0"/>
+  <p:tag name="KSO_WM_BEAUTIFY_FLAG" val="#wm#"/>
+  <p:tag name="KSO_WM_TEMPLATE_CATEGORY" val="custom"/>
+  <p:tag name="KSO_WM_TEMPLATE_INDEX" val="20204339"/>
+  <p:tag name="KSO_WM_SLIDE_LAYOUT" val="a_i_l"/>
+  <p:tag name="KSO_WM_SLIDE_LAYOUT_CNT" val="1_1_1"/>
+</p:tagLst>
+</file>
+
+<file path=ppt/tags/tag383.xml><?xml version="1.0" encoding="utf-8"?>
+<p:tagLst xmlns:a="http://schemas.openxmlformats.org/drawingml/2006/main" xmlns:r="http://schemas.openxmlformats.org/officeDocument/2006/relationships" xmlns:p="http://schemas.openxmlformats.org/presentationml/2006/main">
+  <p:tag name="KSO_WM_SLIDE_BACKGROUND_TYPE" val="frame"/>
+  <p:tag name="KSO_WM_UNIT_HIGHLIGHT" val="0"/>
+  <p:tag name="KSO_WM_UNIT_COMPATIBLE" val="0"/>
+  <p:tag name="KSO_WM_UNIT_DIAGRAM_ISNUMVISUAL" val="0"/>
+  <p:tag name="KSO_WM_UNIT_DIAGRAM_ISREFERUNIT" val="0"/>
+  <p:tag name="KSO_WM_DIAGRAM_GROUP_CODE" val="l1-2"/>
+  <p:tag name="KSO_WM_UNIT_SUBTYPE" val="h"/>
+  <p:tag name="KSO_WM_UNIT_TYPE" val="i"/>
+  <p:tag name="KSO_WM_UNIT_INDEX" val="1"/>
+  <p:tag name="KSO_WM_UNIT_ID" val="custom20204339_12*i*1"/>
+  <p:tag name="KSO_WM_TEMPLATE_CATEGORY" val="custom"/>
+  <p:tag name="KSO_WM_TEMPLATE_INDEX" val="20204339"/>
+  <p:tag name="KSO_WM_UNIT_BK_DARK_LIGHT" val="2"/>
+  <p:tag name="KSO_WM_UNIT_LAYERLEVEL" val="1"/>
+  <p:tag name="KSO_WM_TAG_VERSION" val="1.0"/>
+  <p:tag name="KSO_WM_BEAUTIFY_FLAG" val="#wm#"/>
+  <p:tag name="KSO_WM_UNIT_FILL_FORE_SCHEMECOLOR_INDEX" val="16"/>
+  <p:tag name="KSO_WM_UNIT_FILL_TYPE" val="1"/>
+  <p:tag name="KSO_WM_UNIT_TEXT_FILL_FORE_SCHEMECOLOR_INDEX" val="2"/>
+  <p:tag name="KSO_WM_UNIT_TEXT_FILL_TYPE" val="1"/>
+  <p:tag name="KSO_WM_UNIT_USESOURCEFORMAT_APPLY" val="1"/>
+</p:tagLst>
+</file>
+
+<file path=ppt/tags/tag384.xml><?xml version="1.0" encoding="utf-8"?>
+<p:tagLst xmlns:a="http://schemas.openxmlformats.org/drawingml/2006/main" xmlns:r="http://schemas.openxmlformats.org/officeDocument/2006/relationships" xmlns:p="http://schemas.openxmlformats.org/presentationml/2006/main">
+  <p:tag name="KSO_WM_UNIT_BLOCK" val="0"/>
+  <p:tag name="KSO_WM_UNIT_HIGHLIGHT" val="0"/>
+  <p:tag name="KSO_WM_UNIT_COMPATIBLE" val="0"/>
+  <p:tag name="KSO_WM_UNIT_DIAGRAM_ISNUMVISUAL" val="0"/>
+  <p:tag name="KSO_WM_UNIT_DIAGRAM_ISREFERUNIT" val="0"/>
+  <p:tag name="KSO_WM_DIAGRAM_GROUP_CODE" val="l1-2"/>
+  <p:tag name="KSO_WM_UNIT_TYPE" val="l_z"/>
+  <p:tag name="KSO_WM_UNIT_INDEX" val="1_1"/>
+  <p:tag name="KSO_WM_UNIT_ID" val="custom20204339_12*l_z*1_1"/>
+  <p:tag name="KSO_WM_TEMPLATE_CATEGORY" val="custom"/>
+  <p:tag name="KSO_WM_TEMPLATE_INDEX" val="20204339"/>
+  <p:tag name="KSO_WM_UNIT_LAYERLEVEL" val="1_1"/>
+  <p:tag name="KSO_WM_TAG_VERSION" val="1.0"/>
+  <p:tag name="KSO_WM_BEAUTIFY_FLAG" val="#wm#"/>
+  <p:tag name="KSO_WM_UNIT_LINE_FORE_SCHEMECOLOR_INDEX" val="14"/>
+  <p:tag name="KSO_WM_UNIT_LINE_FILL_TYPE" val="2"/>
+  <p:tag name="KSO_WM_UNIT_USESOURCEFORMAT_APPLY" val="1"/>
+</p:tagLst>
+</file>
+
+<file path=ppt/tags/tag385.xml><?xml version="1.0" encoding="utf-8"?>
+<p:tagLst xmlns:a="http://schemas.openxmlformats.org/drawingml/2006/main" xmlns:r="http://schemas.openxmlformats.org/officeDocument/2006/relationships" xmlns:p="http://schemas.openxmlformats.org/presentationml/2006/main">
+  <p:tag name="KSO_WM_UNIT_BLOCK" val="0"/>
+  <p:tag name="KSO_WM_UNIT_HIGHLIGHT" val="0"/>
+  <p:tag name="KSO_WM_UNIT_COMPATIBLE" val="0"/>
+  <p:tag name="KSO_WM_UNIT_DIAGRAM_ISNUMVISUAL" val="0"/>
+  <p:tag name="KSO_WM_UNIT_DIAGRAM_ISREFERUNIT" val="0"/>
+  <p:tag name="KSO_WM_DIAGRAM_GROUP_CODE" val="l1-2"/>
+  <p:tag name="KSO_WM_UNIT_TYPE" val="l_z"/>
+  <p:tag name="KSO_WM_UNIT_INDEX" val="1_2"/>
+  <p:tag name="KSO_WM_UNIT_ID" val="custom20204339_12*l_z*1_2"/>
+  <p:tag name="KSO_WM_TEMPLATE_CATEGORY" val="custom"/>
+  <p:tag name="KSO_WM_TEMPLATE_INDEX" val="20204339"/>
+  <p:tag name="KSO_WM_UNIT_LAYERLEVEL" val="1_1"/>
+  <p:tag name="KSO_WM_TAG_VERSION" val="1.0"/>
+  <p:tag name="KSO_WM_BEAUTIFY_FLAG" val="#wm#"/>
+  <p:tag name="KSO_WM_UNIT_LINE_FORE_SCHEMECOLOR_INDEX" val="14"/>
+  <p:tag name="KSO_WM_UNIT_LINE_FILL_TYPE" val="2"/>
+  <p:tag name="KSO_WM_UNIT_USESOURCEFORMAT_APPLY" val="1"/>
+</p:tagLst>
+</file>
+
 <file path=ppt/tags/tag386.xml><?xml version="1.0" encoding="utf-8"?>
+<p:tagLst xmlns:a="http://schemas.openxmlformats.org/drawingml/2006/main" xmlns:r="http://schemas.openxmlformats.org/officeDocument/2006/relationships" xmlns:p="http://schemas.openxmlformats.org/presentationml/2006/main">
+  <p:tag name="KSO_WM_UNIT_BLOCK" val="0"/>
+  <p:tag name="KSO_WM_UNIT_IS_LAYOUT_DIAGRAM" val="1"/>
+  <p:tag name="KSO_WM_UNIT_SUBTYPE" val="a"/>
+  <p:tag name="KSO_WM_UNIT_PRESET_TEXT" val="单击此处输入你的正文，文字是您思想的提炼，为了最终演示发布的良好效果，请尽量言简意赅的阐述观点；根据需要可酌情增减文字……"/>
+  <p:tag name="KSO_WM_UNIT_NOCLEAR" val="0"/>
+  <p:tag name="KSO_WM_UNIT_VALUE" val="63"/>
+  <p:tag name="KSO_WM_UNIT_HIGHLIGHT" val="0"/>
+  <p:tag name="KSO_WM_UNIT_COMPATIBLE" val="0"/>
+  <p:tag name="KSO_WM_UNIT_DIAGRAM_ISNUMVISUAL" val="0"/>
+  <p:tag name="KSO_WM_UNIT_DIAGRAM_ISREFERUNIT" val="0"/>
+  <p:tag name="KSO_WM_DIAGRAM_GROUP_CODE" val="l1-2"/>
+  <p:tag name="KSO_WM_UNIT_TYPE" val="l_h_f"/>
+  <p:tag name="KSO_WM_UNIT_INDEX" val="1_1_1"/>
+  <p:tag name="KSO_WM_UNIT_ID" val="custom20204339_12*l_h_f*1_1_1"/>
+  <p:tag name="KSO_WM_TEMPLATE_CATEGORY" val="custom"/>
+  <p:tag name="KSO_WM_TEMPLATE_INDEX" val="20204339"/>
+  <p:tag name="KSO_WM_UNIT_LAYERLEVEL" val="1_1_1"/>
+  <p:tag name="KSO_WM_TAG_VERSION" val="1.0"/>
+  <p:tag name="KSO_WM_BEAUTIFY_FLAG" val="#wm#"/>
+  <p:tag name="KSO_WM_UNIT_TEXT_FILL_FORE_SCHEMECOLOR_INDEX" val="13"/>
+  <p:tag name="KSO_WM_UNIT_TEXT_FILL_TYPE" val="1"/>
+  <p:tag name="KSO_WM_UNIT_USESOURCEFORMAT_APPLY" val="1"/>
+</p:tagLst>
+</file>
+
+<file path=ppt/tags/tag387.xml><?xml version="1.0" encoding="utf-8"?>
+<p:tagLst xmlns:a="http://schemas.openxmlformats.org/drawingml/2006/main" xmlns:r="http://schemas.openxmlformats.org/officeDocument/2006/relationships" xmlns:p="http://schemas.openxmlformats.org/presentationml/2006/main">
+  <p:tag name="KSO_WM_UNIT_BLOCK" val="0"/>
+  <p:tag name="KSO_WM_UNIT_IS_LAYOUT_DIAGRAM" val="1"/>
+  <p:tag name="KSO_WM_UNIT_ISCONTENTSTITLE" val="0"/>
+  <p:tag name="KSO_WM_UNIT_ISNUMDGMTITLE" val="0"/>
+  <p:tag name="KSO_WM_UNIT_PRESET_TEXT" val="单击此处添加小标题"/>
+  <p:tag name="KSO_WM_UNIT_NOCLEAR" val="0"/>
+  <p:tag name="KSO_WM_UNIT_VALUE" val="19"/>
+  <p:tag name="KSO_WM_UNIT_HIGHLIGHT" val="0"/>
+  <p:tag name="KSO_WM_UNIT_COMPATIBLE" val="0"/>
+  <p:tag name="KSO_WM_UNIT_DIAGRAM_ISNUMVISUAL" val="0"/>
+  <p:tag name="KSO_WM_UNIT_DIAGRAM_ISREFERUNIT" val="0"/>
+  <p:tag name="KSO_WM_DIAGRAM_GROUP_CODE" val="l1-2"/>
+  <p:tag name="KSO_WM_UNIT_TYPE" val="l_h_a"/>
+  <p:tag name="KSO_WM_UNIT_INDEX" val="1_1_1"/>
+  <p:tag name="KSO_WM_UNIT_ID" val="custom20204339_12*l_h_a*1_1_1"/>
+  <p:tag name="KSO_WM_TEMPLATE_CATEGORY" val="custom"/>
+  <p:tag name="KSO_WM_TEMPLATE_INDEX" val="20204339"/>
+  <p:tag name="KSO_WM_UNIT_LAYERLEVEL" val="1_1_1"/>
+  <p:tag name="KSO_WM_TAG_VERSION" val="1.0"/>
+  <p:tag name="KSO_WM_BEAUTIFY_FLAG" val="#wm#"/>
+  <p:tag name="KSO_WM_UNIT_TEXT_FILL_FORE_SCHEMECOLOR_INDEX" val="13"/>
+  <p:tag name="KSO_WM_UNIT_TEXT_FILL_TYPE" val="1"/>
+  <p:tag name="KSO_WM_UNIT_USESOURCEFORMAT_APPLY" val="1"/>
+</p:tagLst>
+</file>
+
+<file path=ppt/tags/tag388.xml><?xml version="1.0" encoding="utf-8"?>
+<p:tagLst xmlns:a="http://schemas.openxmlformats.org/drawingml/2006/main" xmlns:r="http://schemas.openxmlformats.org/officeDocument/2006/relationships" xmlns:p="http://schemas.openxmlformats.org/presentationml/2006/main">
+  <p:tag name="KSO_WM_UNIT_BLOCK" val="0"/>
+  <p:tag name="KSO_WM_UNIT_IS_LAYOUT_DIAGRAM" val="1"/>
+  <p:tag name="KSO_WM_UNIT_SUBTYPE" val="a"/>
+  <p:tag name="KSO_WM_UNIT_PRESET_TEXT" val="单击此处输入你的正文，文字是您思想的提炼，为了最终演示发布的良好效果，请尽量言简意赅的阐述观点；根据需要可酌情增减文字……"/>
+  <p:tag name="KSO_WM_UNIT_NOCLEAR" val="0"/>
+  <p:tag name="KSO_WM_UNIT_VALUE" val="63"/>
+  <p:tag name="KSO_WM_UNIT_HIGHLIGHT" val="0"/>
+  <p:tag name="KSO_WM_UNIT_COMPATIBLE" val="0"/>
+  <p:tag name="KSO_WM_UNIT_DIAGRAM_ISNUMVISUAL" val="0"/>
+  <p:tag name="KSO_WM_UNIT_DIAGRAM_ISREFERUNIT" val="0"/>
+  <p:tag name="KSO_WM_DIAGRAM_GROUP_CODE" val="l1-2"/>
+  <p:tag name="KSO_WM_UNIT_TYPE" val="l_h_f"/>
+  <p:tag name="KSO_WM_UNIT_INDEX" val="1_2_1"/>
+  <p:tag name="KSO_WM_UNIT_ID" val="custom20204339_12*l_h_f*1_2_1"/>
+  <p:tag name="KSO_WM_TEMPLATE_CATEGORY" val="custom"/>
+  <p:tag name="KSO_WM_TEMPLATE_INDEX" val="20204339"/>
+  <p:tag name="KSO_WM_UNIT_LAYERLEVEL" val="1_1_1"/>
+  <p:tag name="KSO_WM_TAG_VERSION" val="1.0"/>
+  <p:tag name="KSO_WM_BEAUTIFY_FLAG" val="#wm#"/>
+  <p:tag name="KSO_WM_UNIT_TEXT_FILL_FORE_SCHEMECOLOR_INDEX" val="13"/>
+  <p:tag name="KSO_WM_UNIT_TEXT_FILL_TYPE" val="1"/>
+  <p:tag name="KSO_WM_UNIT_USESOURCEFORMAT_APPLY" val="1"/>
+</p:tagLst>
+</file>
+
+<file path=ppt/tags/tag389.xml><?xml version="1.0" encoding="utf-8"?>
+<p:tagLst xmlns:a="http://schemas.openxmlformats.org/drawingml/2006/main" xmlns:r="http://schemas.openxmlformats.org/officeDocument/2006/relationships" xmlns:p="http://schemas.openxmlformats.org/presentationml/2006/main">
+  <p:tag name="KSO_WM_UNIT_BLOCK" val="0"/>
+  <p:tag name="KSO_WM_UNIT_IS_LAYOUT_DIAGRAM" val="1"/>
+  <p:tag name="KSO_WM_UNIT_ISCONTENTSTITLE" val="0"/>
+  <p:tag name="KSO_WM_UNIT_ISNUMDGMTITLE" val="0"/>
+  <p:tag name="KSO_WM_UNIT_PRESET_TEXT" val="单击此处添加小标题"/>
+  <p:tag name="KSO_WM_UNIT_NOCLEAR" val="0"/>
+  <p:tag name="KSO_WM_UNIT_VALUE" val="19"/>
+  <p:tag name="KSO_WM_UNIT_HIGHLIGHT" val="0"/>
+  <p:tag name="KSO_WM_UNIT_COMPATIBLE" val="0"/>
+  <p:tag name="KSO_WM_UNIT_DIAGRAM_ISNUMVISUAL" val="0"/>
+  <p:tag name="KSO_WM_UNIT_DIAGRAM_ISREFERUNIT" val="0"/>
+  <p:tag name="KSO_WM_DIAGRAM_GROUP_CODE" val="l1-2"/>
+  <p:tag name="KSO_WM_UNIT_TYPE" val="l_h_a"/>
+  <p:tag name="KSO_WM_UNIT_INDEX" val="1_2_1"/>
+  <p:tag name="KSO_WM_UNIT_ID" val="custom20204339_12*l_h_a*1_2_1"/>
+  <p:tag name="KSO_WM_TEMPLATE_CATEGORY" val="custom"/>
+  <p:tag name="KSO_WM_TEMPLATE_INDEX" val="20204339"/>
+  <p:tag name="KSO_WM_UNIT_LAYERLEVEL" val="1_1_1"/>
+  <p:tag name="KSO_WM_TAG_VERSION" val="1.0"/>
+  <p:tag name="KSO_WM_BEAUTIFY_FLAG" val="#wm#"/>
+  <p:tag name="KSO_WM_UNIT_TEXT_FILL_FORE_SCHEMECOLOR_INDEX" val="13"/>
+  <p:tag name="KSO_WM_UNIT_TEXT_FILL_TYPE" val="1"/>
+  <p:tag name="KSO_WM_UNIT_USESOURCEFORMAT_APPLY" val="1"/>
+</p:tagLst>
+</file>
+
+<file path=ppt/tags/tag39.xml><?xml version="1.0" encoding="utf-8"?>
+<p:tagLst xmlns:a="http://schemas.openxmlformats.org/drawingml/2006/main" xmlns:r="http://schemas.openxmlformats.org/officeDocument/2006/relationships" xmlns:p="http://schemas.openxmlformats.org/presentationml/2006/main">
+  <p:tag name="KSO_WM_UNIT_HIGHLIGHT" val="0"/>
+  <p:tag name="KSO_WM_UNIT_COMPATIBLE" val="0"/>
+  <p:tag name="KSO_WM_UNIT_DIAGRAM_ISNUMVISUAL" val="0"/>
+  <p:tag name="KSO_WM_UNIT_DIAGRAM_ISREFERUNIT" val="0"/>
+  <p:tag name="KSO_WM_UNIT_ID" val="_5**"/>
+  <p:tag name="KSO_WM_UNIT_LAYERLEVEL" val="1"/>
+  <p:tag name="KSO_WM_TAG_VERSION" val="1.0"/>
+  <p:tag name="KSO_WM_BEAUTIFY_FLAG" val="#wm#"/>
+</p:tagLst>
+</file>
+
+<file path=ppt/tags/tag390.xml><?xml version="1.0" encoding="utf-8"?>
+<p:tagLst xmlns:a="http://schemas.openxmlformats.org/drawingml/2006/main" xmlns:r="http://schemas.openxmlformats.org/officeDocument/2006/relationships" xmlns:p="http://schemas.openxmlformats.org/presentationml/2006/main">
+  <p:tag name="KSO_WM_UNIT_BLOCK" val="0"/>
+  <p:tag name="KSO_WM_UNIT_IS_LAYOUT_DIAGRAM" val="1"/>
+  <p:tag name="KSO_WM_UNIT_SUBTYPE" val="a"/>
+  <p:tag name="KSO_WM_UNIT_PRESET_TEXT" val="单击此处输入你的正文，文字是您思想的提炼，为了最终演示发布的良好效果，请尽量言简意赅的阐述观点；根据需要可酌情增减文字……"/>
+  <p:tag name="KSO_WM_UNIT_NOCLEAR" val="0"/>
+  <p:tag name="KSO_WM_UNIT_VALUE" val="63"/>
+  <p:tag name="KSO_WM_UNIT_HIGHLIGHT" val="0"/>
+  <p:tag name="KSO_WM_UNIT_COMPATIBLE" val="0"/>
+  <p:tag name="KSO_WM_UNIT_DIAGRAM_ISNUMVISUAL" val="0"/>
+  <p:tag name="KSO_WM_UNIT_DIAGRAM_ISREFERUNIT" val="0"/>
+  <p:tag name="KSO_WM_DIAGRAM_GROUP_CODE" val="l1-2"/>
+  <p:tag name="KSO_WM_UNIT_TYPE" val="l_h_f"/>
+  <p:tag name="KSO_WM_UNIT_INDEX" val="1_3_1"/>
+  <p:tag name="KSO_WM_UNIT_ID" val="custom20204339_12*l_h_f*1_3_1"/>
+  <p:tag name="KSO_WM_TEMPLATE_CATEGORY" val="custom"/>
+  <p:tag name="KSO_WM_TEMPLATE_INDEX" val="20204339"/>
+  <p:tag name="KSO_WM_UNIT_LAYERLEVEL" val="1_1_1"/>
+  <p:tag name="KSO_WM_TAG_VERSION" val="1.0"/>
+  <p:tag name="KSO_WM_BEAUTIFY_FLAG" val="#wm#"/>
+  <p:tag name="KSO_WM_UNIT_TEXT_FILL_FORE_SCHEMECOLOR_INDEX" val="13"/>
+  <p:tag name="KSO_WM_UNIT_TEXT_FILL_TYPE" val="1"/>
+  <p:tag name="KSO_WM_UNIT_USESOURCEFORMAT_APPLY" val="1"/>
+</p:tagLst>
+</file>
+
+<file path=ppt/tags/tag391.xml><?xml version="1.0" encoding="utf-8"?>
+<p:tagLst xmlns:a="http://schemas.openxmlformats.org/drawingml/2006/main" xmlns:r="http://schemas.openxmlformats.org/officeDocument/2006/relationships" xmlns:p="http://schemas.openxmlformats.org/presentationml/2006/main">
+  <p:tag name="KSO_WM_UNIT_BLOCK" val="0"/>
+  <p:tag name="KSO_WM_UNIT_IS_LAYOUT_DIAGRAM" val="1"/>
+  <p:tag name="KSO_WM_UNIT_ISCONTENTSTITLE" val="0"/>
+  <p:tag name="KSO_WM_UNIT_ISNUMDGMTITLE" val="0"/>
+  <p:tag name="KSO_WM_UNIT_PRESET_TEXT" val="单击此处添加小标题"/>
+  <p:tag name="KSO_WM_UNIT_NOCLEAR" val="0"/>
+  <p:tag name="KSO_WM_UNIT_VALUE" val="19"/>
+  <p:tag name="KSO_WM_UNIT_HIGHLIGHT" val="0"/>
+  <p:tag name="KSO_WM_UNIT_COMPATIBLE" val="0"/>
+  <p:tag name="KSO_WM_UNIT_DIAGRAM_ISNUMVISUAL" val="0"/>
+  <p:tag name="KSO_WM_UNIT_DIAGRAM_ISREFERUNIT" val="0"/>
+  <p:tag name="KSO_WM_DIAGRAM_GROUP_CODE" val="l1-2"/>
+  <p:tag name="KSO_WM_UNIT_TYPE" val="l_h_a"/>
+  <p:tag name="KSO_WM_UNIT_INDEX" val="1_3_1"/>
+  <p:tag name="KSO_WM_UNIT_ID" val="custom20204339_12*l_h_a*1_3_1"/>
+  <p:tag name="KSO_WM_TEMPLATE_CATEGORY" val="custom"/>
+  <p:tag name="KSO_WM_TEMPLATE_INDEX" val="20204339"/>
+  <p:tag name="KSO_WM_UNIT_LAYERLEVEL" val="1_1_1"/>
+  <p:tag name="KSO_WM_TAG_VERSION" val="1.0"/>
+  <p:tag name="KSO_WM_BEAUTIFY_FLAG" val="#wm#"/>
+  <p:tag name="KSO_WM_UNIT_TEXT_FILL_FORE_SCHEMECOLOR_INDEX" val="13"/>
+  <p:tag name="KSO_WM_UNIT_TEXT_FILL_TYPE" val="1"/>
+  <p:tag name="KSO_WM_UNIT_USESOURCEFORMAT_APPLY" val="1"/>
+</p:tagLst>
+</file>
+
+<file path=ppt/tags/tag392.xml><?xml version="1.0" encoding="utf-8"?>
+<p:tagLst xmlns:a="http://schemas.openxmlformats.org/drawingml/2006/main" xmlns:r="http://schemas.openxmlformats.org/officeDocument/2006/relationships" xmlns:p="http://schemas.openxmlformats.org/presentationml/2006/main">
+  <p:tag name="KSO_WM_UNIT_BLOCK" val="0"/>
+  <p:tag name="KSO_WM_UNIT_IS_LAYOUT_DIAGRAM" val="1"/>
+  <p:tag name="KSO_WM_UNIT_HIGHLIGHT" val="0"/>
+  <p:tag name="KSO_WM_UNIT_COMPATIBLE" val="0"/>
+  <p:tag name="KSO_WM_UNIT_DIAGRAM_ISNUMVISUAL" val="0"/>
+  <p:tag name="KSO_WM_UNIT_DIAGRAM_ISREFERUNIT" val="0"/>
+  <p:tag name="KSO_WM_DIAGRAM_GROUP_CODE" val="l1-2"/>
+  <p:tag name="KSO_WM_UNIT_TYPE" val="l_h_i"/>
+  <p:tag name="KSO_WM_UNIT_INDEX" val="1_3_1"/>
+  <p:tag name="KSO_WM_UNIT_ID" val="custom20204339_12*l_h_i*1_3_1"/>
+  <p:tag name="KSO_WM_TEMPLATE_CATEGORY" val="custom"/>
+  <p:tag name="KSO_WM_TEMPLATE_INDEX" val="20204339"/>
+  <p:tag name="KSO_WM_UNIT_LAYERLEVEL" val="1_1_1"/>
+  <p:tag name="KSO_WM_TAG_VERSION" val="1.0"/>
+  <p:tag name="KSO_WM_BEAUTIFY_FLAG" val="#wm#"/>
+  <p:tag name="KSO_WM_UNIT_FILL_FORE_SCHEMECOLOR_INDEX" val="5"/>
+  <p:tag name="KSO_WM_UNIT_FILL_TYPE" val="1"/>
+  <p:tag name="KSO_WM_UNIT_TEXT_FILL_FORE_SCHEMECOLOR_INDEX" val="14"/>
+  <p:tag name="KSO_WM_UNIT_TEXT_FILL_TYPE" val="1"/>
+  <p:tag name="KSO_WM_UNIT_USESOURCEFORMAT_APPLY" val="1"/>
+</p:tagLst>
+</file>
+
+<file path=ppt/tags/tag393.xml><?xml version="1.0" encoding="utf-8"?>
+<p:tagLst xmlns:a="http://schemas.openxmlformats.org/drawingml/2006/main" xmlns:r="http://schemas.openxmlformats.org/officeDocument/2006/relationships" xmlns:p="http://schemas.openxmlformats.org/presentationml/2006/main">
+  <p:tag name="KSO_WM_UNIT_BLOCK" val="0"/>
+  <p:tag name="KSO_WM_UNIT_IS_LAYOUT_DIAGRAM" val="1"/>
+  <p:tag name="KSO_WM_UNIT_SUBTYPE" val="a"/>
+  <p:tag name="KSO_WM_UNIT_PRESET_TEXT" val="单击此处输入你的正文，文字是您思想的提炼，为了最终演示发布的良好效果，请尽量言简意赅的阐述观点；根据需要可酌情增减文字……"/>
+  <p:tag name="KSO_WM_UNIT_NOCLEAR" val="0"/>
+  <p:tag name="KSO_WM_UNIT_VALUE" val="63"/>
+  <p:tag name="KSO_WM_UNIT_HIGHLIGHT" val="0"/>
+  <p:tag name="KSO_WM_UNIT_COMPATIBLE" val="0"/>
+  <p:tag name="KSO_WM_UNIT_DIAGRAM_ISNUMVISUAL" val="0"/>
+  <p:tag name="KSO_WM_UNIT_DIAGRAM_ISREFERUNIT" val="0"/>
+  <p:tag name="KSO_WM_DIAGRAM_GROUP_CODE" val="l1-2"/>
+  <p:tag name="KSO_WM_UNIT_TYPE" val="l_h_f"/>
+  <p:tag name="KSO_WM_UNIT_INDEX" val="1_4_1"/>
+  <p:tag name="KSO_WM_UNIT_ID" val="custom20204339_12*l_h_f*1_4_1"/>
+  <p:tag name="KSO_WM_TEMPLATE_CATEGORY" val="custom"/>
+  <p:tag name="KSO_WM_TEMPLATE_INDEX" val="20204339"/>
+  <p:tag name="KSO_WM_UNIT_LAYERLEVEL" val="1_1_1"/>
+  <p:tag name="KSO_WM_TAG_VERSION" val="1.0"/>
+  <p:tag name="KSO_WM_BEAUTIFY_FLAG" val="#wm#"/>
+  <p:tag name="KSO_WM_UNIT_TEXT_FILL_FORE_SCHEMECOLOR_INDEX" val="13"/>
+  <p:tag name="KSO_WM_UNIT_TEXT_FILL_TYPE" val="1"/>
+  <p:tag name="KSO_WM_UNIT_USESOURCEFORMAT_APPLY" val="1"/>
+</p:tagLst>
+</file>
+
+<file path=ppt/tags/tag394.xml><?xml version="1.0" encoding="utf-8"?>
+<p:tagLst xmlns:a="http://schemas.openxmlformats.org/drawingml/2006/main" xmlns:r="http://schemas.openxmlformats.org/officeDocument/2006/relationships" xmlns:p="http://schemas.openxmlformats.org/presentationml/2006/main">
+  <p:tag name="KSO_WM_UNIT_BLOCK" val="0"/>
+  <p:tag name="KSO_WM_UNIT_IS_LAYOUT_DIAGRAM" val="1"/>
+  <p:tag name="KSO_WM_UNIT_ISCONTENTSTITLE" val="0"/>
+  <p:tag name="KSO_WM_UNIT_ISNUMDGMTITLE" val="0"/>
+  <p:tag name="KSO_WM_UNIT_PRESET_TEXT" val="单击此处添加小标题"/>
+  <p:tag name="KSO_WM_UNIT_NOCLEAR" val="0"/>
+  <p:tag name="KSO_WM_UNIT_VALUE" val="19"/>
+  <p:tag name="KSO_WM_UNIT_HIGHLIGHT" val="0"/>
+  <p:tag name="KSO_WM_UNIT_COMPATIBLE" val="0"/>
+  <p:tag name="KSO_WM_UNIT_DIAGRAM_ISNUMVISUAL" val="0"/>
+  <p:tag name="KSO_WM_UNIT_DIAGRAM_ISREFERUNIT" val="0"/>
+  <p:tag name="KSO_WM_DIAGRAM_GROUP_CODE" val="l1-2"/>
+  <p:tag name="KSO_WM_UNIT_TYPE" val="l_h_a"/>
+  <p:tag name="KSO_WM_UNIT_INDEX" val="1_4_1"/>
+  <p:tag name="KSO_WM_UNIT_ID" val="custom20204339_12*l_h_a*1_4_1"/>
+  <p:tag name="KSO_WM_TEMPLATE_CATEGORY" val="custom"/>
+  <p:tag name="KSO_WM_TEMPLATE_INDEX" val="20204339"/>
+  <p:tag name="KSO_WM_UNIT_LAYERLEVEL" val="1_1_1"/>
+  <p:tag name="KSO_WM_TAG_VERSION" val="1.0"/>
+  <p:tag name="KSO_WM_BEAUTIFY_FLAG" val="#wm#"/>
+  <p:tag name="KSO_WM_UNIT_TEXT_FILL_FORE_SCHEMECOLOR_INDEX" val="13"/>
+  <p:tag name="KSO_WM_UNIT_TEXT_FILL_TYPE" val="1"/>
+  <p:tag name="KSO_WM_UNIT_USESOURCEFORMAT_APPLY" val="1"/>
+</p:tagLst>
+</file>
+
+<file path=ppt/tags/tag395.xml><?xml version="1.0" encoding="utf-8"?>
+<p:tagLst xmlns:a="http://schemas.openxmlformats.org/drawingml/2006/main" xmlns:r="http://schemas.openxmlformats.org/officeDocument/2006/relationships" xmlns:p="http://schemas.openxmlformats.org/presentationml/2006/main">
+  <p:tag name="KSO_WM_UNIT_BLOCK" val="0"/>
+  <p:tag name="KSO_WM_UNIT_IS_LAYOUT_DIAGRAM" val="1"/>
+  <p:tag name="KSO_WM_UNIT_HIGHLIGHT" val="0"/>
+  <p:tag name="KSO_WM_UNIT_COMPATIBLE" val="0"/>
+  <p:tag name="KSO_WM_UNIT_DIAGRAM_ISNUMVISUAL" val="0"/>
+  <p:tag name="KSO_WM_UNIT_DIAGRAM_ISREFERUNIT" val="0"/>
+  <p:tag name="KSO_WM_DIAGRAM_GROUP_CODE" val="l1-2"/>
+  <p:tag name="KSO_WM_UNIT_TYPE" val="l_h_i"/>
+  <p:tag name="KSO_WM_UNIT_INDEX" val="1_4_1"/>
+  <p:tag name="KSO_WM_UNIT_ID" val="custom20204339_12*l_h_i*1_4_1"/>
+  <p:tag name="KSO_WM_TEMPLATE_CATEGORY" val="custom"/>
+  <p:tag name="KSO_WM_TEMPLATE_INDEX" val="20204339"/>
+  <p:tag name="KSO_WM_UNIT_LAYERLEVEL" val="1_1_1"/>
+  <p:tag name="KSO_WM_TAG_VERSION" val="1.0"/>
+  <p:tag name="KSO_WM_BEAUTIFY_FLAG" val="#wm#"/>
+  <p:tag name="KSO_WM_UNIT_FILL_FORE_SCHEMECOLOR_INDEX" val="5"/>
+  <p:tag name="KSO_WM_UNIT_FILL_TYPE" val="1"/>
+  <p:tag name="KSO_WM_UNIT_TEXT_FILL_FORE_SCHEMECOLOR_INDEX" val="14"/>
+  <p:tag name="KSO_WM_UNIT_TEXT_FILL_TYPE" val="1"/>
+  <p:tag name="KSO_WM_UNIT_USESOURCEFORMAT_APPLY" val="1"/>
+</p:tagLst>
+</file>
+
+<file path=ppt/tags/tag396.xml><?xml version="1.0" encoding="utf-8"?>
+<p:tagLst xmlns:a="http://schemas.openxmlformats.org/drawingml/2006/main" xmlns:r="http://schemas.openxmlformats.org/officeDocument/2006/relationships" xmlns:p="http://schemas.openxmlformats.org/presentationml/2006/main">
+  <p:tag name="KSO_WM_UNIT_BLOCK" val="0"/>
+  <p:tag name="KSO_WM_UNIT_IS_LAYOUT_DIAGRAM" val="1"/>
+  <p:tag name="KSO_WM_UNIT_HIGHLIGHT" val="0"/>
+  <p:tag name="KSO_WM_UNIT_COMPATIBLE" val="0"/>
+  <p:tag name="KSO_WM_UNIT_DIAGRAM_ISNUMVISUAL" val="0"/>
+  <p:tag name="KSO_WM_UNIT_DIAGRAM_ISREFERUNIT" val="0"/>
+  <p:tag name="KSO_WM_DIAGRAM_GROUP_CODE" val="l1-2"/>
+  <p:tag name="KSO_WM_UNIT_TYPE" val="l_h_i"/>
+  <p:tag name="KSO_WM_UNIT_INDEX" val="1_1_2"/>
+  <p:tag name="KSO_WM_UNIT_ID" val="custom20204339_12*l_h_i*1_1_2"/>
+  <p:tag name="KSO_WM_TEMPLATE_CATEGORY" val="custom"/>
+  <p:tag name="KSO_WM_TEMPLATE_INDEX" val="20204339"/>
+  <p:tag name="KSO_WM_UNIT_LAYERLEVEL" val="1_1_1"/>
+  <p:tag name="KSO_WM_TAG_VERSION" val="1.0"/>
+  <p:tag name="KSO_WM_BEAUTIFY_FLAG" val="#wm#"/>
+  <p:tag name="KSO_WM_UNIT_FILL_FORE_SCHEMECOLOR_INDEX" val="5"/>
+  <p:tag name="KSO_WM_UNIT_FILL_TYPE" val="1"/>
+  <p:tag name="KSO_WM_UNIT_TEXT_FILL_FORE_SCHEMECOLOR_INDEX" val="14"/>
+  <p:tag name="KSO_WM_UNIT_TEXT_FILL_TYPE" val="1"/>
+  <p:tag name="KSO_WM_UNIT_USESOURCEFORMAT_APPLY" val="1"/>
+</p:tagLst>
+</file>
+
+<file path=ppt/tags/tag397.xml><?xml version="1.0" encoding="utf-8"?>
+<p:tagLst xmlns:a="http://schemas.openxmlformats.org/drawingml/2006/main" xmlns:r="http://schemas.openxmlformats.org/officeDocument/2006/relationships" xmlns:p="http://schemas.openxmlformats.org/presentationml/2006/main">
+  <p:tag name="KSO_WM_UNIT_BLOCK" val="0"/>
+  <p:tag name="KSO_WM_UNIT_IS_LAYOUT_DIAGRAM" val="1"/>
+  <p:tag name="KSO_WM_UNIT_HIGHLIGHT" val="0"/>
+  <p:tag name="KSO_WM_UNIT_COMPATIBLE" val="0"/>
+  <p:tag name="KSO_WM_UNIT_DIAGRAM_ISNUMVISUAL" val="0"/>
+  <p:tag name="KSO_WM_UNIT_DIAGRAM_ISREFERUNIT" val="0"/>
+  <p:tag name="KSO_WM_DIAGRAM_GROUP_CODE" val="l1-2"/>
+  <p:tag name="KSO_WM_UNIT_TYPE" val="l_h_i"/>
+  <p:tag name="KSO_WM_UNIT_INDEX" val="1_2_2"/>
+  <p:tag name="KSO_WM_UNIT_ID" val="custom20204339_12*l_h_i*1_2_2"/>
+  <p:tag name="KSO_WM_TEMPLATE_CATEGORY" val="custom"/>
+  <p:tag name="KSO_WM_TEMPLATE_INDEX" val="20204339"/>
+  <p:tag name="KSO_WM_UNIT_LAYERLEVEL" val="1_1_1"/>
+  <p:tag name="KSO_WM_TAG_VERSION" val="1.0"/>
+  <p:tag name="KSO_WM_BEAUTIFY_FLAG" val="#wm#"/>
+  <p:tag name="KSO_WM_UNIT_FILL_FORE_SCHEMECOLOR_INDEX" val="5"/>
+  <p:tag name="KSO_WM_UNIT_FILL_TYPE" val="1"/>
+  <p:tag name="KSO_WM_UNIT_TEXT_FILL_FORE_SCHEMECOLOR_INDEX" val="14"/>
+  <p:tag name="KSO_WM_UNIT_TEXT_FILL_TYPE" val="1"/>
+  <p:tag name="KSO_WM_UNIT_USESOURCEFORMAT_APPLY" val="1"/>
+</p:tagLst>
+</file>
+
+<file path=ppt/tags/tag398.xml><?xml version="1.0" encoding="utf-8"?>
+<p:tagLst xmlns:a="http://schemas.openxmlformats.org/drawingml/2006/main" xmlns:r="http://schemas.openxmlformats.org/officeDocument/2006/relationships" xmlns:p="http://schemas.openxmlformats.org/presentationml/2006/main">
+  <p:tag name="KSO_WM_UNIT_BLOCK" val="0"/>
+  <p:tag name="KSO_WM_UNIT_ISCONTENTSTITLE" val="0"/>
+  <p:tag name="KSO_WM_UNIT_ISNUMDGMTITLE" val="0"/>
+  <p:tag name="KSO_WM_UNIT_PRESET_TEXT" val="单击此处添加大标题"/>
+  <p:tag name="KSO_WM_UNIT_NOCLEAR" val="0"/>
+  <p:tag name="KSO_WM_UNIT_VALUE" val="26"/>
+  <p:tag name="KSO_WM_UNIT_HIGHLIGHT" val="0"/>
+  <p:tag name="KSO_WM_UNIT_COMPATIBLE" val="0"/>
+  <p:tag name="KSO_WM_UNIT_DIAGRAM_ISNUMVISUAL" val="0"/>
+  <p:tag name="KSO_WM_UNIT_DIAGRAM_ISREFERUNIT" val="0"/>
+  <p:tag name="KSO_WM_DIAGRAM_GROUP_CODE" val="l1-2"/>
+  <p:tag name="KSO_WM_UNIT_TYPE" val="a"/>
+  <p:tag name="KSO_WM_UNIT_INDEX" val="1"/>
+  <p:tag name="KSO_WM_UNIT_ID" val="custom20204339_12*a*1"/>
+  <p:tag name="KSO_WM_TEMPLATE_CATEGORY" val="custom"/>
+  <p:tag name="KSO_WM_TEMPLATE_INDEX" val="20204339"/>
+  <p:tag name="KSO_WM_UNIT_LAYERLEVEL" val="1"/>
+  <p:tag name="KSO_WM_TAG_VERSION" val="1.0"/>
+  <p:tag name="KSO_WM_BEAUTIFY_FLAG" val="#wm#"/>
+  <p:tag name="KSO_WM_UNIT_TEXT_FILL_FORE_SCHEMECOLOR_INDEX" val="13"/>
+  <p:tag name="KSO_WM_UNIT_TEXT_FILL_TYPE" val="1"/>
+  <p:tag name="KSO_WM_UNIT_USESOURCEFORMAT_APPLY" val="1"/>
+</p:tagLst>
+</file>
+
+<file path=ppt/tags/tag399.xml><?xml version="1.0" encoding="utf-8"?>
+<p:tagLst xmlns:a="http://schemas.openxmlformats.org/drawingml/2006/main" xmlns:r="http://schemas.openxmlformats.org/officeDocument/2006/relationships" xmlns:p="http://schemas.openxmlformats.org/presentationml/2006/main">
+  <p:tag name="KSO_WM_SLIDE_BACKGROUND_TYPE" val="frame"/>
+  <p:tag name="KSO_WM_UNIT_TYPE" val="i"/>
+  <p:tag name="KSO_WM_UNIT_INDEX" val="2"/>
+  <p:tag name="KSO_WM_TEMPLATE_CATEGORY" val="custom"/>
+  <p:tag name="KSO_WM_TEMPLATE_INDEX" val="20204339"/>
+  <p:tag name="KSO_WM_UNIT_ID" val="custom20204339_12*i*2"/>
+  <p:tag name="KSO_WM_UNIT_HIGHLIGHT" val="0"/>
+  <p:tag name="KSO_WM_UNIT_COMPATIBLE" val="0"/>
+  <p:tag name="KSO_WM_UNIT_DIAGRAM_ISNUMVISUAL" val="0"/>
+  <p:tag name="KSO_WM_UNIT_DIAGRAM_ISREFERUNIT" val="0"/>
+  <p:tag name="KSO_WM_DIAGRAM_GROUP_CODE" val="l1-2"/>
+  <p:tag name="KSO_WM_UNIT_LAYERLEVEL" val="1"/>
+  <p:tag name="KSO_WM_TAG_VERSION" val="1.0"/>
+  <p:tag name="KSO_WM_BEAUTIFY_FLAG" val="#wm#"/>
+  <p:tag name="KSO_WM_UNIT_USESOURCEFORMAT_APPLY" val="1"/>
+</p:tagLst>
+</file>
+
+<file path=ppt/tags/tag4.xml><?xml version="1.0" encoding="utf-8"?>
+<p:tagLst xmlns:a="http://schemas.openxmlformats.org/drawingml/2006/main" xmlns:r="http://schemas.openxmlformats.org/officeDocument/2006/relationships" xmlns:p="http://schemas.openxmlformats.org/presentationml/2006/main">
+  <p:tag name="KSO_WM_UNIT_HIGHLIGHT" val="0"/>
+  <p:tag name="KSO_WM_UNIT_COMPATIBLE" val="0"/>
+  <p:tag name="KSO_WM_UNIT_DIAGRAM_ISNUMVISUAL" val="0"/>
+  <p:tag name="KSO_WM_UNIT_DIAGRAM_ISREFERUNIT" val="0"/>
+  <p:tag name="KSO_WM_UNIT_ID" val="_0**"/>
+  <p:tag name="KSO_WM_UNIT_LAYERLEVEL" val="1"/>
+  <p:tag name="KSO_WM_TAG_VERSION" val="1.0"/>
+  <p:tag name="KSO_WM_BEAUTIFY_FLAG" val="#wm#"/>
+</p:tagLst>
+</file>
+
+<file path=ppt/tags/tag40.xml><?xml version="1.0" encoding="utf-8"?>
+<p:tagLst xmlns:a="http://schemas.openxmlformats.org/drawingml/2006/main" xmlns:r="http://schemas.openxmlformats.org/officeDocument/2006/relationships" xmlns:p="http://schemas.openxmlformats.org/presentationml/2006/main">
+  <p:tag name="KSO_WM_UNIT_HIGHLIGHT" val="0"/>
+  <p:tag name="KSO_WM_UNIT_COMPATIBLE" val="0"/>
+  <p:tag name="KSO_WM_UNIT_DIAGRAM_ISNUMVISUAL" val="0"/>
+  <p:tag name="KSO_WM_UNIT_DIAGRAM_ISREFERUNIT" val="0"/>
+  <p:tag name="KSO_WM_UNIT_ID" val="_5**"/>
+  <p:tag name="KSO_WM_UNIT_LAYERLEVEL" val="1"/>
+  <p:tag name="KSO_WM_TAG_VERSION" val="1.0"/>
+  <p:tag name="KSO_WM_BEAUTIFY_FLAG" val="#wm#"/>
+</p:tagLst>
+</file>
+
+<file path=ppt/tags/tag400.xml><?xml version="1.0" encoding="utf-8"?>
+<p:tagLst xmlns:a="http://schemas.openxmlformats.org/drawingml/2006/main" xmlns:r="http://schemas.openxmlformats.org/officeDocument/2006/relationships" xmlns:p="http://schemas.openxmlformats.org/presentationml/2006/main">
+  <p:tag name="KSO_WM_SLIDE_BACKGROUND_TYPE" val="frame"/>
+  <p:tag name="KSO_WM_UNIT_TYPE" val="i"/>
+  <p:tag name="KSO_WM_UNIT_INDEX" val="3"/>
+  <p:tag name="KSO_WM_TEMPLATE_CATEGORY" val="custom"/>
+  <p:tag name="KSO_WM_TEMPLATE_INDEX" val="20204339"/>
+  <p:tag name="KSO_WM_UNIT_ID" val="custom20204339_12*i*3"/>
+  <p:tag name="KSO_WM_UNIT_HIGHLIGHT" val="0"/>
+  <p:tag name="KSO_WM_UNIT_COMPATIBLE" val="0"/>
+  <p:tag name="KSO_WM_UNIT_DIAGRAM_ISNUMVISUAL" val="0"/>
+  <p:tag name="KSO_WM_UNIT_DIAGRAM_ISREFERUNIT" val="0"/>
+  <p:tag name="KSO_WM_DIAGRAM_GROUP_CODE" val="l1-2"/>
+  <p:tag name="KSO_WM_UNIT_LAYERLEVEL" val="1"/>
+  <p:tag name="KSO_WM_TAG_VERSION" val="1.0"/>
+  <p:tag name="KSO_WM_BEAUTIFY_FLAG" val="#wm#"/>
+  <p:tag name="KSO_WM_UNIT_USESOURCEFORMAT_APPLY" val="1"/>
+</p:tagLst>
+</file>
+
+<file path=ppt/tags/tag401.xml><?xml version="1.0" encoding="utf-8"?>
+<p:tagLst xmlns:a="http://schemas.openxmlformats.org/drawingml/2006/main" xmlns:r="http://schemas.openxmlformats.org/officeDocument/2006/relationships" xmlns:p="http://schemas.openxmlformats.org/presentationml/2006/main">
+  <p:tag name="KSO_WM_TEMPLATE_SUBCATEGORY" val="0"/>
+  <p:tag name="KSO_WM_SLIDE_TYPE" val="sectionTitle"/>
+  <p:tag name="KSO_WM_SLIDE_SUBTYPE" val="pureTxt"/>
+  <p:tag name="KSO_WM_SLIDE_ITEM_CNT" val="0"/>
+  <p:tag name="KSO_WM_SLIDE_INDEX" val="7"/>
+  <p:tag name="KSO_WM_TAG_VERSION" val="1.0"/>
+  <p:tag name="KSO_WM_BEAUTIFY_FLAG" val="#wm#"/>
+  <p:tag name="KSO_WM_SLIDE_LAYOUT" val="a_e"/>
+  <p:tag name="KSO_WM_SLIDE_LAYOUT_CNT" val="1_1"/>
+  <p:tag name="KSO_WM_TEMPLATE_MASTER_TYPE" val="1"/>
+  <p:tag name="KSO_WM_TEMPLATE_COLOR_TYPE" val="1"/>
+  <p:tag name="KSO_WM_TEMPLATE_CATEGORY" val="custom"/>
+  <p:tag name="KSO_WM_TEMPLATE_INDEX" val="20204339"/>
+  <p:tag name="KSO_WM_SLIDE_ID" val="custom20204339_7"/>
+</p:tagLst>
+</file>
+
+<file path=ppt/tags/tag402.xml><?xml version="1.0" encoding="utf-8"?>
+<p:tagLst xmlns:a="http://schemas.openxmlformats.org/drawingml/2006/main" xmlns:r="http://schemas.openxmlformats.org/officeDocument/2006/relationships" xmlns:p="http://schemas.openxmlformats.org/presentationml/2006/main">
+  <p:tag name="KSO_WM_UNIT_PRESET_TEXT" val="PART 01"/>
+  <p:tag name="KSO_WM_UNIT_NOCLEAR" val="0"/>
+  <p:tag name="KSO_WM_UNIT_VALUE" val="4"/>
+  <p:tag name="KSO_WM_UNIT_HIGHLIGHT" val="0"/>
+  <p:tag name="KSO_WM_UNIT_COMPATIBLE" val="1"/>
+  <p:tag name="KSO_WM_UNIT_DIAGRAM_ISNUMVISUAL" val="0"/>
+  <p:tag name="KSO_WM_UNIT_DIAGRAM_ISREFERUNIT" val="0"/>
+  <p:tag name="KSO_WM_UNIT_TYPE" val="e"/>
+  <p:tag name="KSO_WM_UNIT_INDEX" val="1"/>
+  <p:tag name="KSO_WM_UNIT_ID" val="custom20204339_7*e*1"/>
+  <p:tag name="KSO_WM_TEMPLATE_CATEGORY" val="custom"/>
+  <p:tag name="KSO_WM_TEMPLATE_INDEX" val="20204339"/>
+  <p:tag name="KSO_WM_UNIT_LAYERLEVEL" val="1"/>
+  <p:tag name="KSO_WM_TAG_VERSION" val="1.0"/>
+  <p:tag name="KSO_WM_BEAUTIFY_FLAG" val="#wm#"/>
+</p:tagLst>
+</file>
+
+<file path=ppt/tags/tag403.xml><?xml version="1.0" encoding="utf-8"?>
 <p:tagLst xmlns:a="http://schemas.openxmlformats.org/drawingml/2006/main" xmlns:r="http://schemas.openxmlformats.org/officeDocument/2006/relationships" xmlns:p="http://schemas.openxmlformats.org/presentationml/2006/main">
   <p:tag name="KSO_WM_SLIDE_LAYOUT_INFO" val="{&quot;direction&quot;:0,&quot;horizontalAlign&quot;:-1,&quot;verticalAlign&quot;:-1,&quot;type&quot;:0,&quot;diagramDirection&quot;:0,&quot;canSetOverLayout&quot;:0,&quot;isOverLayout&quot;:0,&quot;margin&quot;:{&quot;left&quot;:1.69,&quot;top&quot;:1.69,&quot;right&quot;:1.69,&quot;bottom&quot;:1.69},&quot;edge&quot;:{&quot;left&quot;:true,&quot;top&quot;:true,&quot;right&quot;:true,&quot;bottom&quot;:true},&quot;backgroundInfo&quot;:[{&quot;type&quot;:&quot;general&quot;,&quot;left&quot;:0.0,&quot;top&quot;:0.0,&quot;right&quot;:0.0,&quot;bottom&quot;:0.0,&quot;leftAbs&quot;:false,&quot;topAbs&quot;:false,&quot;rightAbs&quot;:false,&quot;bottomAbs&quot;:false},{&quot;type&quot;:&quot;frame&quot;,&quot;left&quot;:0.0,&quot;top&quot;:0.0,&quot;right&quot;:0.0,&quot;bottom&quot;:0.0,&quot;leftAbs&quot;:false,&quot;topAbs&quot;:false,&quot;rightAbs&quot;:false,&quot;bottomAbs&quot;:false}]}"/>
   <p:tag name="KSO_WM_SLIDE_BACKGROUND" val="[&quot;general&quot;,&quot;frame&quot;]"/>
@@ -38820,7 +39022,7 @@
 </p:tagLst>
 </file>
 
-<file path=ppt/tags/tag387.xml><?xml version="1.0" encoding="utf-8"?>
+<file path=ppt/tags/tag404.xml><?xml version="1.0" encoding="utf-8"?>
 <p:tagLst xmlns:a="http://schemas.openxmlformats.org/drawingml/2006/main" xmlns:r="http://schemas.openxmlformats.org/officeDocument/2006/relationships" xmlns:p="http://schemas.openxmlformats.org/presentationml/2006/main">
   <p:tag name="KSO_WM_SLIDE_BACKGROUND_TYPE" val="frame"/>
   <p:tag name="KSO_WM_UNIT_HIGHLIGHT" val="0"/>
@@ -38846,7 +39048,7 @@
 </p:tagLst>
 </file>
 
-<file path=ppt/tags/tag388.xml><?xml version="1.0" encoding="utf-8"?>
+<file path=ppt/tags/tag405.xml><?xml version="1.0" encoding="utf-8"?>
 <p:tagLst xmlns:a="http://schemas.openxmlformats.org/drawingml/2006/main" xmlns:r="http://schemas.openxmlformats.org/officeDocument/2006/relationships" xmlns:p="http://schemas.openxmlformats.org/presentationml/2006/main">
   <p:tag name="KSO_WM_UNIT_BLOCK" val="0"/>
   <p:tag name="KSO_WM_UNIT_IS_LAYOUT_DIAGRAM" val="1"/>
@@ -38874,7 +39076,7 @@
 </p:tagLst>
 </file>
 
-<file path=ppt/tags/tag389.xml><?xml version="1.0" encoding="utf-8"?>
+<file path=ppt/tags/tag406.xml><?xml version="1.0" encoding="utf-8"?>
 <p:tagLst xmlns:a="http://schemas.openxmlformats.org/drawingml/2006/main" xmlns:r="http://schemas.openxmlformats.org/officeDocument/2006/relationships" xmlns:p="http://schemas.openxmlformats.org/presentationml/2006/main">
   <p:tag name="KSO_WM_UNIT_BLOCK" val="0"/>
   <p:tag name="KSO_WM_UNIT_IS_LAYOUT_DIAGRAM" val="1"/>
@@ -38899,20 +39101,7 @@
 </p:tagLst>
 </file>
 
-<file path=ppt/tags/tag39.xml><?xml version="1.0" encoding="utf-8"?>
-<p:tagLst xmlns:a="http://schemas.openxmlformats.org/drawingml/2006/main" xmlns:r="http://schemas.openxmlformats.org/officeDocument/2006/relationships" xmlns:p="http://schemas.openxmlformats.org/presentationml/2006/main">
-  <p:tag name="KSO_WM_UNIT_HIGHLIGHT" val="0"/>
-  <p:tag name="KSO_WM_UNIT_COMPATIBLE" val="0"/>
-  <p:tag name="KSO_WM_UNIT_DIAGRAM_ISNUMVISUAL" val="0"/>
-  <p:tag name="KSO_WM_UNIT_DIAGRAM_ISREFERUNIT" val="0"/>
-  <p:tag name="KSO_WM_UNIT_ID" val="_5**"/>
-  <p:tag name="KSO_WM_UNIT_LAYERLEVEL" val="1"/>
-  <p:tag name="KSO_WM_TAG_VERSION" val="1.0"/>
-  <p:tag name="KSO_WM_BEAUTIFY_FLAG" val="#wm#"/>
-</p:tagLst>
-</file>
-
-<file path=ppt/tags/tag390.xml><?xml version="1.0" encoding="utf-8"?>
+<file path=ppt/tags/tag407.xml><?xml version="1.0" encoding="utf-8"?>
 <p:tagLst xmlns:a="http://schemas.openxmlformats.org/drawingml/2006/main" xmlns:r="http://schemas.openxmlformats.org/officeDocument/2006/relationships" xmlns:p="http://schemas.openxmlformats.org/presentationml/2006/main">
   <p:tag name="KSO_WM_UNIT_BLOCK" val="0"/>
   <p:tag name="KSO_WM_UNIT_ISCONTENTSTITLE" val="0"/>
@@ -38939,7 +39128,7 @@
 </p:tagLst>
 </file>
 
-<file path=ppt/tags/tag391.xml><?xml version="1.0" encoding="utf-8"?>
+<file path=ppt/tags/tag408.xml><?xml version="1.0" encoding="utf-8"?>
 <p:tagLst xmlns:a="http://schemas.openxmlformats.org/drawingml/2006/main" xmlns:r="http://schemas.openxmlformats.org/officeDocument/2006/relationships" xmlns:p="http://schemas.openxmlformats.org/presentationml/2006/main">
   <p:tag name="KSO_WM_SLIDE_BACKGROUND_TYPE" val="frame"/>
   <p:tag name="KSO_WM_UNIT_TYPE" val="i"/>
@@ -38959,7 +39148,7 @@
 </p:tagLst>
 </file>
 
-<file path=ppt/tags/tag392.xml><?xml version="1.0" encoding="utf-8"?>
+<file path=ppt/tags/tag409.xml><?xml version="1.0" encoding="utf-8"?>
 <p:tagLst xmlns:a="http://schemas.openxmlformats.org/drawingml/2006/main" xmlns:r="http://schemas.openxmlformats.org/officeDocument/2006/relationships" xmlns:p="http://schemas.openxmlformats.org/presentationml/2006/main">
   <p:tag name="KSO_WM_SLIDE_BACKGROUND_TYPE" val="frame"/>
   <p:tag name="KSO_WM_UNIT_TYPE" val="i"/>
@@ -38979,462 +39168,6 @@
 </p:tagLst>
 </file>
 
-<file path=ppt/tags/tag393.xml><?xml version="1.0" encoding="utf-8"?>
-<p:tagLst xmlns:a="http://schemas.openxmlformats.org/drawingml/2006/main" xmlns:r="http://schemas.openxmlformats.org/officeDocument/2006/relationships" xmlns:p="http://schemas.openxmlformats.org/presentationml/2006/main">
-  <p:tag name="KSO_WM_TEMPLATE_SUBCATEGORY" val="0"/>
-  <p:tag name="KSO_WM_SLIDE_TYPE" val="sectionTitle"/>
-  <p:tag name="KSO_WM_SLIDE_SUBTYPE" val="pureTxt"/>
-  <p:tag name="KSO_WM_SLIDE_ITEM_CNT" val="0"/>
-  <p:tag name="KSO_WM_SLIDE_INDEX" val="7"/>
-  <p:tag name="KSO_WM_TAG_VERSION" val="1.0"/>
-  <p:tag name="KSO_WM_BEAUTIFY_FLAG" val="#wm#"/>
-  <p:tag name="KSO_WM_SLIDE_LAYOUT" val="a_e"/>
-  <p:tag name="KSO_WM_SLIDE_LAYOUT_CNT" val="1_1"/>
-  <p:tag name="KSO_WM_TEMPLATE_MASTER_TYPE" val="1"/>
-  <p:tag name="KSO_WM_TEMPLATE_COLOR_TYPE" val="1"/>
-  <p:tag name="KSO_WM_TEMPLATE_CATEGORY" val="custom"/>
-  <p:tag name="KSO_WM_TEMPLATE_INDEX" val="20204339"/>
-  <p:tag name="KSO_WM_SLIDE_ID" val="custom20204339_7"/>
-</p:tagLst>
-</file>
-
-<file path=ppt/tags/tag394.xml><?xml version="1.0" encoding="utf-8"?>
-<p:tagLst xmlns:a="http://schemas.openxmlformats.org/drawingml/2006/main" xmlns:r="http://schemas.openxmlformats.org/officeDocument/2006/relationships" xmlns:p="http://schemas.openxmlformats.org/presentationml/2006/main">
-  <p:tag name="KSO_WM_UNIT_PRESET_TEXT" val="PART 01"/>
-  <p:tag name="KSO_WM_UNIT_NOCLEAR" val="0"/>
-  <p:tag name="KSO_WM_UNIT_VALUE" val="4"/>
-  <p:tag name="KSO_WM_UNIT_HIGHLIGHT" val="0"/>
-  <p:tag name="KSO_WM_UNIT_COMPATIBLE" val="1"/>
-  <p:tag name="KSO_WM_UNIT_DIAGRAM_ISNUMVISUAL" val="0"/>
-  <p:tag name="KSO_WM_UNIT_DIAGRAM_ISREFERUNIT" val="0"/>
-  <p:tag name="KSO_WM_UNIT_TYPE" val="e"/>
-  <p:tag name="KSO_WM_UNIT_INDEX" val="1"/>
-  <p:tag name="KSO_WM_UNIT_ID" val="custom20204339_7*e*1"/>
-  <p:tag name="KSO_WM_TEMPLATE_CATEGORY" val="custom"/>
-  <p:tag name="KSO_WM_TEMPLATE_INDEX" val="20204339"/>
-  <p:tag name="KSO_WM_UNIT_LAYERLEVEL" val="1"/>
-  <p:tag name="KSO_WM_TAG_VERSION" val="1.0"/>
-  <p:tag name="KSO_WM_BEAUTIFY_FLAG" val="#wm#"/>
-</p:tagLst>
-</file>
-
-<file path=ppt/tags/tag395.xml><?xml version="1.0" encoding="utf-8"?>
-<p:tagLst xmlns:a="http://schemas.openxmlformats.org/drawingml/2006/main" xmlns:r="http://schemas.openxmlformats.org/officeDocument/2006/relationships" xmlns:p="http://schemas.openxmlformats.org/presentationml/2006/main">
-  <p:tag name="KSO_WM_SLIDE_LAYOUT_INFO" val="{&quot;direction&quot;:0,&quot;horizontalAlign&quot;:-1,&quot;verticalAlign&quot;:-1,&quot;type&quot;:0,&quot;diagramDirection&quot;:0,&quot;canSetOverLayout&quot;:0,&quot;isOverLayout&quot;:0,&quot;margin&quot;:{&quot;left&quot;:1.69,&quot;top&quot;:1.69,&quot;right&quot;:1.69,&quot;bottom&quot;:1.69},&quot;edge&quot;:{&quot;left&quot;:true,&quot;top&quot;:true,&quot;right&quot;:true,&quot;bottom&quot;:true},&quot;backgroundInfo&quot;:[{&quot;type&quot;:&quot;general&quot;,&quot;left&quot;:0.0,&quot;top&quot;:0.0,&quot;right&quot;:0.0,&quot;bottom&quot;:0.0,&quot;leftAbs&quot;:false,&quot;topAbs&quot;:false,&quot;rightAbs&quot;:false,&quot;bottomAbs&quot;:false},{&quot;type&quot;:&quot;frame&quot;,&quot;left&quot;:0.0,&quot;top&quot;:0.0,&quot;right&quot;:0.0,&quot;bottom&quot;:0.0,&quot;leftAbs&quot;:false,&quot;topAbs&quot;:false,&quot;rightAbs&quot;:false,&quot;bottomAbs&quot;:false}]}"/>
-  <p:tag name="KSO_WM_SLIDE_BACKGROUND" val="[&quot;general&quot;,&quot;frame&quot;]"/>
-  <p:tag name="KSO_WM_SLIDE_RATIO" val="1.777778"/>
-  <p:tag name="KSO_WM_SLIDE_ID" val="custom20204339_12"/>
-  <p:tag name="KSO_WM_TEMPLATE_SUBCATEGORY" val="0"/>
-  <p:tag name="KSO_WM_TEMPLATE_MASTER_TYPE" val="1"/>
-  <p:tag name="KSO_WM_TEMPLATE_COLOR_TYPE" val="1"/>
-  <p:tag name="KSO_WM_SLIDE_TYPE" val="text"/>
-  <p:tag name="KSO_WM_SLIDE_SUBTYPE" val="diag"/>
-  <p:tag name="KSO_WM_SLIDE_ITEM_CNT" val="4"/>
-  <p:tag name="KSO_WM_SLIDE_INDEX" val="12"/>
-  <p:tag name="KSO_WM_SLIDE_SIZE" val="863.821*341.244"/>
-  <p:tag name="KSO_WM_SLIDE_POSITION" val="47.928*150.85"/>
-  <p:tag name="KSO_WM_DIAGRAM_GROUP_CODE" val="l1-2"/>
-  <p:tag name="KSO_WM_SLIDE_DIAGTYPE" val="l"/>
-  <p:tag name="KSO_WM_TAG_VERSION" val="1.0"/>
-  <p:tag name="KSO_WM_BEAUTIFY_FLAG" val="#wm#"/>
-  <p:tag name="KSO_WM_TEMPLATE_CATEGORY" val="custom"/>
-  <p:tag name="KSO_WM_TEMPLATE_INDEX" val="20204339"/>
-  <p:tag name="KSO_WM_SLIDE_LAYOUT" val="a_i_l"/>
-  <p:tag name="KSO_WM_SLIDE_LAYOUT_CNT" val="1_1_1"/>
-</p:tagLst>
-</file>
-
-<file path=ppt/tags/tag396.xml><?xml version="1.0" encoding="utf-8"?>
-<p:tagLst xmlns:a="http://schemas.openxmlformats.org/drawingml/2006/main" xmlns:r="http://schemas.openxmlformats.org/officeDocument/2006/relationships" xmlns:p="http://schemas.openxmlformats.org/presentationml/2006/main">
-  <p:tag name="KSO_WM_SLIDE_BACKGROUND_TYPE" val="frame"/>
-  <p:tag name="KSO_WM_UNIT_HIGHLIGHT" val="0"/>
-  <p:tag name="KSO_WM_UNIT_COMPATIBLE" val="0"/>
-  <p:tag name="KSO_WM_UNIT_DIAGRAM_ISNUMVISUAL" val="0"/>
-  <p:tag name="KSO_WM_UNIT_DIAGRAM_ISREFERUNIT" val="0"/>
-  <p:tag name="KSO_WM_DIAGRAM_GROUP_CODE" val="l1-2"/>
-  <p:tag name="KSO_WM_UNIT_SUBTYPE" val="h"/>
-  <p:tag name="KSO_WM_UNIT_TYPE" val="i"/>
-  <p:tag name="KSO_WM_UNIT_INDEX" val="1"/>
-  <p:tag name="KSO_WM_UNIT_ID" val="custom20204339_12*i*1"/>
-  <p:tag name="KSO_WM_TEMPLATE_CATEGORY" val="custom"/>
-  <p:tag name="KSO_WM_TEMPLATE_INDEX" val="20204339"/>
-  <p:tag name="KSO_WM_UNIT_BK_DARK_LIGHT" val="2"/>
-  <p:tag name="KSO_WM_UNIT_LAYERLEVEL" val="1"/>
-  <p:tag name="KSO_WM_TAG_VERSION" val="1.0"/>
-  <p:tag name="KSO_WM_BEAUTIFY_FLAG" val="#wm#"/>
-  <p:tag name="KSO_WM_UNIT_FILL_FORE_SCHEMECOLOR_INDEX" val="16"/>
-  <p:tag name="KSO_WM_UNIT_FILL_TYPE" val="1"/>
-  <p:tag name="KSO_WM_UNIT_TEXT_FILL_FORE_SCHEMECOLOR_INDEX" val="2"/>
-  <p:tag name="KSO_WM_UNIT_TEXT_FILL_TYPE" val="1"/>
-  <p:tag name="KSO_WM_UNIT_USESOURCEFORMAT_APPLY" val="1"/>
-</p:tagLst>
-</file>
-
-<file path=ppt/tags/tag397.xml><?xml version="1.0" encoding="utf-8"?>
-<p:tagLst xmlns:a="http://schemas.openxmlformats.org/drawingml/2006/main" xmlns:r="http://schemas.openxmlformats.org/officeDocument/2006/relationships" xmlns:p="http://schemas.openxmlformats.org/presentationml/2006/main">
-  <p:tag name="KSO_WM_UNIT_BLOCK" val="0"/>
-  <p:tag name="KSO_WM_UNIT_HIGHLIGHT" val="0"/>
-  <p:tag name="KSO_WM_UNIT_COMPATIBLE" val="0"/>
-  <p:tag name="KSO_WM_UNIT_DIAGRAM_ISNUMVISUAL" val="0"/>
-  <p:tag name="KSO_WM_UNIT_DIAGRAM_ISREFERUNIT" val="0"/>
-  <p:tag name="KSO_WM_DIAGRAM_GROUP_CODE" val="l1-2"/>
-  <p:tag name="KSO_WM_UNIT_TYPE" val="l_z"/>
-  <p:tag name="KSO_WM_UNIT_INDEX" val="1_1"/>
-  <p:tag name="KSO_WM_UNIT_ID" val="custom20204339_12*l_z*1_1"/>
-  <p:tag name="KSO_WM_TEMPLATE_CATEGORY" val="custom"/>
-  <p:tag name="KSO_WM_TEMPLATE_INDEX" val="20204339"/>
-  <p:tag name="KSO_WM_UNIT_LAYERLEVEL" val="1_1"/>
-  <p:tag name="KSO_WM_TAG_VERSION" val="1.0"/>
-  <p:tag name="KSO_WM_BEAUTIFY_FLAG" val="#wm#"/>
-  <p:tag name="KSO_WM_UNIT_LINE_FORE_SCHEMECOLOR_INDEX" val="14"/>
-  <p:tag name="KSO_WM_UNIT_LINE_FILL_TYPE" val="2"/>
-  <p:tag name="KSO_WM_UNIT_USESOURCEFORMAT_APPLY" val="1"/>
-</p:tagLst>
-</file>
-
-<file path=ppt/tags/tag398.xml><?xml version="1.0" encoding="utf-8"?>
-<p:tagLst xmlns:a="http://schemas.openxmlformats.org/drawingml/2006/main" xmlns:r="http://schemas.openxmlformats.org/officeDocument/2006/relationships" xmlns:p="http://schemas.openxmlformats.org/presentationml/2006/main">
-  <p:tag name="KSO_WM_UNIT_BLOCK" val="0"/>
-  <p:tag name="KSO_WM_UNIT_HIGHLIGHT" val="0"/>
-  <p:tag name="KSO_WM_UNIT_COMPATIBLE" val="0"/>
-  <p:tag name="KSO_WM_UNIT_DIAGRAM_ISNUMVISUAL" val="0"/>
-  <p:tag name="KSO_WM_UNIT_DIAGRAM_ISREFERUNIT" val="0"/>
-  <p:tag name="KSO_WM_DIAGRAM_GROUP_CODE" val="l1-2"/>
-  <p:tag name="KSO_WM_UNIT_TYPE" val="l_z"/>
-  <p:tag name="KSO_WM_UNIT_INDEX" val="1_2"/>
-  <p:tag name="KSO_WM_UNIT_ID" val="custom20204339_12*l_z*1_2"/>
-  <p:tag name="KSO_WM_TEMPLATE_CATEGORY" val="custom"/>
-  <p:tag name="KSO_WM_TEMPLATE_INDEX" val="20204339"/>
-  <p:tag name="KSO_WM_UNIT_LAYERLEVEL" val="1_1"/>
-  <p:tag name="KSO_WM_TAG_VERSION" val="1.0"/>
-  <p:tag name="KSO_WM_BEAUTIFY_FLAG" val="#wm#"/>
-  <p:tag name="KSO_WM_UNIT_LINE_FORE_SCHEMECOLOR_INDEX" val="14"/>
-  <p:tag name="KSO_WM_UNIT_LINE_FILL_TYPE" val="2"/>
-  <p:tag name="KSO_WM_UNIT_USESOURCEFORMAT_APPLY" val="1"/>
-</p:tagLst>
-</file>
-
-<file path=ppt/tags/tag399.xml><?xml version="1.0" encoding="utf-8"?>
-<p:tagLst xmlns:a="http://schemas.openxmlformats.org/drawingml/2006/main" xmlns:r="http://schemas.openxmlformats.org/officeDocument/2006/relationships" xmlns:p="http://schemas.openxmlformats.org/presentationml/2006/main">
-  <p:tag name="KSO_WM_UNIT_BLOCK" val="0"/>
-  <p:tag name="KSO_WM_UNIT_IS_LAYOUT_DIAGRAM" val="1"/>
-  <p:tag name="KSO_WM_UNIT_SUBTYPE" val="a"/>
-  <p:tag name="KSO_WM_UNIT_PRESET_TEXT" val="单击此处输入你的正文，文字是您思想的提炼，为了最终演示发布的良好效果，请尽量言简意赅的阐述观点；根据需要可酌情增减文字……"/>
-  <p:tag name="KSO_WM_UNIT_NOCLEAR" val="0"/>
-  <p:tag name="KSO_WM_UNIT_VALUE" val="63"/>
-  <p:tag name="KSO_WM_UNIT_HIGHLIGHT" val="0"/>
-  <p:tag name="KSO_WM_UNIT_COMPATIBLE" val="0"/>
-  <p:tag name="KSO_WM_UNIT_DIAGRAM_ISNUMVISUAL" val="0"/>
-  <p:tag name="KSO_WM_UNIT_DIAGRAM_ISREFERUNIT" val="0"/>
-  <p:tag name="KSO_WM_DIAGRAM_GROUP_CODE" val="l1-2"/>
-  <p:tag name="KSO_WM_UNIT_TYPE" val="l_h_f"/>
-  <p:tag name="KSO_WM_UNIT_INDEX" val="1_1_1"/>
-  <p:tag name="KSO_WM_UNIT_ID" val="custom20204339_12*l_h_f*1_1_1"/>
-  <p:tag name="KSO_WM_TEMPLATE_CATEGORY" val="custom"/>
-  <p:tag name="KSO_WM_TEMPLATE_INDEX" val="20204339"/>
-  <p:tag name="KSO_WM_UNIT_LAYERLEVEL" val="1_1_1"/>
-  <p:tag name="KSO_WM_TAG_VERSION" val="1.0"/>
-  <p:tag name="KSO_WM_BEAUTIFY_FLAG" val="#wm#"/>
-  <p:tag name="KSO_WM_UNIT_TEXT_FILL_FORE_SCHEMECOLOR_INDEX" val="13"/>
-  <p:tag name="KSO_WM_UNIT_TEXT_FILL_TYPE" val="1"/>
-  <p:tag name="KSO_WM_UNIT_USESOURCEFORMAT_APPLY" val="1"/>
-</p:tagLst>
-</file>
-
-<file path=ppt/tags/tag4.xml><?xml version="1.0" encoding="utf-8"?>
-<p:tagLst xmlns:a="http://schemas.openxmlformats.org/drawingml/2006/main" xmlns:r="http://schemas.openxmlformats.org/officeDocument/2006/relationships" xmlns:p="http://schemas.openxmlformats.org/presentationml/2006/main">
-  <p:tag name="KSO_WM_UNIT_HIGHLIGHT" val="0"/>
-  <p:tag name="KSO_WM_UNIT_COMPATIBLE" val="0"/>
-  <p:tag name="KSO_WM_UNIT_DIAGRAM_ISNUMVISUAL" val="0"/>
-  <p:tag name="KSO_WM_UNIT_DIAGRAM_ISREFERUNIT" val="0"/>
-  <p:tag name="KSO_WM_UNIT_ID" val="_0**"/>
-  <p:tag name="KSO_WM_UNIT_LAYERLEVEL" val="1"/>
-  <p:tag name="KSO_WM_TAG_VERSION" val="1.0"/>
-  <p:tag name="KSO_WM_BEAUTIFY_FLAG" val="#wm#"/>
-</p:tagLst>
-</file>
-
-<file path=ppt/tags/tag40.xml><?xml version="1.0" encoding="utf-8"?>
-<p:tagLst xmlns:a="http://schemas.openxmlformats.org/drawingml/2006/main" xmlns:r="http://schemas.openxmlformats.org/officeDocument/2006/relationships" xmlns:p="http://schemas.openxmlformats.org/presentationml/2006/main">
-  <p:tag name="KSO_WM_UNIT_HIGHLIGHT" val="0"/>
-  <p:tag name="KSO_WM_UNIT_COMPATIBLE" val="0"/>
-  <p:tag name="KSO_WM_UNIT_DIAGRAM_ISNUMVISUAL" val="0"/>
-  <p:tag name="KSO_WM_UNIT_DIAGRAM_ISREFERUNIT" val="0"/>
-  <p:tag name="KSO_WM_UNIT_ID" val="_5**"/>
-  <p:tag name="KSO_WM_UNIT_LAYERLEVEL" val="1"/>
-  <p:tag name="KSO_WM_TAG_VERSION" val="1.0"/>
-  <p:tag name="KSO_WM_BEAUTIFY_FLAG" val="#wm#"/>
-</p:tagLst>
-</file>
-
-<file path=ppt/tags/tag400.xml><?xml version="1.0" encoding="utf-8"?>
-<p:tagLst xmlns:a="http://schemas.openxmlformats.org/drawingml/2006/main" xmlns:r="http://schemas.openxmlformats.org/officeDocument/2006/relationships" xmlns:p="http://schemas.openxmlformats.org/presentationml/2006/main">
-  <p:tag name="KSO_WM_UNIT_BLOCK" val="0"/>
-  <p:tag name="KSO_WM_UNIT_IS_LAYOUT_DIAGRAM" val="1"/>
-  <p:tag name="KSO_WM_UNIT_ISCONTENTSTITLE" val="0"/>
-  <p:tag name="KSO_WM_UNIT_ISNUMDGMTITLE" val="0"/>
-  <p:tag name="KSO_WM_UNIT_PRESET_TEXT" val="单击此处添加小标题"/>
-  <p:tag name="KSO_WM_UNIT_NOCLEAR" val="0"/>
-  <p:tag name="KSO_WM_UNIT_VALUE" val="19"/>
-  <p:tag name="KSO_WM_UNIT_HIGHLIGHT" val="0"/>
-  <p:tag name="KSO_WM_UNIT_COMPATIBLE" val="0"/>
-  <p:tag name="KSO_WM_UNIT_DIAGRAM_ISNUMVISUAL" val="0"/>
-  <p:tag name="KSO_WM_UNIT_DIAGRAM_ISREFERUNIT" val="0"/>
-  <p:tag name="KSO_WM_DIAGRAM_GROUP_CODE" val="l1-2"/>
-  <p:tag name="KSO_WM_UNIT_TYPE" val="l_h_a"/>
-  <p:tag name="KSO_WM_UNIT_INDEX" val="1_1_1"/>
-  <p:tag name="KSO_WM_UNIT_ID" val="custom20204339_12*l_h_a*1_1_1"/>
-  <p:tag name="KSO_WM_TEMPLATE_CATEGORY" val="custom"/>
-  <p:tag name="KSO_WM_TEMPLATE_INDEX" val="20204339"/>
-  <p:tag name="KSO_WM_UNIT_LAYERLEVEL" val="1_1_1"/>
-  <p:tag name="KSO_WM_TAG_VERSION" val="1.0"/>
-  <p:tag name="KSO_WM_BEAUTIFY_FLAG" val="#wm#"/>
-  <p:tag name="KSO_WM_UNIT_TEXT_FILL_FORE_SCHEMECOLOR_INDEX" val="13"/>
-  <p:tag name="KSO_WM_UNIT_TEXT_FILL_TYPE" val="1"/>
-  <p:tag name="KSO_WM_UNIT_USESOURCEFORMAT_APPLY" val="1"/>
-</p:tagLst>
-</file>
-
-<file path=ppt/tags/tag401.xml><?xml version="1.0" encoding="utf-8"?>
-<p:tagLst xmlns:a="http://schemas.openxmlformats.org/drawingml/2006/main" xmlns:r="http://schemas.openxmlformats.org/officeDocument/2006/relationships" xmlns:p="http://schemas.openxmlformats.org/presentationml/2006/main">
-  <p:tag name="KSO_WM_UNIT_BLOCK" val="0"/>
-  <p:tag name="KSO_WM_UNIT_IS_LAYOUT_DIAGRAM" val="1"/>
-  <p:tag name="KSO_WM_UNIT_SUBTYPE" val="a"/>
-  <p:tag name="KSO_WM_UNIT_PRESET_TEXT" val="单击此处输入你的正文，文字是您思想的提炼，为了最终演示发布的良好效果，请尽量言简意赅的阐述观点；根据需要可酌情增减文字……"/>
-  <p:tag name="KSO_WM_UNIT_NOCLEAR" val="0"/>
-  <p:tag name="KSO_WM_UNIT_VALUE" val="63"/>
-  <p:tag name="KSO_WM_UNIT_HIGHLIGHT" val="0"/>
-  <p:tag name="KSO_WM_UNIT_COMPATIBLE" val="0"/>
-  <p:tag name="KSO_WM_UNIT_DIAGRAM_ISNUMVISUAL" val="0"/>
-  <p:tag name="KSO_WM_UNIT_DIAGRAM_ISREFERUNIT" val="0"/>
-  <p:tag name="KSO_WM_DIAGRAM_GROUP_CODE" val="l1-2"/>
-  <p:tag name="KSO_WM_UNIT_TYPE" val="l_h_f"/>
-  <p:tag name="KSO_WM_UNIT_INDEX" val="1_2_1"/>
-  <p:tag name="KSO_WM_UNIT_ID" val="custom20204339_12*l_h_f*1_2_1"/>
-  <p:tag name="KSO_WM_TEMPLATE_CATEGORY" val="custom"/>
-  <p:tag name="KSO_WM_TEMPLATE_INDEX" val="20204339"/>
-  <p:tag name="KSO_WM_UNIT_LAYERLEVEL" val="1_1_1"/>
-  <p:tag name="KSO_WM_TAG_VERSION" val="1.0"/>
-  <p:tag name="KSO_WM_BEAUTIFY_FLAG" val="#wm#"/>
-  <p:tag name="KSO_WM_UNIT_TEXT_FILL_FORE_SCHEMECOLOR_INDEX" val="13"/>
-  <p:tag name="KSO_WM_UNIT_TEXT_FILL_TYPE" val="1"/>
-  <p:tag name="KSO_WM_UNIT_USESOURCEFORMAT_APPLY" val="1"/>
-</p:tagLst>
-</file>
-
-<file path=ppt/tags/tag402.xml><?xml version="1.0" encoding="utf-8"?>
-<p:tagLst xmlns:a="http://schemas.openxmlformats.org/drawingml/2006/main" xmlns:r="http://schemas.openxmlformats.org/officeDocument/2006/relationships" xmlns:p="http://schemas.openxmlformats.org/presentationml/2006/main">
-  <p:tag name="KSO_WM_UNIT_BLOCK" val="0"/>
-  <p:tag name="KSO_WM_UNIT_IS_LAYOUT_DIAGRAM" val="1"/>
-  <p:tag name="KSO_WM_UNIT_ISCONTENTSTITLE" val="0"/>
-  <p:tag name="KSO_WM_UNIT_ISNUMDGMTITLE" val="0"/>
-  <p:tag name="KSO_WM_UNIT_PRESET_TEXT" val="单击此处添加小标题"/>
-  <p:tag name="KSO_WM_UNIT_NOCLEAR" val="0"/>
-  <p:tag name="KSO_WM_UNIT_VALUE" val="19"/>
-  <p:tag name="KSO_WM_UNIT_HIGHLIGHT" val="0"/>
-  <p:tag name="KSO_WM_UNIT_COMPATIBLE" val="0"/>
-  <p:tag name="KSO_WM_UNIT_DIAGRAM_ISNUMVISUAL" val="0"/>
-  <p:tag name="KSO_WM_UNIT_DIAGRAM_ISREFERUNIT" val="0"/>
-  <p:tag name="KSO_WM_DIAGRAM_GROUP_CODE" val="l1-2"/>
-  <p:tag name="KSO_WM_UNIT_TYPE" val="l_h_a"/>
-  <p:tag name="KSO_WM_UNIT_INDEX" val="1_2_1"/>
-  <p:tag name="KSO_WM_UNIT_ID" val="custom20204339_12*l_h_a*1_2_1"/>
-  <p:tag name="KSO_WM_TEMPLATE_CATEGORY" val="custom"/>
-  <p:tag name="KSO_WM_TEMPLATE_INDEX" val="20204339"/>
-  <p:tag name="KSO_WM_UNIT_LAYERLEVEL" val="1_1_1"/>
-  <p:tag name="KSO_WM_TAG_VERSION" val="1.0"/>
-  <p:tag name="KSO_WM_BEAUTIFY_FLAG" val="#wm#"/>
-  <p:tag name="KSO_WM_UNIT_TEXT_FILL_FORE_SCHEMECOLOR_INDEX" val="13"/>
-  <p:tag name="KSO_WM_UNIT_TEXT_FILL_TYPE" val="1"/>
-  <p:tag name="KSO_WM_UNIT_USESOURCEFORMAT_APPLY" val="1"/>
-</p:tagLst>
-</file>
-
-<file path=ppt/tags/tag403.xml><?xml version="1.0" encoding="utf-8"?>
-<p:tagLst xmlns:a="http://schemas.openxmlformats.org/drawingml/2006/main" xmlns:r="http://schemas.openxmlformats.org/officeDocument/2006/relationships" xmlns:p="http://schemas.openxmlformats.org/presentationml/2006/main">
-  <p:tag name="KSO_WM_UNIT_BLOCK" val="0"/>
-  <p:tag name="KSO_WM_UNIT_IS_LAYOUT_DIAGRAM" val="1"/>
-  <p:tag name="KSO_WM_UNIT_SUBTYPE" val="a"/>
-  <p:tag name="KSO_WM_UNIT_PRESET_TEXT" val="单击此处输入你的正文，文字是您思想的提炼，为了最终演示发布的良好效果，请尽量言简意赅的阐述观点；根据需要可酌情增减文字……"/>
-  <p:tag name="KSO_WM_UNIT_NOCLEAR" val="0"/>
-  <p:tag name="KSO_WM_UNIT_VALUE" val="63"/>
-  <p:tag name="KSO_WM_UNIT_HIGHLIGHT" val="0"/>
-  <p:tag name="KSO_WM_UNIT_COMPATIBLE" val="0"/>
-  <p:tag name="KSO_WM_UNIT_DIAGRAM_ISNUMVISUAL" val="0"/>
-  <p:tag name="KSO_WM_UNIT_DIAGRAM_ISREFERUNIT" val="0"/>
-  <p:tag name="KSO_WM_DIAGRAM_GROUP_CODE" val="l1-2"/>
-  <p:tag name="KSO_WM_UNIT_TYPE" val="l_h_f"/>
-  <p:tag name="KSO_WM_UNIT_INDEX" val="1_3_1"/>
-  <p:tag name="KSO_WM_UNIT_ID" val="custom20204339_12*l_h_f*1_3_1"/>
-  <p:tag name="KSO_WM_TEMPLATE_CATEGORY" val="custom"/>
-  <p:tag name="KSO_WM_TEMPLATE_INDEX" val="20204339"/>
-  <p:tag name="KSO_WM_UNIT_LAYERLEVEL" val="1_1_1"/>
-  <p:tag name="KSO_WM_TAG_VERSION" val="1.0"/>
-  <p:tag name="KSO_WM_BEAUTIFY_FLAG" val="#wm#"/>
-  <p:tag name="KSO_WM_UNIT_TEXT_FILL_FORE_SCHEMECOLOR_INDEX" val="13"/>
-  <p:tag name="KSO_WM_UNIT_TEXT_FILL_TYPE" val="1"/>
-  <p:tag name="KSO_WM_UNIT_USESOURCEFORMAT_APPLY" val="1"/>
-</p:tagLst>
-</file>
-
-<file path=ppt/tags/tag404.xml><?xml version="1.0" encoding="utf-8"?>
-<p:tagLst xmlns:a="http://schemas.openxmlformats.org/drawingml/2006/main" xmlns:r="http://schemas.openxmlformats.org/officeDocument/2006/relationships" xmlns:p="http://schemas.openxmlformats.org/presentationml/2006/main">
-  <p:tag name="KSO_WM_UNIT_BLOCK" val="0"/>
-  <p:tag name="KSO_WM_UNIT_IS_LAYOUT_DIAGRAM" val="1"/>
-  <p:tag name="KSO_WM_UNIT_ISCONTENTSTITLE" val="0"/>
-  <p:tag name="KSO_WM_UNIT_ISNUMDGMTITLE" val="0"/>
-  <p:tag name="KSO_WM_UNIT_PRESET_TEXT" val="单击此处添加小标题"/>
-  <p:tag name="KSO_WM_UNIT_NOCLEAR" val="0"/>
-  <p:tag name="KSO_WM_UNIT_VALUE" val="19"/>
-  <p:tag name="KSO_WM_UNIT_HIGHLIGHT" val="0"/>
-  <p:tag name="KSO_WM_UNIT_COMPATIBLE" val="0"/>
-  <p:tag name="KSO_WM_UNIT_DIAGRAM_ISNUMVISUAL" val="0"/>
-  <p:tag name="KSO_WM_UNIT_DIAGRAM_ISREFERUNIT" val="0"/>
-  <p:tag name="KSO_WM_DIAGRAM_GROUP_CODE" val="l1-2"/>
-  <p:tag name="KSO_WM_UNIT_TYPE" val="l_h_a"/>
-  <p:tag name="KSO_WM_UNIT_INDEX" val="1_3_1"/>
-  <p:tag name="KSO_WM_UNIT_ID" val="custom20204339_12*l_h_a*1_3_1"/>
-  <p:tag name="KSO_WM_TEMPLATE_CATEGORY" val="custom"/>
-  <p:tag name="KSO_WM_TEMPLATE_INDEX" val="20204339"/>
-  <p:tag name="KSO_WM_UNIT_LAYERLEVEL" val="1_1_1"/>
-  <p:tag name="KSO_WM_TAG_VERSION" val="1.0"/>
-  <p:tag name="KSO_WM_BEAUTIFY_FLAG" val="#wm#"/>
-  <p:tag name="KSO_WM_UNIT_TEXT_FILL_FORE_SCHEMECOLOR_INDEX" val="13"/>
-  <p:tag name="KSO_WM_UNIT_TEXT_FILL_TYPE" val="1"/>
-  <p:tag name="KSO_WM_UNIT_USESOURCEFORMAT_APPLY" val="1"/>
-</p:tagLst>
-</file>
-
-<file path=ppt/tags/tag405.xml><?xml version="1.0" encoding="utf-8"?>
-<p:tagLst xmlns:a="http://schemas.openxmlformats.org/drawingml/2006/main" xmlns:r="http://schemas.openxmlformats.org/officeDocument/2006/relationships" xmlns:p="http://schemas.openxmlformats.org/presentationml/2006/main">
-  <p:tag name="KSO_WM_UNIT_BLOCK" val="0"/>
-  <p:tag name="KSO_WM_UNIT_IS_LAYOUT_DIAGRAM" val="1"/>
-  <p:tag name="KSO_WM_UNIT_HIGHLIGHT" val="0"/>
-  <p:tag name="KSO_WM_UNIT_COMPATIBLE" val="0"/>
-  <p:tag name="KSO_WM_UNIT_DIAGRAM_ISNUMVISUAL" val="0"/>
-  <p:tag name="KSO_WM_UNIT_DIAGRAM_ISREFERUNIT" val="0"/>
-  <p:tag name="KSO_WM_DIAGRAM_GROUP_CODE" val="l1-2"/>
-  <p:tag name="KSO_WM_UNIT_TYPE" val="l_h_i"/>
-  <p:tag name="KSO_WM_UNIT_INDEX" val="1_3_1"/>
-  <p:tag name="KSO_WM_UNIT_ID" val="custom20204339_12*l_h_i*1_3_1"/>
-  <p:tag name="KSO_WM_TEMPLATE_CATEGORY" val="custom"/>
-  <p:tag name="KSO_WM_TEMPLATE_INDEX" val="20204339"/>
-  <p:tag name="KSO_WM_UNIT_LAYERLEVEL" val="1_1_1"/>
-  <p:tag name="KSO_WM_TAG_VERSION" val="1.0"/>
-  <p:tag name="KSO_WM_BEAUTIFY_FLAG" val="#wm#"/>
-  <p:tag name="KSO_WM_UNIT_FILL_FORE_SCHEMECOLOR_INDEX" val="5"/>
-  <p:tag name="KSO_WM_UNIT_FILL_TYPE" val="1"/>
-  <p:tag name="KSO_WM_UNIT_TEXT_FILL_FORE_SCHEMECOLOR_INDEX" val="14"/>
-  <p:tag name="KSO_WM_UNIT_TEXT_FILL_TYPE" val="1"/>
-  <p:tag name="KSO_WM_UNIT_USESOURCEFORMAT_APPLY" val="1"/>
-</p:tagLst>
-</file>
-
-<file path=ppt/tags/tag406.xml><?xml version="1.0" encoding="utf-8"?>
-<p:tagLst xmlns:a="http://schemas.openxmlformats.org/drawingml/2006/main" xmlns:r="http://schemas.openxmlformats.org/officeDocument/2006/relationships" xmlns:p="http://schemas.openxmlformats.org/presentationml/2006/main">
-  <p:tag name="KSO_WM_UNIT_BLOCK" val="0"/>
-  <p:tag name="KSO_WM_UNIT_IS_LAYOUT_DIAGRAM" val="1"/>
-  <p:tag name="KSO_WM_UNIT_SUBTYPE" val="a"/>
-  <p:tag name="KSO_WM_UNIT_PRESET_TEXT" val="单击此处输入你的正文，文字是您思想的提炼，为了最终演示发布的良好效果，请尽量言简意赅的阐述观点；根据需要可酌情增减文字……"/>
-  <p:tag name="KSO_WM_UNIT_NOCLEAR" val="0"/>
-  <p:tag name="KSO_WM_UNIT_VALUE" val="63"/>
-  <p:tag name="KSO_WM_UNIT_HIGHLIGHT" val="0"/>
-  <p:tag name="KSO_WM_UNIT_COMPATIBLE" val="0"/>
-  <p:tag name="KSO_WM_UNIT_DIAGRAM_ISNUMVISUAL" val="0"/>
-  <p:tag name="KSO_WM_UNIT_DIAGRAM_ISREFERUNIT" val="0"/>
-  <p:tag name="KSO_WM_DIAGRAM_GROUP_CODE" val="l1-2"/>
-  <p:tag name="KSO_WM_UNIT_TYPE" val="l_h_f"/>
-  <p:tag name="KSO_WM_UNIT_INDEX" val="1_4_1"/>
-  <p:tag name="KSO_WM_UNIT_ID" val="custom20204339_12*l_h_f*1_4_1"/>
-  <p:tag name="KSO_WM_TEMPLATE_CATEGORY" val="custom"/>
-  <p:tag name="KSO_WM_TEMPLATE_INDEX" val="20204339"/>
-  <p:tag name="KSO_WM_UNIT_LAYERLEVEL" val="1_1_1"/>
-  <p:tag name="KSO_WM_TAG_VERSION" val="1.0"/>
-  <p:tag name="KSO_WM_BEAUTIFY_FLAG" val="#wm#"/>
-  <p:tag name="KSO_WM_UNIT_TEXT_FILL_FORE_SCHEMECOLOR_INDEX" val="13"/>
-  <p:tag name="KSO_WM_UNIT_TEXT_FILL_TYPE" val="1"/>
-  <p:tag name="KSO_WM_UNIT_USESOURCEFORMAT_APPLY" val="1"/>
-</p:tagLst>
-</file>
-
-<file path=ppt/tags/tag407.xml><?xml version="1.0" encoding="utf-8"?>
-<p:tagLst xmlns:a="http://schemas.openxmlformats.org/drawingml/2006/main" xmlns:r="http://schemas.openxmlformats.org/officeDocument/2006/relationships" xmlns:p="http://schemas.openxmlformats.org/presentationml/2006/main">
-  <p:tag name="KSO_WM_UNIT_BLOCK" val="0"/>
-  <p:tag name="KSO_WM_UNIT_IS_LAYOUT_DIAGRAM" val="1"/>
-  <p:tag name="KSO_WM_UNIT_ISCONTENTSTITLE" val="0"/>
-  <p:tag name="KSO_WM_UNIT_ISNUMDGMTITLE" val="0"/>
-  <p:tag name="KSO_WM_UNIT_PRESET_TEXT" val="单击此处添加小标题"/>
-  <p:tag name="KSO_WM_UNIT_NOCLEAR" val="0"/>
-  <p:tag name="KSO_WM_UNIT_VALUE" val="19"/>
-  <p:tag name="KSO_WM_UNIT_HIGHLIGHT" val="0"/>
-  <p:tag name="KSO_WM_UNIT_COMPATIBLE" val="0"/>
-  <p:tag name="KSO_WM_UNIT_DIAGRAM_ISNUMVISUAL" val="0"/>
-  <p:tag name="KSO_WM_UNIT_DIAGRAM_ISREFERUNIT" val="0"/>
-  <p:tag name="KSO_WM_DIAGRAM_GROUP_CODE" val="l1-2"/>
-  <p:tag name="KSO_WM_UNIT_TYPE" val="l_h_a"/>
-  <p:tag name="KSO_WM_UNIT_INDEX" val="1_4_1"/>
-  <p:tag name="KSO_WM_UNIT_ID" val="custom20204339_12*l_h_a*1_4_1"/>
-  <p:tag name="KSO_WM_TEMPLATE_CATEGORY" val="custom"/>
-  <p:tag name="KSO_WM_TEMPLATE_INDEX" val="20204339"/>
-  <p:tag name="KSO_WM_UNIT_LAYERLEVEL" val="1_1_1"/>
-  <p:tag name="KSO_WM_TAG_VERSION" val="1.0"/>
-  <p:tag name="KSO_WM_BEAUTIFY_FLAG" val="#wm#"/>
-  <p:tag name="KSO_WM_UNIT_TEXT_FILL_FORE_SCHEMECOLOR_INDEX" val="13"/>
-  <p:tag name="KSO_WM_UNIT_TEXT_FILL_TYPE" val="1"/>
-  <p:tag name="KSO_WM_UNIT_USESOURCEFORMAT_APPLY" val="1"/>
-</p:tagLst>
-</file>
-
-<file path=ppt/tags/tag408.xml><?xml version="1.0" encoding="utf-8"?>
-<p:tagLst xmlns:a="http://schemas.openxmlformats.org/drawingml/2006/main" xmlns:r="http://schemas.openxmlformats.org/officeDocument/2006/relationships" xmlns:p="http://schemas.openxmlformats.org/presentationml/2006/main">
-  <p:tag name="KSO_WM_UNIT_BLOCK" val="0"/>
-  <p:tag name="KSO_WM_UNIT_IS_LAYOUT_DIAGRAM" val="1"/>
-  <p:tag name="KSO_WM_UNIT_HIGHLIGHT" val="0"/>
-  <p:tag name="KSO_WM_UNIT_COMPATIBLE" val="0"/>
-  <p:tag name="KSO_WM_UNIT_DIAGRAM_ISNUMVISUAL" val="0"/>
-  <p:tag name="KSO_WM_UNIT_DIAGRAM_ISREFERUNIT" val="0"/>
-  <p:tag name="KSO_WM_DIAGRAM_GROUP_CODE" val="l1-2"/>
-  <p:tag name="KSO_WM_UNIT_TYPE" val="l_h_i"/>
-  <p:tag name="KSO_WM_UNIT_INDEX" val="1_4_1"/>
-  <p:tag name="KSO_WM_UNIT_ID" val="custom20204339_12*l_h_i*1_4_1"/>
-  <p:tag name="KSO_WM_TEMPLATE_CATEGORY" val="custom"/>
-  <p:tag name="KSO_WM_TEMPLATE_INDEX" val="20204339"/>
-  <p:tag name="KSO_WM_UNIT_LAYERLEVEL" val="1_1_1"/>
-  <p:tag name="KSO_WM_TAG_VERSION" val="1.0"/>
-  <p:tag name="KSO_WM_BEAUTIFY_FLAG" val="#wm#"/>
-  <p:tag name="KSO_WM_UNIT_FILL_FORE_SCHEMECOLOR_INDEX" val="5"/>
-  <p:tag name="KSO_WM_UNIT_FILL_TYPE" val="1"/>
-  <p:tag name="KSO_WM_UNIT_TEXT_FILL_FORE_SCHEMECOLOR_INDEX" val="14"/>
-  <p:tag name="KSO_WM_UNIT_TEXT_FILL_TYPE" val="1"/>
-  <p:tag name="KSO_WM_UNIT_USESOURCEFORMAT_APPLY" val="1"/>
-</p:tagLst>
-</file>
-
-<file path=ppt/tags/tag409.xml><?xml version="1.0" encoding="utf-8"?>
-<p:tagLst xmlns:a="http://schemas.openxmlformats.org/drawingml/2006/main" xmlns:r="http://schemas.openxmlformats.org/officeDocument/2006/relationships" xmlns:p="http://schemas.openxmlformats.org/presentationml/2006/main">
-  <p:tag name="KSO_WM_UNIT_BLOCK" val="0"/>
-  <p:tag name="KSO_WM_UNIT_IS_LAYOUT_DIAGRAM" val="1"/>
-  <p:tag name="KSO_WM_UNIT_HIGHLIGHT" val="0"/>
-  <p:tag name="KSO_WM_UNIT_COMPATIBLE" val="0"/>
-  <p:tag name="KSO_WM_UNIT_DIAGRAM_ISNUMVISUAL" val="0"/>
-  <p:tag name="KSO_WM_UNIT_DIAGRAM_ISREFERUNIT" val="0"/>
-  <p:tag name="KSO_WM_DIAGRAM_GROUP_CODE" val="l1-2"/>
-  <p:tag name="KSO_WM_UNIT_TYPE" val="l_h_i"/>
-  <p:tag name="KSO_WM_UNIT_INDEX" val="1_1_2"/>
-  <p:tag name="KSO_WM_UNIT_ID" val="custom20204339_12*l_h_i*1_1_2"/>
-  <p:tag name="KSO_WM_TEMPLATE_CATEGORY" val="custom"/>
-  <p:tag name="KSO_WM_TEMPLATE_INDEX" val="20204339"/>
-  <p:tag name="KSO_WM_UNIT_LAYERLEVEL" val="1_1_1"/>
-  <p:tag name="KSO_WM_TAG_VERSION" val="1.0"/>
-  <p:tag name="KSO_WM_BEAUTIFY_FLAG" val="#wm#"/>
-  <p:tag name="KSO_WM_UNIT_FILL_FORE_SCHEMECOLOR_INDEX" val="5"/>
-  <p:tag name="KSO_WM_UNIT_FILL_TYPE" val="1"/>
-  <p:tag name="KSO_WM_UNIT_TEXT_FILL_FORE_SCHEMECOLOR_INDEX" val="14"/>
-  <p:tag name="KSO_WM_UNIT_TEXT_FILL_TYPE" val="1"/>
-  <p:tag name="KSO_WM_UNIT_USESOURCEFORMAT_APPLY" val="1"/>
-</p:tagLst>
-</file>
-
 <file path=ppt/tags/tag41.xml><?xml version="1.0" encoding="utf-8"?>
 <p:tagLst xmlns:a="http://schemas.openxmlformats.org/drawingml/2006/main" xmlns:r="http://schemas.openxmlformats.org/officeDocument/2006/relationships" xmlns:p="http://schemas.openxmlformats.org/presentationml/2006/main">
   <p:tag name="KSO_WM_UNIT_HIGHLIGHT" val="0"/>
@@ -39449,322 +39182,6 @@
 </file>
 
 <file path=ppt/tags/tag410.xml><?xml version="1.0" encoding="utf-8"?>
-<p:tagLst xmlns:a="http://schemas.openxmlformats.org/drawingml/2006/main" xmlns:r="http://schemas.openxmlformats.org/officeDocument/2006/relationships" xmlns:p="http://schemas.openxmlformats.org/presentationml/2006/main">
-  <p:tag name="KSO_WM_UNIT_BLOCK" val="0"/>
-  <p:tag name="KSO_WM_UNIT_IS_LAYOUT_DIAGRAM" val="1"/>
-  <p:tag name="KSO_WM_UNIT_HIGHLIGHT" val="0"/>
-  <p:tag name="KSO_WM_UNIT_COMPATIBLE" val="0"/>
-  <p:tag name="KSO_WM_UNIT_DIAGRAM_ISNUMVISUAL" val="0"/>
-  <p:tag name="KSO_WM_UNIT_DIAGRAM_ISREFERUNIT" val="0"/>
-  <p:tag name="KSO_WM_DIAGRAM_GROUP_CODE" val="l1-2"/>
-  <p:tag name="KSO_WM_UNIT_TYPE" val="l_h_i"/>
-  <p:tag name="KSO_WM_UNIT_INDEX" val="1_2_2"/>
-  <p:tag name="KSO_WM_UNIT_ID" val="custom20204339_12*l_h_i*1_2_2"/>
-  <p:tag name="KSO_WM_TEMPLATE_CATEGORY" val="custom"/>
-  <p:tag name="KSO_WM_TEMPLATE_INDEX" val="20204339"/>
-  <p:tag name="KSO_WM_UNIT_LAYERLEVEL" val="1_1_1"/>
-  <p:tag name="KSO_WM_TAG_VERSION" val="1.0"/>
-  <p:tag name="KSO_WM_BEAUTIFY_FLAG" val="#wm#"/>
-  <p:tag name="KSO_WM_UNIT_FILL_FORE_SCHEMECOLOR_INDEX" val="5"/>
-  <p:tag name="KSO_WM_UNIT_FILL_TYPE" val="1"/>
-  <p:tag name="KSO_WM_UNIT_TEXT_FILL_FORE_SCHEMECOLOR_INDEX" val="14"/>
-  <p:tag name="KSO_WM_UNIT_TEXT_FILL_TYPE" val="1"/>
-  <p:tag name="KSO_WM_UNIT_USESOURCEFORMAT_APPLY" val="1"/>
-</p:tagLst>
-</file>
-
-<file path=ppt/tags/tag411.xml><?xml version="1.0" encoding="utf-8"?>
-<p:tagLst xmlns:a="http://schemas.openxmlformats.org/drawingml/2006/main" xmlns:r="http://schemas.openxmlformats.org/officeDocument/2006/relationships" xmlns:p="http://schemas.openxmlformats.org/presentationml/2006/main">
-  <p:tag name="KSO_WM_UNIT_BLOCK" val="0"/>
-  <p:tag name="KSO_WM_UNIT_ISCONTENTSTITLE" val="0"/>
-  <p:tag name="KSO_WM_UNIT_ISNUMDGMTITLE" val="0"/>
-  <p:tag name="KSO_WM_UNIT_PRESET_TEXT" val="单击此处添加大标题"/>
-  <p:tag name="KSO_WM_UNIT_NOCLEAR" val="0"/>
-  <p:tag name="KSO_WM_UNIT_VALUE" val="26"/>
-  <p:tag name="KSO_WM_UNIT_HIGHLIGHT" val="0"/>
-  <p:tag name="KSO_WM_UNIT_COMPATIBLE" val="0"/>
-  <p:tag name="KSO_WM_UNIT_DIAGRAM_ISNUMVISUAL" val="0"/>
-  <p:tag name="KSO_WM_UNIT_DIAGRAM_ISREFERUNIT" val="0"/>
-  <p:tag name="KSO_WM_DIAGRAM_GROUP_CODE" val="l1-2"/>
-  <p:tag name="KSO_WM_UNIT_TYPE" val="a"/>
-  <p:tag name="KSO_WM_UNIT_INDEX" val="1"/>
-  <p:tag name="KSO_WM_UNIT_ID" val="custom20204339_12*a*1"/>
-  <p:tag name="KSO_WM_TEMPLATE_CATEGORY" val="custom"/>
-  <p:tag name="KSO_WM_TEMPLATE_INDEX" val="20204339"/>
-  <p:tag name="KSO_WM_UNIT_LAYERLEVEL" val="1"/>
-  <p:tag name="KSO_WM_TAG_VERSION" val="1.0"/>
-  <p:tag name="KSO_WM_BEAUTIFY_FLAG" val="#wm#"/>
-  <p:tag name="KSO_WM_UNIT_TEXT_FILL_FORE_SCHEMECOLOR_INDEX" val="13"/>
-  <p:tag name="KSO_WM_UNIT_TEXT_FILL_TYPE" val="1"/>
-  <p:tag name="KSO_WM_UNIT_USESOURCEFORMAT_APPLY" val="1"/>
-</p:tagLst>
-</file>
-
-<file path=ppt/tags/tag412.xml><?xml version="1.0" encoding="utf-8"?>
-<p:tagLst xmlns:a="http://schemas.openxmlformats.org/drawingml/2006/main" xmlns:r="http://schemas.openxmlformats.org/officeDocument/2006/relationships" xmlns:p="http://schemas.openxmlformats.org/presentationml/2006/main">
-  <p:tag name="KSO_WM_SLIDE_BACKGROUND_TYPE" val="frame"/>
-  <p:tag name="KSO_WM_UNIT_TYPE" val="i"/>
-  <p:tag name="KSO_WM_UNIT_INDEX" val="2"/>
-  <p:tag name="KSO_WM_TEMPLATE_CATEGORY" val="custom"/>
-  <p:tag name="KSO_WM_TEMPLATE_INDEX" val="20204339"/>
-  <p:tag name="KSO_WM_UNIT_ID" val="custom20204339_12*i*2"/>
-  <p:tag name="KSO_WM_UNIT_HIGHLIGHT" val="0"/>
-  <p:tag name="KSO_WM_UNIT_COMPATIBLE" val="0"/>
-  <p:tag name="KSO_WM_UNIT_DIAGRAM_ISNUMVISUAL" val="0"/>
-  <p:tag name="KSO_WM_UNIT_DIAGRAM_ISREFERUNIT" val="0"/>
-  <p:tag name="KSO_WM_DIAGRAM_GROUP_CODE" val="l1-2"/>
-  <p:tag name="KSO_WM_UNIT_LAYERLEVEL" val="1"/>
-  <p:tag name="KSO_WM_TAG_VERSION" val="1.0"/>
-  <p:tag name="KSO_WM_BEAUTIFY_FLAG" val="#wm#"/>
-  <p:tag name="KSO_WM_UNIT_USESOURCEFORMAT_APPLY" val="1"/>
-</p:tagLst>
-</file>
-
-<file path=ppt/tags/tag413.xml><?xml version="1.0" encoding="utf-8"?>
-<p:tagLst xmlns:a="http://schemas.openxmlformats.org/drawingml/2006/main" xmlns:r="http://schemas.openxmlformats.org/officeDocument/2006/relationships" xmlns:p="http://schemas.openxmlformats.org/presentationml/2006/main">
-  <p:tag name="KSO_WM_SLIDE_BACKGROUND_TYPE" val="frame"/>
-  <p:tag name="KSO_WM_UNIT_TYPE" val="i"/>
-  <p:tag name="KSO_WM_UNIT_INDEX" val="3"/>
-  <p:tag name="KSO_WM_TEMPLATE_CATEGORY" val="custom"/>
-  <p:tag name="KSO_WM_TEMPLATE_INDEX" val="20204339"/>
-  <p:tag name="KSO_WM_UNIT_ID" val="custom20204339_12*i*3"/>
-  <p:tag name="KSO_WM_UNIT_HIGHLIGHT" val="0"/>
-  <p:tag name="KSO_WM_UNIT_COMPATIBLE" val="0"/>
-  <p:tag name="KSO_WM_UNIT_DIAGRAM_ISNUMVISUAL" val="0"/>
-  <p:tag name="KSO_WM_UNIT_DIAGRAM_ISREFERUNIT" val="0"/>
-  <p:tag name="KSO_WM_DIAGRAM_GROUP_CODE" val="l1-2"/>
-  <p:tag name="KSO_WM_UNIT_LAYERLEVEL" val="1"/>
-  <p:tag name="KSO_WM_TAG_VERSION" val="1.0"/>
-  <p:tag name="KSO_WM_BEAUTIFY_FLAG" val="#wm#"/>
-  <p:tag name="KSO_WM_UNIT_USESOURCEFORMAT_APPLY" val="1"/>
-</p:tagLst>
-</file>
-
-<file path=ppt/tags/tag414.xml><?xml version="1.0" encoding="utf-8"?>
-<p:tagLst xmlns:a="http://schemas.openxmlformats.org/drawingml/2006/main" xmlns:r="http://schemas.openxmlformats.org/officeDocument/2006/relationships" xmlns:p="http://schemas.openxmlformats.org/presentationml/2006/main">
-  <p:tag name="KSO_WM_TEMPLATE_SUBCATEGORY" val="0"/>
-  <p:tag name="KSO_WM_SLIDE_TYPE" val="sectionTitle"/>
-  <p:tag name="KSO_WM_SLIDE_SUBTYPE" val="pureTxt"/>
-  <p:tag name="KSO_WM_SLIDE_ITEM_CNT" val="0"/>
-  <p:tag name="KSO_WM_SLIDE_INDEX" val="7"/>
-  <p:tag name="KSO_WM_TAG_VERSION" val="1.0"/>
-  <p:tag name="KSO_WM_BEAUTIFY_FLAG" val="#wm#"/>
-  <p:tag name="KSO_WM_SLIDE_LAYOUT" val="a_e"/>
-  <p:tag name="KSO_WM_SLIDE_LAYOUT_CNT" val="1_1"/>
-  <p:tag name="KSO_WM_TEMPLATE_MASTER_TYPE" val="1"/>
-  <p:tag name="KSO_WM_TEMPLATE_COLOR_TYPE" val="1"/>
-  <p:tag name="KSO_WM_TEMPLATE_CATEGORY" val="custom"/>
-  <p:tag name="KSO_WM_TEMPLATE_INDEX" val="20204339"/>
-  <p:tag name="KSO_WM_SLIDE_ID" val="custom20204339_7"/>
-</p:tagLst>
-</file>
-
-<file path=ppt/tags/tag415.xml><?xml version="1.0" encoding="utf-8"?>
-<p:tagLst xmlns:a="http://schemas.openxmlformats.org/drawingml/2006/main" xmlns:r="http://schemas.openxmlformats.org/officeDocument/2006/relationships" xmlns:p="http://schemas.openxmlformats.org/presentationml/2006/main">
-  <p:tag name="KSO_WM_UNIT_PRESET_TEXT" val="PART 01"/>
-  <p:tag name="KSO_WM_UNIT_NOCLEAR" val="0"/>
-  <p:tag name="KSO_WM_UNIT_VALUE" val="4"/>
-  <p:tag name="KSO_WM_UNIT_HIGHLIGHT" val="0"/>
-  <p:tag name="KSO_WM_UNIT_COMPATIBLE" val="1"/>
-  <p:tag name="KSO_WM_UNIT_DIAGRAM_ISNUMVISUAL" val="0"/>
-  <p:tag name="KSO_WM_UNIT_DIAGRAM_ISREFERUNIT" val="0"/>
-  <p:tag name="KSO_WM_UNIT_TYPE" val="e"/>
-  <p:tag name="KSO_WM_UNIT_INDEX" val="1"/>
-  <p:tag name="KSO_WM_UNIT_ID" val="custom20204339_7*e*1"/>
-  <p:tag name="KSO_WM_TEMPLATE_CATEGORY" val="custom"/>
-  <p:tag name="KSO_WM_TEMPLATE_INDEX" val="20204339"/>
-  <p:tag name="KSO_WM_UNIT_LAYERLEVEL" val="1"/>
-  <p:tag name="KSO_WM_TAG_VERSION" val="1.0"/>
-  <p:tag name="KSO_WM_BEAUTIFY_FLAG" val="#wm#"/>
-</p:tagLst>
-</file>
-
-<file path=ppt/tags/tag416.xml><?xml version="1.0" encoding="utf-8"?>
-<p:tagLst xmlns:a="http://schemas.openxmlformats.org/drawingml/2006/main" xmlns:r="http://schemas.openxmlformats.org/officeDocument/2006/relationships" xmlns:p="http://schemas.openxmlformats.org/presentationml/2006/main">
-  <p:tag name="KSO_WM_SLIDE_LAYOUT_INFO" val="{&quot;direction&quot;:0,&quot;horizontalAlign&quot;:-1,&quot;verticalAlign&quot;:-1,&quot;type&quot;:0,&quot;diagramDirection&quot;:0,&quot;canSetOverLayout&quot;:0,&quot;isOverLayout&quot;:0,&quot;margin&quot;:{&quot;left&quot;:1.69,&quot;top&quot;:1.69,&quot;right&quot;:1.69,&quot;bottom&quot;:1.69},&quot;edge&quot;:{&quot;left&quot;:true,&quot;top&quot;:true,&quot;right&quot;:true,&quot;bottom&quot;:true},&quot;backgroundInfo&quot;:[{&quot;type&quot;:&quot;general&quot;,&quot;left&quot;:0.0,&quot;top&quot;:0.0,&quot;right&quot;:0.0,&quot;bottom&quot;:0.0,&quot;leftAbs&quot;:false,&quot;topAbs&quot;:false,&quot;rightAbs&quot;:false,&quot;bottomAbs&quot;:false},{&quot;type&quot;:&quot;frame&quot;,&quot;left&quot;:0.0,&quot;top&quot;:0.0,&quot;right&quot;:0.0,&quot;bottom&quot;:0.0,&quot;leftAbs&quot;:false,&quot;topAbs&quot;:false,&quot;rightAbs&quot;:false,&quot;bottomAbs&quot;:false}]}"/>
-  <p:tag name="KSO_WM_SLIDE_BACKGROUND" val="[&quot;general&quot;,&quot;frame&quot;]"/>
-  <p:tag name="KSO_WM_SLIDE_RATIO" val="1.777778"/>
-  <p:tag name="KSO_WM_SLIDE_ID" val="custom20204339_10"/>
-  <p:tag name="KSO_WM_TEMPLATE_SUBCATEGORY" val="0"/>
-  <p:tag name="KSO_WM_TEMPLATE_MASTER_TYPE" val="1"/>
-  <p:tag name="KSO_WM_TEMPLATE_COLOR_TYPE" val="1"/>
-  <p:tag name="KSO_WM_SLIDE_TYPE" val="text"/>
-  <p:tag name="KSO_WM_SLIDE_SUBTYPE" val="diag"/>
-  <p:tag name="KSO_WM_SLIDE_ITEM_CNT" val="2"/>
-  <p:tag name="KSO_WM_SLIDE_INDEX" val="10"/>
-  <p:tag name="KSO_WM_SLIDE_SIZE" val="863.788*337.844"/>
-  <p:tag name="KSO_WM_SLIDE_POSITION" val="47.9555*154.3"/>
-  <p:tag name="KSO_WM_DIAGRAM_GROUP_CODE" val="l1-2"/>
-  <p:tag name="KSO_WM_SLIDE_DIAGTYPE" val="l"/>
-  <p:tag name="KSO_WM_TAG_VERSION" val="1.0"/>
-  <p:tag name="KSO_WM_BEAUTIFY_FLAG" val="#wm#"/>
-  <p:tag name="KSO_WM_TEMPLATE_CATEGORY" val="custom"/>
-  <p:tag name="KSO_WM_TEMPLATE_INDEX" val="20204339"/>
-  <p:tag name="KSO_WM_SLIDE_LAYOUT" val="a_i_l"/>
-  <p:tag name="KSO_WM_SLIDE_LAYOUT_CNT" val="1_1_1"/>
-</p:tagLst>
-</file>
-
-<file path=ppt/tags/tag417.xml><?xml version="1.0" encoding="utf-8"?>
-<p:tagLst xmlns:a="http://schemas.openxmlformats.org/drawingml/2006/main" xmlns:r="http://schemas.openxmlformats.org/officeDocument/2006/relationships" xmlns:p="http://schemas.openxmlformats.org/presentationml/2006/main">
-  <p:tag name="KSO_WM_SLIDE_BACKGROUND_TYPE" val="frame"/>
-  <p:tag name="KSO_WM_UNIT_HIGHLIGHT" val="0"/>
-  <p:tag name="KSO_WM_UNIT_COMPATIBLE" val="0"/>
-  <p:tag name="KSO_WM_UNIT_DIAGRAM_ISNUMVISUAL" val="0"/>
-  <p:tag name="KSO_WM_UNIT_DIAGRAM_ISREFERUNIT" val="0"/>
-  <p:tag name="KSO_WM_DIAGRAM_GROUP_CODE" val="l1-2"/>
-  <p:tag name="KSO_WM_UNIT_SUBTYPE" val="h"/>
-  <p:tag name="KSO_WM_UNIT_TYPE" val="i"/>
-  <p:tag name="KSO_WM_UNIT_INDEX" val="1"/>
-  <p:tag name="KSO_WM_UNIT_ID" val="custom20204339_10*i*1"/>
-  <p:tag name="KSO_WM_TEMPLATE_CATEGORY" val="custom"/>
-  <p:tag name="KSO_WM_TEMPLATE_INDEX" val="20204339"/>
-  <p:tag name="KSO_WM_UNIT_BK_DARK_LIGHT" val="2"/>
-  <p:tag name="KSO_WM_UNIT_LAYERLEVEL" val="1"/>
-  <p:tag name="KSO_WM_TAG_VERSION" val="1.0"/>
-  <p:tag name="KSO_WM_BEAUTIFY_FLAG" val="#wm#"/>
-  <p:tag name="KSO_WM_UNIT_FILL_FORE_SCHEMECOLOR_INDEX" val="16"/>
-  <p:tag name="KSO_WM_UNIT_FILL_TYPE" val="1"/>
-  <p:tag name="KSO_WM_UNIT_TEXT_FILL_FORE_SCHEMECOLOR_INDEX" val="2"/>
-  <p:tag name="KSO_WM_UNIT_TEXT_FILL_TYPE" val="1"/>
-  <p:tag name="KSO_WM_UNIT_USESOURCEFORMAT_APPLY" val="1"/>
-</p:tagLst>
-</file>
-
-<file path=ppt/tags/tag418.xml><?xml version="1.0" encoding="utf-8"?>
-<p:tagLst xmlns:a="http://schemas.openxmlformats.org/drawingml/2006/main" xmlns:r="http://schemas.openxmlformats.org/officeDocument/2006/relationships" xmlns:p="http://schemas.openxmlformats.org/presentationml/2006/main">
-  <p:tag name="KSO_WM_UNIT_BLOCK" val="0"/>
-  <p:tag name="KSO_WM_UNIT_IS_LAYOUT_DIAGRAM" val="1"/>
-  <p:tag name="KSO_WM_UNIT_ISCONTENTSTITLE" val="0"/>
-  <p:tag name="KSO_WM_UNIT_ISNUMDGMTITLE" val="0"/>
-  <p:tag name="KSO_WM_UNIT_PRESET_TEXT" val="单击此处添加小标题"/>
-  <p:tag name="KSO_WM_UNIT_NOCLEAR" val="0"/>
-  <p:tag name="KSO_WM_UNIT_VALUE" val="19"/>
-  <p:tag name="KSO_WM_UNIT_HIGHLIGHT" val="0"/>
-  <p:tag name="KSO_WM_UNIT_COMPATIBLE" val="0"/>
-  <p:tag name="KSO_WM_UNIT_DIAGRAM_ISNUMVISUAL" val="0"/>
-  <p:tag name="KSO_WM_UNIT_DIAGRAM_ISREFERUNIT" val="0"/>
-  <p:tag name="KSO_WM_DIAGRAM_GROUP_CODE" val="l1-2"/>
-  <p:tag name="KSO_WM_UNIT_TYPE" val="l_h_a"/>
-  <p:tag name="KSO_WM_UNIT_INDEX" val="1_1_1"/>
-  <p:tag name="KSO_WM_UNIT_ID" val="custom20204339_10*l_h_a*1_1_1"/>
-  <p:tag name="KSO_WM_TEMPLATE_CATEGORY" val="custom"/>
-  <p:tag name="KSO_WM_TEMPLATE_INDEX" val="20204339"/>
-  <p:tag name="KSO_WM_UNIT_LAYERLEVEL" val="1_1_1"/>
-  <p:tag name="KSO_WM_TAG_VERSION" val="1.0"/>
-  <p:tag name="KSO_WM_BEAUTIFY_FLAG" val="#wm#"/>
-  <p:tag name="KSO_WM_UNIT_TEXT_FILL_FORE_SCHEMECOLOR_INDEX" val="13"/>
-  <p:tag name="KSO_WM_UNIT_TEXT_FILL_TYPE" val="1"/>
-  <p:tag name="KSO_WM_UNIT_USESOURCEFORMAT_APPLY" val="1"/>
-</p:tagLst>
-</file>
-
-<file path=ppt/tags/tag419.xml><?xml version="1.0" encoding="utf-8"?>
-<p:tagLst xmlns:a="http://schemas.openxmlformats.org/drawingml/2006/main" xmlns:r="http://schemas.openxmlformats.org/officeDocument/2006/relationships" xmlns:p="http://schemas.openxmlformats.org/presentationml/2006/main">
-  <p:tag name="KSO_WM_UNIT_BLOCK" val="0"/>
-  <p:tag name="KSO_WM_UNIT_IS_LAYOUT_DIAGRAM" val="1"/>
-  <p:tag name="KSO_WM_UNIT_HIGHLIGHT" val="0"/>
-  <p:tag name="KSO_WM_UNIT_COMPATIBLE" val="0"/>
-  <p:tag name="KSO_WM_UNIT_DIAGRAM_ISNUMVISUAL" val="0"/>
-  <p:tag name="KSO_WM_UNIT_DIAGRAM_ISREFERUNIT" val="0"/>
-  <p:tag name="KSO_WM_DIAGRAM_GROUP_CODE" val="l1-2"/>
-  <p:tag name="KSO_WM_UNIT_TYPE" val="l_h_i"/>
-  <p:tag name="KSO_WM_UNIT_INDEX" val="1_1_1"/>
-  <p:tag name="KSO_WM_UNIT_ID" val="custom20204339_10*l_h_i*1_1_1"/>
-  <p:tag name="KSO_WM_TEMPLATE_CATEGORY" val="custom"/>
-  <p:tag name="KSO_WM_TEMPLATE_INDEX" val="20204339"/>
-  <p:tag name="KSO_WM_UNIT_LAYERLEVEL" val="1_1_1"/>
-  <p:tag name="KSO_WM_TAG_VERSION" val="1.0"/>
-  <p:tag name="KSO_WM_BEAUTIFY_FLAG" val="#wm#"/>
-  <p:tag name="KSO_WM_UNIT_FILL_FORE_SCHEMECOLOR_INDEX" val="5"/>
-  <p:tag name="KSO_WM_UNIT_FILL_TYPE" val="1"/>
-  <p:tag name="KSO_WM_UNIT_TEXT_FILL_FORE_SCHEMECOLOR_INDEX" val="2"/>
-  <p:tag name="KSO_WM_UNIT_TEXT_FILL_TYPE" val="1"/>
-  <p:tag name="KSO_WM_UNIT_USESOURCEFORMAT_APPLY" val="1"/>
-</p:tagLst>
-</file>
-
-<file path=ppt/tags/tag42.xml><?xml version="1.0" encoding="utf-8"?>
-<p:tagLst xmlns:a="http://schemas.openxmlformats.org/drawingml/2006/main" xmlns:r="http://schemas.openxmlformats.org/officeDocument/2006/relationships" xmlns:p="http://schemas.openxmlformats.org/presentationml/2006/main">
-  <p:tag name="KSO_WM_UNIT_HIGHLIGHT" val="0"/>
-  <p:tag name="KSO_WM_UNIT_COMPATIBLE" val="0"/>
-  <p:tag name="KSO_WM_UNIT_DIAGRAM_ISNUMVISUAL" val="0"/>
-  <p:tag name="KSO_WM_UNIT_DIAGRAM_ISREFERUNIT" val="0"/>
-  <p:tag name="KSO_WM_UNIT_ID" val="_5**"/>
-  <p:tag name="KSO_WM_UNIT_LAYERLEVEL" val="1"/>
-  <p:tag name="KSO_WM_TAG_VERSION" val="1.0"/>
-  <p:tag name="KSO_WM_BEAUTIFY_FLAG" val="#wm#"/>
-</p:tagLst>
-</file>
-
-<file path=ppt/tags/tag420.xml><?xml version="1.0" encoding="utf-8"?>
-<p:tagLst xmlns:a="http://schemas.openxmlformats.org/drawingml/2006/main" xmlns:r="http://schemas.openxmlformats.org/officeDocument/2006/relationships" xmlns:p="http://schemas.openxmlformats.org/presentationml/2006/main">
-  <p:tag name="KSO_WM_UNIT_BLOCK" val="0"/>
-  <p:tag name="KSO_WM_UNIT_ISCONTENTSTITLE" val="0"/>
-  <p:tag name="KSO_WM_UNIT_ISNUMDGMTITLE" val="0"/>
-  <p:tag name="KSO_WM_UNIT_PRESET_TEXT" val="单击此处添加大标题"/>
-  <p:tag name="KSO_WM_UNIT_NOCLEAR" val="0"/>
-  <p:tag name="KSO_WM_UNIT_VALUE" val="26"/>
-  <p:tag name="KSO_WM_UNIT_HIGHLIGHT" val="0"/>
-  <p:tag name="KSO_WM_UNIT_COMPATIBLE" val="0"/>
-  <p:tag name="KSO_WM_UNIT_DIAGRAM_ISNUMVISUAL" val="0"/>
-  <p:tag name="KSO_WM_UNIT_DIAGRAM_ISREFERUNIT" val="0"/>
-  <p:tag name="KSO_WM_DIAGRAM_GROUP_CODE" val="l1-2"/>
-  <p:tag name="KSO_WM_UNIT_TYPE" val="a"/>
-  <p:tag name="KSO_WM_UNIT_INDEX" val="1"/>
-  <p:tag name="KSO_WM_UNIT_ID" val="custom20204339_10*a*1"/>
-  <p:tag name="KSO_WM_TEMPLATE_CATEGORY" val="custom"/>
-  <p:tag name="KSO_WM_TEMPLATE_INDEX" val="20204339"/>
-  <p:tag name="KSO_WM_UNIT_LAYERLEVEL" val="1"/>
-  <p:tag name="KSO_WM_TAG_VERSION" val="1.0"/>
-  <p:tag name="KSO_WM_BEAUTIFY_FLAG" val="#wm#"/>
-  <p:tag name="KSO_WM_UNIT_TEXT_FILL_FORE_SCHEMECOLOR_INDEX" val="13"/>
-  <p:tag name="KSO_WM_UNIT_TEXT_FILL_TYPE" val="1"/>
-  <p:tag name="KSO_WM_UNIT_USESOURCEFORMAT_APPLY" val="1"/>
-</p:tagLst>
-</file>
-
-<file path=ppt/tags/tag421.xml><?xml version="1.0" encoding="utf-8"?>
-<p:tagLst xmlns:a="http://schemas.openxmlformats.org/drawingml/2006/main" xmlns:r="http://schemas.openxmlformats.org/officeDocument/2006/relationships" xmlns:p="http://schemas.openxmlformats.org/presentationml/2006/main">
-  <p:tag name="KSO_WM_SLIDE_BACKGROUND_TYPE" val="frame"/>
-  <p:tag name="KSO_WM_UNIT_TYPE" val="i"/>
-  <p:tag name="KSO_WM_UNIT_INDEX" val="2"/>
-  <p:tag name="KSO_WM_TEMPLATE_CATEGORY" val="custom"/>
-  <p:tag name="KSO_WM_TEMPLATE_INDEX" val="20204339"/>
-  <p:tag name="KSO_WM_UNIT_ID" val="custom20204339_10*i*2"/>
-  <p:tag name="KSO_WM_UNIT_HIGHLIGHT" val="0"/>
-  <p:tag name="KSO_WM_UNIT_COMPATIBLE" val="0"/>
-  <p:tag name="KSO_WM_UNIT_DIAGRAM_ISNUMVISUAL" val="0"/>
-  <p:tag name="KSO_WM_UNIT_DIAGRAM_ISREFERUNIT" val="0"/>
-  <p:tag name="KSO_WM_DIAGRAM_GROUP_CODE" val="l1-2"/>
-  <p:tag name="KSO_WM_UNIT_LAYERLEVEL" val="1"/>
-  <p:tag name="KSO_WM_TAG_VERSION" val="1.0"/>
-  <p:tag name="KSO_WM_BEAUTIFY_FLAG" val="#wm#"/>
-  <p:tag name="KSO_WM_UNIT_USESOURCEFORMAT_APPLY" val="1"/>
-</p:tagLst>
-</file>
-
-<file path=ppt/tags/tag422.xml><?xml version="1.0" encoding="utf-8"?>
-<p:tagLst xmlns:a="http://schemas.openxmlformats.org/drawingml/2006/main" xmlns:r="http://schemas.openxmlformats.org/officeDocument/2006/relationships" xmlns:p="http://schemas.openxmlformats.org/presentationml/2006/main">
-  <p:tag name="KSO_WM_SLIDE_BACKGROUND_TYPE" val="frame"/>
-  <p:tag name="KSO_WM_UNIT_TYPE" val="i"/>
-  <p:tag name="KSO_WM_UNIT_INDEX" val="3"/>
-  <p:tag name="KSO_WM_TEMPLATE_CATEGORY" val="custom"/>
-  <p:tag name="KSO_WM_TEMPLATE_INDEX" val="20204339"/>
-  <p:tag name="KSO_WM_UNIT_ID" val="custom20204339_10*i*3"/>
-  <p:tag name="KSO_WM_UNIT_HIGHLIGHT" val="0"/>
-  <p:tag name="KSO_WM_UNIT_COMPATIBLE" val="0"/>
-  <p:tag name="KSO_WM_UNIT_DIAGRAM_ISNUMVISUAL" val="0"/>
-  <p:tag name="KSO_WM_UNIT_DIAGRAM_ISREFERUNIT" val="0"/>
-  <p:tag name="KSO_WM_DIAGRAM_GROUP_CODE" val="l1-2"/>
-  <p:tag name="KSO_WM_UNIT_LAYERLEVEL" val="1"/>
-  <p:tag name="KSO_WM_TAG_VERSION" val="1.0"/>
-  <p:tag name="KSO_WM_BEAUTIFY_FLAG" val="#wm#"/>
-  <p:tag name="KSO_WM_UNIT_USESOURCEFORMAT_APPLY" val="1"/>
-</p:tagLst>
-</file>
-
-<file path=ppt/tags/tag423.xml><?xml version="1.0" encoding="utf-8"?>
 <p:tagLst xmlns:a="http://schemas.openxmlformats.org/drawingml/2006/main" xmlns:r="http://schemas.openxmlformats.org/officeDocument/2006/relationships" xmlns:p="http://schemas.openxmlformats.org/presentationml/2006/main">
   <p:tag name="KSO_WM_TEMPLATE_SUBCATEGORY" val="0"/>
   <p:tag name="KSO_WM_SLIDE_ITEM_CNT" val="0"/>
@@ -39788,7 +39205,7 @@
 </p:tagLst>
 </file>
 
-<file path=ppt/tags/tag424.xml><?xml version="1.0" encoding="utf-8"?>
+<file path=ppt/tags/tag411.xml><?xml version="1.0" encoding="utf-8"?>
 <p:tagLst xmlns:a="http://schemas.openxmlformats.org/drawingml/2006/main" xmlns:r="http://schemas.openxmlformats.org/officeDocument/2006/relationships" xmlns:p="http://schemas.openxmlformats.org/presentationml/2006/main">
   <p:tag name="KSO_WM_SLIDE_BACKGROUND_TYPE" val="topBottom"/>
   <p:tag name="KSO_WM_UNIT_SUBTYPE" val="h"/>
@@ -39808,7 +39225,7 @@
 </p:tagLst>
 </file>
 
-<file path=ppt/tags/tag425.xml><?xml version="1.0" encoding="utf-8"?>
+<file path=ppt/tags/tag412.xml><?xml version="1.0" encoding="utf-8"?>
 <p:tagLst xmlns:a="http://schemas.openxmlformats.org/drawingml/2006/main" xmlns:r="http://schemas.openxmlformats.org/officeDocument/2006/relationships" xmlns:p="http://schemas.openxmlformats.org/presentationml/2006/main">
   <p:tag name="KSO_WM_SLIDE_BACKGROUND_TYPE" val="topBottom"/>
   <p:tag name="KSO_WM_UNIT_TYPE" val="i"/>
@@ -39826,7 +39243,7 @@
 </p:tagLst>
 </file>
 
-<file path=ppt/tags/tag426.xml><?xml version="1.0" encoding="utf-8"?>
+<file path=ppt/tags/tag413.xml><?xml version="1.0" encoding="utf-8"?>
 <p:tagLst xmlns:a="http://schemas.openxmlformats.org/drawingml/2006/main" xmlns:r="http://schemas.openxmlformats.org/officeDocument/2006/relationships" xmlns:p="http://schemas.openxmlformats.org/presentationml/2006/main">
   <p:tag name="KSO_WM_SLIDE_BACKGROUND_TYPE" val="topBottom"/>
   <p:tag name="KSO_WM_UNIT_TYPE" val="i"/>
@@ -39844,7 +39261,7 @@
 </p:tagLst>
 </file>
 
-<file path=ppt/tags/tag427.xml><?xml version="1.0" encoding="utf-8"?>
+<file path=ppt/tags/tag414.xml><?xml version="1.0" encoding="utf-8"?>
 <p:tagLst xmlns:a="http://schemas.openxmlformats.org/drawingml/2006/main" xmlns:r="http://schemas.openxmlformats.org/officeDocument/2006/relationships" xmlns:p="http://schemas.openxmlformats.org/presentationml/2006/main">
   <p:tag name="KSO_WM_UNIT_HIGHLIGHT" val="0"/>
   <p:tag name="KSO_WM_UNIT_COMPATIBLE" val="0"/>
@@ -39864,7 +39281,7 @@
 </p:tagLst>
 </file>
 
-<file path=ppt/tags/tag428.xml><?xml version="1.0" encoding="utf-8"?>
+<file path=ppt/tags/tag415.xml><?xml version="1.0" encoding="utf-8"?>
 <p:tagLst xmlns:a="http://schemas.openxmlformats.org/drawingml/2006/main" xmlns:r="http://schemas.openxmlformats.org/officeDocument/2006/relationships" xmlns:p="http://schemas.openxmlformats.org/presentationml/2006/main">
   <p:tag name="KSO_WM_UNIT_HIGHLIGHT" val="0"/>
   <p:tag name="KSO_WM_UNIT_COMPATIBLE" val="0"/>
@@ -39884,6 +39301,19 @@
   <p:tag name="KSO_WM_TEMPLATE_INDEX" val="20204339"/>
   <p:tag name="KSO_WM_UNIT_ID" val="custom20204339_9*a*1"/>
   <p:tag name="KSO_WM_UNIT_ISNUMDGMTITLE" val="0"/>
+</p:tagLst>
+</file>
+
+<file path=ppt/tags/tag42.xml><?xml version="1.0" encoding="utf-8"?>
+<p:tagLst xmlns:a="http://schemas.openxmlformats.org/drawingml/2006/main" xmlns:r="http://schemas.openxmlformats.org/officeDocument/2006/relationships" xmlns:p="http://schemas.openxmlformats.org/presentationml/2006/main">
+  <p:tag name="KSO_WM_UNIT_HIGHLIGHT" val="0"/>
+  <p:tag name="KSO_WM_UNIT_COMPATIBLE" val="0"/>
+  <p:tag name="KSO_WM_UNIT_DIAGRAM_ISNUMVISUAL" val="0"/>
+  <p:tag name="KSO_WM_UNIT_DIAGRAM_ISREFERUNIT" val="0"/>
+  <p:tag name="KSO_WM_UNIT_ID" val="_5**"/>
+  <p:tag name="KSO_WM_UNIT_LAYERLEVEL" val="1"/>
+  <p:tag name="KSO_WM_TAG_VERSION" val="1.0"/>
+  <p:tag name="KSO_WM_BEAUTIFY_FLAG" val="#wm#"/>
 </p:tagLst>
 </file>
 
